--- a/8주차 중간발표 PPT(6조, 노란돌고래).pptx
+++ b/8주차 중간발표 PPT(6조, 노란돌고래).pptx
@@ -8272,23 +8272,25 @@
             </a:r>
             <a:r>
               <a:rPr lang="ko-KR" altLang="en-US" sz="2400" dirty="0"/>
-              <a:t>실내에서</a:t>
+              <a:t>실내</a:t>
             </a:r>
             <a:r>
               <a:rPr lang="ko-KR" altLang="en-US" dirty="0"/>
-              <a:t>의 위치 추적 방법</a:t>
+              <a:t>에서의 위치 추적 방법입니다</a:t>
             </a:r>
             <a:r>
               <a:rPr lang="en-US" altLang="ko-KR" dirty="0"/>
-              <a:t>, </a:t>
-            </a:r>
+              <a:t>.</a:t>
+            </a:r>
+          </a:p>
+          <a:p>
             <a:r>
               <a:rPr lang="ko-KR" altLang="en-US" dirty="0"/>
-              <a:t>저희 프로젝트 주제와 연관되면 실내에서 위치 추적의 중요성은 상대적으로 떨어짐</a:t>
+              <a:t>저희 프로젝트에서는 실내에서 위치 추적이 필요하지 않습니다</a:t>
             </a:r>
             <a:r>
               <a:rPr lang="en-US" altLang="ko-KR" dirty="0"/>
-              <a:t> </a:t>
+              <a:t>.</a:t>
             </a:r>
             <a:endParaRPr lang="ko-KR" altLang="en-US" dirty="0"/>
           </a:p>
@@ -10401,7 +10403,7 @@
           <a:p>
             <a:r>
               <a:rPr lang="ko-KR" altLang="en-US" dirty="0"/>
-              <a:t>그래서 현재는 기존의 </a:t>
+              <a:t>따라서 현재는 기존의 </a:t>
             </a:r>
             <a:r>
               <a:rPr lang="ko-KR" altLang="en-US" dirty="0" err="1"/>
@@ -12424,15 +12426,7 @@
             </a:r>
             <a:r>
               <a:rPr lang="ko-KR" altLang="en-US" dirty="0"/>
-              <a:t>이에  기반한 동적 컨텐츠를 더     </a:t>
-            </a:r>
-            <a:r>
-              <a:rPr lang="ko-KR" altLang="en-US" dirty="0" err="1"/>
-              <a:t>계획중에</a:t>
-            </a:r>
-            <a:r>
-              <a:rPr lang="ko-KR" altLang="en-US" dirty="0"/>
-              <a:t> 있습니다</a:t>
+              <a:t>이에  기반한 동적 컨텐츠를 더     계획 중에 있습니다</a:t>
             </a:r>
             <a:r>
               <a:rPr lang="en-US" altLang="ko-KR" dirty="0"/>
@@ -12753,7 +12747,7 @@
         <p:spPr>
           <a:xfrm>
             <a:off x="395536" y="1995686"/>
-            <a:ext cx="5638337" cy="2308324"/>
+            <a:ext cx="5638337" cy="2031325"/>
           </a:xfrm>
           <a:prstGeom prst="rect">
             <a:avLst/>
@@ -12810,31 +12804,15 @@
           <a:p>
             <a:r>
               <a:rPr lang="ko-KR" altLang="en-US" dirty="0" err="1"/>
-              <a:t>트래킹은</a:t>
+              <a:t>트래킹을</a:t>
             </a:r>
             <a:r>
               <a:rPr lang="ko-KR" altLang="en-US" dirty="0"/>
-              <a:t> 현재 계속 </a:t>
-            </a:r>
-            <a:r>
-              <a:rPr lang="ko-KR" altLang="en-US" dirty="0" err="1"/>
-              <a:t>공부중에</a:t>
-            </a:r>
-            <a:r>
-              <a:rPr lang="ko-KR" altLang="en-US" dirty="0"/>
-              <a:t> 있으며 곧 구현할 예정입니다</a:t>
+              <a:t> 통해 이를 보완하려고 합니다</a:t>
             </a:r>
             <a:r>
               <a:rPr lang="en-US" altLang="ko-KR" dirty="0"/>
               <a:t>.</a:t>
-            </a:r>
-            <a:r>
-              <a:rPr lang="ko-KR" altLang="en-US" dirty="0"/>
-              <a:t> </a:t>
-            </a:r>
-            <a:r>
-              <a:rPr lang="en-US" altLang="ko-KR" dirty="0"/>
-              <a:t> </a:t>
             </a:r>
             <a:endParaRPr lang="ko-KR" altLang="en-US" dirty="0"/>
           </a:p>
@@ -13105,7 +13083,7 @@
         </p:nvSpPr>
         <p:spPr>
           <a:xfrm>
-            <a:off x="2555776" y="4701793"/>
+            <a:off x="2495452" y="4606383"/>
             <a:ext cx="1519126" cy="246221"/>
           </a:xfrm>
           <a:prstGeom prst="rect">
@@ -13129,12 +13107,9 @@
             </a:r>
             <a:r>
               <a:rPr lang="en-US" altLang="ko-KR" sz="1000" dirty="0"/>
-              <a:t>PPT </a:t>
-            </a:r>
-            <a:r>
-              <a:rPr lang="ko-KR" altLang="en-US" sz="1000" dirty="0"/>
-              <a:t>참조</a:t>
-            </a:r>
+              <a:t>PPT</a:t>
+            </a:r>
+            <a:endParaRPr lang="ko-KR" altLang="en-US" sz="1000" dirty="0"/>
           </a:p>
         </p:txBody>
       </p:sp>
@@ -13189,7 +13164,7 @@
         </p:blipFill>
         <p:spPr>
           <a:xfrm>
-            <a:off x="827584" y="1591136"/>
+            <a:off x="476280" y="1516107"/>
             <a:ext cx="3150879" cy="3084493"/>
           </a:xfrm>
           <a:prstGeom prst="rect">

--- a/8주차 중간발표 PPT(6조, 노란돌고래).pptx
+++ b/8주차 중간발표 PPT(6조, 노란돌고래).pptx
@@ -15,12 +15,14 @@
     <p:sldId id="308" r:id="rId9"/>
     <p:sldId id="309" r:id="rId10"/>
     <p:sldId id="310" r:id="rId11"/>
-    <p:sldId id="311" r:id="rId12"/>
-    <p:sldId id="312" r:id="rId13"/>
-    <p:sldId id="313" r:id="rId14"/>
-    <p:sldId id="299" r:id="rId15"/>
-    <p:sldId id="270" r:id="rId16"/>
-    <p:sldId id="262" r:id="rId17"/>
+    <p:sldId id="314" r:id="rId12"/>
+    <p:sldId id="315" r:id="rId13"/>
+    <p:sldId id="311" r:id="rId14"/>
+    <p:sldId id="312" r:id="rId15"/>
+    <p:sldId id="313" r:id="rId16"/>
+    <p:sldId id="299" r:id="rId17"/>
+    <p:sldId id="270" r:id="rId18"/>
+    <p:sldId id="262" r:id="rId19"/>
   </p:sldIdLst>
   <p:sldSz cx="9144000" cy="5143500" type="screen16x9"/>
   <p:notesSz cx="6858000" cy="9144000"/>
@@ -7459,6 +7461,439 @@
       </p:grpSpPr>
       <p:sp>
         <p:nvSpPr>
+          <p:cNvPr id="7" name="Text Placeholder 1">
+            <a:extLst>
+              <a:ext uri="{FF2B5EF4-FFF2-40B4-BE49-F238E27FC236}">
+                <a16:creationId xmlns:a16="http://schemas.microsoft.com/office/drawing/2014/main" id="{6C6E7023-D460-0F97-430A-19AD2F53371C}"/>
+              </a:ext>
+            </a:extLst>
+          </p:cNvPr>
+          <p:cNvSpPr txBox="1">
+            <a:spLocks/>
+          </p:cNvSpPr>
+          <p:nvPr/>
+        </p:nvSpPr>
+        <p:spPr>
+          <a:xfrm>
+            <a:off x="323528" y="195486"/>
+            <a:ext cx="8208912" cy="576064"/>
+          </a:xfrm>
+          <a:prstGeom prst="rect">
+            <a:avLst/>
+          </a:prstGeom>
+        </p:spPr>
+        <p:txBody>
+          <a:bodyPr anchor="ctr"/>
+          <a:lstStyle>
+            <a:lvl1pPr marL="0" indent="0" algn="l" defTabSz="914400" rtl="0" eaLnBrk="1" latinLnBrk="1" hangingPunct="1">
+              <a:spcBef>
+                <a:spcPct val="20000"/>
+              </a:spcBef>
+              <a:buFont typeface="Arial" pitchFamily="34" charset="0"/>
+              <a:buNone/>
+              <a:defRPr sz="3600" b="0" kern="1200" baseline="0">
+                <a:solidFill>
+                  <a:schemeClr val="tx1">
+                    <a:lumMod val="75000"/>
+                    <a:lumOff val="25000"/>
+                  </a:schemeClr>
+                </a:solidFill>
+                <a:latin typeface="+mj-lt"/>
+                <a:ea typeface="+mn-ea"/>
+                <a:cs typeface="Arial" pitchFamily="34" charset="0"/>
+              </a:defRPr>
+            </a:lvl1pPr>
+            <a:lvl2pPr marL="742950" indent="-285750" algn="l" defTabSz="914400" rtl="0" eaLnBrk="1" latinLnBrk="1" hangingPunct="1">
+              <a:spcBef>
+                <a:spcPct val="20000"/>
+              </a:spcBef>
+              <a:buFont typeface="Arial" pitchFamily="34" charset="0"/>
+              <a:buChar char="–"/>
+              <a:defRPr sz="2800" kern="1200">
+                <a:solidFill>
+                  <a:schemeClr val="tx1"/>
+                </a:solidFill>
+                <a:latin typeface="+mn-lt"/>
+                <a:ea typeface="+mn-ea"/>
+                <a:cs typeface="+mn-cs"/>
+              </a:defRPr>
+            </a:lvl2pPr>
+            <a:lvl3pPr marL="1143000" indent="-228600" algn="l" defTabSz="914400" rtl="0" eaLnBrk="1" latinLnBrk="1" hangingPunct="1">
+              <a:spcBef>
+                <a:spcPct val="20000"/>
+              </a:spcBef>
+              <a:buFont typeface="Arial" pitchFamily="34" charset="0"/>
+              <a:buChar char="•"/>
+              <a:defRPr sz="2400" kern="1200">
+                <a:solidFill>
+                  <a:schemeClr val="tx1"/>
+                </a:solidFill>
+                <a:latin typeface="+mn-lt"/>
+                <a:ea typeface="+mn-ea"/>
+                <a:cs typeface="+mn-cs"/>
+              </a:defRPr>
+            </a:lvl3pPr>
+            <a:lvl4pPr marL="1600200" indent="-228600" algn="l" defTabSz="914400" rtl="0" eaLnBrk="1" latinLnBrk="1" hangingPunct="1">
+              <a:spcBef>
+                <a:spcPct val="20000"/>
+              </a:spcBef>
+              <a:buFont typeface="Arial" pitchFamily="34" charset="0"/>
+              <a:buChar char="–"/>
+              <a:defRPr sz="2000" kern="1200">
+                <a:solidFill>
+                  <a:schemeClr val="tx1"/>
+                </a:solidFill>
+                <a:latin typeface="+mn-lt"/>
+                <a:ea typeface="+mn-ea"/>
+                <a:cs typeface="+mn-cs"/>
+              </a:defRPr>
+            </a:lvl4pPr>
+            <a:lvl5pPr marL="2057400" indent="-228600" algn="l" defTabSz="914400" rtl="0" eaLnBrk="1" latinLnBrk="1" hangingPunct="1">
+              <a:spcBef>
+                <a:spcPct val="20000"/>
+              </a:spcBef>
+              <a:buFont typeface="Arial" pitchFamily="34" charset="0"/>
+              <a:buChar char="»"/>
+              <a:defRPr sz="2000" kern="1200">
+                <a:solidFill>
+                  <a:schemeClr val="tx1"/>
+                </a:solidFill>
+                <a:latin typeface="+mn-lt"/>
+                <a:ea typeface="+mn-ea"/>
+                <a:cs typeface="+mn-cs"/>
+              </a:defRPr>
+            </a:lvl5pPr>
+            <a:lvl6pPr marL="2514600" indent="-228600" algn="l" defTabSz="914400" rtl="0" eaLnBrk="1" latinLnBrk="1" hangingPunct="1">
+              <a:spcBef>
+                <a:spcPct val="20000"/>
+              </a:spcBef>
+              <a:buFont typeface="Arial" pitchFamily="34" charset="0"/>
+              <a:buChar char="•"/>
+              <a:defRPr sz="2000" kern="1200">
+                <a:solidFill>
+                  <a:schemeClr val="tx1"/>
+                </a:solidFill>
+                <a:latin typeface="+mn-lt"/>
+                <a:ea typeface="+mn-ea"/>
+                <a:cs typeface="+mn-cs"/>
+              </a:defRPr>
+            </a:lvl6pPr>
+            <a:lvl7pPr marL="2971800" indent="-228600" algn="l" defTabSz="914400" rtl="0" eaLnBrk="1" latinLnBrk="1" hangingPunct="1">
+              <a:spcBef>
+                <a:spcPct val="20000"/>
+              </a:spcBef>
+              <a:buFont typeface="Arial" pitchFamily="34" charset="0"/>
+              <a:buChar char="•"/>
+              <a:defRPr sz="2000" kern="1200">
+                <a:solidFill>
+                  <a:schemeClr val="tx1"/>
+                </a:solidFill>
+                <a:latin typeface="+mn-lt"/>
+                <a:ea typeface="+mn-ea"/>
+                <a:cs typeface="+mn-cs"/>
+              </a:defRPr>
+            </a:lvl7pPr>
+            <a:lvl8pPr marL="3429000" indent="-228600" algn="l" defTabSz="914400" rtl="0" eaLnBrk="1" latinLnBrk="1" hangingPunct="1">
+              <a:spcBef>
+                <a:spcPct val="20000"/>
+              </a:spcBef>
+              <a:buFont typeface="Arial" pitchFamily="34" charset="0"/>
+              <a:buChar char="•"/>
+              <a:defRPr sz="2000" kern="1200">
+                <a:solidFill>
+                  <a:schemeClr val="tx1"/>
+                </a:solidFill>
+                <a:latin typeface="+mn-lt"/>
+                <a:ea typeface="+mn-ea"/>
+                <a:cs typeface="+mn-cs"/>
+              </a:defRPr>
+            </a:lvl8pPr>
+            <a:lvl9pPr marL="3886200" indent="-228600" algn="l" defTabSz="914400" rtl="0" eaLnBrk="1" latinLnBrk="1" hangingPunct="1">
+              <a:spcBef>
+                <a:spcPct val="20000"/>
+              </a:spcBef>
+              <a:buFont typeface="Arial" pitchFamily="34" charset="0"/>
+              <a:buChar char="•"/>
+              <a:defRPr sz="2000" kern="1200">
+                <a:solidFill>
+                  <a:schemeClr val="tx1"/>
+                </a:solidFill>
+                <a:latin typeface="+mn-lt"/>
+                <a:ea typeface="+mn-ea"/>
+                <a:cs typeface="+mn-cs"/>
+              </a:defRPr>
+            </a:lvl9pPr>
+          </a:lstStyle>
+          <a:p>
+            <a:r>
+              <a:rPr lang="en-US" altLang="ko-KR" sz="2800" dirty="0"/>
+              <a:t>2. </a:t>
+            </a:r>
+            <a:r>
+              <a:rPr lang="ko-KR" altLang="en-US" sz="2800" dirty="0"/>
+              <a:t>진행 상황</a:t>
+            </a:r>
+          </a:p>
+        </p:txBody>
+      </p:sp>
+      <p:sp>
+        <p:nvSpPr>
+          <p:cNvPr id="16" name="TextBox 15">
+            <a:extLst>
+              <a:ext uri="{FF2B5EF4-FFF2-40B4-BE49-F238E27FC236}">
+                <a16:creationId xmlns:a16="http://schemas.microsoft.com/office/drawing/2014/main" id="{68C3F217-1357-88AA-3607-CD0C0B6FC365}"/>
+              </a:ext>
+            </a:extLst>
+          </p:cNvPr>
+          <p:cNvSpPr txBox="1"/>
+          <p:nvPr/>
+        </p:nvSpPr>
+        <p:spPr>
+          <a:xfrm>
+            <a:off x="395536" y="771550"/>
+            <a:ext cx="7416824" cy="369332"/>
+          </a:xfrm>
+          <a:prstGeom prst="rect">
+            <a:avLst/>
+          </a:prstGeom>
+          <a:noFill/>
+        </p:spPr>
+        <p:txBody>
+          <a:bodyPr wrap="square" rtlCol="0">
+            <a:spAutoFit/>
+          </a:bodyPr>
+          <a:lstStyle/>
+          <a:p>
+            <a:r>
+              <a:rPr lang="en-US" altLang="ko-KR" dirty="0"/>
+              <a:t>** </a:t>
+            </a:r>
+            <a:r>
+              <a:rPr lang="ko-KR" altLang="en-US" dirty="0"/>
+              <a:t>테이블 생성 </a:t>
+            </a:r>
+            <a:r>
+              <a:rPr lang="en-US" altLang="ko-KR" dirty="0"/>
+              <a:t>(with </a:t>
+            </a:r>
+            <a:r>
+              <a:rPr lang="ko-KR" altLang="en-US" dirty="0"/>
+              <a:t>오픈 데이터셋 파일 </a:t>
+            </a:r>
+            <a:r>
+              <a:rPr lang="en-US" altLang="ko-KR" dirty="0"/>
+              <a:t>, </a:t>
+            </a:r>
+            <a:r>
+              <a:rPr lang="en-US" altLang="ko-KR" dirty="0" err="1"/>
+              <a:t>Postgresql</a:t>
+            </a:r>
+            <a:r>
+              <a:rPr lang="en-US" altLang="ko-KR" dirty="0"/>
+              <a:t>)</a:t>
+            </a:r>
+            <a:r>
+              <a:rPr lang="ko-KR" altLang="en-US" dirty="0"/>
+              <a:t> </a:t>
+            </a:r>
+          </a:p>
+        </p:txBody>
+      </p:sp>
+      <p:pic>
+        <p:nvPicPr>
+          <p:cNvPr id="3" name="그림 2">
+            <a:extLst>
+              <a:ext uri="{FF2B5EF4-FFF2-40B4-BE49-F238E27FC236}">
+                <a16:creationId xmlns:a16="http://schemas.microsoft.com/office/drawing/2014/main" id="{036C4508-16DA-910D-0CD9-E4007CF84753}"/>
+              </a:ext>
+            </a:extLst>
+          </p:cNvPr>
+          <p:cNvPicPr>
+            <a:picLocks noChangeAspect="1"/>
+          </p:cNvPicPr>
+          <p:nvPr/>
+        </p:nvPicPr>
+        <p:blipFill>
+          <a:blip r:embed="rId2"/>
+          <a:stretch>
+            <a:fillRect/>
+          </a:stretch>
+        </p:blipFill>
+        <p:spPr>
+          <a:xfrm>
+            <a:off x="539552" y="1373648"/>
+            <a:ext cx="4608512" cy="2396203"/>
+          </a:xfrm>
+          <a:prstGeom prst="rect">
+            <a:avLst/>
+          </a:prstGeom>
+        </p:spPr>
+      </p:pic>
+      <p:sp>
+        <p:nvSpPr>
+          <p:cNvPr id="4" name="TextBox 3">
+            <a:extLst>
+              <a:ext uri="{FF2B5EF4-FFF2-40B4-BE49-F238E27FC236}">
+                <a16:creationId xmlns:a16="http://schemas.microsoft.com/office/drawing/2014/main" id="{74FE8C9E-5FB9-D6CD-BDB1-E001101A3F13}"/>
+              </a:ext>
+            </a:extLst>
+          </p:cNvPr>
+          <p:cNvSpPr txBox="1"/>
+          <p:nvPr/>
+        </p:nvSpPr>
+        <p:spPr>
+          <a:xfrm>
+            <a:off x="5364088" y="1347614"/>
+            <a:ext cx="3526067" cy="2862322"/>
+          </a:xfrm>
+          <a:prstGeom prst="rect">
+            <a:avLst/>
+          </a:prstGeom>
+          <a:noFill/>
+        </p:spPr>
+        <p:txBody>
+          <a:bodyPr wrap="square" rtlCol="0">
+            <a:spAutoFit/>
+          </a:bodyPr>
+          <a:lstStyle/>
+          <a:p>
+            <a:r>
+              <a:rPr lang="en-US" altLang="ko-KR" dirty="0"/>
+              <a:t>Import </a:t>
+            </a:r>
+            <a:r>
+              <a:rPr lang="ko-KR" altLang="en-US" dirty="0"/>
+              <a:t>과정을 거치게 되면</a:t>
+            </a:r>
+            <a:r>
+              <a:rPr lang="en-US" altLang="ko-KR" dirty="0"/>
+              <a:t>, </a:t>
+            </a:r>
+            <a:r>
+              <a:rPr lang="ko-KR" altLang="en-US" dirty="0"/>
+              <a:t>테이블 배너에서 자동으로 테이블이 생성 되어있는 것을 확인할 수 있었습니다</a:t>
+            </a:r>
+            <a:r>
+              <a:rPr lang="en-US" altLang="ko-KR" dirty="0"/>
+              <a:t>. </a:t>
+            </a:r>
+          </a:p>
+          <a:p>
+            <a:endParaRPr lang="en-US" altLang="ko-KR" dirty="0"/>
+          </a:p>
+          <a:p>
+            <a:r>
+              <a:rPr lang="ko-KR" altLang="en-US" dirty="0"/>
+              <a:t>공공 데이터셋들을 바로바로 테이블로 관리하고</a:t>
+            </a:r>
+            <a:r>
+              <a:rPr lang="en-US" altLang="ko-KR" dirty="0"/>
+              <a:t>, </a:t>
+            </a:r>
+            <a:r>
+              <a:rPr lang="ko-KR" altLang="en-US" dirty="0"/>
+              <a:t>필요하다면 데이터를 가공과정을 거쳐서 클라이언트 단에 넘겨줄 수 있는 환경을 만들었습니다</a:t>
+            </a:r>
+            <a:r>
+              <a:rPr lang="en-US" altLang="ko-KR" dirty="0"/>
+              <a:t>.</a:t>
+            </a:r>
+            <a:endParaRPr lang="ko-KR" altLang="en-US" dirty="0"/>
+          </a:p>
+        </p:txBody>
+      </p:sp>
+    </p:spTree>
+    <p:extLst>
+      <p:ext uri="{BB962C8B-B14F-4D97-AF65-F5344CB8AC3E}">
+        <p14:creationId xmlns:p14="http://schemas.microsoft.com/office/powerpoint/2010/main" val="3771500669"/>
+      </p:ext>
+    </p:extLst>
+  </p:cSld>
+  <p:clrMapOvr>
+    <a:masterClrMapping/>
+  </p:clrMapOvr>
+</p:sld>
+</file>
+
+<file path=ppt/slides/slide11.xml><?xml version="1.0" encoding="utf-8"?>
+<p:sld xmlns:a="http://schemas.openxmlformats.org/drawingml/2006/main" xmlns:r="http://schemas.openxmlformats.org/officeDocument/2006/relationships" xmlns:p="http://schemas.openxmlformats.org/presentationml/2006/main">
+  <p:cSld>
+    <p:spTree>
+      <p:nvGrpSpPr>
+        <p:cNvPr id="1" name=""/>
+        <p:cNvGrpSpPr/>
+        <p:nvPr/>
+      </p:nvGrpSpPr>
+      <p:grpSpPr>
+        <a:xfrm>
+          <a:off x="0" y="0"/>
+          <a:ext cx="0" cy="0"/>
+          <a:chOff x="0" y="0"/>
+          <a:chExt cx="0" cy="0"/>
+        </a:xfrm>
+      </p:grpSpPr>
+      <p:sp>
+        <p:nvSpPr>
+          <p:cNvPr id="2" name="Text Placeholder 1"/>
+          <p:cNvSpPr>
+            <a:spLocks noGrp="1"/>
+          </p:cNvSpPr>
+          <p:nvPr>
+            <p:ph type="body" sz="quarter" idx="10"/>
+          </p:nvPr>
+        </p:nvSpPr>
+        <p:spPr>
+          <a:xfrm>
+            <a:off x="2123728" y="3219822"/>
+            <a:ext cx="4896544" cy="576064"/>
+          </a:xfrm>
+        </p:spPr>
+        <p:txBody>
+          <a:bodyPr/>
+          <a:lstStyle/>
+          <a:p>
+            <a:r>
+              <a:rPr lang="ko-KR" altLang="en-US" sz="3600" dirty="0">
+                <a:ea typeface="맑은 고딕" pitchFamily="50" charset="-127"/>
+              </a:rPr>
+              <a:t>주 연구사항</a:t>
+            </a:r>
+            <a:endParaRPr lang="en-US" altLang="ko-KR" sz="3600" dirty="0"/>
+          </a:p>
+        </p:txBody>
+      </p:sp>
+    </p:spTree>
+    <p:extLst>
+      <p:ext uri="{BB962C8B-B14F-4D97-AF65-F5344CB8AC3E}">
+        <p14:creationId xmlns:p14="http://schemas.microsoft.com/office/powerpoint/2010/main" val="4191296738"/>
+      </p:ext>
+    </p:extLst>
+  </p:cSld>
+  <p:clrMapOvr>
+    <a:masterClrMapping/>
+  </p:clrMapOvr>
+</p:sld>
+</file>
+
+<file path=ppt/slides/slide12.xml><?xml version="1.0" encoding="utf-8"?>
+<p:sld xmlns:a="http://schemas.openxmlformats.org/drawingml/2006/main" xmlns:r="http://schemas.openxmlformats.org/officeDocument/2006/relationships" xmlns:p="http://schemas.openxmlformats.org/presentationml/2006/main">
+  <p:cSld>
+    <p:spTree>
+      <p:nvGrpSpPr>
+        <p:cNvPr id="1" name=""/>
+        <p:cNvGrpSpPr/>
+        <p:nvPr/>
+      </p:nvGrpSpPr>
+      <p:grpSpPr>
+        <a:xfrm>
+          <a:off x="0" y="0"/>
+          <a:ext cx="0" cy="0"/>
+          <a:chOff x="0" y="0"/>
+          <a:chExt cx="0" cy="0"/>
+        </a:xfrm>
+      </p:grpSpPr>
+      <p:sp>
+        <p:nvSpPr>
           <p:cNvPr id="6" name="Text Placeholder 1">
             <a:extLst>
               <a:ext uri="{FF2B5EF4-FFF2-40B4-BE49-F238E27FC236}">
@@ -7894,613 +8329,6 @@
 </p:sld>
 </file>
 
-<file path=ppt/slides/slide11.xml><?xml version="1.0" encoding="utf-8"?>
-<p:sld xmlns:a="http://schemas.openxmlformats.org/drawingml/2006/main" xmlns:r="http://schemas.openxmlformats.org/officeDocument/2006/relationships" xmlns:p="http://schemas.openxmlformats.org/presentationml/2006/main">
-  <p:cSld>
-    <p:spTree>
-      <p:nvGrpSpPr>
-        <p:cNvPr id="1" name=""/>
-        <p:cNvGrpSpPr/>
-        <p:nvPr/>
-      </p:nvGrpSpPr>
-      <p:grpSpPr>
-        <a:xfrm>
-          <a:off x="0" y="0"/>
-          <a:ext cx="0" cy="0"/>
-          <a:chOff x="0" y="0"/>
-          <a:chExt cx="0" cy="0"/>
-        </a:xfrm>
-      </p:grpSpPr>
-      <p:sp>
-        <p:nvSpPr>
-          <p:cNvPr id="6" name="Text Placeholder 1">
-            <a:extLst>
-              <a:ext uri="{FF2B5EF4-FFF2-40B4-BE49-F238E27FC236}">
-                <a16:creationId xmlns:a16="http://schemas.microsoft.com/office/drawing/2014/main" id="{64F3C528-607C-E988-CB1F-3FCF671E3D35}"/>
-              </a:ext>
-            </a:extLst>
-          </p:cNvPr>
-          <p:cNvSpPr txBox="1">
-            <a:spLocks/>
-          </p:cNvSpPr>
-          <p:nvPr/>
-        </p:nvSpPr>
-        <p:spPr>
-          <a:xfrm>
-            <a:off x="323528" y="195486"/>
-            <a:ext cx="8208912" cy="576064"/>
-          </a:xfrm>
-          <a:prstGeom prst="rect">
-            <a:avLst/>
-          </a:prstGeom>
-        </p:spPr>
-        <p:txBody>
-          <a:bodyPr anchor="ctr"/>
-          <a:lstStyle>
-            <a:lvl1pPr marL="0" indent="0" algn="l" defTabSz="914400" rtl="0" eaLnBrk="1" latinLnBrk="1" hangingPunct="1">
-              <a:spcBef>
-                <a:spcPct val="20000"/>
-              </a:spcBef>
-              <a:buFont typeface="Arial" pitchFamily="34" charset="0"/>
-              <a:buNone/>
-              <a:defRPr sz="3600" b="0" kern="1200" baseline="0">
-                <a:solidFill>
-                  <a:schemeClr val="tx1">
-                    <a:lumMod val="75000"/>
-                    <a:lumOff val="25000"/>
-                  </a:schemeClr>
-                </a:solidFill>
-                <a:latin typeface="+mj-lt"/>
-                <a:ea typeface="+mn-ea"/>
-                <a:cs typeface="Arial" pitchFamily="34" charset="0"/>
-              </a:defRPr>
-            </a:lvl1pPr>
-            <a:lvl2pPr marL="742950" indent="-285750" algn="l" defTabSz="914400" rtl="0" eaLnBrk="1" latinLnBrk="1" hangingPunct="1">
-              <a:spcBef>
-                <a:spcPct val="20000"/>
-              </a:spcBef>
-              <a:buFont typeface="Arial" pitchFamily="34" charset="0"/>
-              <a:buChar char="–"/>
-              <a:defRPr sz="2800" kern="1200">
-                <a:solidFill>
-                  <a:schemeClr val="tx1"/>
-                </a:solidFill>
-                <a:latin typeface="+mn-lt"/>
-                <a:ea typeface="+mn-ea"/>
-                <a:cs typeface="+mn-cs"/>
-              </a:defRPr>
-            </a:lvl2pPr>
-            <a:lvl3pPr marL="1143000" indent="-228600" algn="l" defTabSz="914400" rtl="0" eaLnBrk="1" latinLnBrk="1" hangingPunct="1">
-              <a:spcBef>
-                <a:spcPct val="20000"/>
-              </a:spcBef>
-              <a:buFont typeface="Arial" pitchFamily="34" charset="0"/>
-              <a:buChar char="•"/>
-              <a:defRPr sz="2400" kern="1200">
-                <a:solidFill>
-                  <a:schemeClr val="tx1"/>
-                </a:solidFill>
-                <a:latin typeface="+mn-lt"/>
-                <a:ea typeface="+mn-ea"/>
-                <a:cs typeface="+mn-cs"/>
-              </a:defRPr>
-            </a:lvl3pPr>
-            <a:lvl4pPr marL="1600200" indent="-228600" algn="l" defTabSz="914400" rtl="0" eaLnBrk="1" latinLnBrk="1" hangingPunct="1">
-              <a:spcBef>
-                <a:spcPct val="20000"/>
-              </a:spcBef>
-              <a:buFont typeface="Arial" pitchFamily="34" charset="0"/>
-              <a:buChar char="–"/>
-              <a:defRPr sz="2000" kern="1200">
-                <a:solidFill>
-                  <a:schemeClr val="tx1"/>
-                </a:solidFill>
-                <a:latin typeface="+mn-lt"/>
-                <a:ea typeface="+mn-ea"/>
-                <a:cs typeface="+mn-cs"/>
-              </a:defRPr>
-            </a:lvl4pPr>
-            <a:lvl5pPr marL="2057400" indent="-228600" algn="l" defTabSz="914400" rtl="0" eaLnBrk="1" latinLnBrk="1" hangingPunct="1">
-              <a:spcBef>
-                <a:spcPct val="20000"/>
-              </a:spcBef>
-              <a:buFont typeface="Arial" pitchFamily="34" charset="0"/>
-              <a:buChar char="»"/>
-              <a:defRPr sz="2000" kern="1200">
-                <a:solidFill>
-                  <a:schemeClr val="tx1"/>
-                </a:solidFill>
-                <a:latin typeface="+mn-lt"/>
-                <a:ea typeface="+mn-ea"/>
-                <a:cs typeface="+mn-cs"/>
-              </a:defRPr>
-            </a:lvl5pPr>
-            <a:lvl6pPr marL="2514600" indent="-228600" algn="l" defTabSz="914400" rtl="0" eaLnBrk="1" latinLnBrk="1" hangingPunct="1">
-              <a:spcBef>
-                <a:spcPct val="20000"/>
-              </a:spcBef>
-              <a:buFont typeface="Arial" pitchFamily="34" charset="0"/>
-              <a:buChar char="•"/>
-              <a:defRPr sz="2000" kern="1200">
-                <a:solidFill>
-                  <a:schemeClr val="tx1"/>
-                </a:solidFill>
-                <a:latin typeface="+mn-lt"/>
-                <a:ea typeface="+mn-ea"/>
-                <a:cs typeface="+mn-cs"/>
-              </a:defRPr>
-            </a:lvl6pPr>
-            <a:lvl7pPr marL="2971800" indent="-228600" algn="l" defTabSz="914400" rtl="0" eaLnBrk="1" latinLnBrk="1" hangingPunct="1">
-              <a:spcBef>
-                <a:spcPct val="20000"/>
-              </a:spcBef>
-              <a:buFont typeface="Arial" pitchFamily="34" charset="0"/>
-              <a:buChar char="•"/>
-              <a:defRPr sz="2000" kern="1200">
-                <a:solidFill>
-                  <a:schemeClr val="tx1"/>
-                </a:solidFill>
-                <a:latin typeface="+mn-lt"/>
-                <a:ea typeface="+mn-ea"/>
-                <a:cs typeface="+mn-cs"/>
-              </a:defRPr>
-            </a:lvl7pPr>
-            <a:lvl8pPr marL="3429000" indent="-228600" algn="l" defTabSz="914400" rtl="0" eaLnBrk="1" latinLnBrk="1" hangingPunct="1">
-              <a:spcBef>
-                <a:spcPct val="20000"/>
-              </a:spcBef>
-              <a:buFont typeface="Arial" pitchFamily="34" charset="0"/>
-              <a:buChar char="•"/>
-              <a:defRPr sz="2000" kern="1200">
-                <a:solidFill>
-                  <a:schemeClr val="tx1"/>
-                </a:solidFill>
-                <a:latin typeface="+mn-lt"/>
-                <a:ea typeface="+mn-ea"/>
-                <a:cs typeface="+mn-cs"/>
-              </a:defRPr>
-            </a:lvl8pPr>
-            <a:lvl9pPr marL="3886200" indent="-228600" algn="l" defTabSz="914400" rtl="0" eaLnBrk="1" latinLnBrk="1" hangingPunct="1">
-              <a:spcBef>
-                <a:spcPct val="20000"/>
-              </a:spcBef>
-              <a:buFont typeface="Arial" pitchFamily="34" charset="0"/>
-              <a:buChar char="•"/>
-              <a:defRPr sz="2000" kern="1200">
-                <a:solidFill>
-                  <a:schemeClr val="tx1"/>
-                </a:solidFill>
-                <a:latin typeface="+mn-lt"/>
-                <a:ea typeface="+mn-ea"/>
-                <a:cs typeface="+mn-cs"/>
-              </a:defRPr>
-            </a:lvl9pPr>
-          </a:lstStyle>
-          <a:p>
-            <a:r>
-              <a:rPr lang="en-US" altLang="ko-KR" sz="2800" dirty="0"/>
-              <a:t>* GPS </a:t>
-            </a:r>
-            <a:r>
-              <a:rPr lang="ko-KR" altLang="en-US" sz="2800" dirty="0"/>
-              <a:t>보정기술 관련 및 결론</a:t>
-            </a:r>
-          </a:p>
-        </p:txBody>
-      </p:sp>
-      <p:sp>
-        <p:nvSpPr>
-          <p:cNvPr id="5" name="TextBox 4">
-            <a:extLst>
-              <a:ext uri="{FF2B5EF4-FFF2-40B4-BE49-F238E27FC236}">
-                <a16:creationId xmlns:a16="http://schemas.microsoft.com/office/drawing/2014/main" id="{12392020-71DB-288A-0340-BF46D25428A2}"/>
-              </a:ext>
-            </a:extLst>
-          </p:cNvPr>
-          <p:cNvSpPr txBox="1"/>
-          <p:nvPr/>
-        </p:nvSpPr>
-        <p:spPr>
-          <a:xfrm>
-            <a:off x="467544" y="843558"/>
-            <a:ext cx="8352928" cy="677108"/>
-          </a:xfrm>
-          <a:prstGeom prst="rect">
-            <a:avLst/>
-          </a:prstGeom>
-          <a:noFill/>
-        </p:spPr>
-        <p:txBody>
-          <a:bodyPr wrap="square" rtlCol="0">
-            <a:spAutoFit/>
-          </a:bodyPr>
-          <a:lstStyle/>
-          <a:p>
-            <a:r>
-              <a:rPr lang="en-US" altLang="ko-KR" dirty="0"/>
-              <a:t>6</a:t>
-            </a:r>
-            <a:r>
-              <a:rPr lang="ko-KR" altLang="en-US" dirty="0"/>
-              <a:t>주차 </a:t>
-            </a:r>
-            <a:r>
-              <a:rPr lang="en-US" altLang="ko-KR" dirty="0"/>
-              <a:t>PPT</a:t>
-            </a:r>
-            <a:r>
-              <a:rPr lang="ko-KR" altLang="en-US" dirty="0"/>
-              <a:t>에서 말씀드렸던 </a:t>
-            </a:r>
-            <a:r>
-              <a:rPr lang="en-US" altLang="ko-KR" dirty="0"/>
-              <a:t>“</a:t>
-            </a:r>
-            <a:r>
-              <a:rPr lang="en-US" altLang="ko-KR" sz="2000" dirty="0" err="1"/>
-              <a:t>wifi</a:t>
-            </a:r>
-            <a:r>
-              <a:rPr lang="ko-KR" altLang="en-US" sz="2000" dirty="0"/>
-              <a:t>를 이용</a:t>
-            </a:r>
-            <a:r>
-              <a:rPr lang="ko-KR" altLang="en-US" dirty="0"/>
-              <a:t>한 위치 추적 방법</a:t>
-            </a:r>
-            <a:r>
-              <a:rPr lang="en-US" altLang="ko-KR" dirty="0"/>
-              <a:t>”</a:t>
-            </a:r>
-            <a:r>
-              <a:rPr lang="ko-KR" altLang="en-US" dirty="0"/>
-              <a:t>인</a:t>
-            </a:r>
-            <a:r>
-              <a:rPr lang="en-US" altLang="ko-KR" dirty="0"/>
-              <a:t>,</a:t>
-            </a:r>
-          </a:p>
-          <a:p>
-            <a:r>
-              <a:rPr lang="ko-KR" altLang="en-US" dirty="0" err="1"/>
-              <a:t>삼각측량법</a:t>
-            </a:r>
-            <a:r>
-              <a:rPr lang="ko-KR" altLang="en-US" dirty="0"/>
-              <a:t> 과 </a:t>
-            </a:r>
-            <a:r>
-              <a:rPr lang="ko-KR" altLang="en-US" dirty="0" err="1"/>
-              <a:t>핑거프린팅</a:t>
-            </a:r>
-            <a:r>
-              <a:rPr lang="ko-KR" altLang="en-US" dirty="0"/>
-              <a:t> 방법이 존재합니다</a:t>
-            </a:r>
-            <a:r>
-              <a:rPr lang="en-US" altLang="ko-KR" dirty="0"/>
-              <a:t>. </a:t>
-            </a:r>
-            <a:endParaRPr lang="ko-KR" altLang="en-US" dirty="0"/>
-          </a:p>
-        </p:txBody>
-      </p:sp>
-      <p:sp>
-        <p:nvSpPr>
-          <p:cNvPr id="2" name="화살표: 아래쪽 1">
-            <a:extLst>
-              <a:ext uri="{FF2B5EF4-FFF2-40B4-BE49-F238E27FC236}">
-                <a16:creationId xmlns:a16="http://schemas.microsoft.com/office/drawing/2014/main" id="{D8DD4773-597A-144D-D0C0-9F3C52A70469}"/>
-              </a:ext>
-            </a:extLst>
-          </p:cNvPr>
-          <p:cNvSpPr/>
-          <p:nvPr/>
-        </p:nvSpPr>
-        <p:spPr>
-          <a:xfrm>
-            <a:off x="3997176" y="1586864"/>
-            <a:ext cx="574824" cy="677108"/>
-          </a:xfrm>
-          <a:prstGeom prst="downArrow">
-            <a:avLst/>
-          </a:prstGeom>
-          <a:solidFill>
-            <a:srgbClr val="32AEB8"/>
-          </a:solidFill>
-          <a:ln>
-            <a:noFill/>
-          </a:ln>
-        </p:spPr>
-        <p:style>
-          <a:lnRef idx="2">
-            <a:schemeClr val="accent1">
-              <a:shade val="50000"/>
-            </a:schemeClr>
-          </a:lnRef>
-          <a:fillRef idx="1">
-            <a:schemeClr val="accent1"/>
-          </a:fillRef>
-          <a:effectRef idx="0">
-            <a:schemeClr val="accent1"/>
-          </a:effectRef>
-          <a:fontRef idx="minor">
-            <a:schemeClr val="lt1"/>
-          </a:fontRef>
-        </p:style>
-        <p:txBody>
-          <a:bodyPr rtlCol="0" anchor="ctr"/>
-          <a:lstStyle/>
-          <a:p>
-            <a:pPr algn="ctr"/>
-            <a:endParaRPr lang="ko-KR" altLang="en-US"/>
-          </a:p>
-        </p:txBody>
-      </p:sp>
-      <p:sp>
-        <p:nvSpPr>
-          <p:cNvPr id="4" name="TextBox 3">
-            <a:extLst>
-              <a:ext uri="{FF2B5EF4-FFF2-40B4-BE49-F238E27FC236}">
-                <a16:creationId xmlns:a16="http://schemas.microsoft.com/office/drawing/2014/main" id="{7E6911F8-255F-7076-C5D5-7EDB87C34118}"/>
-              </a:ext>
-            </a:extLst>
-          </p:cNvPr>
-          <p:cNvSpPr txBox="1"/>
-          <p:nvPr/>
-        </p:nvSpPr>
-        <p:spPr>
-          <a:xfrm>
-            <a:off x="467544" y="2330170"/>
-            <a:ext cx="8352928" cy="738664"/>
-          </a:xfrm>
-          <a:prstGeom prst="rect">
-            <a:avLst/>
-          </a:prstGeom>
-          <a:noFill/>
-        </p:spPr>
-        <p:txBody>
-          <a:bodyPr wrap="square" rtlCol="0">
-            <a:spAutoFit/>
-          </a:bodyPr>
-          <a:lstStyle/>
-          <a:p>
-            <a:r>
-              <a:rPr lang="ko-KR" altLang="en-US" dirty="0"/>
-              <a:t>하지만 </a:t>
-            </a:r>
-            <a:r>
-              <a:rPr lang="ko-KR" altLang="en-US" sz="2400" dirty="0"/>
-              <a:t>실내</a:t>
-            </a:r>
-            <a:r>
-              <a:rPr lang="ko-KR" altLang="en-US" dirty="0"/>
-              <a:t>에서의 위치 추적 방법입니다</a:t>
-            </a:r>
-            <a:r>
-              <a:rPr lang="en-US" altLang="ko-KR" dirty="0"/>
-              <a:t>.</a:t>
-            </a:r>
-          </a:p>
-          <a:p>
-            <a:r>
-              <a:rPr lang="ko-KR" altLang="en-US" dirty="0"/>
-              <a:t>저희 프로젝트에서는 실내에서 위치 추적이 필요하지 않습니다</a:t>
-            </a:r>
-            <a:r>
-              <a:rPr lang="en-US" altLang="ko-KR" dirty="0"/>
-              <a:t>.</a:t>
-            </a:r>
-            <a:endParaRPr lang="ko-KR" altLang="en-US" dirty="0"/>
-          </a:p>
-        </p:txBody>
-      </p:sp>
-      <p:sp>
-        <p:nvSpPr>
-          <p:cNvPr id="7" name="TextBox 6">
-            <a:extLst>
-              <a:ext uri="{FF2B5EF4-FFF2-40B4-BE49-F238E27FC236}">
-                <a16:creationId xmlns:a16="http://schemas.microsoft.com/office/drawing/2014/main" id="{672498CD-ACE8-E731-E061-DF1C32169B6A}"/>
-              </a:ext>
-            </a:extLst>
-          </p:cNvPr>
-          <p:cNvSpPr txBox="1"/>
-          <p:nvPr/>
-        </p:nvSpPr>
-        <p:spPr>
-          <a:xfrm>
-            <a:off x="526728" y="3126976"/>
-            <a:ext cx="8352928" cy="646331"/>
-          </a:xfrm>
-          <a:prstGeom prst="rect">
-            <a:avLst/>
-          </a:prstGeom>
-          <a:noFill/>
-        </p:spPr>
-        <p:txBody>
-          <a:bodyPr wrap="square" rtlCol="0">
-            <a:spAutoFit/>
-          </a:bodyPr>
-          <a:lstStyle/>
-          <a:p>
-            <a:r>
-              <a:rPr lang="ko-KR" altLang="en-US" dirty="0"/>
-              <a:t>다른 오차보정 알고리즘도 이용하기 위한 데이터가 부족하고</a:t>
-            </a:r>
-            <a:r>
-              <a:rPr lang="en-US" altLang="ko-KR" dirty="0"/>
-              <a:t>, </a:t>
-            </a:r>
-          </a:p>
-          <a:p>
-            <a:r>
-              <a:rPr lang="en-US" altLang="ko-KR" dirty="0"/>
-              <a:t>                                            </a:t>
-            </a:r>
-            <a:r>
-              <a:rPr lang="ko-KR" altLang="en-US" dirty="0"/>
-              <a:t>학부생 수준에서 많이 벗어남을 인지 했습니다</a:t>
-            </a:r>
-            <a:r>
-              <a:rPr lang="en-US" altLang="ko-KR" dirty="0"/>
-              <a:t>.</a:t>
-            </a:r>
-            <a:endParaRPr lang="ko-KR" altLang="en-US" dirty="0"/>
-          </a:p>
-        </p:txBody>
-      </p:sp>
-      <p:sp>
-        <p:nvSpPr>
-          <p:cNvPr id="8" name="TextBox 7">
-            <a:extLst>
-              <a:ext uri="{FF2B5EF4-FFF2-40B4-BE49-F238E27FC236}">
-                <a16:creationId xmlns:a16="http://schemas.microsoft.com/office/drawing/2014/main" id="{27FF6830-8BD4-E6C1-C157-A03D39A2C907}"/>
-              </a:ext>
-            </a:extLst>
-          </p:cNvPr>
-          <p:cNvSpPr txBox="1"/>
-          <p:nvPr/>
-        </p:nvSpPr>
-        <p:spPr>
-          <a:xfrm>
-            <a:off x="611560" y="3831449"/>
-            <a:ext cx="8352928" cy="923330"/>
-          </a:xfrm>
-          <a:prstGeom prst="rect">
-            <a:avLst/>
-          </a:prstGeom>
-          <a:noFill/>
-        </p:spPr>
-        <p:txBody>
-          <a:bodyPr wrap="square" rtlCol="0">
-            <a:spAutoFit/>
-          </a:bodyPr>
-          <a:lstStyle/>
-          <a:p>
-            <a:r>
-              <a:rPr lang="ko-KR" altLang="en-US" dirty="0"/>
-              <a:t>결론적으로</a:t>
-            </a:r>
-            <a:r>
-              <a:rPr lang="en-US" altLang="ko-KR" dirty="0"/>
-              <a:t>, </a:t>
-            </a:r>
-            <a:r>
-              <a:rPr lang="ko-KR" altLang="en-US" dirty="0"/>
-              <a:t>기존의 </a:t>
-            </a:r>
-            <a:r>
-              <a:rPr lang="en-US" altLang="ko-KR" dirty="0"/>
-              <a:t>GPS </a:t>
-            </a:r>
-            <a:r>
-              <a:rPr lang="ko-KR" altLang="en-US" dirty="0"/>
-              <a:t>기능을 탑재한 서비스들도 </a:t>
-            </a:r>
-            <a:endParaRPr lang="en-US" altLang="ko-KR" dirty="0"/>
-          </a:p>
-          <a:p>
-            <a:r>
-              <a:rPr lang="ko-KR" altLang="en-US" b="1" dirty="0"/>
-              <a:t>스마트폰 내부의 자체 설정</a:t>
-            </a:r>
-            <a:r>
-              <a:rPr lang="ko-KR" altLang="en-US" dirty="0"/>
-              <a:t>으로 </a:t>
-            </a:r>
-            <a:r>
-              <a:rPr lang="en-US" altLang="ko-KR" dirty="0" err="1"/>
-              <a:t>Wifi</a:t>
-            </a:r>
-            <a:r>
-              <a:rPr lang="en-US" altLang="ko-KR" dirty="0"/>
-              <a:t> , </a:t>
-            </a:r>
-            <a:r>
-              <a:rPr lang="ko-KR" altLang="en-US" dirty="0"/>
-              <a:t>모바일 네트워크 등을 통해서</a:t>
-            </a:r>
-            <a:endParaRPr lang="en-US" altLang="ko-KR" dirty="0"/>
-          </a:p>
-          <a:p>
-            <a:r>
-              <a:rPr lang="ko-KR" altLang="en-US" dirty="0"/>
-              <a:t>위치를 보정하도록 유도하고 있습니다</a:t>
-            </a:r>
-            <a:r>
-              <a:rPr lang="en-US" altLang="ko-KR" dirty="0"/>
-              <a:t>.</a:t>
-            </a:r>
-            <a:endParaRPr lang="ko-KR" altLang="en-US" dirty="0"/>
-          </a:p>
-        </p:txBody>
-      </p:sp>
-    </p:spTree>
-    <p:extLst>
-      <p:ext uri="{BB962C8B-B14F-4D97-AF65-F5344CB8AC3E}">
-        <p14:creationId xmlns:p14="http://schemas.microsoft.com/office/powerpoint/2010/main" val="328567768"/>
-      </p:ext>
-    </p:extLst>
-  </p:cSld>
-  <p:clrMapOvr>
-    <a:masterClrMapping/>
-  </p:clrMapOvr>
-</p:sld>
-</file>
-
-<file path=ppt/slides/slide12.xml><?xml version="1.0" encoding="utf-8"?>
-<p:sld xmlns:a="http://schemas.openxmlformats.org/drawingml/2006/main" xmlns:r="http://schemas.openxmlformats.org/officeDocument/2006/relationships" xmlns:p="http://schemas.openxmlformats.org/presentationml/2006/main">
-  <p:cSld>
-    <p:spTree>
-      <p:nvGrpSpPr>
-        <p:cNvPr id="1" name=""/>
-        <p:cNvGrpSpPr/>
-        <p:nvPr/>
-      </p:nvGrpSpPr>
-      <p:grpSpPr>
-        <a:xfrm>
-          <a:off x="0" y="0"/>
-          <a:ext cx="0" cy="0"/>
-          <a:chOff x="0" y="0"/>
-          <a:chExt cx="0" cy="0"/>
-        </a:xfrm>
-      </p:grpSpPr>
-      <p:sp>
-        <p:nvSpPr>
-          <p:cNvPr id="2" name="Text Placeholder 1"/>
-          <p:cNvSpPr>
-            <a:spLocks noGrp="1"/>
-          </p:cNvSpPr>
-          <p:nvPr>
-            <p:ph type="body" sz="quarter" idx="10"/>
-          </p:nvPr>
-        </p:nvSpPr>
-        <p:spPr/>
-        <p:txBody>
-          <a:bodyPr/>
-          <a:lstStyle/>
-          <a:p>
-            <a:r>
-              <a:rPr lang="ko-KR" altLang="en-US" dirty="0"/>
-              <a:t>향후 계획</a:t>
-            </a:r>
-          </a:p>
-        </p:txBody>
-      </p:sp>
-    </p:spTree>
-    <p:extLst>
-      <p:ext uri="{BB962C8B-B14F-4D97-AF65-F5344CB8AC3E}">
-        <p14:creationId xmlns:p14="http://schemas.microsoft.com/office/powerpoint/2010/main" val="3997913445"/>
-      </p:ext>
-    </p:extLst>
-  </p:cSld>
-  <p:clrMapOvr>
-    <a:masterClrMapping/>
-  </p:clrMapOvr>
-</p:sld>
-</file>
-
 <file path=ppt/slides/slide13.xml><?xml version="1.0" encoding="utf-8"?>
 <p:sld xmlns:a="http://schemas.openxmlformats.org/drawingml/2006/main" xmlns:r="http://schemas.openxmlformats.org/officeDocument/2006/relationships" xmlns:p="http://schemas.openxmlformats.org/presentationml/2006/main">
   <p:cSld>
@@ -8520,47 +8348,301 @@
       </p:grpSpPr>
       <p:sp>
         <p:nvSpPr>
-          <p:cNvPr id="2" name="Text Placeholder 1"/>
-          <p:cNvSpPr>
-            <a:spLocks noGrp="1"/>
+          <p:cNvPr id="6" name="Text Placeholder 1">
+            <a:extLst>
+              <a:ext uri="{FF2B5EF4-FFF2-40B4-BE49-F238E27FC236}">
+                <a16:creationId xmlns:a16="http://schemas.microsoft.com/office/drawing/2014/main" id="{64F3C528-607C-E988-CB1F-3FCF671E3D35}"/>
+              </a:ext>
+            </a:extLst>
+          </p:cNvPr>
+          <p:cNvSpPr txBox="1">
+            <a:spLocks/>
           </p:cNvSpPr>
-          <p:nvPr>
-            <p:ph type="body" sz="quarter" idx="10"/>
-          </p:nvPr>
-        </p:nvSpPr>
-        <p:spPr>
-          <a:xfrm>
-            <a:off x="0" y="97506"/>
-            <a:ext cx="8676456" cy="591637"/>
-          </a:xfrm>
-        </p:spPr>
-        <p:txBody>
-          <a:bodyPr/>
+          <p:nvPr/>
+        </p:nvSpPr>
+        <p:spPr>
+          <a:xfrm>
+            <a:off x="323528" y="195486"/>
+            <a:ext cx="8208912" cy="576064"/>
+          </a:xfrm>
+          <a:prstGeom prst="rect">
+            <a:avLst/>
+          </a:prstGeom>
+        </p:spPr>
+        <p:txBody>
+          <a:bodyPr anchor="ctr"/>
+          <a:lstStyle>
+            <a:lvl1pPr marL="0" indent="0" algn="l" defTabSz="914400" rtl="0" eaLnBrk="1" latinLnBrk="1" hangingPunct="1">
+              <a:spcBef>
+                <a:spcPct val="20000"/>
+              </a:spcBef>
+              <a:buFont typeface="Arial" pitchFamily="34" charset="0"/>
+              <a:buNone/>
+              <a:defRPr sz="3600" b="0" kern="1200" baseline="0">
+                <a:solidFill>
+                  <a:schemeClr val="tx1">
+                    <a:lumMod val="75000"/>
+                    <a:lumOff val="25000"/>
+                  </a:schemeClr>
+                </a:solidFill>
+                <a:latin typeface="+mj-lt"/>
+                <a:ea typeface="+mn-ea"/>
+                <a:cs typeface="Arial" pitchFamily="34" charset="0"/>
+              </a:defRPr>
+            </a:lvl1pPr>
+            <a:lvl2pPr marL="742950" indent="-285750" algn="l" defTabSz="914400" rtl="0" eaLnBrk="1" latinLnBrk="1" hangingPunct="1">
+              <a:spcBef>
+                <a:spcPct val="20000"/>
+              </a:spcBef>
+              <a:buFont typeface="Arial" pitchFamily="34" charset="0"/>
+              <a:buChar char="–"/>
+              <a:defRPr sz="2800" kern="1200">
+                <a:solidFill>
+                  <a:schemeClr val="tx1"/>
+                </a:solidFill>
+                <a:latin typeface="+mn-lt"/>
+                <a:ea typeface="+mn-ea"/>
+                <a:cs typeface="+mn-cs"/>
+              </a:defRPr>
+            </a:lvl2pPr>
+            <a:lvl3pPr marL="1143000" indent="-228600" algn="l" defTabSz="914400" rtl="0" eaLnBrk="1" latinLnBrk="1" hangingPunct="1">
+              <a:spcBef>
+                <a:spcPct val="20000"/>
+              </a:spcBef>
+              <a:buFont typeface="Arial" pitchFamily="34" charset="0"/>
+              <a:buChar char="•"/>
+              <a:defRPr sz="2400" kern="1200">
+                <a:solidFill>
+                  <a:schemeClr val="tx1"/>
+                </a:solidFill>
+                <a:latin typeface="+mn-lt"/>
+                <a:ea typeface="+mn-ea"/>
+                <a:cs typeface="+mn-cs"/>
+              </a:defRPr>
+            </a:lvl3pPr>
+            <a:lvl4pPr marL="1600200" indent="-228600" algn="l" defTabSz="914400" rtl="0" eaLnBrk="1" latinLnBrk="1" hangingPunct="1">
+              <a:spcBef>
+                <a:spcPct val="20000"/>
+              </a:spcBef>
+              <a:buFont typeface="Arial" pitchFamily="34" charset="0"/>
+              <a:buChar char="–"/>
+              <a:defRPr sz="2000" kern="1200">
+                <a:solidFill>
+                  <a:schemeClr val="tx1"/>
+                </a:solidFill>
+                <a:latin typeface="+mn-lt"/>
+                <a:ea typeface="+mn-ea"/>
+                <a:cs typeface="+mn-cs"/>
+              </a:defRPr>
+            </a:lvl4pPr>
+            <a:lvl5pPr marL="2057400" indent="-228600" algn="l" defTabSz="914400" rtl="0" eaLnBrk="1" latinLnBrk="1" hangingPunct="1">
+              <a:spcBef>
+                <a:spcPct val="20000"/>
+              </a:spcBef>
+              <a:buFont typeface="Arial" pitchFamily="34" charset="0"/>
+              <a:buChar char="»"/>
+              <a:defRPr sz="2000" kern="1200">
+                <a:solidFill>
+                  <a:schemeClr val="tx1"/>
+                </a:solidFill>
+                <a:latin typeface="+mn-lt"/>
+                <a:ea typeface="+mn-ea"/>
+                <a:cs typeface="+mn-cs"/>
+              </a:defRPr>
+            </a:lvl5pPr>
+            <a:lvl6pPr marL="2514600" indent="-228600" algn="l" defTabSz="914400" rtl="0" eaLnBrk="1" latinLnBrk="1" hangingPunct="1">
+              <a:spcBef>
+                <a:spcPct val="20000"/>
+              </a:spcBef>
+              <a:buFont typeface="Arial" pitchFamily="34" charset="0"/>
+              <a:buChar char="•"/>
+              <a:defRPr sz="2000" kern="1200">
+                <a:solidFill>
+                  <a:schemeClr val="tx1"/>
+                </a:solidFill>
+                <a:latin typeface="+mn-lt"/>
+                <a:ea typeface="+mn-ea"/>
+                <a:cs typeface="+mn-cs"/>
+              </a:defRPr>
+            </a:lvl6pPr>
+            <a:lvl7pPr marL="2971800" indent="-228600" algn="l" defTabSz="914400" rtl="0" eaLnBrk="1" latinLnBrk="1" hangingPunct="1">
+              <a:spcBef>
+                <a:spcPct val="20000"/>
+              </a:spcBef>
+              <a:buFont typeface="Arial" pitchFamily="34" charset="0"/>
+              <a:buChar char="•"/>
+              <a:defRPr sz="2000" kern="1200">
+                <a:solidFill>
+                  <a:schemeClr val="tx1"/>
+                </a:solidFill>
+                <a:latin typeface="+mn-lt"/>
+                <a:ea typeface="+mn-ea"/>
+                <a:cs typeface="+mn-cs"/>
+              </a:defRPr>
+            </a:lvl7pPr>
+            <a:lvl8pPr marL="3429000" indent="-228600" algn="l" defTabSz="914400" rtl="0" eaLnBrk="1" latinLnBrk="1" hangingPunct="1">
+              <a:spcBef>
+                <a:spcPct val="20000"/>
+              </a:spcBef>
+              <a:buFont typeface="Arial" pitchFamily="34" charset="0"/>
+              <a:buChar char="•"/>
+              <a:defRPr sz="2000" kern="1200">
+                <a:solidFill>
+                  <a:schemeClr val="tx1"/>
+                </a:solidFill>
+                <a:latin typeface="+mn-lt"/>
+                <a:ea typeface="+mn-ea"/>
+                <a:cs typeface="+mn-cs"/>
+              </a:defRPr>
+            </a:lvl8pPr>
+            <a:lvl9pPr marL="3886200" indent="-228600" algn="l" defTabSz="914400" rtl="0" eaLnBrk="1" latinLnBrk="1" hangingPunct="1">
+              <a:spcBef>
+                <a:spcPct val="20000"/>
+              </a:spcBef>
+              <a:buFont typeface="Arial" pitchFamily="34" charset="0"/>
+              <a:buChar char="•"/>
+              <a:defRPr sz="2000" kern="1200">
+                <a:solidFill>
+                  <a:schemeClr val="tx1"/>
+                </a:solidFill>
+                <a:latin typeface="+mn-lt"/>
+                <a:ea typeface="+mn-ea"/>
+                <a:cs typeface="+mn-cs"/>
+              </a:defRPr>
+            </a:lvl9pPr>
+          </a:lstStyle>
+          <a:p>
+            <a:r>
+              <a:rPr lang="en-US" altLang="ko-KR" sz="2800" dirty="0"/>
+              <a:t>* GPS </a:t>
+            </a:r>
+            <a:r>
+              <a:rPr lang="ko-KR" altLang="en-US" sz="2800" dirty="0"/>
+              <a:t>보정기술 관련 및 결론</a:t>
+            </a:r>
+          </a:p>
+        </p:txBody>
+      </p:sp>
+      <p:sp>
+        <p:nvSpPr>
+          <p:cNvPr id="5" name="TextBox 4">
+            <a:extLst>
+              <a:ext uri="{FF2B5EF4-FFF2-40B4-BE49-F238E27FC236}">
+                <a16:creationId xmlns:a16="http://schemas.microsoft.com/office/drawing/2014/main" id="{12392020-71DB-288A-0340-BF46D25428A2}"/>
+              </a:ext>
+            </a:extLst>
+          </p:cNvPr>
+          <p:cNvSpPr txBox="1"/>
+          <p:nvPr/>
+        </p:nvSpPr>
+        <p:spPr>
+          <a:xfrm>
+            <a:off x="467544" y="843558"/>
+            <a:ext cx="8352928" cy="677108"/>
+          </a:xfrm>
+          <a:prstGeom prst="rect">
+            <a:avLst/>
+          </a:prstGeom>
+          <a:noFill/>
+        </p:spPr>
+        <p:txBody>
+          <a:bodyPr wrap="square" rtlCol="0">
+            <a:spAutoFit/>
+          </a:bodyPr>
           <a:lstStyle/>
           <a:p>
             <a:r>
+              <a:rPr lang="en-US" altLang="ko-KR" dirty="0"/>
+              <a:t>6</a:t>
+            </a:r>
+            <a:r>
               <a:rPr lang="ko-KR" altLang="en-US" dirty="0"/>
-              <a:t>향후 구현 계획</a:t>
-            </a:r>
-          </a:p>
-        </p:txBody>
-      </p:sp>
-      <p:sp>
-        <p:nvSpPr>
-          <p:cNvPr id="12" name="Rectangle 11"/>
+              <a:t>주차 </a:t>
+            </a:r>
+            <a:r>
+              <a:rPr lang="en-US" altLang="ko-KR" dirty="0"/>
+              <a:t>PPT</a:t>
+            </a:r>
+            <a:r>
+              <a:rPr lang="ko-KR" altLang="en-US" dirty="0"/>
+              <a:t>에서 말씀드렸던 </a:t>
+            </a:r>
+            <a:r>
+              <a:rPr lang="en-US" altLang="ko-KR" dirty="0"/>
+              <a:t>“</a:t>
+            </a:r>
+            <a:r>
+              <a:rPr lang="en-US" altLang="ko-KR" sz="2000" dirty="0" err="1"/>
+              <a:t>wifi</a:t>
+            </a:r>
+            <a:r>
+              <a:rPr lang="ko-KR" altLang="en-US" sz="2000" dirty="0"/>
+              <a:t>를 이용</a:t>
+            </a:r>
+            <a:r>
+              <a:rPr lang="ko-KR" altLang="en-US" dirty="0"/>
+              <a:t>한 위치 추적 방법</a:t>
+            </a:r>
+            <a:r>
+              <a:rPr lang="en-US" altLang="ko-KR" dirty="0"/>
+              <a:t>”</a:t>
+            </a:r>
+            <a:r>
+              <a:rPr lang="ko-KR" altLang="en-US" dirty="0"/>
+              <a:t>인</a:t>
+            </a:r>
+            <a:r>
+              <a:rPr lang="en-US" altLang="ko-KR" dirty="0"/>
+              <a:t>,</a:t>
+            </a:r>
+          </a:p>
+          <a:p>
+            <a:r>
+              <a:rPr lang="ko-KR" altLang="en-US" dirty="0" err="1"/>
+              <a:t>삼각측량법</a:t>
+            </a:r>
+            <a:r>
+              <a:rPr lang="ko-KR" altLang="en-US" dirty="0"/>
+              <a:t> 과 </a:t>
+            </a:r>
+            <a:r>
+              <a:rPr lang="ko-KR" altLang="en-US" dirty="0" err="1"/>
+              <a:t>핑거프린팅</a:t>
+            </a:r>
+            <a:r>
+              <a:rPr lang="ko-KR" altLang="en-US" dirty="0"/>
+              <a:t> 방법이 존재합니다</a:t>
+            </a:r>
+            <a:r>
+              <a:rPr lang="en-US" altLang="ko-KR" dirty="0"/>
+              <a:t>. </a:t>
+            </a:r>
+            <a:endParaRPr lang="ko-KR" altLang="en-US" dirty="0"/>
+          </a:p>
+        </p:txBody>
+      </p:sp>
+      <p:sp>
+        <p:nvSpPr>
+          <p:cNvPr id="2" name="화살표: 아래쪽 1">
+            <a:extLst>
+              <a:ext uri="{FF2B5EF4-FFF2-40B4-BE49-F238E27FC236}">
+                <a16:creationId xmlns:a16="http://schemas.microsoft.com/office/drawing/2014/main" id="{D8DD4773-597A-144D-D0C0-9F3C52A70469}"/>
+              </a:ext>
+            </a:extLst>
+          </p:cNvPr>
           <p:cNvSpPr/>
           <p:nvPr/>
         </p:nvSpPr>
         <p:spPr>
           <a:xfrm>
-            <a:off x="2155482" y="1355155"/>
-            <a:ext cx="517215" cy="70837"/>
-          </a:xfrm>
-          <a:prstGeom prst="rect">
+            <a:off x="3997176" y="1586864"/>
+            <a:ext cx="574824" cy="677108"/>
+          </a:xfrm>
+          <a:prstGeom prst="downArrow">
             <a:avLst/>
           </a:prstGeom>
           <a:solidFill>
-            <a:schemeClr val="accent1"/>
+            <a:srgbClr val="32AEB8"/>
           </a:solidFill>
           <a:ln>
             <a:noFill/>
@@ -8583,12 +8665,7 @@
           </a:fontRef>
         </p:style>
         <p:txBody>
-          <a:bodyPr rot="0" spcFirstLastPara="0" vertOverflow="overflow" horzOverflow="overflow" vert="horz" wrap="square" lIns="91440" tIns="45720" rIns="91440" bIns="45720" numCol="1" spcCol="0" rtlCol="0" fromWordArt="0" anchor="ctr" anchorCtr="0" forceAA="0" compatLnSpc="1">
-            <a:prstTxWarp prst="textNoShape">
-              <a:avLst/>
-            </a:prstTxWarp>
-            <a:noAutofit/>
-          </a:bodyPr>
+          <a:bodyPr rtlCol="0" anchor="ctr"/>
           <a:lstStyle/>
           <a:p>
             <a:pPr algn="ctr"/>
@@ -8598,10 +8675,10 @@
       </p:sp>
       <p:sp>
         <p:nvSpPr>
-          <p:cNvPr id="32" name="TextBox 31">
+          <p:cNvPr id="4" name="TextBox 3">
             <a:extLst>
               <a:ext uri="{FF2B5EF4-FFF2-40B4-BE49-F238E27FC236}">
-                <a16:creationId xmlns:a16="http://schemas.microsoft.com/office/drawing/2014/main" id="{D805552A-1C19-46A0-A455-E31C7C0B80D6}"/>
+                <a16:creationId xmlns:a16="http://schemas.microsoft.com/office/drawing/2014/main" id="{7E6911F8-255F-7076-C5D5-7EDB87C34118}"/>
               </a:ext>
             </a:extLst>
           </p:cNvPr>
@@ -8610,8 +8687,8 @@
         </p:nvSpPr>
         <p:spPr>
           <a:xfrm>
-            <a:off x="656473" y="1191100"/>
-            <a:ext cx="1499009" cy="400110"/>
+            <a:off x="467544" y="2330170"/>
+            <a:ext cx="8352928" cy="738664"/>
           </a:xfrm>
           <a:prstGeom prst="rect">
             <a:avLst/>
@@ -8624,34 +8701,42 @@
           </a:bodyPr>
           <a:lstStyle/>
           <a:p>
-            <a:pPr algn="ctr"/>
-            <a:r>
-              <a:rPr lang="en-US" altLang="ko-KR" sz="2000" b="1" dirty="0">
-                <a:solidFill>
-                  <a:schemeClr val="accent1"/>
-                </a:solidFill>
-                <a:cs typeface="Arial" pitchFamily="34" charset="0"/>
-              </a:rPr>
-              <a:t>8</a:t>
-            </a:r>
-            <a:r>
-              <a:rPr lang="ko-KR" altLang="en-US" sz="2000" b="1" dirty="0">
-                <a:solidFill>
-                  <a:schemeClr val="accent1"/>
-                </a:solidFill>
-                <a:cs typeface="Arial" pitchFamily="34" charset="0"/>
-              </a:rPr>
-              <a:t>주차</a:t>
-            </a:r>
-          </a:p>
-        </p:txBody>
-      </p:sp>
-      <p:sp>
-        <p:nvSpPr>
-          <p:cNvPr id="33" name="TextBox 32">
+            <a:r>
+              <a:rPr lang="ko-KR" altLang="en-US" dirty="0"/>
+              <a:t>하지만 </a:t>
+            </a:r>
+            <a:r>
+              <a:rPr lang="ko-KR" altLang="en-US" sz="2400" dirty="0"/>
+              <a:t>실내</a:t>
+            </a:r>
+            <a:r>
+              <a:rPr lang="ko-KR" altLang="en-US" dirty="0"/>
+              <a:t>에서의 위치 추적 방법입니다</a:t>
+            </a:r>
+            <a:r>
+              <a:rPr lang="en-US" altLang="ko-KR" dirty="0"/>
+              <a:t>.</a:t>
+            </a:r>
+          </a:p>
+          <a:p>
+            <a:r>
+              <a:rPr lang="ko-KR" altLang="en-US" dirty="0"/>
+              <a:t>저희 프로젝트에서는 실내에서 위치 추적이 필요하지 않습니다</a:t>
+            </a:r>
+            <a:r>
+              <a:rPr lang="en-US" altLang="ko-KR" dirty="0"/>
+              <a:t>.</a:t>
+            </a:r>
+            <a:endParaRPr lang="ko-KR" altLang="en-US" dirty="0"/>
+          </a:p>
+        </p:txBody>
+      </p:sp>
+      <p:sp>
+        <p:nvSpPr>
+          <p:cNvPr id="7" name="TextBox 6">
             <a:extLst>
               <a:ext uri="{FF2B5EF4-FFF2-40B4-BE49-F238E27FC236}">
-                <a16:creationId xmlns:a16="http://schemas.microsoft.com/office/drawing/2014/main" id="{EE758838-B38B-4390-A2E3-D65208B92A37}"/>
+                <a16:creationId xmlns:a16="http://schemas.microsoft.com/office/drawing/2014/main" id="{672498CD-ACE8-E731-E061-DF1C32169B6A}"/>
               </a:ext>
             </a:extLst>
           </p:cNvPr>
@@ -8660,8 +8745,8 @@
         </p:nvSpPr>
         <p:spPr>
           <a:xfrm>
-            <a:off x="664396" y="2339148"/>
-            <a:ext cx="1499009" cy="400110"/>
+            <a:off x="526728" y="3126976"/>
+            <a:ext cx="8352928" cy="646331"/>
           </a:xfrm>
           <a:prstGeom prst="rect">
             <a:avLst/>
@@ -8674,34 +8759,38 @@
           </a:bodyPr>
           <a:lstStyle/>
           <a:p>
-            <a:pPr algn="ctr"/>
-            <a:r>
-              <a:rPr lang="en-US" altLang="ko-KR" sz="2000" b="1" dirty="0">
-                <a:solidFill>
-                  <a:schemeClr val="accent1"/>
-                </a:solidFill>
-                <a:cs typeface="Arial" pitchFamily="34" charset="0"/>
-              </a:rPr>
-              <a:t>9~10</a:t>
-            </a:r>
-            <a:r>
-              <a:rPr lang="ko-KR" altLang="en-US" sz="2000" b="1" dirty="0">
-                <a:solidFill>
-                  <a:schemeClr val="accent1"/>
-                </a:solidFill>
-                <a:cs typeface="Arial" pitchFamily="34" charset="0"/>
-              </a:rPr>
-              <a:t>주차</a:t>
-            </a:r>
-          </a:p>
-        </p:txBody>
-      </p:sp>
-      <p:sp>
-        <p:nvSpPr>
-          <p:cNvPr id="34" name="TextBox 33">
+            <a:r>
+              <a:rPr lang="ko-KR" altLang="en-US" dirty="0"/>
+              <a:t>다른 오차보정 알고리즘도 이용하기 위한 데이터가 부족하고</a:t>
+            </a:r>
+            <a:r>
+              <a:rPr lang="en-US" altLang="ko-KR" dirty="0"/>
+              <a:t>, </a:t>
+            </a:r>
+          </a:p>
+          <a:p>
+            <a:r>
+              <a:rPr lang="en-US" altLang="ko-KR" dirty="0"/>
+              <a:t>                                            </a:t>
+            </a:r>
+            <a:r>
+              <a:rPr lang="ko-KR" altLang="en-US" dirty="0"/>
+              <a:t>학부생 수준에서 많이 벗어남을 인지 했습니다</a:t>
+            </a:r>
+            <a:r>
+              <a:rPr lang="en-US" altLang="ko-KR" dirty="0"/>
+              <a:t>.</a:t>
+            </a:r>
+            <a:endParaRPr lang="ko-KR" altLang="en-US" dirty="0"/>
+          </a:p>
+        </p:txBody>
+      </p:sp>
+      <p:sp>
+        <p:nvSpPr>
+          <p:cNvPr id="8" name="TextBox 7">
             <a:extLst>
               <a:ext uri="{FF2B5EF4-FFF2-40B4-BE49-F238E27FC236}">
-                <a16:creationId xmlns:a16="http://schemas.microsoft.com/office/drawing/2014/main" id="{D01C8AB4-25DA-4D9E-9118-6ED6FF4263B5}"/>
+                <a16:creationId xmlns:a16="http://schemas.microsoft.com/office/drawing/2014/main" id="{27FF6830-8BD4-E6C1-C157-A03D39A2C907}"/>
               </a:ext>
             </a:extLst>
           </p:cNvPr>
@@ -8710,8 +8799,8 @@
         </p:nvSpPr>
         <p:spPr>
           <a:xfrm>
-            <a:off x="672408" y="3601177"/>
-            <a:ext cx="1499009" cy="400110"/>
+            <a:off x="611560" y="3831449"/>
+            <a:ext cx="8352928" cy="923330"/>
           </a:xfrm>
           <a:prstGeom prst="rect">
             <a:avLst/>
@@ -8724,43 +8813,182 @@
           </a:bodyPr>
           <a:lstStyle/>
           <a:p>
-            <a:pPr algn="ctr"/>
-            <a:r>
-              <a:rPr lang="en-US" altLang="ko-KR" sz="2000" b="1" dirty="0">
-                <a:solidFill>
-                  <a:schemeClr val="accent1"/>
-                </a:solidFill>
-                <a:cs typeface="Arial" pitchFamily="34" charset="0"/>
-              </a:rPr>
-              <a:t>11~14</a:t>
-            </a:r>
-            <a:r>
-              <a:rPr lang="ko-KR" altLang="en-US" sz="2000" b="1" dirty="0">
-                <a:solidFill>
-                  <a:schemeClr val="accent1"/>
-                </a:solidFill>
-                <a:cs typeface="Arial" pitchFamily="34" charset="0"/>
-              </a:rPr>
-              <a:t>주차</a:t>
-            </a:r>
-          </a:p>
-        </p:txBody>
-      </p:sp>
-      <p:sp>
-        <p:nvSpPr>
-          <p:cNvPr id="5" name="Rectangle 11">
-            <a:extLst>
-              <a:ext uri="{FF2B5EF4-FFF2-40B4-BE49-F238E27FC236}">
-                <a16:creationId xmlns:a16="http://schemas.microsoft.com/office/drawing/2014/main" id="{15407F5D-77F9-F537-CDAC-7FED3E595F26}"/>
-              </a:ext>
-            </a:extLst>
-          </p:cNvPr>
+            <a:r>
+              <a:rPr lang="ko-KR" altLang="en-US" dirty="0"/>
+              <a:t>결론적으로</a:t>
+            </a:r>
+            <a:r>
+              <a:rPr lang="en-US" altLang="ko-KR" dirty="0"/>
+              <a:t>, </a:t>
+            </a:r>
+            <a:r>
+              <a:rPr lang="ko-KR" altLang="en-US" dirty="0"/>
+              <a:t>기존의 </a:t>
+            </a:r>
+            <a:r>
+              <a:rPr lang="en-US" altLang="ko-KR" dirty="0"/>
+              <a:t>GPS </a:t>
+            </a:r>
+            <a:r>
+              <a:rPr lang="ko-KR" altLang="en-US" dirty="0"/>
+              <a:t>기능을 탑재한 서비스들도 </a:t>
+            </a:r>
+            <a:endParaRPr lang="en-US" altLang="ko-KR" dirty="0"/>
+          </a:p>
+          <a:p>
+            <a:r>
+              <a:rPr lang="ko-KR" altLang="en-US" b="1" dirty="0"/>
+              <a:t>스마트폰 내부의 자체 설정</a:t>
+            </a:r>
+            <a:r>
+              <a:rPr lang="ko-KR" altLang="en-US" dirty="0"/>
+              <a:t>으로 </a:t>
+            </a:r>
+            <a:r>
+              <a:rPr lang="en-US" altLang="ko-KR" dirty="0" err="1"/>
+              <a:t>Wifi</a:t>
+            </a:r>
+            <a:r>
+              <a:rPr lang="en-US" altLang="ko-KR" dirty="0"/>
+              <a:t> , </a:t>
+            </a:r>
+            <a:r>
+              <a:rPr lang="ko-KR" altLang="en-US" dirty="0"/>
+              <a:t>모바일 네트워크 등을 통해서</a:t>
+            </a:r>
+            <a:endParaRPr lang="en-US" altLang="ko-KR" dirty="0"/>
+          </a:p>
+          <a:p>
+            <a:r>
+              <a:rPr lang="ko-KR" altLang="en-US" dirty="0"/>
+              <a:t>위치를 보정하도록 유도하고 있습니다</a:t>
+            </a:r>
+            <a:r>
+              <a:rPr lang="en-US" altLang="ko-KR" dirty="0"/>
+              <a:t>.</a:t>
+            </a:r>
+            <a:endParaRPr lang="ko-KR" altLang="en-US" dirty="0"/>
+          </a:p>
+        </p:txBody>
+      </p:sp>
+    </p:spTree>
+    <p:extLst>
+      <p:ext uri="{BB962C8B-B14F-4D97-AF65-F5344CB8AC3E}">
+        <p14:creationId xmlns:p14="http://schemas.microsoft.com/office/powerpoint/2010/main" val="328567768"/>
+      </p:ext>
+    </p:extLst>
+  </p:cSld>
+  <p:clrMapOvr>
+    <a:masterClrMapping/>
+  </p:clrMapOvr>
+</p:sld>
+</file>
+
+<file path=ppt/slides/slide14.xml><?xml version="1.0" encoding="utf-8"?>
+<p:sld xmlns:a="http://schemas.openxmlformats.org/drawingml/2006/main" xmlns:r="http://schemas.openxmlformats.org/officeDocument/2006/relationships" xmlns:p="http://schemas.openxmlformats.org/presentationml/2006/main">
+  <p:cSld>
+    <p:spTree>
+      <p:nvGrpSpPr>
+        <p:cNvPr id="1" name=""/>
+        <p:cNvGrpSpPr/>
+        <p:nvPr/>
+      </p:nvGrpSpPr>
+      <p:grpSpPr>
+        <a:xfrm>
+          <a:off x="0" y="0"/>
+          <a:ext cx="0" cy="0"/>
+          <a:chOff x="0" y="0"/>
+          <a:chExt cx="0" cy="0"/>
+        </a:xfrm>
+      </p:grpSpPr>
+      <p:sp>
+        <p:nvSpPr>
+          <p:cNvPr id="2" name="Text Placeholder 1"/>
+          <p:cNvSpPr>
+            <a:spLocks noGrp="1"/>
+          </p:cNvSpPr>
+          <p:nvPr>
+            <p:ph type="body" sz="quarter" idx="10"/>
+          </p:nvPr>
+        </p:nvSpPr>
+        <p:spPr/>
+        <p:txBody>
+          <a:bodyPr/>
+          <a:lstStyle/>
+          <a:p>
+            <a:r>
+              <a:rPr lang="ko-KR" altLang="en-US" dirty="0"/>
+              <a:t>향후 계획</a:t>
+            </a:r>
+          </a:p>
+        </p:txBody>
+      </p:sp>
+    </p:spTree>
+    <p:extLst>
+      <p:ext uri="{BB962C8B-B14F-4D97-AF65-F5344CB8AC3E}">
+        <p14:creationId xmlns:p14="http://schemas.microsoft.com/office/powerpoint/2010/main" val="3997913445"/>
+      </p:ext>
+    </p:extLst>
+  </p:cSld>
+  <p:clrMapOvr>
+    <a:masterClrMapping/>
+  </p:clrMapOvr>
+</p:sld>
+</file>
+
+<file path=ppt/slides/slide15.xml><?xml version="1.0" encoding="utf-8"?>
+<p:sld xmlns:a="http://schemas.openxmlformats.org/drawingml/2006/main" xmlns:r="http://schemas.openxmlformats.org/officeDocument/2006/relationships" xmlns:p="http://schemas.openxmlformats.org/presentationml/2006/main">
+  <p:cSld>
+    <p:spTree>
+      <p:nvGrpSpPr>
+        <p:cNvPr id="1" name=""/>
+        <p:cNvGrpSpPr/>
+        <p:nvPr/>
+      </p:nvGrpSpPr>
+      <p:grpSpPr>
+        <a:xfrm>
+          <a:off x="0" y="0"/>
+          <a:ext cx="0" cy="0"/>
+          <a:chOff x="0" y="0"/>
+          <a:chExt cx="0" cy="0"/>
+        </a:xfrm>
+      </p:grpSpPr>
+      <p:sp>
+        <p:nvSpPr>
+          <p:cNvPr id="2" name="Text Placeholder 1"/>
+          <p:cNvSpPr>
+            <a:spLocks noGrp="1"/>
+          </p:cNvSpPr>
+          <p:nvPr>
+            <p:ph type="body" sz="quarter" idx="10"/>
+          </p:nvPr>
+        </p:nvSpPr>
+        <p:spPr>
+          <a:xfrm>
+            <a:off x="0" y="97506"/>
+            <a:ext cx="8676456" cy="591637"/>
+          </a:xfrm>
+        </p:spPr>
+        <p:txBody>
+          <a:bodyPr/>
+          <a:lstStyle/>
+          <a:p>
+            <a:r>
+              <a:rPr lang="ko-KR" altLang="en-US" dirty="0"/>
+              <a:t>향후 구현 계획</a:t>
+            </a:r>
+          </a:p>
+        </p:txBody>
+      </p:sp>
+      <p:sp>
+        <p:nvSpPr>
+          <p:cNvPr id="12" name="Rectangle 11"/>
           <p:cNvSpPr/>
           <p:nvPr/>
         </p:nvSpPr>
         <p:spPr>
           <a:xfrm>
-            <a:off x="2170549" y="2478166"/>
+            <a:off x="2155482" y="1355155"/>
             <a:ext cx="517215" cy="70837"/>
           </a:xfrm>
           <a:prstGeom prst="rect">
@@ -8805,10 +9033,160 @@
       </p:sp>
       <p:sp>
         <p:nvSpPr>
-          <p:cNvPr id="7" name="Rectangle 11">
+          <p:cNvPr id="32" name="TextBox 31">
             <a:extLst>
               <a:ext uri="{FF2B5EF4-FFF2-40B4-BE49-F238E27FC236}">
-                <a16:creationId xmlns:a16="http://schemas.microsoft.com/office/drawing/2014/main" id="{B7A631AD-8063-941D-8336-A35131E7EDA5}"/>
+                <a16:creationId xmlns:a16="http://schemas.microsoft.com/office/drawing/2014/main" id="{D805552A-1C19-46A0-A455-E31C7C0B80D6}"/>
+              </a:ext>
+            </a:extLst>
+          </p:cNvPr>
+          <p:cNvSpPr txBox="1"/>
+          <p:nvPr/>
+        </p:nvSpPr>
+        <p:spPr>
+          <a:xfrm>
+            <a:off x="656473" y="1191100"/>
+            <a:ext cx="1499009" cy="400110"/>
+          </a:xfrm>
+          <a:prstGeom prst="rect">
+            <a:avLst/>
+          </a:prstGeom>
+          <a:noFill/>
+        </p:spPr>
+        <p:txBody>
+          <a:bodyPr wrap="square" rtlCol="0">
+            <a:spAutoFit/>
+          </a:bodyPr>
+          <a:lstStyle/>
+          <a:p>
+            <a:pPr algn="ctr"/>
+            <a:r>
+              <a:rPr lang="en-US" altLang="ko-KR" sz="2000" b="1" dirty="0">
+                <a:solidFill>
+                  <a:schemeClr val="accent1"/>
+                </a:solidFill>
+                <a:cs typeface="Arial" pitchFamily="34" charset="0"/>
+              </a:rPr>
+              <a:t>8</a:t>
+            </a:r>
+            <a:r>
+              <a:rPr lang="ko-KR" altLang="en-US" sz="2000" b="1" dirty="0">
+                <a:solidFill>
+                  <a:schemeClr val="accent1"/>
+                </a:solidFill>
+                <a:cs typeface="Arial" pitchFamily="34" charset="0"/>
+              </a:rPr>
+              <a:t>주차</a:t>
+            </a:r>
+          </a:p>
+        </p:txBody>
+      </p:sp>
+      <p:sp>
+        <p:nvSpPr>
+          <p:cNvPr id="33" name="TextBox 32">
+            <a:extLst>
+              <a:ext uri="{FF2B5EF4-FFF2-40B4-BE49-F238E27FC236}">
+                <a16:creationId xmlns:a16="http://schemas.microsoft.com/office/drawing/2014/main" id="{EE758838-B38B-4390-A2E3-D65208B92A37}"/>
+              </a:ext>
+            </a:extLst>
+          </p:cNvPr>
+          <p:cNvSpPr txBox="1"/>
+          <p:nvPr/>
+        </p:nvSpPr>
+        <p:spPr>
+          <a:xfrm>
+            <a:off x="664396" y="2339148"/>
+            <a:ext cx="1499009" cy="400110"/>
+          </a:xfrm>
+          <a:prstGeom prst="rect">
+            <a:avLst/>
+          </a:prstGeom>
+          <a:noFill/>
+        </p:spPr>
+        <p:txBody>
+          <a:bodyPr wrap="square" rtlCol="0">
+            <a:spAutoFit/>
+          </a:bodyPr>
+          <a:lstStyle/>
+          <a:p>
+            <a:pPr algn="ctr"/>
+            <a:r>
+              <a:rPr lang="en-US" altLang="ko-KR" sz="2000" b="1" dirty="0">
+                <a:solidFill>
+                  <a:schemeClr val="accent1"/>
+                </a:solidFill>
+                <a:cs typeface="Arial" pitchFamily="34" charset="0"/>
+              </a:rPr>
+              <a:t>9~10</a:t>
+            </a:r>
+            <a:r>
+              <a:rPr lang="ko-KR" altLang="en-US" sz="2000" b="1" dirty="0">
+                <a:solidFill>
+                  <a:schemeClr val="accent1"/>
+                </a:solidFill>
+                <a:cs typeface="Arial" pitchFamily="34" charset="0"/>
+              </a:rPr>
+              <a:t>주차</a:t>
+            </a:r>
+          </a:p>
+        </p:txBody>
+      </p:sp>
+      <p:sp>
+        <p:nvSpPr>
+          <p:cNvPr id="34" name="TextBox 33">
+            <a:extLst>
+              <a:ext uri="{FF2B5EF4-FFF2-40B4-BE49-F238E27FC236}">
+                <a16:creationId xmlns:a16="http://schemas.microsoft.com/office/drawing/2014/main" id="{D01C8AB4-25DA-4D9E-9118-6ED6FF4263B5}"/>
+              </a:ext>
+            </a:extLst>
+          </p:cNvPr>
+          <p:cNvSpPr txBox="1"/>
+          <p:nvPr/>
+        </p:nvSpPr>
+        <p:spPr>
+          <a:xfrm>
+            <a:off x="672408" y="3601177"/>
+            <a:ext cx="1499009" cy="400110"/>
+          </a:xfrm>
+          <a:prstGeom prst="rect">
+            <a:avLst/>
+          </a:prstGeom>
+          <a:noFill/>
+        </p:spPr>
+        <p:txBody>
+          <a:bodyPr wrap="square" rtlCol="0">
+            <a:spAutoFit/>
+          </a:bodyPr>
+          <a:lstStyle/>
+          <a:p>
+            <a:pPr algn="ctr"/>
+            <a:r>
+              <a:rPr lang="en-US" altLang="ko-KR" sz="2000" b="1" dirty="0">
+                <a:solidFill>
+                  <a:schemeClr val="accent1"/>
+                </a:solidFill>
+                <a:cs typeface="Arial" pitchFamily="34" charset="0"/>
+              </a:rPr>
+              <a:t>11~14</a:t>
+            </a:r>
+            <a:r>
+              <a:rPr lang="ko-KR" altLang="en-US" sz="2000" b="1" dirty="0">
+                <a:solidFill>
+                  <a:schemeClr val="accent1"/>
+                </a:solidFill>
+                <a:cs typeface="Arial" pitchFamily="34" charset="0"/>
+              </a:rPr>
+              <a:t>주차</a:t>
+            </a:r>
+          </a:p>
+        </p:txBody>
+      </p:sp>
+      <p:sp>
+        <p:nvSpPr>
+          <p:cNvPr id="5" name="Rectangle 11">
+            <a:extLst>
+              <a:ext uri="{FF2B5EF4-FFF2-40B4-BE49-F238E27FC236}">
+                <a16:creationId xmlns:a16="http://schemas.microsoft.com/office/drawing/2014/main" id="{15407F5D-77F9-F537-CDAC-7FED3E595F26}"/>
               </a:ext>
             </a:extLst>
           </p:cNvPr>
@@ -8817,7 +9195,7 @@
         </p:nvSpPr>
         <p:spPr>
           <a:xfrm>
-            <a:off x="2170549" y="3765813"/>
+            <a:off x="2170549" y="2478166"/>
             <a:ext cx="517215" cy="70837"/>
           </a:xfrm>
           <a:prstGeom prst="rect">
@@ -8862,6 +9240,63 @@
       </p:sp>
       <p:sp>
         <p:nvSpPr>
+          <p:cNvPr id="7" name="Rectangle 11">
+            <a:extLst>
+              <a:ext uri="{FF2B5EF4-FFF2-40B4-BE49-F238E27FC236}">
+                <a16:creationId xmlns:a16="http://schemas.microsoft.com/office/drawing/2014/main" id="{B7A631AD-8063-941D-8336-A35131E7EDA5}"/>
+              </a:ext>
+            </a:extLst>
+          </p:cNvPr>
+          <p:cNvSpPr/>
+          <p:nvPr/>
+        </p:nvSpPr>
+        <p:spPr>
+          <a:xfrm>
+            <a:off x="2170549" y="3765813"/>
+            <a:ext cx="517215" cy="70837"/>
+          </a:xfrm>
+          <a:prstGeom prst="rect">
+            <a:avLst/>
+          </a:prstGeom>
+          <a:solidFill>
+            <a:schemeClr val="accent1"/>
+          </a:solidFill>
+          <a:ln>
+            <a:noFill/>
+          </a:ln>
+        </p:spPr>
+        <p:style>
+          <a:lnRef idx="2">
+            <a:schemeClr val="accent1">
+              <a:shade val="50000"/>
+            </a:schemeClr>
+          </a:lnRef>
+          <a:fillRef idx="1">
+            <a:schemeClr val="accent1"/>
+          </a:fillRef>
+          <a:effectRef idx="0">
+            <a:schemeClr val="accent1"/>
+          </a:effectRef>
+          <a:fontRef idx="minor">
+            <a:schemeClr val="lt1"/>
+          </a:fontRef>
+        </p:style>
+        <p:txBody>
+          <a:bodyPr rot="0" spcFirstLastPara="0" vertOverflow="overflow" horzOverflow="overflow" vert="horz" wrap="square" lIns="91440" tIns="45720" rIns="91440" bIns="45720" numCol="1" spcCol="0" rtlCol="0" fromWordArt="0" anchor="ctr" anchorCtr="0" forceAA="0" compatLnSpc="1">
+            <a:prstTxWarp prst="textNoShape">
+              <a:avLst/>
+            </a:prstTxWarp>
+            <a:noAutofit/>
+          </a:bodyPr>
+          <a:lstStyle/>
+          <a:p>
+            <a:pPr algn="ctr"/>
+            <a:endParaRPr lang="ko-KR" altLang="en-US"/>
+          </a:p>
+        </p:txBody>
+      </p:sp>
+      <p:sp>
+        <p:nvSpPr>
           <p:cNvPr id="8" name="TextBox 7">
             <a:extLst>
               <a:ext uri="{FF2B5EF4-FFF2-40B4-BE49-F238E27FC236}">
@@ -9032,7 +9467,7 @@
 </p:sld>
 </file>
 
-<file path=ppt/slides/slide14.xml><?xml version="1.0" encoding="utf-8"?>
+<file path=ppt/slides/slide16.xml><?xml version="1.0" encoding="utf-8"?>
 <p:sld xmlns:a="http://schemas.openxmlformats.org/drawingml/2006/main" xmlns:r="http://schemas.openxmlformats.org/officeDocument/2006/relationships" xmlns:p="http://schemas.openxmlformats.org/presentationml/2006/main">
   <p:cSld>
     <p:spTree>
@@ -13135,7 +13570,7 @@
         </p:blipFill>
         <p:spPr>
           <a:xfrm>
-            <a:off x="491091" y="717962"/>
+            <a:off x="476280" y="700911"/>
             <a:ext cx="2304256" cy="669251"/>
           </a:xfrm>
           <a:prstGeom prst="rect">
@@ -13779,38 +14214,388 @@
       </p:grpSpPr>
       <p:sp>
         <p:nvSpPr>
-          <p:cNvPr id="2" name="Text Placeholder 1"/>
-          <p:cNvSpPr>
-            <a:spLocks noGrp="1"/>
+          <p:cNvPr id="7" name="Text Placeholder 1">
+            <a:extLst>
+              <a:ext uri="{FF2B5EF4-FFF2-40B4-BE49-F238E27FC236}">
+                <a16:creationId xmlns:a16="http://schemas.microsoft.com/office/drawing/2014/main" id="{6C6E7023-D460-0F97-430A-19AD2F53371C}"/>
+              </a:ext>
+            </a:extLst>
+          </p:cNvPr>
+          <p:cNvSpPr txBox="1">
+            <a:spLocks/>
           </p:cNvSpPr>
-          <p:nvPr>
-            <p:ph type="body" sz="quarter" idx="10"/>
-          </p:nvPr>
-        </p:nvSpPr>
-        <p:spPr>
-          <a:xfrm>
-            <a:off x="2123728" y="3219822"/>
-            <a:ext cx="4896544" cy="576064"/>
-          </a:xfrm>
-        </p:spPr>
-        <p:txBody>
-          <a:bodyPr/>
+          <p:nvPr/>
+        </p:nvSpPr>
+        <p:spPr>
+          <a:xfrm>
+            <a:off x="323528" y="195486"/>
+            <a:ext cx="8208912" cy="576064"/>
+          </a:xfrm>
+          <a:prstGeom prst="rect">
+            <a:avLst/>
+          </a:prstGeom>
+        </p:spPr>
+        <p:txBody>
+          <a:bodyPr anchor="ctr"/>
+          <a:lstStyle>
+            <a:lvl1pPr marL="0" indent="0" algn="l" defTabSz="914400" rtl="0" eaLnBrk="1" latinLnBrk="1" hangingPunct="1">
+              <a:spcBef>
+                <a:spcPct val="20000"/>
+              </a:spcBef>
+              <a:buFont typeface="Arial" pitchFamily="34" charset="0"/>
+              <a:buNone/>
+              <a:defRPr sz="3600" b="0" kern="1200" baseline="0">
+                <a:solidFill>
+                  <a:schemeClr val="tx1">
+                    <a:lumMod val="75000"/>
+                    <a:lumOff val="25000"/>
+                  </a:schemeClr>
+                </a:solidFill>
+                <a:latin typeface="+mj-lt"/>
+                <a:ea typeface="+mn-ea"/>
+                <a:cs typeface="Arial" pitchFamily="34" charset="0"/>
+              </a:defRPr>
+            </a:lvl1pPr>
+            <a:lvl2pPr marL="742950" indent="-285750" algn="l" defTabSz="914400" rtl="0" eaLnBrk="1" latinLnBrk="1" hangingPunct="1">
+              <a:spcBef>
+                <a:spcPct val="20000"/>
+              </a:spcBef>
+              <a:buFont typeface="Arial" pitchFamily="34" charset="0"/>
+              <a:buChar char="–"/>
+              <a:defRPr sz="2800" kern="1200">
+                <a:solidFill>
+                  <a:schemeClr val="tx1"/>
+                </a:solidFill>
+                <a:latin typeface="+mn-lt"/>
+                <a:ea typeface="+mn-ea"/>
+                <a:cs typeface="+mn-cs"/>
+              </a:defRPr>
+            </a:lvl2pPr>
+            <a:lvl3pPr marL="1143000" indent="-228600" algn="l" defTabSz="914400" rtl="0" eaLnBrk="1" latinLnBrk="1" hangingPunct="1">
+              <a:spcBef>
+                <a:spcPct val="20000"/>
+              </a:spcBef>
+              <a:buFont typeface="Arial" pitchFamily="34" charset="0"/>
+              <a:buChar char="•"/>
+              <a:defRPr sz="2400" kern="1200">
+                <a:solidFill>
+                  <a:schemeClr val="tx1"/>
+                </a:solidFill>
+                <a:latin typeface="+mn-lt"/>
+                <a:ea typeface="+mn-ea"/>
+                <a:cs typeface="+mn-cs"/>
+              </a:defRPr>
+            </a:lvl3pPr>
+            <a:lvl4pPr marL="1600200" indent="-228600" algn="l" defTabSz="914400" rtl="0" eaLnBrk="1" latinLnBrk="1" hangingPunct="1">
+              <a:spcBef>
+                <a:spcPct val="20000"/>
+              </a:spcBef>
+              <a:buFont typeface="Arial" pitchFamily="34" charset="0"/>
+              <a:buChar char="–"/>
+              <a:defRPr sz="2000" kern="1200">
+                <a:solidFill>
+                  <a:schemeClr val="tx1"/>
+                </a:solidFill>
+                <a:latin typeface="+mn-lt"/>
+                <a:ea typeface="+mn-ea"/>
+                <a:cs typeface="+mn-cs"/>
+              </a:defRPr>
+            </a:lvl4pPr>
+            <a:lvl5pPr marL="2057400" indent="-228600" algn="l" defTabSz="914400" rtl="0" eaLnBrk="1" latinLnBrk="1" hangingPunct="1">
+              <a:spcBef>
+                <a:spcPct val="20000"/>
+              </a:spcBef>
+              <a:buFont typeface="Arial" pitchFamily="34" charset="0"/>
+              <a:buChar char="»"/>
+              <a:defRPr sz="2000" kern="1200">
+                <a:solidFill>
+                  <a:schemeClr val="tx1"/>
+                </a:solidFill>
+                <a:latin typeface="+mn-lt"/>
+                <a:ea typeface="+mn-ea"/>
+                <a:cs typeface="+mn-cs"/>
+              </a:defRPr>
+            </a:lvl5pPr>
+            <a:lvl6pPr marL="2514600" indent="-228600" algn="l" defTabSz="914400" rtl="0" eaLnBrk="1" latinLnBrk="1" hangingPunct="1">
+              <a:spcBef>
+                <a:spcPct val="20000"/>
+              </a:spcBef>
+              <a:buFont typeface="Arial" pitchFamily="34" charset="0"/>
+              <a:buChar char="•"/>
+              <a:defRPr sz="2000" kern="1200">
+                <a:solidFill>
+                  <a:schemeClr val="tx1"/>
+                </a:solidFill>
+                <a:latin typeface="+mn-lt"/>
+                <a:ea typeface="+mn-ea"/>
+                <a:cs typeface="+mn-cs"/>
+              </a:defRPr>
+            </a:lvl6pPr>
+            <a:lvl7pPr marL="2971800" indent="-228600" algn="l" defTabSz="914400" rtl="0" eaLnBrk="1" latinLnBrk="1" hangingPunct="1">
+              <a:spcBef>
+                <a:spcPct val="20000"/>
+              </a:spcBef>
+              <a:buFont typeface="Arial" pitchFamily="34" charset="0"/>
+              <a:buChar char="•"/>
+              <a:defRPr sz="2000" kern="1200">
+                <a:solidFill>
+                  <a:schemeClr val="tx1"/>
+                </a:solidFill>
+                <a:latin typeface="+mn-lt"/>
+                <a:ea typeface="+mn-ea"/>
+                <a:cs typeface="+mn-cs"/>
+              </a:defRPr>
+            </a:lvl7pPr>
+            <a:lvl8pPr marL="3429000" indent="-228600" algn="l" defTabSz="914400" rtl="0" eaLnBrk="1" latinLnBrk="1" hangingPunct="1">
+              <a:spcBef>
+                <a:spcPct val="20000"/>
+              </a:spcBef>
+              <a:buFont typeface="Arial" pitchFamily="34" charset="0"/>
+              <a:buChar char="•"/>
+              <a:defRPr sz="2000" kern="1200">
+                <a:solidFill>
+                  <a:schemeClr val="tx1"/>
+                </a:solidFill>
+                <a:latin typeface="+mn-lt"/>
+                <a:ea typeface="+mn-ea"/>
+                <a:cs typeface="+mn-cs"/>
+              </a:defRPr>
+            </a:lvl8pPr>
+            <a:lvl9pPr marL="3886200" indent="-228600" algn="l" defTabSz="914400" rtl="0" eaLnBrk="1" latinLnBrk="1" hangingPunct="1">
+              <a:spcBef>
+                <a:spcPct val="20000"/>
+              </a:spcBef>
+              <a:buFont typeface="Arial" pitchFamily="34" charset="0"/>
+              <a:buChar char="•"/>
+              <a:defRPr sz="2000" kern="1200">
+                <a:solidFill>
+                  <a:schemeClr val="tx1"/>
+                </a:solidFill>
+                <a:latin typeface="+mn-lt"/>
+                <a:ea typeface="+mn-ea"/>
+                <a:cs typeface="+mn-cs"/>
+              </a:defRPr>
+            </a:lvl9pPr>
+          </a:lstStyle>
+          <a:p>
+            <a:r>
+              <a:rPr lang="en-US" altLang="ko-KR" sz="2800" dirty="0"/>
+              <a:t>2. </a:t>
+            </a:r>
+            <a:r>
+              <a:rPr lang="ko-KR" altLang="en-US" sz="2800" dirty="0"/>
+              <a:t>진행 상황</a:t>
+            </a:r>
+          </a:p>
+        </p:txBody>
+      </p:sp>
+      <p:sp>
+        <p:nvSpPr>
+          <p:cNvPr id="16" name="TextBox 15">
+            <a:extLst>
+              <a:ext uri="{FF2B5EF4-FFF2-40B4-BE49-F238E27FC236}">
+                <a16:creationId xmlns:a16="http://schemas.microsoft.com/office/drawing/2014/main" id="{68C3F217-1357-88AA-3607-CD0C0B6FC365}"/>
+              </a:ext>
+            </a:extLst>
+          </p:cNvPr>
+          <p:cNvSpPr txBox="1"/>
+          <p:nvPr/>
+        </p:nvSpPr>
+        <p:spPr>
+          <a:xfrm>
+            <a:off x="395536" y="771550"/>
+            <a:ext cx="7416824" cy="369332"/>
+          </a:xfrm>
+          <a:prstGeom prst="rect">
+            <a:avLst/>
+          </a:prstGeom>
+          <a:noFill/>
+        </p:spPr>
+        <p:txBody>
+          <a:bodyPr wrap="square" rtlCol="0">
+            <a:spAutoFit/>
+          </a:bodyPr>
           <a:lstStyle/>
           <a:p>
             <a:r>
-              <a:rPr lang="ko-KR" altLang="en-US" sz="3600" dirty="0">
-                <a:ea typeface="맑은 고딕" pitchFamily="50" charset="-127"/>
-              </a:rPr>
-              <a:t>주 연구사항</a:t>
-            </a:r>
-            <a:endParaRPr lang="en-US" altLang="ko-KR" sz="3600" dirty="0"/>
-          </a:p>
-        </p:txBody>
-      </p:sp>
+              <a:rPr lang="en-US" altLang="ko-KR" dirty="0"/>
+              <a:t>** </a:t>
+            </a:r>
+            <a:r>
+              <a:rPr lang="ko-KR" altLang="en-US" dirty="0"/>
+              <a:t>테이블 생성 </a:t>
+            </a:r>
+            <a:r>
+              <a:rPr lang="en-US" altLang="ko-KR" dirty="0"/>
+              <a:t>(with </a:t>
+            </a:r>
+            <a:r>
+              <a:rPr lang="ko-KR" altLang="en-US" dirty="0"/>
+              <a:t>오픈 데이터셋 파일 </a:t>
+            </a:r>
+            <a:r>
+              <a:rPr lang="en-US" altLang="ko-KR" dirty="0"/>
+              <a:t>, </a:t>
+            </a:r>
+            <a:r>
+              <a:rPr lang="en-US" altLang="ko-KR" dirty="0" err="1"/>
+              <a:t>Postgresql</a:t>
+            </a:r>
+            <a:r>
+              <a:rPr lang="en-US" altLang="ko-KR" dirty="0"/>
+              <a:t>)</a:t>
+            </a:r>
+            <a:r>
+              <a:rPr lang="ko-KR" altLang="en-US" dirty="0"/>
+              <a:t> </a:t>
+            </a:r>
+          </a:p>
+        </p:txBody>
+      </p:sp>
+      <p:pic>
+        <p:nvPicPr>
+          <p:cNvPr id="18" name="그림 17">
+            <a:extLst>
+              <a:ext uri="{FF2B5EF4-FFF2-40B4-BE49-F238E27FC236}">
+                <a16:creationId xmlns:a16="http://schemas.microsoft.com/office/drawing/2014/main" id="{EC0627F2-4C12-DE06-0E43-2A6CE2A3C33D}"/>
+              </a:ext>
+            </a:extLst>
+          </p:cNvPr>
+          <p:cNvPicPr>
+            <a:picLocks noChangeAspect="1"/>
+          </p:cNvPicPr>
+          <p:nvPr/>
+        </p:nvPicPr>
+        <p:blipFill>
+          <a:blip r:embed="rId2"/>
+          <a:stretch>
+            <a:fillRect/>
+          </a:stretch>
+        </p:blipFill>
+        <p:spPr>
+          <a:xfrm>
+            <a:off x="611560" y="1331441"/>
+            <a:ext cx="4392488" cy="882997"/>
+          </a:xfrm>
+          <a:prstGeom prst="rect">
+            <a:avLst/>
+          </a:prstGeom>
+        </p:spPr>
+      </p:pic>
+      <p:sp>
+        <p:nvSpPr>
+          <p:cNvPr id="20" name="TextBox 19">
+            <a:extLst>
+              <a:ext uri="{FF2B5EF4-FFF2-40B4-BE49-F238E27FC236}">
+                <a16:creationId xmlns:a16="http://schemas.microsoft.com/office/drawing/2014/main" id="{F2A57230-D5CF-EACF-281F-B0FD7F3D0C24}"/>
+              </a:ext>
+            </a:extLst>
+          </p:cNvPr>
+          <p:cNvSpPr txBox="1"/>
+          <p:nvPr/>
+        </p:nvSpPr>
+        <p:spPr>
+          <a:xfrm>
+            <a:off x="611560" y="2715766"/>
+            <a:ext cx="4392488" cy="1477328"/>
+          </a:xfrm>
+          <a:prstGeom prst="rect">
+            <a:avLst/>
+          </a:prstGeom>
+          <a:noFill/>
+        </p:spPr>
+        <p:txBody>
+          <a:bodyPr wrap="square" rtlCol="0">
+            <a:spAutoFit/>
+          </a:bodyPr>
+          <a:lstStyle/>
+          <a:p>
+            <a:r>
+              <a:rPr lang="en-US" altLang="ko-KR" dirty="0" err="1"/>
+              <a:t>shp</a:t>
+            </a:r>
+            <a:r>
+              <a:rPr lang="ko-KR" altLang="en-US" dirty="0"/>
+              <a:t>파일 형식의 데이터셋을 다운받은 이후에</a:t>
+            </a:r>
+            <a:r>
+              <a:rPr lang="en-US" altLang="ko-KR" dirty="0"/>
+              <a:t>, </a:t>
+            </a:r>
+            <a:r>
+              <a:rPr lang="en-US" altLang="ko-KR" dirty="0" err="1"/>
+              <a:t>Postgresql</a:t>
+            </a:r>
+            <a:r>
+              <a:rPr lang="ko-KR" altLang="en-US" dirty="0"/>
+              <a:t>에서 </a:t>
+            </a:r>
+            <a:r>
+              <a:rPr lang="en-US" altLang="ko-KR" dirty="0"/>
+              <a:t>shapefile</a:t>
+            </a:r>
+            <a:r>
+              <a:rPr lang="ko-KR" altLang="en-US" dirty="0"/>
+              <a:t>을 </a:t>
+            </a:r>
+            <a:r>
+              <a:rPr lang="en-US" altLang="ko-KR" dirty="0"/>
+              <a:t>import</a:t>
+            </a:r>
+            <a:r>
+              <a:rPr lang="ko-KR" altLang="en-US" dirty="0"/>
+              <a:t>할 수 있도록 도와주는 </a:t>
+            </a:r>
+            <a:r>
+              <a:rPr lang="en-US" altLang="ko-KR" dirty="0"/>
+              <a:t>Manager </a:t>
+            </a:r>
+            <a:r>
+              <a:rPr lang="ko-KR" altLang="en-US" dirty="0"/>
+              <a:t>툴을 통해서 자동으로 데이터베이스 테이블을 생성할 수 있도록 도와줍니다</a:t>
+            </a:r>
+            <a:r>
+              <a:rPr lang="en-US" altLang="ko-KR" dirty="0"/>
+              <a:t>.</a:t>
+            </a:r>
+            <a:endParaRPr lang="ko-KR" altLang="en-US" dirty="0"/>
+          </a:p>
+        </p:txBody>
+      </p:sp>
+      <p:pic>
+        <p:nvPicPr>
+          <p:cNvPr id="22" name="그림 21">
+            <a:extLst>
+              <a:ext uri="{FF2B5EF4-FFF2-40B4-BE49-F238E27FC236}">
+                <a16:creationId xmlns:a16="http://schemas.microsoft.com/office/drawing/2014/main" id="{9D4E3E10-E5D5-A7E5-BDC5-B535E8FB998B}"/>
+              </a:ext>
+            </a:extLst>
+          </p:cNvPr>
+          <p:cNvPicPr>
+            <a:picLocks noChangeAspect="1"/>
+          </p:cNvPicPr>
+          <p:nvPr/>
+        </p:nvPicPr>
+        <p:blipFill>
+          <a:blip r:embed="rId3"/>
+          <a:stretch>
+            <a:fillRect/>
+          </a:stretch>
+        </p:blipFill>
+        <p:spPr>
+          <a:xfrm>
+            <a:off x="5364088" y="1268354"/>
+            <a:ext cx="3339845" cy="3518520"/>
+          </a:xfrm>
+          <a:prstGeom prst="rect">
+            <a:avLst/>
+          </a:prstGeom>
+        </p:spPr>
+      </p:pic>
     </p:spTree>
     <p:extLst>
       <p:ext uri="{BB962C8B-B14F-4D97-AF65-F5344CB8AC3E}">
-        <p14:creationId xmlns:p14="http://schemas.microsoft.com/office/powerpoint/2010/main" val="4191296738"/>
+        <p14:creationId xmlns:p14="http://schemas.microsoft.com/office/powerpoint/2010/main" val="1462414919"/>
       </p:ext>
     </p:extLst>
   </p:cSld>

--- a/8주차 중간발표 PPT(6조, 노란돌고래).pptx
+++ b/8주차 중간발표 PPT(6조, 노란돌고래).pptx
@@ -13570,191 +13570,14 @@
         </p:blipFill>
         <p:spPr>
           <a:xfrm>
-            <a:off x="476280" y="700911"/>
-            <a:ext cx="2304256" cy="669251"/>
+            <a:off x="491091" y="698673"/>
+            <a:ext cx="2208701" cy="641498"/>
           </a:xfrm>
           <a:prstGeom prst="rect">
             <a:avLst/>
           </a:prstGeom>
         </p:spPr>
       </p:pic>
-      <p:pic>
-        <p:nvPicPr>
-          <p:cNvPr id="4" name="그림 3">
-            <a:extLst>
-              <a:ext uri="{FF2B5EF4-FFF2-40B4-BE49-F238E27FC236}">
-                <a16:creationId xmlns:a16="http://schemas.microsoft.com/office/drawing/2014/main" id="{557B3CD2-BF7B-762C-973F-984FE5E1CC39}"/>
-              </a:ext>
-            </a:extLst>
-          </p:cNvPr>
-          <p:cNvPicPr>
-            <a:picLocks noChangeAspect="1"/>
-          </p:cNvPicPr>
-          <p:nvPr/>
-        </p:nvPicPr>
-        <p:blipFill rotWithShape="1">
-          <a:blip r:embed="rId3"/>
-          <a:srcRect l="17109" t="33347" r="12848" b="31735"/>
-          <a:stretch/>
-        </p:blipFill>
-        <p:spPr>
-          <a:xfrm>
-            <a:off x="476280" y="1516107"/>
-            <a:ext cx="3150879" cy="3084493"/>
-          </a:xfrm>
-          <a:prstGeom prst="rect">
-            <a:avLst/>
-          </a:prstGeom>
-        </p:spPr>
-      </p:pic>
-      <p:sp>
-        <p:nvSpPr>
-          <p:cNvPr id="5" name="직사각형 4">
-            <a:extLst>
-              <a:ext uri="{FF2B5EF4-FFF2-40B4-BE49-F238E27FC236}">
-                <a16:creationId xmlns:a16="http://schemas.microsoft.com/office/drawing/2014/main" id="{AF11197A-92FC-00E2-76D4-88D5A63015ED}"/>
-              </a:ext>
-            </a:extLst>
-          </p:cNvPr>
-          <p:cNvSpPr/>
-          <p:nvPr/>
-        </p:nvSpPr>
-        <p:spPr>
-          <a:xfrm>
-            <a:off x="2051720" y="3003798"/>
-            <a:ext cx="887465" cy="460910"/>
-          </a:xfrm>
-          <a:prstGeom prst="rect">
-            <a:avLst/>
-          </a:prstGeom>
-          <a:noFill/>
-          <a:ln w="57150" cap="flat" cmpd="sng" algn="ctr">
-            <a:solidFill>
-              <a:srgbClr val="1E90FF"/>
-            </a:solidFill>
-            <a:prstDash val="solid"/>
-            <a:round/>
-            <a:headEnd type="none" w="med" len="med"/>
-            <a:tailEnd type="none" w="med" len="med"/>
-          </a:ln>
-        </p:spPr>
-        <p:style>
-          <a:lnRef idx="0">
-            <a:scrgbClr r="0" g="0" b="0"/>
-          </a:lnRef>
-          <a:fillRef idx="0">
-            <a:scrgbClr r="0" g="0" b="0"/>
-          </a:fillRef>
-          <a:effectRef idx="0">
-            <a:scrgbClr r="0" g="0" b="0"/>
-          </a:effectRef>
-          <a:fontRef idx="minor">
-            <a:schemeClr val="dk1"/>
-          </a:fontRef>
-        </p:style>
-        <p:txBody>
-          <a:bodyPr rtlCol="0" anchor="ctr"/>
-          <a:lstStyle>
-            <a:defPPr>
-              <a:defRPr lang="ko-KR"/>
-            </a:defPPr>
-            <a:lvl1pPr marL="0" algn="l" defTabSz="914400" rtl="0" eaLnBrk="1" latinLnBrk="1" hangingPunct="1">
-              <a:defRPr sz="1800" kern="1200">
-                <a:solidFill>
-                  <a:schemeClr val="dk1"/>
-                </a:solidFill>
-                <a:latin typeface="+mn-lt"/>
-                <a:ea typeface="+mn-ea"/>
-                <a:cs typeface="+mn-cs"/>
-              </a:defRPr>
-            </a:lvl1pPr>
-            <a:lvl2pPr marL="457200" algn="l" defTabSz="914400" rtl="0" eaLnBrk="1" latinLnBrk="1" hangingPunct="1">
-              <a:defRPr sz="1800" kern="1200">
-                <a:solidFill>
-                  <a:schemeClr val="dk1"/>
-                </a:solidFill>
-                <a:latin typeface="+mn-lt"/>
-                <a:ea typeface="+mn-ea"/>
-                <a:cs typeface="+mn-cs"/>
-              </a:defRPr>
-            </a:lvl2pPr>
-            <a:lvl3pPr marL="914400" algn="l" defTabSz="914400" rtl="0" eaLnBrk="1" latinLnBrk="1" hangingPunct="1">
-              <a:defRPr sz="1800" kern="1200">
-                <a:solidFill>
-                  <a:schemeClr val="dk1"/>
-                </a:solidFill>
-                <a:latin typeface="+mn-lt"/>
-                <a:ea typeface="+mn-ea"/>
-                <a:cs typeface="+mn-cs"/>
-              </a:defRPr>
-            </a:lvl3pPr>
-            <a:lvl4pPr marL="1371600" algn="l" defTabSz="914400" rtl="0" eaLnBrk="1" latinLnBrk="1" hangingPunct="1">
-              <a:defRPr sz="1800" kern="1200">
-                <a:solidFill>
-                  <a:schemeClr val="dk1"/>
-                </a:solidFill>
-                <a:latin typeface="+mn-lt"/>
-                <a:ea typeface="+mn-ea"/>
-                <a:cs typeface="+mn-cs"/>
-              </a:defRPr>
-            </a:lvl4pPr>
-            <a:lvl5pPr marL="1828800" algn="l" defTabSz="914400" rtl="0" eaLnBrk="1" latinLnBrk="1" hangingPunct="1">
-              <a:defRPr sz="1800" kern="1200">
-                <a:solidFill>
-                  <a:schemeClr val="dk1"/>
-                </a:solidFill>
-                <a:latin typeface="+mn-lt"/>
-                <a:ea typeface="+mn-ea"/>
-                <a:cs typeface="+mn-cs"/>
-              </a:defRPr>
-            </a:lvl5pPr>
-            <a:lvl6pPr marL="2286000" algn="l" defTabSz="914400" rtl="0" eaLnBrk="1" latinLnBrk="1" hangingPunct="1">
-              <a:defRPr sz="1800" kern="1200">
-                <a:solidFill>
-                  <a:schemeClr val="dk1"/>
-                </a:solidFill>
-                <a:latin typeface="+mn-lt"/>
-                <a:ea typeface="+mn-ea"/>
-                <a:cs typeface="+mn-cs"/>
-              </a:defRPr>
-            </a:lvl6pPr>
-            <a:lvl7pPr marL="2743200" algn="l" defTabSz="914400" rtl="0" eaLnBrk="1" latinLnBrk="1" hangingPunct="1">
-              <a:defRPr sz="1800" kern="1200">
-                <a:solidFill>
-                  <a:schemeClr val="dk1"/>
-                </a:solidFill>
-                <a:latin typeface="+mn-lt"/>
-                <a:ea typeface="+mn-ea"/>
-                <a:cs typeface="+mn-cs"/>
-              </a:defRPr>
-            </a:lvl7pPr>
-            <a:lvl8pPr marL="3200400" algn="l" defTabSz="914400" rtl="0" eaLnBrk="1" latinLnBrk="1" hangingPunct="1">
-              <a:defRPr sz="1800" kern="1200">
-                <a:solidFill>
-                  <a:schemeClr val="dk1"/>
-                </a:solidFill>
-                <a:latin typeface="+mn-lt"/>
-                <a:ea typeface="+mn-ea"/>
-                <a:cs typeface="+mn-cs"/>
-              </a:defRPr>
-            </a:lvl8pPr>
-            <a:lvl9pPr marL="3657600" algn="l" defTabSz="914400" rtl="0" eaLnBrk="1" latinLnBrk="1" hangingPunct="1">
-              <a:defRPr sz="1800" kern="1200">
-                <a:solidFill>
-                  <a:schemeClr val="dk1"/>
-                </a:solidFill>
-                <a:latin typeface="+mn-lt"/>
-                <a:ea typeface="+mn-ea"/>
-                <a:cs typeface="+mn-cs"/>
-              </a:defRPr>
-            </a:lvl9pPr>
-          </a:lstStyle>
-          <a:p>
-            <a:pPr algn="ctr"/>
-            <a:endParaRPr lang="ko-KR" altLang="en-US"/>
-          </a:p>
-        </p:txBody>
-      </p:sp>
       <p:sp>
         <p:nvSpPr>
           <p:cNvPr id="6" name="TextBox 15">
@@ -13916,7 +13739,7 @@
           <p:nvPr/>
         </p:nvPicPr>
         <p:blipFill>
-          <a:blip r:embed="rId4"/>
+          <a:blip r:embed="rId3"/>
           <a:stretch>
             <a:fillRect/>
           </a:stretch>
@@ -13946,7 +13769,7 @@
           <p:nvPr/>
         </p:nvPicPr>
         <p:blipFill>
-          <a:blip r:embed="rId5"/>
+          <a:blip r:embed="rId4"/>
           <a:stretch>
             <a:fillRect/>
           </a:stretch>
@@ -14028,7 +13851,7 @@
           <p:nvPr/>
         </p:nvPicPr>
         <p:blipFill>
-          <a:blip r:embed="rId6"/>
+          <a:blip r:embed="rId5"/>
           <a:stretch>
             <a:fillRect/>
           </a:stretch>
@@ -14182,6 +14005,36 @@
           </a:p>
         </p:txBody>
       </p:sp>
+      <p:pic>
+        <p:nvPicPr>
+          <p:cNvPr id="7" name="그림 6">
+            <a:extLst>
+              <a:ext uri="{FF2B5EF4-FFF2-40B4-BE49-F238E27FC236}">
+                <a16:creationId xmlns:a16="http://schemas.microsoft.com/office/drawing/2014/main" id="{57767825-D7CD-2738-473B-69F73FC8E53F}"/>
+              </a:ext>
+            </a:extLst>
+          </p:cNvPr>
+          <p:cNvPicPr>
+            <a:picLocks noChangeAspect="1"/>
+          </p:cNvPicPr>
+          <p:nvPr/>
+        </p:nvPicPr>
+        <p:blipFill>
+          <a:blip r:embed="rId6"/>
+          <a:stretch>
+            <a:fillRect/>
+          </a:stretch>
+        </p:blipFill>
+        <p:spPr>
+          <a:xfrm>
+            <a:off x="987652" y="1436880"/>
+            <a:ext cx="3015600" cy="3100546"/>
+          </a:xfrm>
+          <a:prstGeom prst="rect">
+            <a:avLst/>
+          </a:prstGeom>
+        </p:spPr>
+      </p:pic>
     </p:spTree>
     <p:extLst>
       <p:ext uri="{BB962C8B-B14F-4D97-AF65-F5344CB8AC3E}">

--- a/8주차 중간발표 PPT(6조, 노란돌고래).pptx
+++ b/8주차 중간발표 PPT(6조, 노란돌고래).pptx
@@ -15,14 +15,17 @@
     <p:sldId id="308" r:id="rId9"/>
     <p:sldId id="309" r:id="rId10"/>
     <p:sldId id="310" r:id="rId11"/>
-    <p:sldId id="314" r:id="rId12"/>
-    <p:sldId id="315" r:id="rId13"/>
-    <p:sldId id="311" r:id="rId14"/>
-    <p:sldId id="312" r:id="rId15"/>
-    <p:sldId id="313" r:id="rId16"/>
-    <p:sldId id="299" r:id="rId17"/>
-    <p:sldId id="270" r:id="rId18"/>
-    <p:sldId id="262" r:id="rId19"/>
+    <p:sldId id="316" r:id="rId12"/>
+    <p:sldId id="317" r:id="rId13"/>
+    <p:sldId id="318" r:id="rId14"/>
+    <p:sldId id="314" r:id="rId15"/>
+    <p:sldId id="315" r:id="rId16"/>
+    <p:sldId id="311" r:id="rId17"/>
+    <p:sldId id="312" r:id="rId18"/>
+    <p:sldId id="313" r:id="rId19"/>
+    <p:sldId id="299" r:id="rId20"/>
+    <p:sldId id="270" r:id="rId21"/>
+    <p:sldId id="262" r:id="rId22"/>
   </p:sldIdLst>
   <p:sldSz cx="9144000" cy="5143500" type="screen16x9"/>
   <p:notesSz cx="6858000" cy="9144000"/>
@@ -7461,10 +7464,10 @@
       </p:grpSpPr>
       <p:sp>
         <p:nvSpPr>
-          <p:cNvPr id="7" name="Text Placeholder 1">
+          <p:cNvPr id="19" name="Text Placeholder 1">
             <a:extLst>
               <a:ext uri="{FF2B5EF4-FFF2-40B4-BE49-F238E27FC236}">
-                <a16:creationId xmlns:a16="http://schemas.microsoft.com/office/drawing/2014/main" id="{6C6E7023-D460-0F97-430A-19AD2F53371C}"/>
+                <a16:creationId xmlns:a16="http://schemas.microsoft.com/office/drawing/2014/main" id="{983B1A74-10AD-3F27-72BE-4BF0824E4F64}"/>
               </a:ext>
             </a:extLst>
           </p:cNvPr>
@@ -7638,10 +7641,10 @@
       </p:sp>
       <p:sp>
         <p:nvSpPr>
-          <p:cNvPr id="16" name="TextBox 15">
+          <p:cNvPr id="15" name="TextBox 30">
             <a:extLst>
               <a:ext uri="{FF2B5EF4-FFF2-40B4-BE49-F238E27FC236}">
-                <a16:creationId xmlns:a16="http://schemas.microsoft.com/office/drawing/2014/main" id="{68C3F217-1357-88AA-3607-CD0C0B6FC365}"/>
+                <a16:creationId xmlns:a16="http://schemas.microsoft.com/office/drawing/2014/main" id="{30D59AF7-EE25-776F-E837-376AC135478D}"/>
               </a:ext>
             </a:extLst>
           </p:cNvPr>
@@ -7650,8 +7653,8 @@
         </p:nvSpPr>
         <p:spPr>
           <a:xfrm>
-            <a:off x="395536" y="771550"/>
-            <a:ext cx="7416824" cy="369332"/>
+            <a:off x="4744655" y="1388949"/>
+            <a:ext cx="4138684" cy="3105145"/>
           </a:xfrm>
           <a:prstGeom prst="rect">
             <a:avLst/>
@@ -7662,49 +7665,402 @@
           <a:bodyPr wrap="square" rtlCol="0">
             <a:spAutoFit/>
           </a:bodyPr>
-          <a:lstStyle/>
-          <a:p>
-            <a:r>
-              <a:rPr lang="en-US" altLang="ko-KR" dirty="0"/>
+          <a:lstStyle>
+            <a:defPPr>
+              <a:defRPr lang="ko-KR"/>
+            </a:defPPr>
+            <a:lvl1pPr marL="0" algn="l" defTabSz="914400" rtl="0" eaLnBrk="1" latinLnBrk="1" hangingPunct="1">
+              <a:defRPr sz="1800" kern="1200">
+                <a:solidFill>
+                  <a:schemeClr val="tx1"/>
+                </a:solidFill>
+                <a:latin typeface="+mn-lt"/>
+                <a:ea typeface="+mn-ea"/>
+                <a:cs typeface="+mn-cs"/>
+              </a:defRPr>
+            </a:lvl1pPr>
+            <a:lvl2pPr marL="457200" algn="l" defTabSz="914400" rtl="0" eaLnBrk="1" latinLnBrk="1" hangingPunct="1">
+              <a:defRPr sz="1800" kern="1200">
+                <a:solidFill>
+                  <a:schemeClr val="tx1"/>
+                </a:solidFill>
+                <a:latin typeface="+mn-lt"/>
+                <a:ea typeface="+mn-ea"/>
+                <a:cs typeface="+mn-cs"/>
+              </a:defRPr>
+            </a:lvl2pPr>
+            <a:lvl3pPr marL="914400" algn="l" defTabSz="914400" rtl="0" eaLnBrk="1" latinLnBrk="1" hangingPunct="1">
+              <a:defRPr sz="1800" kern="1200">
+                <a:solidFill>
+                  <a:schemeClr val="tx1"/>
+                </a:solidFill>
+                <a:latin typeface="+mn-lt"/>
+                <a:ea typeface="+mn-ea"/>
+                <a:cs typeface="+mn-cs"/>
+              </a:defRPr>
+            </a:lvl3pPr>
+            <a:lvl4pPr marL="1371600" algn="l" defTabSz="914400" rtl="0" eaLnBrk="1" latinLnBrk="1" hangingPunct="1">
+              <a:defRPr sz="1800" kern="1200">
+                <a:solidFill>
+                  <a:schemeClr val="tx1"/>
+                </a:solidFill>
+                <a:latin typeface="+mn-lt"/>
+                <a:ea typeface="+mn-ea"/>
+                <a:cs typeface="+mn-cs"/>
+              </a:defRPr>
+            </a:lvl4pPr>
+            <a:lvl5pPr marL="1828800" algn="l" defTabSz="914400" rtl="0" eaLnBrk="1" latinLnBrk="1" hangingPunct="1">
+              <a:defRPr sz="1800" kern="1200">
+                <a:solidFill>
+                  <a:schemeClr val="tx1"/>
+                </a:solidFill>
+                <a:latin typeface="+mn-lt"/>
+                <a:ea typeface="+mn-ea"/>
+                <a:cs typeface="+mn-cs"/>
+              </a:defRPr>
+            </a:lvl5pPr>
+            <a:lvl6pPr marL="2286000" algn="l" defTabSz="914400" rtl="0" eaLnBrk="1" latinLnBrk="1" hangingPunct="1">
+              <a:defRPr sz="1800" kern="1200">
+                <a:solidFill>
+                  <a:schemeClr val="tx1"/>
+                </a:solidFill>
+                <a:latin typeface="+mn-lt"/>
+                <a:ea typeface="+mn-ea"/>
+                <a:cs typeface="+mn-cs"/>
+              </a:defRPr>
+            </a:lvl6pPr>
+            <a:lvl7pPr marL="2743200" algn="l" defTabSz="914400" rtl="0" eaLnBrk="1" latinLnBrk="1" hangingPunct="1">
+              <a:defRPr sz="1800" kern="1200">
+                <a:solidFill>
+                  <a:schemeClr val="tx1"/>
+                </a:solidFill>
+                <a:latin typeface="+mn-lt"/>
+                <a:ea typeface="+mn-ea"/>
+                <a:cs typeface="+mn-cs"/>
+              </a:defRPr>
+            </a:lvl7pPr>
+            <a:lvl8pPr marL="3200400" algn="l" defTabSz="914400" rtl="0" eaLnBrk="1" latinLnBrk="1" hangingPunct="1">
+              <a:defRPr sz="1800" kern="1200">
+                <a:solidFill>
+                  <a:schemeClr val="tx1"/>
+                </a:solidFill>
+                <a:latin typeface="+mn-lt"/>
+                <a:ea typeface="+mn-ea"/>
+                <a:cs typeface="+mn-cs"/>
+              </a:defRPr>
+            </a:lvl8pPr>
+            <a:lvl9pPr marL="3657600" algn="l" defTabSz="914400" rtl="0" eaLnBrk="1" latinLnBrk="1" hangingPunct="1">
+              <a:defRPr sz="1800" kern="1200">
+                <a:solidFill>
+                  <a:schemeClr val="tx1"/>
+                </a:solidFill>
+                <a:latin typeface="+mn-lt"/>
+                <a:ea typeface="+mn-ea"/>
+                <a:cs typeface="+mn-cs"/>
+              </a:defRPr>
+            </a:lvl9pPr>
+          </a:lstStyle>
+          <a:p>
+            <a:pPr>
+              <a:lnSpc>
+                <a:spcPct val="150000"/>
+              </a:lnSpc>
+            </a:pPr>
+            <a:r>
+              <a:rPr lang="ko-KR" altLang="en-US" sz="1600" dirty="0"/>
+              <a:t>기존에 </a:t>
+            </a:r>
+            <a:r>
+              <a:rPr lang="ko-KR" altLang="en-US" sz="1600" dirty="0" err="1"/>
+              <a:t>지리좌표계</a:t>
+            </a:r>
+            <a:r>
+              <a:rPr lang="ko-KR" altLang="en-US" sz="1600" dirty="0"/>
+              <a:t> </a:t>
+            </a:r>
+            <a:r>
+              <a:rPr lang="en-US" altLang="ko-KR" sz="1600" dirty="0"/>
+              <a:t>( </a:t>
+            </a:r>
+            <a:r>
+              <a:rPr lang="ko-KR" altLang="en-US" sz="1600" dirty="0"/>
+              <a:t>위</a:t>
+            </a:r>
+            <a:r>
+              <a:rPr lang="en-US" altLang="ko-KR" sz="1600" dirty="0"/>
+              <a:t>/</a:t>
+            </a:r>
+            <a:r>
+              <a:rPr lang="ko-KR" altLang="en-US" sz="1600" dirty="0"/>
+              <a:t>경도 </a:t>
+            </a:r>
+            <a:r>
+              <a:rPr lang="en-US" altLang="ko-KR" sz="1600" dirty="0"/>
+              <a:t>) </a:t>
+            </a:r>
+            <a:r>
+              <a:rPr lang="ko-KR" altLang="en-US" sz="1600" dirty="0"/>
+              <a:t>데이터를 </a:t>
+            </a:r>
+            <a:r>
+              <a:rPr lang="en-US" altLang="ko-KR" sz="1600" dirty="0" err="1"/>
+              <a:t>Geopandas</a:t>
+            </a:r>
+            <a:r>
+              <a:rPr lang="ko-KR" altLang="en-US" sz="1600" dirty="0"/>
+              <a:t>의 </a:t>
+            </a:r>
+            <a:r>
+              <a:rPr lang="en-US" altLang="ko-KR" sz="1600" dirty="0" err="1"/>
+              <a:t>to_crs</a:t>
+            </a:r>
+            <a:r>
+              <a:rPr lang="en-US" altLang="ko-KR" sz="1600" dirty="0"/>
+              <a:t>() </a:t>
+            </a:r>
+            <a:r>
+              <a:rPr lang="ko-KR" altLang="en-US" sz="1600" dirty="0"/>
+              <a:t>함수를 통해서    </a:t>
+            </a:r>
+            <a:endParaRPr lang="en-US" altLang="ko-KR" sz="1600" dirty="0"/>
+          </a:p>
+          <a:p>
+            <a:pPr>
+              <a:lnSpc>
+                <a:spcPct val="150000"/>
+              </a:lnSpc>
+            </a:pPr>
+            <a:r>
+              <a:rPr lang="ko-KR" altLang="en-US" sz="1600" dirty="0"/>
+              <a:t>인자에 설정한 좌표계로 변경할 수 있습니다</a:t>
+            </a:r>
+            <a:r>
+              <a:rPr lang="en-US" altLang="ko-KR" sz="1600" dirty="0"/>
+              <a:t>.</a:t>
+            </a:r>
+          </a:p>
+          <a:p>
+            <a:pPr>
+              <a:lnSpc>
+                <a:spcPct val="150000"/>
+              </a:lnSpc>
+            </a:pPr>
+            <a:endParaRPr lang="en-US" altLang="ko-KR" sz="1200" dirty="0"/>
+          </a:p>
+          <a:p>
+            <a:pPr>
+              <a:lnSpc>
+                <a:spcPct val="150000"/>
+              </a:lnSpc>
+            </a:pPr>
+            <a:r>
+              <a:rPr lang="ko-KR" altLang="en-US" sz="1600" dirty="0"/>
+              <a:t>이렇게 위</a:t>
+            </a:r>
+            <a:r>
+              <a:rPr lang="en-US" altLang="ko-KR" sz="1600" dirty="0"/>
+              <a:t>/</a:t>
+            </a:r>
+            <a:r>
+              <a:rPr lang="ko-KR" altLang="en-US" sz="1600" dirty="0"/>
+              <a:t>경도 데이터를 </a:t>
+            </a:r>
+            <a:r>
+              <a:rPr lang="en-US" altLang="ko-KR" sz="1600" dirty="0"/>
+              <a:t>m</a:t>
+            </a:r>
+            <a:r>
+              <a:rPr lang="ko-KR" altLang="en-US" sz="1600" dirty="0"/>
+              <a:t>단위로 변경할 수 있음을</a:t>
+            </a:r>
+            <a:r>
+              <a:rPr lang="en-US" altLang="ko-KR" sz="1600" dirty="0"/>
+              <a:t> </a:t>
+            </a:r>
+            <a:r>
+              <a:rPr lang="ko-KR" altLang="en-US" sz="1600" dirty="0"/>
+              <a:t>확인하였습니다</a:t>
+            </a:r>
+            <a:r>
+              <a:rPr lang="en-US" altLang="ko-KR" sz="1600" dirty="0"/>
+              <a:t>. </a:t>
+            </a:r>
+            <a:r>
+              <a:rPr lang="ko-KR" altLang="en-US" sz="1600" dirty="0"/>
+              <a:t>이를 통해서    거리를 계산 해보려고 합니다</a:t>
+            </a:r>
+            <a:r>
+              <a:rPr lang="en-US" altLang="ko-KR" sz="1200" dirty="0"/>
+              <a:t>.</a:t>
+            </a:r>
+          </a:p>
+          <a:p>
+            <a:pPr>
+              <a:lnSpc>
+                <a:spcPct val="150000"/>
+              </a:lnSpc>
+            </a:pPr>
+            <a:endParaRPr lang="en-US" altLang="ko-KR" sz="1200" dirty="0"/>
+          </a:p>
+          <a:p>
+            <a:pPr>
+              <a:lnSpc>
+                <a:spcPct val="150000"/>
+              </a:lnSpc>
+            </a:pPr>
+            <a:endParaRPr lang="ko-KR" altLang="en-US" sz="1200" dirty="0"/>
+          </a:p>
+        </p:txBody>
+      </p:sp>
+      <p:sp>
+        <p:nvSpPr>
+          <p:cNvPr id="3" name="TextBox 15">
+            <a:extLst>
+              <a:ext uri="{FF2B5EF4-FFF2-40B4-BE49-F238E27FC236}">
+                <a16:creationId xmlns:a16="http://schemas.microsoft.com/office/drawing/2014/main" id="{BD7310AE-C180-6F16-80C3-DC88DF14AB83}"/>
+              </a:ext>
+            </a:extLst>
+          </p:cNvPr>
+          <p:cNvSpPr txBox="1"/>
+          <p:nvPr/>
+        </p:nvSpPr>
+        <p:spPr>
+          <a:xfrm>
+            <a:off x="611560" y="706901"/>
+            <a:ext cx="4180173" cy="499150"/>
+          </a:xfrm>
+          <a:prstGeom prst="rect">
+            <a:avLst/>
+          </a:prstGeom>
+          <a:noFill/>
+        </p:spPr>
+        <p:txBody>
+          <a:bodyPr wrap="square" rtlCol="0">
+            <a:spAutoFit/>
+          </a:bodyPr>
+          <a:lstStyle>
+            <a:defPPr>
+              <a:defRPr lang="ko-KR"/>
+            </a:defPPr>
+            <a:lvl1pPr marL="0" algn="l" defTabSz="914400" rtl="0" eaLnBrk="1" latinLnBrk="1" hangingPunct="1">
+              <a:defRPr sz="1800" kern="1200">
+                <a:solidFill>
+                  <a:schemeClr val="tx1"/>
+                </a:solidFill>
+                <a:latin typeface="+mn-lt"/>
+                <a:ea typeface="+mn-ea"/>
+                <a:cs typeface="+mn-cs"/>
+              </a:defRPr>
+            </a:lvl1pPr>
+            <a:lvl2pPr marL="457200" algn="l" defTabSz="914400" rtl="0" eaLnBrk="1" latinLnBrk="1" hangingPunct="1">
+              <a:defRPr sz="1800" kern="1200">
+                <a:solidFill>
+                  <a:schemeClr val="tx1"/>
+                </a:solidFill>
+                <a:latin typeface="+mn-lt"/>
+                <a:ea typeface="+mn-ea"/>
+                <a:cs typeface="+mn-cs"/>
+              </a:defRPr>
+            </a:lvl2pPr>
+            <a:lvl3pPr marL="914400" algn="l" defTabSz="914400" rtl="0" eaLnBrk="1" latinLnBrk="1" hangingPunct="1">
+              <a:defRPr sz="1800" kern="1200">
+                <a:solidFill>
+                  <a:schemeClr val="tx1"/>
+                </a:solidFill>
+                <a:latin typeface="+mn-lt"/>
+                <a:ea typeface="+mn-ea"/>
+                <a:cs typeface="+mn-cs"/>
+              </a:defRPr>
+            </a:lvl3pPr>
+            <a:lvl4pPr marL="1371600" algn="l" defTabSz="914400" rtl="0" eaLnBrk="1" latinLnBrk="1" hangingPunct="1">
+              <a:defRPr sz="1800" kern="1200">
+                <a:solidFill>
+                  <a:schemeClr val="tx1"/>
+                </a:solidFill>
+                <a:latin typeface="+mn-lt"/>
+                <a:ea typeface="+mn-ea"/>
+                <a:cs typeface="+mn-cs"/>
+              </a:defRPr>
+            </a:lvl4pPr>
+            <a:lvl5pPr marL="1828800" algn="l" defTabSz="914400" rtl="0" eaLnBrk="1" latinLnBrk="1" hangingPunct="1">
+              <a:defRPr sz="1800" kern="1200">
+                <a:solidFill>
+                  <a:schemeClr val="tx1"/>
+                </a:solidFill>
+                <a:latin typeface="+mn-lt"/>
+                <a:ea typeface="+mn-ea"/>
+                <a:cs typeface="+mn-cs"/>
+              </a:defRPr>
+            </a:lvl5pPr>
+            <a:lvl6pPr marL="2286000" algn="l" defTabSz="914400" rtl="0" eaLnBrk="1" latinLnBrk="1" hangingPunct="1">
+              <a:defRPr sz="1800" kern="1200">
+                <a:solidFill>
+                  <a:schemeClr val="tx1"/>
+                </a:solidFill>
+                <a:latin typeface="+mn-lt"/>
+                <a:ea typeface="+mn-ea"/>
+                <a:cs typeface="+mn-cs"/>
+              </a:defRPr>
+            </a:lvl6pPr>
+            <a:lvl7pPr marL="2743200" algn="l" defTabSz="914400" rtl="0" eaLnBrk="1" latinLnBrk="1" hangingPunct="1">
+              <a:defRPr sz="1800" kern="1200">
+                <a:solidFill>
+                  <a:schemeClr val="tx1"/>
+                </a:solidFill>
+                <a:latin typeface="+mn-lt"/>
+                <a:ea typeface="+mn-ea"/>
+                <a:cs typeface="+mn-cs"/>
+              </a:defRPr>
+            </a:lvl7pPr>
+            <a:lvl8pPr marL="3200400" algn="l" defTabSz="914400" rtl="0" eaLnBrk="1" latinLnBrk="1" hangingPunct="1">
+              <a:defRPr sz="1800" kern="1200">
+                <a:solidFill>
+                  <a:schemeClr val="tx1"/>
+                </a:solidFill>
+                <a:latin typeface="+mn-lt"/>
+                <a:ea typeface="+mn-ea"/>
+                <a:cs typeface="+mn-cs"/>
+              </a:defRPr>
+            </a:lvl8pPr>
+            <a:lvl9pPr marL="3657600" algn="l" defTabSz="914400" rtl="0" eaLnBrk="1" latinLnBrk="1" hangingPunct="1">
+              <a:defRPr sz="1800" kern="1200">
+                <a:solidFill>
+                  <a:schemeClr val="tx1"/>
+                </a:solidFill>
+                <a:latin typeface="+mn-lt"/>
+                <a:ea typeface="+mn-ea"/>
+                <a:cs typeface="+mn-cs"/>
+              </a:defRPr>
+            </a:lvl9pPr>
+          </a:lstStyle>
+          <a:p>
+            <a:pPr>
+              <a:lnSpc>
+                <a:spcPct val="150000"/>
+              </a:lnSpc>
+            </a:pPr>
+            <a:r>
+              <a:rPr lang="en-US" altLang="ko-KR" sz="2000" dirty="0"/>
               <a:t>** </a:t>
             </a:r>
             <a:r>
-              <a:rPr lang="ko-KR" altLang="en-US" dirty="0"/>
-              <a:t>테이블 생성 </a:t>
-            </a:r>
-            <a:r>
-              <a:rPr lang="en-US" altLang="ko-KR" dirty="0"/>
-              <a:t>(with </a:t>
-            </a:r>
-            <a:r>
-              <a:rPr lang="ko-KR" altLang="en-US" dirty="0"/>
-              <a:t>오픈 데이터셋 파일 </a:t>
-            </a:r>
-            <a:r>
-              <a:rPr lang="en-US" altLang="ko-KR" dirty="0"/>
-              <a:t>, </a:t>
-            </a:r>
-            <a:r>
-              <a:rPr lang="en-US" altLang="ko-KR" dirty="0" err="1"/>
-              <a:t>Postgresql</a:t>
-            </a:r>
-            <a:r>
-              <a:rPr lang="en-US" altLang="ko-KR" dirty="0"/>
-              <a:t>)</a:t>
-            </a:r>
-            <a:r>
-              <a:rPr lang="ko-KR" altLang="en-US" dirty="0"/>
-              <a:t> </a:t>
-            </a:r>
+              <a:rPr lang="en-US" altLang="ko-KR" sz="2000" dirty="0" err="1"/>
+              <a:t>Geopandas</a:t>
+            </a:r>
+            <a:r>
+              <a:rPr lang="ko-KR" altLang="en-US" sz="2000" dirty="0"/>
+              <a:t>를 통한 좌표계 변환</a:t>
+            </a:r>
+            <a:endParaRPr lang="en-US" altLang="ko-KR" sz="2000" dirty="0"/>
           </a:p>
         </p:txBody>
       </p:sp>
       <p:pic>
         <p:nvPicPr>
-          <p:cNvPr id="3" name="그림 2">
+          <p:cNvPr id="8" name="그림 7">
             <a:extLst>
               <a:ext uri="{FF2B5EF4-FFF2-40B4-BE49-F238E27FC236}">
-                <a16:creationId xmlns:a16="http://schemas.microsoft.com/office/drawing/2014/main" id="{036C4508-16DA-910D-0CD9-E4007CF84753}"/>
+                <a16:creationId xmlns:a16="http://schemas.microsoft.com/office/drawing/2014/main" id="{2E124DB6-D987-7189-62B4-624862717E58}"/>
               </a:ext>
             </a:extLst>
           </p:cNvPr>
@@ -7721,91 +8077,48 @@
         </p:blipFill>
         <p:spPr>
           <a:xfrm>
-            <a:off x="539552" y="1373648"/>
-            <a:ext cx="4608512" cy="2396203"/>
+            <a:off x="611560" y="1367182"/>
+            <a:ext cx="3324225" cy="781050"/>
           </a:xfrm>
           <a:prstGeom prst="rect">
             <a:avLst/>
           </a:prstGeom>
         </p:spPr>
       </p:pic>
-      <p:sp>
-        <p:nvSpPr>
-          <p:cNvPr id="4" name="TextBox 3">
+      <p:pic>
+        <p:nvPicPr>
+          <p:cNvPr id="11" name="그림 10">
             <a:extLst>
               <a:ext uri="{FF2B5EF4-FFF2-40B4-BE49-F238E27FC236}">
-                <a16:creationId xmlns:a16="http://schemas.microsoft.com/office/drawing/2014/main" id="{74FE8C9E-5FB9-D6CD-BDB1-E001101A3F13}"/>
+                <a16:creationId xmlns:a16="http://schemas.microsoft.com/office/drawing/2014/main" id="{51A4BCAC-BFFD-52C5-9080-C38A4A55B9E9}"/>
               </a:ext>
             </a:extLst>
           </p:cNvPr>
-          <p:cNvSpPr txBox="1"/>
+          <p:cNvPicPr>
+            <a:picLocks noChangeAspect="1"/>
+          </p:cNvPicPr>
           <p:nvPr/>
-        </p:nvSpPr>
-        <p:spPr>
-          <a:xfrm>
-            <a:off x="5364088" y="1347614"/>
-            <a:ext cx="3526067" cy="2862322"/>
-          </a:xfrm>
-          <a:prstGeom prst="rect">
-            <a:avLst/>
-          </a:prstGeom>
-          <a:noFill/>
-        </p:spPr>
-        <p:txBody>
-          <a:bodyPr wrap="square" rtlCol="0">
-            <a:spAutoFit/>
-          </a:bodyPr>
-          <a:lstStyle/>
-          <a:p>
-            <a:r>
-              <a:rPr lang="en-US" altLang="ko-KR" dirty="0"/>
-              <a:t>Import </a:t>
-            </a:r>
-            <a:r>
-              <a:rPr lang="ko-KR" altLang="en-US" dirty="0"/>
-              <a:t>과정을 거치게 되면</a:t>
-            </a:r>
-            <a:r>
-              <a:rPr lang="en-US" altLang="ko-KR" dirty="0"/>
-              <a:t>, </a:t>
-            </a:r>
-            <a:r>
-              <a:rPr lang="ko-KR" altLang="en-US" dirty="0"/>
-              <a:t>테이블 배너에서 자동으로 테이블이 생성 되어있는 것을 확인할 수 있었습니다</a:t>
-            </a:r>
-            <a:r>
-              <a:rPr lang="en-US" altLang="ko-KR" dirty="0"/>
-              <a:t>. </a:t>
-            </a:r>
-          </a:p>
-          <a:p>
-            <a:endParaRPr lang="en-US" altLang="ko-KR" dirty="0"/>
-          </a:p>
-          <a:p>
-            <a:r>
-              <a:rPr lang="ko-KR" altLang="en-US" dirty="0"/>
-              <a:t>공공 데이터셋들을 바로바로 테이블로 관리하고</a:t>
-            </a:r>
-            <a:r>
-              <a:rPr lang="en-US" altLang="ko-KR" dirty="0"/>
-              <a:t>, </a:t>
-            </a:r>
-            <a:r>
-              <a:rPr lang="ko-KR" altLang="en-US" dirty="0"/>
-              <a:t>필요하다면 데이터를 가공과정을 거쳐서 클라이언트 단에 넘겨줄 수 있는 환경을 만들었습니다</a:t>
-            </a:r>
-            <a:r>
-              <a:rPr lang="en-US" altLang="ko-KR" dirty="0"/>
-              <a:t>.</a:t>
-            </a:r>
-            <a:endParaRPr lang="ko-KR" altLang="en-US" dirty="0"/>
-          </a:p>
-        </p:txBody>
-      </p:sp>
+        </p:nvPicPr>
+        <p:blipFill>
+          <a:blip r:embed="rId3"/>
+          <a:stretch>
+            <a:fillRect/>
+          </a:stretch>
+        </p:blipFill>
+        <p:spPr>
+          <a:xfrm>
+            <a:off x="611560" y="2427734"/>
+            <a:ext cx="3818828" cy="1535169"/>
+          </a:xfrm>
+          <a:prstGeom prst="rect">
+            <a:avLst/>
+          </a:prstGeom>
+        </p:spPr>
+      </p:pic>
     </p:spTree>
     <p:extLst>
       <p:ext uri="{BB962C8B-B14F-4D97-AF65-F5344CB8AC3E}">
-        <p14:creationId xmlns:p14="http://schemas.microsoft.com/office/powerpoint/2010/main" val="3771500669"/>
+        <p14:creationId xmlns:p14="http://schemas.microsoft.com/office/powerpoint/2010/main" val="836510372"/>
       </p:ext>
     </p:extLst>
   </p:cSld>
@@ -7834,38 +8147,633 @@
       </p:grpSpPr>
       <p:sp>
         <p:nvSpPr>
-          <p:cNvPr id="2" name="Text Placeholder 1"/>
-          <p:cNvSpPr>
-            <a:spLocks noGrp="1"/>
+          <p:cNvPr id="19" name="Text Placeholder 1">
+            <a:extLst>
+              <a:ext uri="{FF2B5EF4-FFF2-40B4-BE49-F238E27FC236}">
+                <a16:creationId xmlns:a16="http://schemas.microsoft.com/office/drawing/2014/main" id="{983B1A74-10AD-3F27-72BE-4BF0824E4F64}"/>
+              </a:ext>
+            </a:extLst>
+          </p:cNvPr>
+          <p:cNvSpPr txBox="1">
+            <a:spLocks/>
           </p:cNvSpPr>
-          <p:nvPr>
-            <p:ph type="body" sz="quarter" idx="10"/>
-          </p:nvPr>
+          <p:nvPr/>
         </p:nvSpPr>
         <p:spPr>
           <a:xfrm>
-            <a:off x="2123728" y="3219822"/>
-            <a:ext cx="4896544" cy="576064"/>
-          </a:xfrm>
+            <a:off x="323528" y="195486"/>
+            <a:ext cx="8208912" cy="576064"/>
+          </a:xfrm>
+          <a:prstGeom prst="rect">
+            <a:avLst/>
+          </a:prstGeom>
         </p:spPr>
         <p:txBody>
-          <a:bodyPr/>
-          <a:lstStyle/>
-          <a:p>
-            <a:r>
-              <a:rPr lang="ko-KR" altLang="en-US" sz="3600" dirty="0">
-                <a:ea typeface="맑은 고딕" pitchFamily="50" charset="-127"/>
-              </a:rPr>
-              <a:t>주 연구사항</a:t>
-            </a:r>
-            <a:endParaRPr lang="en-US" altLang="ko-KR" sz="3600" dirty="0"/>
+          <a:bodyPr anchor="ctr"/>
+          <a:lstStyle>
+            <a:lvl1pPr marL="0" indent="0" algn="l" defTabSz="914400" rtl="0" eaLnBrk="1" latinLnBrk="1" hangingPunct="1">
+              <a:spcBef>
+                <a:spcPct val="20000"/>
+              </a:spcBef>
+              <a:buFont typeface="Arial" pitchFamily="34" charset="0"/>
+              <a:buNone/>
+              <a:defRPr sz="3600" b="0" kern="1200" baseline="0">
+                <a:solidFill>
+                  <a:schemeClr val="tx1">
+                    <a:lumMod val="75000"/>
+                    <a:lumOff val="25000"/>
+                  </a:schemeClr>
+                </a:solidFill>
+                <a:latin typeface="+mj-lt"/>
+                <a:ea typeface="+mn-ea"/>
+                <a:cs typeface="Arial" pitchFamily="34" charset="0"/>
+              </a:defRPr>
+            </a:lvl1pPr>
+            <a:lvl2pPr marL="742950" indent="-285750" algn="l" defTabSz="914400" rtl="0" eaLnBrk="1" latinLnBrk="1" hangingPunct="1">
+              <a:spcBef>
+                <a:spcPct val="20000"/>
+              </a:spcBef>
+              <a:buFont typeface="Arial" pitchFamily="34" charset="0"/>
+              <a:buChar char="–"/>
+              <a:defRPr sz="2800" kern="1200">
+                <a:solidFill>
+                  <a:schemeClr val="tx1"/>
+                </a:solidFill>
+                <a:latin typeface="+mn-lt"/>
+                <a:ea typeface="+mn-ea"/>
+                <a:cs typeface="+mn-cs"/>
+              </a:defRPr>
+            </a:lvl2pPr>
+            <a:lvl3pPr marL="1143000" indent="-228600" algn="l" defTabSz="914400" rtl="0" eaLnBrk="1" latinLnBrk="1" hangingPunct="1">
+              <a:spcBef>
+                <a:spcPct val="20000"/>
+              </a:spcBef>
+              <a:buFont typeface="Arial" pitchFamily="34" charset="0"/>
+              <a:buChar char="•"/>
+              <a:defRPr sz="2400" kern="1200">
+                <a:solidFill>
+                  <a:schemeClr val="tx1"/>
+                </a:solidFill>
+                <a:latin typeface="+mn-lt"/>
+                <a:ea typeface="+mn-ea"/>
+                <a:cs typeface="+mn-cs"/>
+              </a:defRPr>
+            </a:lvl3pPr>
+            <a:lvl4pPr marL="1600200" indent="-228600" algn="l" defTabSz="914400" rtl="0" eaLnBrk="1" latinLnBrk="1" hangingPunct="1">
+              <a:spcBef>
+                <a:spcPct val="20000"/>
+              </a:spcBef>
+              <a:buFont typeface="Arial" pitchFamily="34" charset="0"/>
+              <a:buChar char="–"/>
+              <a:defRPr sz="2000" kern="1200">
+                <a:solidFill>
+                  <a:schemeClr val="tx1"/>
+                </a:solidFill>
+                <a:latin typeface="+mn-lt"/>
+                <a:ea typeface="+mn-ea"/>
+                <a:cs typeface="+mn-cs"/>
+              </a:defRPr>
+            </a:lvl4pPr>
+            <a:lvl5pPr marL="2057400" indent="-228600" algn="l" defTabSz="914400" rtl="0" eaLnBrk="1" latinLnBrk="1" hangingPunct="1">
+              <a:spcBef>
+                <a:spcPct val="20000"/>
+              </a:spcBef>
+              <a:buFont typeface="Arial" pitchFamily="34" charset="0"/>
+              <a:buChar char="»"/>
+              <a:defRPr sz="2000" kern="1200">
+                <a:solidFill>
+                  <a:schemeClr val="tx1"/>
+                </a:solidFill>
+                <a:latin typeface="+mn-lt"/>
+                <a:ea typeface="+mn-ea"/>
+                <a:cs typeface="+mn-cs"/>
+              </a:defRPr>
+            </a:lvl5pPr>
+            <a:lvl6pPr marL="2514600" indent="-228600" algn="l" defTabSz="914400" rtl="0" eaLnBrk="1" latinLnBrk="1" hangingPunct="1">
+              <a:spcBef>
+                <a:spcPct val="20000"/>
+              </a:spcBef>
+              <a:buFont typeface="Arial" pitchFamily="34" charset="0"/>
+              <a:buChar char="•"/>
+              <a:defRPr sz="2000" kern="1200">
+                <a:solidFill>
+                  <a:schemeClr val="tx1"/>
+                </a:solidFill>
+                <a:latin typeface="+mn-lt"/>
+                <a:ea typeface="+mn-ea"/>
+                <a:cs typeface="+mn-cs"/>
+              </a:defRPr>
+            </a:lvl6pPr>
+            <a:lvl7pPr marL="2971800" indent="-228600" algn="l" defTabSz="914400" rtl="0" eaLnBrk="1" latinLnBrk="1" hangingPunct="1">
+              <a:spcBef>
+                <a:spcPct val="20000"/>
+              </a:spcBef>
+              <a:buFont typeface="Arial" pitchFamily="34" charset="0"/>
+              <a:buChar char="•"/>
+              <a:defRPr sz="2000" kern="1200">
+                <a:solidFill>
+                  <a:schemeClr val="tx1"/>
+                </a:solidFill>
+                <a:latin typeface="+mn-lt"/>
+                <a:ea typeface="+mn-ea"/>
+                <a:cs typeface="+mn-cs"/>
+              </a:defRPr>
+            </a:lvl7pPr>
+            <a:lvl8pPr marL="3429000" indent="-228600" algn="l" defTabSz="914400" rtl="0" eaLnBrk="1" latinLnBrk="1" hangingPunct="1">
+              <a:spcBef>
+                <a:spcPct val="20000"/>
+              </a:spcBef>
+              <a:buFont typeface="Arial" pitchFamily="34" charset="0"/>
+              <a:buChar char="•"/>
+              <a:defRPr sz="2000" kern="1200">
+                <a:solidFill>
+                  <a:schemeClr val="tx1"/>
+                </a:solidFill>
+                <a:latin typeface="+mn-lt"/>
+                <a:ea typeface="+mn-ea"/>
+                <a:cs typeface="+mn-cs"/>
+              </a:defRPr>
+            </a:lvl8pPr>
+            <a:lvl9pPr marL="3886200" indent="-228600" algn="l" defTabSz="914400" rtl="0" eaLnBrk="1" latinLnBrk="1" hangingPunct="1">
+              <a:spcBef>
+                <a:spcPct val="20000"/>
+              </a:spcBef>
+              <a:buFont typeface="Arial" pitchFamily="34" charset="0"/>
+              <a:buChar char="•"/>
+              <a:defRPr sz="2000" kern="1200">
+                <a:solidFill>
+                  <a:schemeClr val="tx1"/>
+                </a:solidFill>
+                <a:latin typeface="+mn-lt"/>
+                <a:ea typeface="+mn-ea"/>
+                <a:cs typeface="+mn-cs"/>
+              </a:defRPr>
+            </a:lvl9pPr>
+          </a:lstStyle>
+          <a:p>
+            <a:r>
+              <a:rPr lang="en-US" altLang="ko-KR" sz="2800" dirty="0"/>
+              <a:t>2. </a:t>
+            </a:r>
+            <a:r>
+              <a:rPr lang="ko-KR" altLang="en-US" sz="2800" dirty="0"/>
+              <a:t>진행 상황</a:t>
+            </a:r>
           </a:p>
         </p:txBody>
       </p:sp>
+      <p:sp>
+        <p:nvSpPr>
+          <p:cNvPr id="15" name="TextBox 30">
+            <a:extLst>
+              <a:ext uri="{FF2B5EF4-FFF2-40B4-BE49-F238E27FC236}">
+                <a16:creationId xmlns:a16="http://schemas.microsoft.com/office/drawing/2014/main" id="{30D59AF7-EE25-776F-E837-376AC135478D}"/>
+              </a:ext>
+            </a:extLst>
+          </p:cNvPr>
+          <p:cNvSpPr txBox="1"/>
+          <p:nvPr/>
+        </p:nvSpPr>
+        <p:spPr>
+          <a:xfrm>
+            <a:off x="4894479" y="627534"/>
+            <a:ext cx="3796310" cy="4443973"/>
+          </a:xfrm>
+          <a:prstGeom prst="rect">
+            <a:avLst/>
+          </a:prstGeom>
+          <a:noFill/>
+        </p:spPr>
+        <p:txBody>
+          <a:bodyPr wrap="square" rtlCol="0">
+            <a:spAutoFit/>
+          </a:bodyPr>
+          <a:lstStyle>
+            <a:defPPr>
+              <a:defRPr lang="ko-KR"/>
+            </a:defPPr>
+            <a:lvl1pPr marL="0" algn="l" defTabSz="914400" rtl="0" eaLnBrk="1" latinLnBrk="1" hangingPunct="1">
+              <a:defRPr sz="1800" kern="1200">
+                <a:solidFill>
+                  <a:schemeClr val="tx1"/>
+                </a:solidFill>
+                <a:latin typeface="+mn-lt"/>
+                <a:ea typeface="+mn-ea"/>
+                <a:cs typeface="+mn-cs"/>
+              </a:defRPr>
+            </a:lvl1pPr>
+            <a:lvl2pPr marL="457200" algn="l" defTabSz="914400" rtl="0" eaLnBrk="1" latinLnBrk="1" hangingPunct="1">
+              <a:defRPr sz="1800" kern="1200">
+                <a:solidFill>
+                  <a:schemeClr val="tx1"/>
+                </a:solidFill>
+                <a:latin typeface="+mn-lt"/>
+                <a:ea typeface="+mn-ea"/>
+                <a:cs typeface="+mn-cs"/>
+              </a:defRPr>
+            </a:lvl2pPr>
+            <a:lvl3pPr marL="914400" algn="l" defTabSz="914400" rtl="0" eaLnBrk="1" latinLnBrk="1" hangingPunct="1">
+              <a:defRPr sz="1800" kern="1200">
+                <a:solidFill>
+                  <a:schemeClr val="tx1"/>
+                </a:solidFill>
+                <a:latin typeface="+mn-lt"/>
+                <a:ea typeface="+mn-ea"/>
+                <a:cs typeface="+mn-cs"/>
+              </a:defRPr>
+            </a:lvl3pPr>
+            <a:lvl4pPr marL="1371600" algn="l" defTabSz="914400" rtl="0" eaLnBrk="1" latinLnBrk="1" hangingPunct="1">
+              <a:defRPr sz="1800" kern="1200">
+                <a:solidFill>
+                  <a:schemeClr val="tx1"/>
+                </a:solidFill>
+                <a:latin typeface="+mn-lt"/>
+                <a:ea typeface="+mn-ea"/>
+                <a:cs typeface="+mn-cs"/>
+              </a:defRPr>
+            </a:lvl4pPr>
+            <a:lvl5pPr marL="1828800" algn="l" defTabSz="914400" rtl="0" eaLnBrk="1" latinLnBrk="1" hangingPunct="1">
+              <a:defRPr sz="1800" kern="1200">
+                <a:solidFill>
+                  <a:schemeClr val="tx1"/>
+                </a:solidFill>
+                <a:latin typeface="+mn-lt"/>
+                <a:ea typeface="+mn-ea"/>
+                <a:cs typeface="+mn-cs"/>
+              </a:defRPr>
+            </a:lvl5pPr>
+            <a:lvl6pPr marL="2286000" algn="l" defTabSz="914400" rtl="0" eaLnBrk="1" latinLnBrk="1" hangingPunct="1">
+              <a:defRPr sz="1800" kern="1200">
+                <a:solidFill>
+                  <a:schemeClr val="tx1"/>
+                </a:solidFill>
+                <a:latin typeface="+mn-lt"/>
+                <a:ea typeface="+mn-ea"/>
+                <a:cs typeface="+mn-cs"/>
+              </a:defRPr>
+            </a:lvl6pPr>
+            <a:lvl7pPr marL="2743200" algn="l" defTabSz="914400" rtl="0" eaLnBrk="1" latinLnBrk="1" hangingPunct="1">
+              <a:defRPr sz="1800" kern="1200">
+                <a:solidFill>
+                  <a:schemeClr val="tx1"/>
+                </a:solidFill>
+                <a:latin typeface="+mn-lt"/>
+                <a:ea typeface="+mn-ea"/>
+                <a:cs typeface="+mn-cs"/>
+              </a:defRPr>
+            </a:lvl7pPr>
+            <a:lvl8pPr marL="3200400" algn="l" defTabSz="914400" rtl="0" eaLnBrk="1" latinLnBrk="1" hangingPunct="1">
+              <a:defRPr sz="1800" kern="1200">
+                <a:solidFill>
+                  <a:schemeClr val="tx1"/>
+                </a:solidFill>
+                <a:latin typeface="+mn-lt"/>
+                <a:ea typeface="+mn-ea"/>
+                <a:cs typeface="+mn-cs"/>
+              </a:defRPr>
+            </a:lvl8pPr>
+            <a:lvl9pPr marL="3657600" algn="l" defTabSz="914400" rtl="0" eaLnBrk="1" latinLnBrk="1" hangingPunct="1">
+              <a:defRPr sz="1800" kern="1200">
+                <a:solidFill>
+                  <a:schemeClr val="tx1"/>
+                </a:solidFill>
+                <a:latin typeface="+mn-lt"/>
+                <a:ea typeface="+mn-ea"/>
+                <a:cs typeface="+mn-cs"/>
+              </a:defRPr>
+            </a:lvl9pPr>
+          </a:lstStyle>
+          <a:p>
+            <a:pPr>
+              <a:lnSpc>
+                <a:spcPct val="150000"/>
+              </a:lnSpc>
+            </a:pPr>
+            <a:r>
+              <a:rPr lang="ko-KR" altLang="en-US" sz="1400" dirty="0"/>
+              <a:t>횡단보도 라인을 </a:t>
+            </a:r>
+            <a:r>
+              <a:rPr lang="en-US" altLang="ko-KR" sz="1400" dirty="0"/>
+              <a:t>2x+3 </a:t>
+            </a:r>
+            <a:r>
+              <a:rPr lang="ko-KR" altLang="en-US" sz="1400" dirty="0"/>
+              <a:t>이라고 가정하겠습니다</a:t>
+            </a:r>
+            <a:r>
+              <a:rPr lang="en-US" altLang="ko-KR" sz="1400" dirty="0"/>
+              <a:t>.</a:t>
+            </a:r>
+          </a:p>
+          <a:p>
+            <a:pPr>
+              <a:lnSpc>
+                <a:spcPct val="150000"/>
+              </a:lnSpc>
+            </a:pPr>
+            <a:r>
+              <a:rPr lang="ko-KR" altLang="en-US" sz="1400" dirty="0"/>
+              <a:t>현재 이 라인에 대한 양 끝점 정보를 가지고 있습니다</a:t>
+            </a:r>
+            <a:r>
+              <a:rPr lang="en-US" altLang="ko-KR" sz="1400" dirty="0"/>
+              <a:t>. </a:t>
+            </a:r>
+          </a:p>
+          <a:p>
+            <a:pPr>
+              <a:lnSpc>
+                <a:spcPct val="150000"/>
+              </a:lnSpc>
+            </a:pPr>
+            <a:endParaRPr lang="en-US" altLang="ko-KR" sz="1400" dirty="0"/>
+          </a:p>
+          <a:p>
+            <a:pPr>
+              <a:lnSpc>
+                <a:spcPct val="150000"/>
+              </a:lnSpc>
+            </a:pPr>
+            <a:r>
+              <a:rPr lang="ko-KR" altLang="en-US" sz="1400" dirty="0"/>
+              <a:t>임의의 점 </a:t>
+            </a:r>
+            <a:r>
+              <a:rPr lang="en-US" altLang="ko-KR" sz="1400" dirty="0"/>
+              <a:t>(k,2k+c) </a:t>
+            </a:r>
+            <a:r>
+              <a:rPr lang="ko-KR" altLang="en-US" sz="1400" dirty="0"/>
+              <a:t>와 점과 직선사이의 거리를 통해서 직선을 구할 수 있습니다</a:t>
+            </a:r>
+            <a:r>
+              <a:rPr lang="en-US" altLang="ko-KR" sz="1400" dirty="0"/>
+              <a:t>. </a:t>
+            </a:r>
+            <a:r>
+              <a:rPr lang="ko-KR" altLang="en-US" sz="1400" dirty="0"/>
+              <a:t>이 직선은 기존 라인인 </a:t>
+            </a:r>
+            <a:r>
+              <a:rPr lang="en-US" altLang="ko-KR" sz="1400" dirty="0"/>
+              <a:t>2x+3</a:t>
+            </a:r>
+            <a:r>
+              <a:rPr lang="ko-KR" altLang="en-US" sz="1400" dirty="0"/>
+              <a:t>과 </a:t>
+            </a:r>
+            <a:r>
+              <a:rPr lang="en-US" altLang="ko-KR" sz="1400" dirty="0"/>
+              <a:t> </a:t>
+            </a:r>
+            <a:r>
+              <a:rPr lang="ko-KR" altLang="en-US" sz="1400" dirty="0"/>
+              <a:t>수직 관계입니다</a:t>
+            </a:r>
+            <a:r>
+              <a:rPr lang="en-US" altLang="ko-KR" sz="1400" dirty="0"/>
+              <a:t>.</a:t>
+            </a:r>
+          </a:p>
+          <a:p>
+            <a:pPr>
+              <a:lnSpc>
+                <a:spcPct val="150000"/>
+              </a:lnSpc>
+            </a:pPr>
+            <a:endParaRPr lang="en-US" altLang="ko-KR" sz="1400" dirty="0"/>
+          </a:p>
+          <a:p>
+            <a:pPr>
+              <a:lnSpc>
+                <a:spcPct val="150000"/>
+              </a:lnSpc>
+            </a:pPr>
+            <a:r>
+              <a:rPr lang="ko-KR" altLang="en-US" sz="1400" dirty="0"/>
+              <a:t>이제 이 직선과</a:t>
+            </a:r>
+            <a:r>
+              <a:rPr lang="en-US" altLang="ko-KR" sz="1400" dirty="0"/>
+              <a:t>, y=2x+c </a:t>
+            </a:r>
+            <a:r>
+              <a:rPr lang="ko-KR" altLang="en-US" sz="1400" dirty="0"/>
+              <a:t>와 만나는 교점을 통해서</a:t>
+            </a:r>
+            <a:r>
+              <a:rPr lang="en-US" altLang="ko-KR" sz="1400" dirty="0"/>
+              <a:t>, 4</a:t>
+            </a:r>
+            <a:r>
+              <a:rPr lang="ko-KR" altLang="en-US" sz="1400" dirty="0"/>
+              <a:t>개의 지점을 구하는 방식으로 구상 했습니다</a:t>
+            </a:r>
+            <a:r>
+              <a:rPr lang="en-US" altLang="ko-KR" sz="1200" dirty="0"/>
+              <a:t>.</a:t>
+            </a:r>
+          </a:p>
+          <a:p>
+            <a:pPr>
+              <a:lnSpc>
+                <a:spcPct val="150000"/>
+              </a:lnSpc>
+            </a:pPr>
+            <a:endParaRPr lang="en-US" altLang="ko-KR" sz="1200" dirty="0"/>
+          </a:p>
+          <a:p>
+            <a:pPr>
+              <a:lnSpc>
+                <a:spcPct val="150000"/>
+              </a:lnSpc>
+            </a:pPr>
+            <a:endParaRPr lang="en-US" altLang="ko-KR" sz="1200" dirty="0"/>
+          </a:p>
+          <a:p>
+            <a:pPr>
+              <a:lnSpc>
+                <a:spcPct val="150000"/>
+              </a:lnSpc>
+            </a:pPr>
+            <a:endParaRPr lang="ko-KR" altLang="en-US" sz="1200" dirty="0"/>
+          </a:p>
+        </p:txBody>
+      </p:sp>
+      <p:sp>
+        <p:nvSpPr>
+          <p:cNvPr id="2" name="TextBox 15">
+            <a:extLst>
+              <a:ext uri="{FF2B5EF4-FFF2-40B4-BE49-F238E27FC236}">
+                <a16:creationId xmlns:a16="http://schemas.microsoft.com/office/drawing/2014/main" id="{247E0092-7306-199B-394D-BBF4F3E81B10}"/>
+              </a:ext>
+            </a:extLst>
+          </p:cNvPr>
+          <p:cNvSpPr txBox="1"/>
+          <p:nvPr/>
+        </p:nvSpPr>
+        <p:spPr>
+          <a:xfrm>
+            <a:off x="611560" y="706901"/>
+            <a:ext cx="4180173" cy="499150"/>
+          </a:xfrm>
+          <a:prstGeom prst="rect">
+            <a:avLst/>
+          </a:prstGeom>
+          <a:noFill/>
+        </p:spPr>
+        <p:txBody>
+          <a:bodyPr wrap="square" rtlCol="0">
+            <a:spAutoFit/>
+          </a:bodyPr>
+          <a:lstStyle>
+            <a:defPPr>
+              <a:defRPr lang="ko-KR"/>
+            </a:defPPr>
+            <a:lvl1pPr marL="0" algn="l" defTabSz="914400" rtl="0" eaLnBrk="1" latinLnBrk="1" hangingPunct="1">
+              <a:defRPr sz="1800" kern="1200">
+                <a:solidFill>
+                  <a:schemeClr val="tx1"/>
+                </a:solidFill>
+                <a:latin typeface="+mn-lt"/>
+                <a:ea typeface="+mn-ea"/>
+                <a:cs typeface="+mn-cs"/>
+              </a:defRPr>
+            </a:lvl1pPr>
+            <a:lvl2pPr marL="457200" algn="l" defTabSz="914400" rtl="0" eaLnBrk="1" latinLnBrk="1" hangingPunct="1">
+              <a:defRPr sz="1800" kern="1200">
+                <a:solidFill>
+                  <a:schemeClr val="tx1"/>
+                </a:solidFill>
+                <a:latin typeface="+mn-lt"/>
+                <a:ea typeface="+mn-ea"/>
+                <a:cs typeface="+mn-cs"/>
+              </a:defRPr>
+            </a:lvl2pPr>
+            <a:lvl3pPr marL="914400" algn="l" defTabSz="914400" rtl="0" eaLnBrk="1" latinLnBrk="1" hangingPunct="1">
+              <a:defRPr sz="1800" kern="1200">
+                <a:solidFill>
+                  <a:schemeClr val="tx1"/>
+                </a:solidFill>
+                <a:latin typeface="+mn-lt"/>
+                <a:ea typeface="+mn-ea"/>
+                <a:cs typeface="+mn-cs"/>
+              </a:defRPr>
+            </a:lvl3pPr>
+            <a:lvl4pPr marL="1371600" algn="l" defTabSz="914400" rtl="0" eaLnBrk="1" latinLnBrk="1" hangingPunct="1">
+              <a:defRPr sz="1800" kern="1200">
+                <a:solidFill>
+                  <a:schemeClr val="tx1"/>
+                </a:solidFill>
+                <a:latin typeface="+mn-lt"/>
+                <a:ea typeface="+mn-ea"/>
+                <a:cs typeface="+mn-cs"/>
+              </a:defRPr>
+            </a:lvl4pPr>
+            <a:lvl5pPr marL="1828800" algn="l" defTabSz="914400" rtl="0" eaLnBrk="1" latinLnBrk="1" hangingPunct="1">
+              <a:defRPr sz="1800" kern="1200">
+                <a:solidFill>
+                  <a:schemeClr val="tx1"/>
+                </a:solidFill>
+                <a:latin typeface="+mn-lt"/>
+                <a:ea typeface="+mn-ea"/>
+                <a:cs typeface="+mn-cs"/>
+              </a:defRPr>
+            </a:lvl5pPr>
+            <a:lvl6pPr marL="2286000" algn="l" defTabSz="914400" rtl="0" eaLnBrk="1" latinLnBrk="1" hangingPunct="1">
+              <a:defRPr sz="1800" kern="1200">
+                <a:solidFill>
+                  <a:schemeClr val="tx1"/>
+                </a:solidFill>
+                <a:latin typeface="+mn-lt"/>
+                <a:ea typeface="+mn-ea"/>
+                <a:cs typeface="+mn-cs"/>
+              </a:defRPr>
+            </a:lvl6pPr>
+            <a:lvl7pPr marL="2743200" algn="l" defTabSz="914400" rtl="0" eaLnBrk="1" latinLnBrk="1" hangingPunct="1">
+              <a:defRPr sz="1800" kern="1200">
+                <a:solidFill>
+                  <a:schemeClr val="tx1"/>
+                </a:solidFill>
+                <a:latin typeface="+mn-lt"/>
+                <a:ea typeface="+mn-ea"/>
+                <a:cs typeface="+mn-cs"/>
+              </a:defRPr>
+            </a:lvl7pPr>
+            <a:lvl8pPr marL="3200400" algn="l" defTabSz="914400" rtl="0" eaLnBrk="1" latinLnBrk="1" hangingPunct="1">
+              <a:defRPr sz="1800" kern="1200">
+                <a:solidFill>
+                  <a:schemeClr val="tx1"/>
+                </a:solidFill>
+                <a:latin typeface="+mn-lt"/>
+                <a:ea typeface="+mn-ea"/>
+                <a:cs typeface="+mn-cs"/>
+              </a:defRPr>
+            </a:lvl8pPr>
+            <a:lvl9pPr marL="3657600" algn="l" defTabSz="914400" rtl="0" eaLnBrk="1" latinLnBrk="1" hangingPunct="1">
+              <a:defRPr sz="1800" kern="1200">
+                <a:solidFill>
+                  <a:schemeClr val="tx1"/>
+                </a:solidFill>
+                <a:latin typeface="+mn-lt"/>
+                <a:ea typeface="+mn-ea"/>
+                <a:cs typeface="+mn-cs"/>
+              </a:defRPr>
+            </a:lvl9pPr>
+          </a:lstStyle>
+          <a:p>
+            <a:pPr>
+              <a:lnSpc>
+                <a:spcPct val="150000"/>
+              </a:lnSpc>
+            </a:pPr>
+            <a:r>
+              <a:rPr lang="en-US" altLang="ko-KR" sz="2000" dirty="0"/>
+              <a:t>** </a:t>
+            </a:r>
+            <a:r>
+              <a:rPr lang="ko-KR" altLang="en-US" sz="2000" dirty="0"/>
+              <a:t>네 점 구하기</a:t>
+            </a:r>
+            <a:endParaRPr lang="en-US" altLang="ko-KR" sz="2000" dirty="0"/>
+          </a:p>
+        </p:txBody>
+      </p:sp>
+      <p:pic>
+        <p:nvPicPr>
+          <p:cNvPr id="7" name="그림 6">
+            <a:extLst>
+              <a:ext uri="{FF2B5EF4-FFF2-40B4-BE49-F238E27FC236}">
+                <a16:creationId xmlns:a16="http://schemas.microsoft.com/office/drawing/2014/main" id="{32BFA28A-A193-29E3-94DD-4BEE1B879353}"/>
+              </a:ext>
+            </a:extLst>
+          </p:cNvPr>
+          <p:cNvPicPr>
+            <a:picLocks noChangeAspect="1"/>
+          </p:cNvPicPr>
+          <p:nvPr/>
+        </p:nvPicPr>
+        <p:blipFill>
+          <a:blip r:embed="rId2"/>
+          <a:stretch>
+            <a:fillRect/>
+          </a:stretch>
+        </p:blipFill>
+        <p:spPr>
+          <a:xfrm>
+            <a:off x="611560" y="1282965"/>
+            <a:ext cx="4259652" cy="2686447"/>
+          </a:xfrm>
+          <a:prstGeom prst="rect">
+            <a:avLst/>
+          </a:prstGeom>
+        </p:spPr>
+      </p:pic>
     </p:spTree>
     <p:extLst>
       <p:ext uri="{BB962C8B-B14F-4D97-AF65-F5344CB8AC3E}">
-        <p14:creationId xmlns:p14="http://schemas.microsoft.com/office/powerpoint/2010/main" val="4191296738"/>
+        <p14:creationId xmlns:p14="http://schemas.microsoft.com/office/powerpoint/2010/main" val="1904776750"/>
       </p:ext>
     </p:extLst>
   </p:cSld>
@@ -7894,10 +8802,10 @@
       </p:grpSpPr>
       <p:sp>
         <p:nvSpPr>
-          <p:cNvPr id="6" name="Text Placeholder 1">
+          <p:cNvPr id="7" name="Text Placeholder 1">
             <a:extLst>
               <a:ext uri="{FF2B5EF4-FFF2-40B4-BE49-F238E27FC236}">
-                <a16:creationId xmlns:a16="http://schemas.microsoft.com/office/drawing/2014/main" id="{64F3C528-607C-E988-CB1F-3FCF671E3D35}"/>
+                <a16:creationId xmlns:a16="http://schemas.microsoft.com/office/drawing/2014/main" id="{6C6E7023-D460-0F97-430A-19AD2F53371C}"/>
               </a:ext>
             </a:extLst>
           </p:cNvPr>
@@ -8060,21 +8968,21 @@
           <a:p>
             <a:r>
               <a:rPr lang="en-US" altLang="ko-KR" sz="2800" dirty="0"/>
-              <a:t>* GPS </a:t>
+              <a:t>2. </a:t>
             </a:r>
             <a:r>
               <a:rPr lang="ko-KR" altLang="en-US" sz="2800" dirty="0"/>
-              <a:t>오차범위</a:t>
+              <a:t>진행 상황</a:t>
             </a:r>
           </a:p>
         </p:txBody>
       </p:sp>
       <p:sp>
         <p:nvSpPr>
-          <p:cNvPr id="5" name="TextBox 4">
+          <p:cNvPr id="16" name="TextBox 15">
             <a:extLst>
               <a:ext uri="{FF2B5EF4-FFF2-40B4-BE49-F238E27FC236}">
-                <a16:creationId xmlns:a16="http://schemas.microsoft.com/office/drawing/2014/main" id="{12392020-71DB-288A-0340-BF46D25428A2}"/>
+                <a16:creationId xmlns:a16="http://schemas.microsoft.com/office/drawing/2014/main" id="{68C3F217-1357-88AA-3607-CD0C0B6FC365}"/>
               </a:ext>
             </a:extLst>
           </p:cNvPr>
@@ -8083,8 +8991,8 @@
         </p:nvSpPr>
         <p:spPr>
           <a:xfrm>
-            <a:off x="492448" y="627534"/>
-            <a:ext cx="8352928" cy="461665"/>
+            <a:off x="395536" y="771550"/>
+            <a:ext cx="7416824" cy="369332"/>
           </a:xfrm>
           <a:prstGeom prst="rect">
             <a:avLst/>
@@ -8099,34 +9007,45 @@
           <a:p>
             <a:r>
               <a:rPr lang="en-US" altLang="ko-KR" dirty="0"/>
-              <a:t>GPS </a:t>
+              <a:t>** </a:t>
             </a:r>
             <a:r>
               <a:rPr lang="ko-KR" altLang="en-US" dirty="0"/>
-              <a:t>오차범위 발생의 주요원인인  </a:t>
+              <a:t>테이블 생성 </a:t>
             </a:r>
             <a:r>
               <a:rPr lang="en-US" altLang="ko-KR" dirty="0"/>
-              <a:t>“</a:t>
-            </a:r>
-            <a:r>
-              <a:rPr lang="ko-KR" altLang="en-US" sz="2400" dirty="0"/>
-              <a:t>다중경로 효과</a:t>
+              <a:t>(with </a:t>
+            </a:r>
+            <a:r>
+              <a:rPr lang="ko-KR" altLang="en-US" dirty="0"/>
+              <a:t>오픈 데이터셋 파일 </a:t>
             </a:r>
             <a:r>
               <a:rPr lang="en-US" altLang="ko-KR" dirty="0"/>
-              <a:t>”</a:t>
-            </a:r>
-            <a:endParaRPr lang="ko-KR" altLang="en-US" dirty="0"/>
+              <a:t>, </a:t>
+            </a:r>
+            <a:r>
+              <a:rPr lang="en-US" altLang="ko-KR" dirty="0" err="1"/>
+              <a:t>Postgresql</a:t>
+            </a:r>
+            <a:r>
+              <a:rPr lang="en-US" altLang="ko-KR" dirty="0"/>
+              <a:t>)</a:t>
+            </a:r>
+            <a:r>
+              <a:rPr lang="ko-KR" altLang="en-US" dirty="0"/>
+              <a:t> </a:t>
+            </a:r>
           </a:p>
         </p:txBody>
       </p:sp>
       <p:pic>
         <p:nvPicPr>
-          <p:cNvPr id="8" name="그림 7" descr="텍스트, 컴퓨터, 아코디언이(가) 표시된 사진&#10;&#10;자동 생성된 설명">
+          <p:cNvPr id="18" name="그림 17">
             <a:extLst>
               <a:ext uri="{FF2B5EF4-FFF2-40B4-BE49-F238E27FC236}">
-                <a16:creationId xmlns:a16="http://schemas.microsoft.com/office/drawing/2014/main" id="{52E62505-942B-4A50-BFAD-956AFC126FC3}"/>
+                <a16:creationId xmlns:a16="http://schemas.microsoft.com/office/drawing/2014/main" id="{EC0627F2-4C12-DE06-0E43-2A6CE2A3C33D}"/>
               </a:ext>
             </a:extLst>
           </p:cNvPr>
@@ -8136,21 +9055,15 @@
           <p:nvPr/>
         </p:nvPicPr>
         <p:blipFill>
-          <a:blip r:embed="rId2" cstate="print">
-            <a:extLst>
-              <a:ext uri="{28A0092B-C50C-407E-A947-70E740481C1C}">
-                <a14:useLocalDpi xmlns:a14="http://schemas.microsoft.com/office/drawing/2010/main" val="0"/>
-              </a:ext>
-            </a:extLst>
-          </a:blip>
+          <a:blip r:embed="rId2"/>
           <a:stretch>
             <a:fillRect/>
           </a:stretch>
         </p:blipFill>
         <p:spPr>
           <a:xfrm>
-            <a:off x="462236" y="1203598"/>
-            <a:ext cx="3910939" cy="3251589"/>
+            <a:off x="611560" y="1331441"/>
+            <a:ext cx="4392488" cy="882997"/>
           </a:xfrm>
           <a:prstGeom prst="rect">
             <a:avLst/>
@@ -8159,10 +9072,10 @@
       </p:pic>
       <p:sp>
         <p:nvSpPr>
-          <p:cNvPr id="9" name="TextBox 8">
+          <p:cNvPr id="20" name="TextBox 19">
             <a:extLst>
               <a:ext uri="{FF2B5EF4-FFF2-40B4-BE49-F238E27FC236}">
-                <a16:creationId xmlns:a16="http://schemas.microsoft.com/office/drawing/2014/main" id="{C5E00CEE-13AC-8996-2214-2EAAC706328C}"/>
+                <a16:creationId xmlns:a16="http://schemas.microsoft.com/office/drawing/2014/main" id="{F2A57230-D5CF-EACF-281F-B0FD7F3D0C24}"/>
               </a:ext>
             </a:extLst>
           </p:cNvPr>
@@ -8171,8 +9084,8 @@
         </p:nvSpPr>
         <p:spPr>
           <a:xfrm>
-            <a:off x="4668912" y="1347614"/>
-            <a:ext cx="4176464" cy="923330"/>
+            <a:off x="611560" y="2715766"/>
+            <a:ext cx="4392488" cy="1477328"/>
           </a:xfrm>
           <a:prstGeom prst="rect">
             <a:avLst/>
@@ -8186,16 +9099,48 @@
           <a:lstStyle/>
           <a:p>
             <a:r>
+              <a:rPr lang="en-US" altLang="ko-KR" dirty="0" err="1"/>
+              <a:t>shp</a:t>
+            </a:r>
+            <a:r>
               <a:rPr lang="ko-KR" altLang="en-US" dirty="0"/>
-              <a:t>도심의 빌딩들로 인하여</a:t>
+              <a:t>파일 형식의 데이터셋을 다운받은 이후에</a:t>
             </a:r>
             <a:r>
               <a:rPr lang="en-US" altLang="ko-KR" dirty="0"/>
               <a:t>, </a:t>
             </a:r>
             <a:r>
+              <a:rPr lang="en-US" altLang="ko-KR" dirty="0" err="1"/>
+              <a:t>Postgresql</a:t>
+            </a:r>
+            <a:r>
               <a:rPr lang="ko-KR" altLang="en-US" dirty="0"/>
-              <a:t>위성 신호가 빌딩 등에 반사되면서 제대로 판단하지 못하는 현상입니다</a:t>
+              <a:t>에서 </a:t>
+            </a:r>
+            <a:r>
+              <a:rPr lang="en-US" altLang="ko-KR" dirty="0"/>
+              <a:t>shapefile</a:t>
+            </a:r>
+            <a:r>
+              <a:rPr lang="ko-KR" altLang="en-US" dirty="0"/>
+              <a:t>을 </a:t>
+            </a:r>
+            <a:r>
+              <a:rPr lang="en-US" altLang="ko-KR" dirty="0"/>
+              <a:t>import</a:t>
+            </a:r>
+            <a:r>
+              <a:rPr lang="ko-KR" altLang="en-US" dirty="0"/>
+              <a:t>할 수 있도록 도와주는 </a:t>
+            </a:r>
+            <a:r>
+              <a:rPr lang="en-US" altLang="ko-KR" dirty="0"/>
+              <a:t>Manager </a:t>
+            </a:r>
+            <a:r>
+              <a:rPr lang="ko-KR" altLang="en-US" dirty="0"/>
+              <a:t>툴을 통해서 자동으로 데이터베이스 테이블을 생성할 수 있도록 도와줍니다</a:t>
             </a:r>
             <a:r>
               <a:rPr lang="en-US" altLang="ko-KR" dirty="0"/>
@@ -8205,121 +9150,40 @@
           </a:p>
         </p:txBody>
       </p:sp>
-      <p:sp>
-        <p:nvSpPr>
-          <p:cNvPr id="10" name="화살표: 아래쪽 9">
+      <p:pic>
+        <p:nvPicPr>
+          <p:cNvPr id="22" name="그림 21">
             <a:extLst>
               <a:ext uri="{FF2B5EF4-FFF2-40B4-BE49-F238E27FC236}">
-                <a16:creationId xmlns:a16="http://schemas.microsoft.com/office/drawing/2014/main" id="{AB57BCBF-AD51-8D0B-8068-E95BEC2DE522}"/>
+                <a16:creationId xmlns:a16="http://schemas.microsoft.com/office/drawing/2014/main" id="{9D4E3E10-E5D5-A7E5-BDC5-B535E8FB998B}"/>
               </a:ext>
             </a:extLst>
           </p:cNvPr>
-          <p:cNvSpPr/>
+          <p:cNvPicPr>
+            <a:picLocks noChangeAspect="1"/>
+          </p:cNvPicPr>
           <p:nvPr/>
-        </p:nvSpPr>
-        <p:spPr>
-          <a:xfrm>
-            <a:off x="6372200" y="2270944"/>
-            <a:ext cx="648072" cy="923330"/>
-          </a:xfrm>
-          <a:prstGeom prst="downArrow">
-            <a:avLst/>
-          </a:prstGeom>
-          <a:solidFill>
-            <a:srgbClr val="32AEB8"/>
-          </a:solidFill>
-          <a:ln>
-            <a:noFill/>
-          </a:ln>
-        </p:spPr>
-        <p:style>
-          <a:lnRef idx="2">
-            <a:schemeClr val="accent1">
-              <a:shade val="50000"/>
-            </a:schemeClr>
-          </a:lnRef>
-          <a:fillRef idx="1">
-            <a:schemeClr val="accent1"/>
-          </a:fillRef>
-          <a:effectRef idx="0">
-            <a:schemeClr val="accent1"/>
-          </a:effectRef>
-          <a:fontRef idx="minor">
-            <a:schemeClr val="lt1"/>
-          </a:fontRef>
-        </p:style>
-        <p:txBody>
-          <a:bodyPr rtlCol="0" anchor="ctr"/>
-          <a:lstStyle/>
-          <a:p>
-            <a:pPr algn="ctr"/>
-            <a:endParaRPr lang="ko-KR" altLang="en-US"/>
-          </a:p>
-        </p:txBody>
-      </p:sp>
-      <p:sp>
-        <p:nvSpPr>
-          <p:cNvPr id="11" name="TextBox 10">
-            <a:extLst>
-              <a:ext uri="{FF2B5EF4-FFF2-40B4-BE49-F238E27FC236}">
-                <a16:creationId xmlns:a16="http://schemas.microsoft.com/office/drawing/2014/main" id="{C8892A02-4B52-F4A2-79E9-A960EC0CDC40}"/>
-              </a:ext>
-            </a:extLst>
-          </p:cNvPr>
-          <p:cNvSpPr txBox="1"/>
-          <p:nvPr/>
-        </p:nvSpPr>
-        <p:spPr>
-          <a:xfrm>
-            <a:off x="5220072" y="3363838"/>
-            <a:ext cx="3600400" cy="646331"/>
-          </a:xfrm>
-          <a:prstGeom prst="rect">
-            <a:avLst/>
-          </a:prstGeom>
-          <a:noFill/>
-        </p:spPr>
-        <p:txBody>
-          <a:bodyPr wrap="square" rtlCol="0">
-            <a:spAutoFit/>
-          </a:bodyPr>
-          <a:lstStyle/>
-          <a:p>
-            <a:r>
-              <a:rPr lang="ko-KR" altLang="en-US" dirty="0"/>
-              <a:t>결론적으로</a:t>
-            </a:r>
-            <a:r>
-              <a:rPr lang="en-US" altLang="ko-KR" dirty="0"/>
-              <a:t>, GPS </a:t>
-            </a:r>
-            <a:r>
-              <a:rPr lang="ko-KR" altLang="en-US" dirty="0"/>
-              <a:t>보정 기술이 </a:t>
-            </a:r>
-            <a:endParaRPr lang="en-US" altLang="ko-KR" dirty="0"/>
-          </a:p>
-          <a:p>
-            <a:r>
-              <a:rPr lang="en-US" altLang="ko-KR" dirty="0"/>
-              <a:t>                 </a:t>
-            </a:r>
-            <a:r>
-              <a:rPr lang="ko-KR" altLang="en-US" dirty="0"/>
-              <a:t>필요합니다</a:t>
-            </a:r>
-            <a:r>
-              <a:rPr lang="en-US" altLang="ko-KR" dirty="0"/>
-              <a:t>. </a:t>
-            </a:r>
-            <a:endParaRPr lang="ko-KR" altLang="en-US" dirty="0"/>
-          </a:p>
-        </p:txBody>
-      </p:sp>
+        </p:nvPicPr>
+        <p:blipFill>
+          <a:blip r:embed="rId3"/>
+          <a:stretch>
+            <a:fillRect/>
+          </a:stretch>
+        </p:blipFill>
+        <p:spPr>
+          <a:xfrm>
+            <a:off x="5364088" y="1268354"/>
+            <a:ext cx="3339845" cy="3518520"/>
+          </a:xfrm>
+          <a:prstGeom prst="rect">
+            <a:avLst/>
+          </a:prstGeom>
+        </p:spPr>
+      </p:pic>
     </p:spTree>
     <p:extLst>
       <p:ext uri="{BB962C8B-B14F-4D97-AF65-F5344CB8AC3E}">
-        <p14:creationId xmlns:p14="http://schemas.microsoft.com/office/powerpoint/2010/main" val="2789312848"/>
+        <p14:creationId xmlns:p14="http://schemas.microsoft.com/office/powerpoint/2010/main" val="1462414919"/>
       </p:ext>
     </p:extLst>
   </p:cSld>
@@ -8348,10 +9212,10 @@
       </p:grpSpPr>
       <p:sp>
         <p:nvSpPr>
-          <p:cNvPr id="6" name="Text Placeholder 1">
+          <p:cNvPr id="7" name="Text Placeholder 1">
             <a:extLst>
               <a:ext uri="{FF2B5EF4-FFF2-40B4-BE49-F238E27FC236}">
-                <a16:creationId xmlns:a16="http://schemas.microsoft.com/office/drawing/2014/main" id="{64F3C528-607C-E988-CB1F-3FCF671E3D35}"/>
+                <a16:creationId xmlns:a16="http://schemas.microsoft.com/office/drawing/2014/main" id="{6C6E7023-D460-0F97-430A-19AD2F53371C}"/>
               </a:ext>
             </a:extLst>
           </p:cNvPr>
@@ -8514,21 +9378,21 @@
           <a:p>
             <a:r>
               <a:rPr lang="en-US" altLang="ko-KR" sz="2800" dirty="0"/>
-              <a:t>* GPS </a:t>
+              <a:t>2. </a:t>
             </a:r>
             <a:r>
               <a:rPr lang="ko-KR" altLang="en-US" sz="2800" dirty="0"/>
-              <a:t>보정기술 관련 및 결론</a:t>
+              <a:t>진행 상황</a:t>
             </a:r>
           </a:p>
         </p:txBody>
       </p:sp>
       <p:sp>
         <p:nvSpPr>
-          <p:cNvPr id="5" name="TextBox 4">
+          <p:cNvPr id="16" name="TextBox 15">
             <a:extLst>
               <a:ext uri="{FF2B5EF4-FFF2-40B4-BE49-F238E27FC236}">
-                <a16:creationId xmlns:a16="http://schemas.microsoft.com/office/drawing/2014/main" id="{12392020-71DB-288A-0340-BF46D25428A2}"/>
+                <a16:creationId xmlns:a16="http://schemas.microsoft.com/office/drawing/2014/main" id="{68C3F217-1357-88AA-3607-CD0C0B6FC365}"/>
               </a:ext>
             </a:extLst>
           </p:cNvPr>
@@ -8537,8 +9401,8 @@
         </p:nvSpPr>
         <p:spPr>
           <a:xfrm>
-            <a:off x="467544" y="843558"/>
-            <a:ext cx="8352928" cy="677108"/>
+            <a:off x="395536" y="771550"/>
+            <a:ext cx="7416824" cy="369332"/>
           </a:xfrm>
           <a:prstGeom prst="rect">
             <a:avLst/>
@@ -8553,132 +9417,75 @@
           <a:p>
             <a:r>
               <a:rPr lang="en-US" altLang="ko-KR" dirty="0"/>
-              <a:t>6</a:t>
+              <a:t>** </a:t>
             </a:r>
             <a:r>
               <a:rPr lang="ko-KR" altLang="en-US" dirty="0"/>
-              <a:t>주차 </a:t>
+              <a:t>테이블 생성 </a:t>
             </a:r>
             <a:r>
               <a:rPr lang="en-US" altLang="ko-KR" dirty="0"/>
-              <a:t>PPT</a:t>
+              <a:t>(with </a:t>
             </a:r>
             <a:r>
               <a:rPr lang="ko-KR" altLang="en-US" dirty="0"/>
-              <a:t>에서 말씀드렸던 </a:t>
+              <a:t>오픈 데이터셋 파일 </a:t>
             </a:r>
             <a:r>
               <a:rPr lang="en-US" altLang="ko-KR" dirty="0"/>
-              <a:t>“</a:t>
-            </a:r>
-            <a:r>
-              <a:rPr lang="en-US" altLang="ko-KR" sz="2000" dirty="0" err="1"/>
-              <a:t>wifi</a:t>
-            </a:r>
-            <a:r>
-              <a:rPr lang="ko-KR" altLang="en-US" sz="2000" dirty="0"/>
-              <a:t>를 이용</a:t>
+              <a:t>, </a:t>
+            </a:r>
+            <a:r>
+              <a:rPr lang="en-US" altLang="ko-KR" dirty="0" err="1"/>
+              <a:t>Postgresql</a:t>
+            </a:r>
+            <a:r>
+              <a:rPr lang="en-US" altLang="ko-KR" dirty="0"/>
+              <a:t>)</a:t>
             </a:r>
             <a:r>
               <a:rPr lang="ko-KR" altLang="en-US" dirty="0"/>
-              <a:t>한 위치 추적 방법</a:t>
-            </a:r>
-            <a:r>
-              <a:rPr lang="en-US" altLang="ko-KR" dirty="0"/>
-              <a:t>”</a:t>
-            </a:r>
-            <a:r>
-              <a:rPr lang="ko-KR" altLang="en-US" dirty="0"/>
-              <a:t>인</a:t>
-            </a:r>
-            <a:r>
-              <a:rPr lang="en-US" altLang="ko-KR" dirty="0"/>
-              <a:t>,</a:t>
-            </a:r>
-          </a:p>
-          <a:p>
-            <a:r>
-              <a:rPr lang="ko-KR" altLang="en-US" dirty="0" err="1"/>
-              <a:t>삼각측량법</a:t>
-            </a:r>
-            <a:r>
-              <a:rPr lang="ko-KR" altLang="en-US" dirty="0"/>
-              <a:t> 과 </a:t>
-            </a:r>
-            <a:r>
-              <a:rPr lang="ko-KR" altLang="en-US" dirty="0" err="1"/>
-              <a:t>핑거프린팅</a:t>
-            </a:r>
-            <a:r>
-              <a:rPr lang="ko-KR" altLang="en-US" dirty="0"/>
-              <a:t> 방법이 존재합니다</a:t>
-            </a:r>
-            <a:r>
-              <a:rPr lang="en-US" altLang="ko-KR" dirty="0"/>
-              <a:t>. </a:t>
-            </a:r>
-            <a:endParaRPr lang="ko-KR" altLang="en-US" dirty="0"/>
+              <a:t> </a:t>
+            </a:r>
           </a:p>
         </p:txBody>
       </p:sp>
-      <p:sp>
-        <p:nvSpPr>
-          <p:cNvPr id="2" name="화살표: 아래쪽 1">
+      <p:pic>
+        <p:nvPicPr>
+          <p:cNvPr id="3" name="그림 2">
             <a:extLst>
               <a:ext uri="{FF2B5EF4-FFF2-40B4-BE49-F238E27FC236}">
-                <a16:creationId xmlns:a16="http://schemas.microsoft.com/office/drawing/2014/main" id="{D8DD4773-597A-144D-D0C0-9F3C52A70469}"/>
+                <a16:creationId xmlns:a16="http://schemas.microsoft.com/office/drawing/2014/main" id="{036C4508-16DA-910D-0CD9-E4007CF84753}"/>
               </a:ext>
             </a:extLst>
           </p:cNvPr>
-          <p:cNvSpPr/>
+          <p:cNvPicPr>
+            <a:picLocks noChangeAspect="1"/>
+          </p:cNvPicPr>
           <p:nvPr/>
-        </p:nvSpPr>
-        <p:spPr>
-          <a:xfrm>
-            <a:off x="3997176" y="1586864"/>
-            <a:ext cx="574824" cy="677108"/>
-          </a:xfrm>
-          <a:prstGeom prst="downArrow">
-            <a:avLst/>
-          </a:prstGeom>
-          <a:solidFill>
-            <a:srgbClr val="32AEB8"/>
-          </a:solidFill>
-          <a:ln>
-            <a:noFill/>
-          </a:ln>
-        </p:spPr>
-        <p:style>
-          <a:lnRef idx="2">
-            <a:schemeClr val="accent1">
-              <a:shade val="50000"/>
-            </a:schemeClr>
-          </a:lnRef>
-          <a:fillRef idx="1">
-            <a:schemeClr val="accent1"/>
-          </a:fillRef>
-          <a:effectRef idx="0">
-            <a:schemeClr val="accent1"/>
-          </a:effectRef>
-          <a:fontRef idx="minor">
-            <a:schemeClr val="lt1"/>
-          </a:fontRef>
-        </p:style>
-        <p:txBody>
-          <a:bodyPr rtlCol="0" anchor="ctr"/>
-          <a:lstStyle/>
-          <a:p>
-            <a:pPr algn="ctr"/>
-            <a:endParaRPr lang="ko-KR" altLang="en-US"/>
-          </a:p>
-        </p:txBody>
-      </p:sp>
+        </p:nvPicPr>
+        <p:blipFill>
+          <a:blip r:embed="rId2"/>
+          <a:stretch>
+            <a:fillRect/>
+          </a:stretch>
+        </p:blipFill>
+        <p:spPr>
+          <a:xfrm>
+            <a:off x="539552" y="1373648"/>
+            <a:ext cx="4608512" cy="2396203"/>
+          </a:xfrm>
+          <a:prstGeom prst="rect">
+            <a:avLst/>
+          </a:prstGeom>
+        </p:spPr>
+      </p:pic>
       <p:sp>
         <p:nvSpPr>
           <p:cNvPr id="4" name="TextBox 3">
             <a:extLst>
               <a:ext uri="{FF2B5EF4-FFF2-40B4-BE49-F238E27FC236}">
-                <a16:creationId xmlns:a16="http://schemas.microsoft.com/office/drawing/2014/main" id="{7E6911F8-255F-7076-C5D5-7EDB87C34118}"/>
+                <a16:creationId xmlns:a16="http://schemas.microsoft.com/office/drawing/2014/main" id="{74FE8C9E-5FB9-D6CD-BDB1-E001101A3F13}"/>
               </a:ext>
             </a:extLst>
           </p:cNvPr>
@@ -8687,8 +9494,8 @@
         </p:nvSpPr>
         <p:spPr>
           <a:xfrm>
-            <a:off x="467544" y="2330170"/>
-            <a:ext cx="8352928" cy="738664"/>
+            <a:off x="5364088" y="1347614"/>
+            <a:ext cx="3526067" cy="2862322"/>
           </a:xfrm>
           <a:prstGeom prst="rect">
             <a:avLst/>
@@ -8702,120 +9509,33 @@
           <a:lstStyle/>
           <a:p>
             <a:r>
+              <a:rPr lang="en-US" altLang="ko-KR" dirty="0"/>
+              <a:t>Import </a:t>
+            </a:r>
+            <a:r>
               <a:rPr lang="ko-KR" altLang="en-US" dirty="0"/>
-              <a:t>하지만 </a:t>
-            </a:r>
-            <a:r>
-              <a:rPr lang="ko-KR" altLang="en-US" sz="2400" dirty="0"/>
-              <a:t>실내</a:t>
-            </a:r>
-            <a:r>
-              <a:rPr lang="ko-KR" altLang="en-US" dirty="0"/>
-              <a:t>에서의 위치 추적 방법입니다</a:t>
-            </a:r>
-            <a:r>
-              <a:rPr lang="en-US" altLang="ko-KR" dirty="0"/>
-              <a:t>.</a:t>
-            </a:r>
-          </a:p>
-          <a:p>
-            <a:r>
-              <a:rPr lang="ko-KR" altLang="en-US" dirty="0"/>
-              <a:t>저희 프로젝트에서는 실내에서 위치 추적이 필요하지 않습니다</a:t>
-            </a:r>
-            <a:r>
-              <a:rPr lang="en-US" altLang="ko-KR" dirty="0"/>
-              <a:t>.</a:t>
-            </a:r>
-            <a:endParaRPr lang="ko-KR" altLang="en-US" dirty="0"/>
-          </a:p>
-        </p:txBody>
-      </p:sp>
-      <p:sp>
-        <p:nvSpPr>
-          <p:cNvPr id="7" name="TextBox 6">
-            <a:extLst>
-              <a:ext uri="{FF2B5EF4-FFF2-40B4-BE49-F238E27FC236}">
-                <a16:creationId xmlns:a16="http://schemas.microsoft.com/office/drawing/2014/main" id="{672498CD-ACE8-E731-E061-DF1C32169B6A}"/>
-              </a:ext>
-            </a:extLst>
-          </p:cNvPr>
-          <p:cNvSpPr txBox="1"/>
-          <p:nvPr/>
-        </p:nvSpPr>
-        <p:spPr>
-          <a:xfrm>
-            <a:off x="526728" y="3126976"/>
-            <a:ext cx="8352928" cy="646331"/>
-          </a:xfrm>
-          <a:prstGeom prst="rect">
-            <a:avLst/>
-          </a:prstGeom>
-          <a:noFill/>
-        </p:spPr>
-        <p:txBody>
-          <a:bodyPr wrap="square" rtlCol="0">
-            <a:spAutoFit/>
-          </a:bodyPr>
-          <a:lstStyle/>
-          <a:p>
-            <a:r>
-              <a:rPr lang="ko-KR" altLang="en-US" dirty="0"/>
-              <a:t>다른 오차보정 알고리즘도 이용하기 위한 데이터가 부족하고</a:t>
+              <a:t>과정을 거치게 되면</a:t>
             </a:r>
             <a:r>
               <a:rPr lang="en-US" altLang="ko-KR" dirty="0"/>
               <a:t>, </a:t>
             </a:r>
-          </a:p>
-          <a:p>
+            <a:r>
+              <a:rPr lang="ko-KR" altLang="en-US" dirty="0"/>
+              <a:t>테이블 배너에서 자동으로 테이블이 생성 되어있는 것을 확인할 수 있었습니다</a:t>
+            </a:r>
             <a:r>
               <a:rPr lang="en-US" altLang="ko-KR" dirty="0"/>
-              <a:t>                                            </a:t>
-            </a:r>
+              <a:t>. </a:t>
+            </a:r>
+          </a:p>
+          <a:p>
+            <a:endParaRPr lang="en-US" altLang="ko-KR" dirty="0"/>
+          </a:p>
+          <a:p>
             <a:r>
               <a:rPr lang="ko-KR" altLang="en-US" dirty="0"/>
-              <a:t>학부생 수준에서 많이 벗어남을 인지 했습니다</a:t>
-            </a:r>
-            <a:r>
-              <a:rPr lang="en-US" altLang="ko-KR" dirty="0"/>
-              <a:t>.</a:t>
-            </a:r>
-            <a:endParaRPr lang="ko-KR" altLang="en-US" dirty="0"/>
-          </a:p>
-        </p:txBody>
-      </p:sp>
-      <p:sp>
-        <p:nvSpPr>
-          <p:cNvPr id="8" name="TextBox 7">
-            <a:extLst>
-              <a:ext uri="{FF2B5EF4-FFF2-40B4-BE49-F238E27FC236}">
-                <a16:creationId xmlns:a16="http://schemas.microsoft.com/office/drawing/2014/main" id="{27FF6830-8BD4-E6C1-C157-A03D39A2C907}"/>
-              </a:ext>
-            </a:extLst>
-          </p:cNvPr>
-          <p:cNvSpPr txBox="1"/>
-          <p:nvPr/>
-        </p:nvSpPr>
-        <p:spPr>
-          <a:xfrm>
-            <a:off x="611560" y="3831449"/>
-            <a:ext cx="8352928" cy="923330"/>
-          </a:xfrm>
-          <a:prstGeom prst="rect">
-            <a:avLst/>
-          </a:prstGeom>
-          <a:noFill/>
-        </p:spPr>
-        <p:txBody>
-          <a:bodyPr wrap="square" rtlCol="0">
-            <a:spAutoFit/>
-          </a:bodyPr>
-          <a:lstStyle/>
-          <a:p>
-            <a:r>
-              <a:rPr lang="ko-KR" altLang="en-US" dirty="0"/>
-              <a:t>결론적으로</a:t>
+              <a:t>공공 데이터셋들을 바로바로 테이블로 관리하고</a:t>
             </a:r>
             <a:r>
               <a:rPr lang="en-US" altLang="ko-KR" dirty="0"/>
@@ -8823,45 +9543,7 @@
             </a:r>
             <a:r>
               <a:rPr lang="ko-KR" altLang="en-US" dirty="0"/>
-              <a:t>기존의 </a:t>
-            </a:r>
-            <a:r>
-              <a:rPr lang="en-US" altLang="ko-KR" dirty="0"/>
-              <a:t>GPS </a:t>
-            </a:r>
-            <a:r>
-              <a:rPr lang="ko-KR" altLang="en-US" dirty="0"/>
-              <a:t>기능을 탑재한 서비스들도 </a:t>
-            </a:r>
-            <a:endParaRPr lang="en-US" altLang="ko-KR" dirty="0"/>
-          </a:p>
-          <a:p>
-            <a:r>
-              <a:rPr lang="ko-KR" altLang="en-US" b="1" dirty="0"/>
-              <a:t>스마트폰 내부의 자체 설정</a:t>
-            </a:r>
-            <a:r>
-              <a:rPr lang="ko-KR" altLang="en-US" dirty="0"/>
-              <a:t>으로 </a:t>
-            </a:r>
-            <a:r>
-              <a:rPr lang="en-US" altLang="ko-KR" dirty="0" err="1"/>
-              <a:t>Wifi</a:t>
-            </a:r>
-            <a:r>
-              <a:rPr lang="en-US" altLang="ko-KR" dirty="0"/>
-              <a:t> , </a:t>
-            </a:r>
-            <a:r>
-              <a:rPr lang="ko-KR" altLang="en-US" dirty="0"/>
-              <a:t>모바일 네트워크 등을 통해서</a:t>
-            </a:r>
-            <a:endParaRPr lang="en-US" altLang="ko-KR" dirty="0"/>
-          </a:p>
-          <a:p>
-            <a:r>
-              <a:rPr lang="ko-KR" altLang="en-US" dirty="0"/>
-              <a:t>위치를 보정하도록 유도하고 있습니다</a:t>
+              <a:t>필요하다면 데이터를 가공과정을 거쳐서 클라이언트 단에 넘겨줄 수 있는 환경을 만들었습니다</a:t>
             </a:r>
             <a:r>
               <a:rPr lang="en-US" altLang="ko-KR" dirty="0"/>
@@ -8874,7 +9556,7 @@
     </p:spTree>
     <p:extLst>
       <p:ext uri="{BB962C8B-B14F-4D97-AF65-F5344CB8AC3E}">
-        <p14:creationId xmlns:p14="http://schemas.microsoft.com/office/powerpoint/2010/main" val="328567768"/>
+        <p14:creationId xmlns:p14="http://schemas.microsoft.com/office/powerpoint/2010/main" val="3771500669"/>
       </p:ext>
     </p:extLst>
   </p:cSld>
@@ -8911,22 +9593,30 @@
             <p:ph type="body" sz="quarter" idx="10"/>
           </p:nvPr>
         </p:nvSpPr>
-        <p:spPr/>
+        <p:spPr>
+          <a:xfrm>
+            <a:off x="2123728" y="3219822"/>
+            <a:ext cx="4896544" cy="576064"/>
+          </a:xfrm>
+        </p:spPr>
         <p:txBody>
           <a:bodyPr/>
           <a:lstStyle/>
           <a:p>
             <a:r>
-              <a:rPr lang="ko-KR" altLang="en-US" dirty="0"/>
-              <a:t>향후 계획</a:t>
-            </a:r>
+              <a:rPr lang="ko-KR" altLang="en-US" sz="3600" dirty="0">
+                <a:ea typeface="맑은 고딕" pitchFamily="50" charset="-127"/>
+              </a:rPr>
+              <a:t>주 연구사항</a:t>
+            </a:r>
+            <a:endParaRPr lang="en-US" altLang="ko-KR" sz="3600" dirty="0"/>
           </a:p>
         </p:txBody>
       </p:sp>
     </p:spTree>
     <p:extLst>
       <p:ext uri="{BB962C8B-B14F-4D97-AF65-F5344CB8AC3E}">
-        <p14:creationId xmlns:p14="http://schemas.microsoft.com/office/powerpoint/2010/main" val="3997913445"/>
+        <p14:creationId xmlns:p14="http://schemas.microsoft.com/office/powerpoint/2010/main" val="4191296738"/>
       </p:ext>
     </p:extLst>
   </p:cSld>
@@ -8955,6 +9645,1067 @@
       </p:grpSpPr>
       <p:sp>
         <p:nvSpPr>
+          <p:cNvPr id="6" name="Text Placeholder 1">
+            <a:extLst>
+              <a:ext uri="{FF2B5EF4-FFF2-40B4-BE49-F238E27FC236}">
+                <a16:creationId xmlns:a16="http://schemas.microsoft.com/office/drawing/2014/main" id="{64F3C528-607C-E988-CB1F-3FCF671E3D35}"/>
+              </a:ext>
+            </a:extLst>
+          </p:cNvPr>
+          <p:cNvSpPr txBox="1">
+            <a:spLocks/>
+          </p:cNvSpPr>
+          <p:nvPr/>
+        </p:nvSpPr>
+        <p:spPr>
+          <a:xfrm>
+            <a:off x="323528" y="195486"/>
+            <a:ext cx="8208912" cy="576064"/>
+          </a:xfrm>
+          <a:prstGeom prst="rect">
+            <a:avLst/>
+          </a:prstGeom>
+        </p:spPr>
+        <p:txBody>
+          <a:bodyPr anchor="ctr"/>
+          <a:lstStyle>
+            <a:lvl1pPr marL="0" indent="0" algn="l" defTabSz="914400" rtl="0" eaLnBrk="1" latinLnBrk="1" hangingPunct="1">
+              <a:spcBef>
+                <a:spcPct val="20000"/>
+              </a:spcBef>
+              <a:buFont typeface="Arial" pitchFamily="34" charset="0"/>
+              <a:buNone/>
+              <a:defRPr sz="3600" b="0" kern="1200" baseline="0">
+                <a:solidFill>
+                  <a:schemeClr val="tx1">
+                    <a:lumMod val="75000"/>
+                    <a:lumOff val="25000"/>
+                  </a:schemeClr>
+                </a:solidFill>
+                <a:latin typeface="+mj-lt"/>
+                <a:ea typeface="+mn-ea"/>
+                <a:cs typeface="Arial" pitchFamily="34" charset="0"/>
+              </a:defRPr>
+            </a:lvl1pPr>
+            <a:lvl2pPr marL="742950" indent="-285750" algn="l" defTabSz="914400" rtl="0" eaLnBrk="1" latinLnBrk="1" hangingPunct="1">
+              <a:spcBef>
+                <a:spcPct val="20000"/>
+              </a:spcBef>
+              <a:buFont typeface="Arial" pitchFamily="34" charset="0"/>
+              <a:buChar char="–"/>
+              <a:defRPr sz="2800" kern="1200">
+                <a:solidFill>
+                  <a:schemeClr val="tx1"/>
+                </a:solidFill>
+                <a:latin typeface="+mn-lt"/>
+                <a:ea typeface="+mn-ea"/>
+                <a:cs typeface="+mn-cs"/>
+              </a:defRPr>
+            </a:lvl2pPr>
+            <a:lvl3pPr marL="1143000" indent="-228600" algn="l" defTabSz="914400" rtl="0" eaLnBrk="1" latinLnBrk="1" hangingPunct="1">
+              <a:spcBef>
+                <a:spcPct val="20000"/>
+              </a:spcBef>
+              <a:buFont typeface="Arial" pitchFamily="34" charset="0"/>
+              <a:buChar char="•"/>
+              <a:defRPr sz="2400" kern="1200">
+                <a:solidFill>
+                  <a:schemeClr val="tx1"/>
+                </a:solidFill>
+                <a:latin typeface="+mn-lt"/>
+                <a:ea typeface="+mn-ea"/>
+                <a:cs typeface="+mn-cs"/>
+              </a:defRPr>
+            </a:lvl3pPr>
+            <a:lvl4pPr marL="1600200" indent="-228600" algn="l" defTabSz="914400" rtl="0" eaLnBrk="1" latinLnBrk="1" hangingPunct="1">
+              <a:spcBef>
+                <a:spcPct val="20000"/>
+              </a:spcBef>
+              <a:buFont typeface="Arial" pitchFamily="34" charset="0"/>
+              <a:buChar char="–"/>
+              <a:defRPr sz="2000" kern="1200">
+                <a:solidFill>
+                  <a:schemeClr val="tx1"/>
+                </a:solidFill>
+                <a:latin typeface="+mn-lt"/>
+                <a:ea typeface="+mn-ea"/>
+                <a:cs typeface="+mn-cs"/>
+              </a:defRPr>
+            </a:lvl4pPr>
+            <a:lvl5pPr marL="2057400" indent="-228600" algn="l" defTabSz="914400" rtl="0" eaLnBrk="1" latinLnBrk="1" hangingPunct="1">
+              <a:spcBef>
+                <a:spcPct val="20000"/>
+              </a:spcBef>
+              <a:buFont typeface="Arial" pitchFamily="34" charset="0"/>
+              <a:buChar char="»"/>
+              <a:defRPr sz="2000" kern="1200">
+                <a:solidFill>
+                  <a:schemeClr val="tx1"/>
+                </a:solidFill>
+                <a:latin typeface="+mn-lt"/>
+                <a:ea typeface="+mn-ea"/>
+                <a:cs typeface="+mn-cs"/>
+              </a:defRPr>
+            </a:lvl5pPr>
+            <a:lvl6pPr marL="2514600" indent="-228600" algn="l" defTabSz="914400" rtl="0" eaLnBrk="1" latinLnBrk="1" hangingPunct="1">
+              <a:spcBef>
+                <a:spcPct val="20000"/>
+              </a:spcBef>
+              <a:buFont typeface="Arial" pitchFamily="34" charset="0"/>
+              <a:buChar char="•"/>
+              <a:defRPr sz="2000" kern="1200">
+                <a:solidFill>
+                  <a:schemeClr val="tx1"/>
+                </a:solidFill>
+                <a:latin typeface="+mn-lt"/>
+                <a:ea typeface="+mn-ea"/>
+                <a:cs typeface="+mn-cs"/>
+              </a:defRPr>
+            </a:lvl6pPr>
+            <a:lvl7pPr marL="2971800" indent="-228600" algn="l" defTabSz="914400" rtl="0" eaLnBrk="1" latinLnBrk="1" hangingPunct="1">
+              <a:spcBef>
+                <a:spcPct val="20000"/>
+              </a:spcBef>
+              <a:buFont typeface="Arial" pitchFamily="34" charset="0"/>
+              <a:buChar char="•"/>
+              <a:defRPr sz="2000" kern="1200">
+                <a:solidFill>
+                  <a:schemeClr val="tx1"/>
+                </a:solidFill>
+                <a:latin typeface="+mn-lt"/>
+                <a:ea typeface="+mn-ea"/>
+                <a:cs typeface="+mn-cs"/>
+              </a:defRPr>
+            </a:lvl7pPr>
+            <a:lvl8pPr marL="3429000" indent="-228600" algn="l" defTabSz="914400" rtl="0" eaLnBrk="1" latinLnBrk="1" hangingPunct="1">
+              <a:spcBef>
+                <a:spcPct val="20000"/>
+              </a:spcBef>
+              <a:buFont typeface="Arial" pitchFamily="34" charset="0"/>
+              <a:buChar char="•"/>
+              <a:defRPr sz="2000" kern="1200">
+                <a:solidFill>
+                  <a:schemeClr val="tx1"/>
+                </a:solidFill>
+                <a:latin typeface="+mn-lt"/>
+                <a:ea typeface="+mn-ea"/>
+                <a:cs typeface="+mn-cs"/>
+              </a:defRPr>
+            </a:lvl8pPr>
+            <a:lvl9pPr marL="3886200" indent="-228600" algn="l" defTabSz="914400" rtl="0" eaLnBrk="1" latinLnBrk="1" hangingPunct="1">
+              <a:spcBef>
+                <a:spcPct val="20000"/>
+              </a:spcBef>
+              <a:buFont typeface="Arial" pitchFamily="34" charset="0"/>
+              <a:buChar char="•"/>
+              <a:defRPr sz="2000" kern="1200">
+                <a:solidFill>
+                  <a:schemeClr val="tx1"/>
+                </a:solidFill>
+                <a:latin typeface="+mn-lt"/>
+                <a:ea typeface="+mn-ea"/>
+                <a:cs typeface="+mn-cs"/>
+              </a:defRPr>
+            </a:lvl9pPr>
+          </a:lstStyle>
+          <a:p>
+            <a:r>
+              <a:rPr lang="en-US" altLang="ko-KR" sz="2800" dirty="0"/>
+              <a:t>* GPS </a:t>
+            </a:r>
+            <a:r>
+              <a:rPr lang="ko-KR" altLang="en-US" sz="2800" dirty="0"/>
+              <a:t>오차범위</a:t>
+            </a:r>
+          </a:p>
+        </p:txBody>
+      </p:sp>
+      <p:sp>
+        <p:nvSpPr>
+          <p:cNvPr id="5" name="TextBox 4">
+            <a:extLst>
+              <a:ext uri="{FF2B5EF4-FFF2-40B4-BE49-F238E27FC236}">
+                <a16:creationId xmlns:a16="http://schemas.microsoft.com/office/drawing/2014/main" id="{12392020-71DB-288A-0340-BF46D25428A2}"/>
+              </a:ext>
+            </a:extLst>
+          </p:cNvPr>
+          <p:cNvSpPr txBox="1"/>
+          <p:nvPr/>
+        </p:nvSpPr>
+        <p:spPr>
+          <a:xfrm>
+            <a:off x="492448" y="627534"/>
+            <a:ext cx="8352928" cy="461665"/>
+          </a:xfrm>
+          <a:prstGeom prst="rect">
+            <a:avLst/>
+          </a:prstGeom>
+          <a:noFill/>
+        </p:spPr>
+        <p:txBody>
+          <a:bodyPr wrap="square" rtlCol="0">
+            <a:spAutoFit/>
+          </a:bodyPr>
+          <a:lstStyle/>
+          <a:p>
+            <a:r>
+              <a:rPr lang="en-US" altLang="ko-KR" dirty="0"/>
+              <a:t>GPS </a:t>
+            </a:r>
+            <a:r>
+              <a:rPr lang="ko-KR" altLang="en-US" dirty="0"/>
+              <a:t>오차범위 발생의 주요원인인  </a:t>
+            </a:r>
+            <a:r>
+              <a:rPr lang="en-US" altLang="ko-KR" dirty="0"/>
+              <a:t>“</a:t>
+            </a:r>
+            <a:r>
+              <a:rPr lang="ko-KR" altLang="en-US" sz="2400" dirty="0"/>
+              <a:t>다중경로 효과</a:t>
+            </a:r>
+            <a:r>
+              <a:rPr lang="en-US" altLang="ko-KR" dirty="0"/>
+              <a:t>”</a:t>
+            </a:r>
+            <a:endParaRPr lang="ko-KR" altLang="en-US" dirty="0"/>
+          </a:p>
+        </p:txBody>
+      </p:sp>
+      <p:pic>
+        <p:nvPicPr>
+          <p:cNvPr id="8" name="그림 7" descr="텍스트, 컴퓨터, 아코디언이(가) 표시된 사진&#10;&#10;자동 생성된 설명">
+            <a:extLst>
+              <a:ext uri="{FF2B5EF4-FFF2-40B4-BE49-F238E27FC236}">
+                <a16:creationId xmlns:a16="http://schemas.microsoft.com/office/drawing/2014/main" id="{52E62505-942B-4A50-BFAD-956AFC126FC3}"/>
+              </a:ext>
+            </a:extLst>
+          </p:cNvPr>
+          <p:cNvPicPr>
+            <a:picLocks noChangeAspect="1"/>
+          </p:cNvPicPr>
+          <p:nvPr/>
+        </p:nvPicPr>
+        <p:blipFill>
+          <a:blip r:embed="rId2" cstate="print">
+            <a:extLst>
+              <a:ext uri="{28A0092B-C50C-407E-A947-70E740481C1C}">
+                <a14:useLocalDpi xmlns:a14="http://schemas.microsoft.com/office/drawing/2010/main" val="0"/>
+              </a:ext>
+            </a:extLst>
+          </a:blip>
+          <a:stretch>
+            <a:fillRect/>
+          </a:stretch>
+        </p:blipFill>
+        <p:spPr>
+          <a:xfrm>
+            <a:off x="462236" y="1203598"/>
+            <a:ext cx="3910939" cy="3251589"/>
+          </a:xfrm>
+          <a:prstGeom prst="rect">
+            <a:avLst/>
+          </a:prstGeom>
+        </p:spPr>
+      </p:pic>
+      <p:sp>
+        <p:nvSpPr>
+          <p:cNvPr id="9" name="TextBox 8">
+            <a:extLst>
+              <a:ext uri="{FF2B5EF4-FFF2-40B4-BE49-F238E27FC236}">
+                <a16:creationId xmlns:a16="http://schemas.microsoft.com/office/drawing/2014/main" id="{C5E00CEE-13AC-8996-2214-2EAAC706328C}"/>
+              </a:ext>
+            </a:extLst>
+          </p:cNvPr>
+          <p:cNvSpPr txBox="1"/>
+          <p:nvPr/>
+        </p:nvSpPr>
+        <p:spPr>
+          <a:xfrm>
+            <a:off x="4668912" y="1347614"/>
+            <a:ext cx="4176464" cy="923330"/>
+          </a:xfrm>
+          <a:prstGeom prst="rect">
+            <a:avLst/>
+          </a:prstGeom>
+          <a:noFill/>
+        </p:spPr>
+        <p:txBody>
+          <a:bodyPr wrap="square" rtlCol="0">
+            <a:spAutoFit/>
+          </a:bodyPr>
+          <a:lstStyle/>
+          <a:p>
+            <a:r>
+              <a:rPr lang="ko-KR" altLang="en-US" dirty="0"/>
+              <a:t>도심의 빌딩들로 인하여</a:t>
+            </a:r>
+            <a:r>
+              <a:rPr lang="en-US" altLang="ko-KR" dirty="0"/>
+              <a:t>, </a:t>
+            </a:r>
+            <a:r>
+              <a:rPr lang="ko-KR" altLang="en-US" dirty="0"/>
+              <a:t>위성 신호가 빌딩 등에 반사되면서 제대로 판단하지 못하는 현상입니다</a:t>
+            </a:r>
+            <a:r>
+              <a:rPr lang="en-US" altLang="ko-KR" dirty="0"/>
+              <a:t>.</a:t>
+            </a:r>
+            <a:endParaRPr lang="ko-KR" altLang="en-US" dirty="0"/>
+          </a:p>
+        </p:txBody>
+      </p:sp>
+      <p:sp>
+        <p:nvSpPr>
+          <p:cNvPr id="10" name="화살표: 아래쪽 9">
+            <a:extLst>
+              <a:ext uri="{FF2B5EF4-FFF2-40B4-BE49-F238E27FC236}">
+                <a16:creationId xmlns:a16="http://schemas.microsoft.com/office/drawing/2014/main" id="{AB57BCBF-AD51-8D0B-8068-E95BEC2DE522}"/>
+              </a:ext>
+            </a:extLst>
+          </p:cNvPr>
+          <p:cNvSpPr/>
+          <p:nvPr/>
+        </p:nvSpPr>
+        <p:spPr>
+          <a:xfrm>
+            <a:off x="6372200" y="2270944"/>
+            <a:ext cx="648072" cy="923330"/>
+          </a:xfrm>
+          <a:prstGeom prst="downArrow">
+            <a:avLst/>
+          </a:prstGeom>
+          <a:solidFill>
+            <a:srgbClr val="32AEB8"/>
+          </a:solidFill>
+          <a:ln>
+            <a:noFill/>
+          </a:ln>
+        </p:spPr>
+        <p:style>
+          <a:lnRef idx="2">
+            <a:schemeClr val="accent1">
+              <a:shade val="50000"/>
+            </a:schemeClr>
+          </a:lnRef>
+          <a:fillRef idx="1">
+            <a:schemeClr val="accent1"/>
+          </a:fillRef>
+          <a:effectRef idx="0">
+            <a:schemeClr val="accent1"/>
+          </a:effectRef>
+          <a:fontRef idx="minor">
+            <a:schemeClr val="lt1"/>
+          </a:fontRef>
+        </p:style>
+        <p:txBody>
+          <a:bodyPr rtlCol="0" anchor="ctr"/>
+          <a:lstStyle/>
+          <a:p>
+            <a:pPr algn="ctr"/>
+            <a:endParaRPr lang="ko-KR" altLang="en-US"/>
+          </a:p>
+        </p:txBody>
+      </p:sp>
+      <p:sp>
+        <p:nvSpPr>
+          <p:cNvPr id="11" name="TextBox 10">
+            <a:extLst>
+              <a:ext uri="{FF2B5EF4-FFF2-40B4-BE49-F238E27FC236}">
+                <a16:creationId xmlns:a16="http://schemas.microsoft.com/office/drawing/2014/main" id="{C8892A02-4B52-F4A2-79E9-A960EC0CDC40}"/>
+              </a:ext>
+            </a:extLst>
+          </p:cNvPr>
+          <p:cNvSpPr txBox="1"/>
+          <p:nvPr/>
+        </p:nvSpPr>
+        <p:spPr>
+          <a:xfrm>
+            <a:off x="5220072" y="3363838"/>
+            <a:ext cx="3600400" cy="646331"/>
+          </a:xfrm>
+          <a:prstGeom prst="rect">
+            <a:avLst/>
+          </a:prstGeom>
+          <a:noFill/>
+        </p:spPr>
+        <p:txBody>
+          <a:bodyPr wrap="square" rtlCol="0">
+            <a:spAutoFit/>
+          </a:bodyPr>
+          <a:lstStyle/>
+          <a:p>
+            <a:r>
+              <a:rPr lang="ko-KR" altLang="en-US" dirty="0"/>
+              <a:t>결론적으로</a:t>
+            </a:r>
+            <a:r>
+              <a:rPr lang="en-US" altLang="ko-KR" dirty="0"/>
+              <a:t>, GPS </a:t>
+            </a:r>
+            <a:r>
+              <a:rPr lang="ko-KR" altLang="en-US" dirty="0"/>
+              <a:t>보정 기술이 </a:t>
+            </a:r>
+            <a:endParaRPr lang="en-US" altLang="ko-KR" dirty="0"/>
+          </a:p>
+          <a:p>
+            <a:r>
+              <a:rPr lang="en-US" altLang="ko-KR" dirty="0"/>
+              <a:t>                 </a:t>
+            </a:r>
+            <a:r>
+              <a:rPr lang="ko-KR" altLang="en-US" dirty="0"/>
+              <a:t>필요합니다</a:t>
+            </a:r>
+            <a:r>
+              <a:rPr lang="en-US" altLang="ko-KR" dirty="0"/>
+              <a:t>. </a:t>
+            </a:r>
+            <a:endParaRPr lang="ko-KR" altLang="en-US" dirty="0"/>
+          </a:p>
+        </p:txBody>
+      </p:sp>
+    </p:spTree>
+    <p:extLst>
+      <p:ext uri="{BB962C8B-B14F-4D97-AF65-F5344CB8AC3E}">
+        <p14:creationId xmlns:p14="http://schemas.microsoft.com/office/powerpoint/2010/main" val="2789312848"/>
+      </p:ext>
+    </p:extLst>
+  </p:cSld>
+  <p:clrMapOvr>
+    <a:masterClrMapping/>
+  </p:clrMapOvr>
+</p:sld>
+</file>
+
+<file path=ppt/slides/slide16.xml><?xml version="1.0" encoding="utf-8"?>
+<p:sld xmlns:a="http://schemas.openxmlformats.org/drawingml/2006/main" xmlns:r="http://schemas.openxmlformats.org/officeDocument/2006/relationships" xmlns:p="http://schemas.openxmlformats.org/presentationml/2006/main">
+  <p:cSld>
+    <p:spTree>
+      <p:nvGrpSpPr>
+        <p:cNvPr id="1" name=""/>
+        <p:cNvGrpSpPr/>
+        <p:nvPr/>
+      </p:nvGrpSpPr>
+      <p:grpSpPr>
+        <a:xfrm>
+          <a:off x="0" y="0"/>
+          <a:ext cx="0" cy="0"/>
+          <a:chOff x="0" y="0"/>
+          <a:chExt cx="0" cy="0"/>
+        </a:xfrm>
+      </p:grpSpPr>
+      <p:sp>
+        <p:nvSpPr>
+          <p:cNvPr id="6" name="Text Placeholder 1">
+            <a:extLst>
+              <a:ext uri="{FF2B5EF4-FFF2-40B4-BE49-F238E27FC236}">
+                <a16:creationId xmlns:a16="http://schemas.microsoft.com/office/drawing/2014/main" id="{64F3C528-607C-E988-CB1F-3FCF671E3D35}"/>
+              </a:ext>
+            </a:extLst>
+          </p:cNvPr>
+          <p:cNvSpPr txBox="1">
+            <a:spLocks/>
+          </p:cNvSpPr>
+          <p:nvPr/>
+        </p:nvSpPr>
+        <p:spPr>
+          <a:xfrm>
+            <a:off x="323528" y="195486"/>
+            <a:ext cx="8208912" cy="576064"/>
+          </a:xfrm>
+          <a:prstGeom prst="rect">
+            <a:avLst/>
+          </a:prstGeom>
+        </p:spPr>
+        <p:txBody>
+          <a:bodyPr anchor="ctr"/>
+          <a:lstStyle>
+            <a:lvl1pPr marL="0" indent="0" algn="l" defTabSz="914400" rtl="0" eaLnBrk="1" latinLnBrk="1" hangingPunct="1">
+              <a:spcBef>
+                <a:spcPct val="20000"/>
+              </a:spcBef>
+              <a:buFont typeface="Arial" pitchFamily="34" charset="0"/>
+              <a:buNone/>
+              <a:defRPr sz="3600" b="0" kern="1200" baseline="0">
+                <a:solidFill>
+                  <a:schemeClr val="tx1">
+                    <a:lumMod val="75000"/>
+                    <a:lumOff val="25000"/>
+                  </a:schemeClr>
+                </a:solidFill>
+                <a:latin typeface="+mj-lt"/>
+                <a:ea typeface="+mn-ea"/>
+                <a:cs typeface="Arial" pitchFamily="34" charset="0"/>
+              </a:defRPr>
+            </a:lvl1pPr>
+            <a:lvl2pPr marL="742950" indent="-285750" algn="l" defTabSz="914400" rtl="0" eaLnBrk="1" latinLnBrk="1" hangingPunct="1">
+              <a:spcBef>
+                <a:spcPct val="20000"/>
+              </a:spcBef>
+              <a:buFont typeface="Arial" pitchFamily="34" charset="0"/>
+              <a:buChar char="–"/>
+              <a:defRPr sz="2800" kern="1200">
+                <a:solidFill>
+                  <a:schemeClr val="tx1"/>
+                </a:solidFill>
+                <a:latin typeface="+mn-lt"/>
+                <a:ea typeface="+mn-ea"/>
+                <a:cs typeface="+mn-cs"/>
+              </a:defRPr>
+            </a:lvl2pPr>
+            <a:lvl3pPr marL="1143000" indent="-228600" algn="l" defTabSz="914400" rtl="0" eaLnBrk="1" latinLnBrk="1" hangingPunct="1">
+              <a:spcBef>
+                <a:spcPct val="20000"/>
+              </a:spcBef>
+              <a:buFont typeface="Arial" pitchFamily="34" charset="0"/>
+              <a:buChar char="•"/>
+              <a:defRPr sz="2400" kern="1200">
+                <a:solidFill>
+                  <a:schemeClr val="tx1"/>
+                </a:solidFill>
+                <a:latin typeface="+mn-lt"/>
+                <a:ea typeface="+mn-ea"/>
+                <a:cs typeface="+mn-cs"/>
+              </a:defRPr>
+            </a:lvl3pPr>
+            <a:lvl4pPr marL="1600200" indent="-228600" algn="l" defTabSz="914400" rtl="0" eaLnBrk="1" latinLnBrk="1" hangingPunct="1">
+              <a:spcBef>
+                <a:spcPct val="20000"/>
+              </a:spcBef>
+              <a:buFont typeface="Arial" pitchFamily="34" charset="0"/>
+              <a:buChar char="–"/>
+              <a:defRPr sz="2000" kern="1200">
+                <a:solidFill>
+                  <a:schemeClr val="tx1"/>
+                </a:solidFill>
+                <a:latin typeface="+mn-lt"/>
+                <a:ea typeface="+mn-ea"/>
+                <a:cs typeface="+mn-cs"/>
+              </a:defRPr>
+            </a:lvl4pPr>
+            <a:lvl5pPr marL="2057400" indent="-228600" algn="l" defTabSz="914400" rtl="0" eaLnBrk="1" latinLnBrk="1" hangingPunct="1">
+              <a:spcBef>
+                <a:spcPct val="20000"/>
+              </a:spcBef>
+              <a:buFont typeface="Arial" pitchFamily="34" charset="0"/>
+              <a:buChar char="»"/>
+              <a:defRPr sz="2000" kern="1200">
+                <a:solidFill>
+                  <a:schemeClr val="tx1"/>
+                </a:solidFill>
+                <a:latin typeface="+mn-lt"/>
+                <a:ea typeface="+mn-ea"/>
+                <a:cs typeface="+mn-cs"/>
+              </a:defRPr>
+            </a:lvl5pPr>
+            <a:lvl6pPr marL="2514600" indent="-228600" algn="l" defTabSz="914400" rtl="0" eaLnBrk="1" latinLnBrk="1" hangingPunct="1">
+              <a:spcBef>
+                <a:spcPct val="20000"/>
+              </a:spcBef>
+              <a:buFont typeface="Arial" pitchFamily="34" charset="0"/>
+              <a:buChar char="•"/>
+              <a:defRPr sz="2000" kern="1200">
+                <a:solidFill>
+                  <a:schemeClr val="tx1"/>
+                </a:solidFill>
+                <a:latin typeface="+mn-lt"/>
+                <a:ea typeface="+mn-ea"/>
+                <a:cs typeface="+mn-cs"/>
+              </a:defRPr>
+            </a:lvl6pPr>
+            <a:lvl7pPr marL="2971800" indent="-228600" algn="l" defTabSz="914400" rtl="0" eaLnBrk="1" latinLnBrk="1" hangingPunct="1">
+              <a:spcBef>
+                <a:spcPct val="20000"/>
+              </a:spcBef>
+              <a:buFont typeface="Arial" pitchFamily="34" charset="0"/>
+              <a:buChar char="•"/>
+              <a:defRPr sz="2000" kern="1200">
+                <a:solidFill>
+                  <a:schemeClr val="tx1"/>
+                </a:solidFill>
+                <a:latin typeface="+mn-lt"/>
+                <a:ea typeface="+mn-ea"/>
+                <a:cs typeface="+mn-cs"/>
+              </a:defRPr>
+            </a:lvl7pPr>
+            <a:lvl8pPr marL="3429000" indent="-228600" algn="l" defTabSz="914400" rtl="0" eaLnBrk="1" latinLnBrk="1" hangingPunct="1">
+              <a:spcBef>
+                <a:spcPct val="20000"/>
+              </a:spcBef>
+              <a:buFont typeface="Arial" pitchFamily="34" charset="0"/>
+              <a:buChar char="•"/>
+              <a:defRPr sz="2000" kern="1200">
+                <a:solidFill>
+                  <a:schemeClr val="tx1"/>
+                </a:solidFill>
+                <a:latin typeface="+mn-lt"/>
+                <a:ea typeface="+mn-ea"/>
+                <a:cs typeface="+mn-cs"/>
+              </a:defRPr>
+            </a:lvl8pPr>
+            <a:lvl9pPr marL="3886200" indent="-228600" algn="l" defTabSz="914400" rtl="0" eaLnBrk="1" latinLnBrk="1" hangingPunct="1">
+              <a:spcBef>
+                <a:spcPct val="20000"/>
+              </a:spcBef>
+              <a:buFont typeface="Arial" pitchFamily="34" charset="0"/>
+              <a:buChar char="•"/>
+              <a:defRPr sz="2000" kern="1200">
+                <a:solidFill>
+                  <a:schemeClr val="tx1"/>
+                </a:solidFill>
+                <a:latin typeface="+mn-lt"/>
+                <a:ea typeface="+mn-ea"/>
+                <a:cs typeface="+mn-cs"/>
+              </a:defRPr>
+            </a:lvl9pPr>
+          </a:lstStyle>
+          <a:p>
+            <a:r>
+              <a:rPr lang="en-US" altLang="ko-KR" sz="2800" dirty="0"/>
+              <a:t>* GPS </a:t>
+            </a:r>
+            <a:r>
+              <a:rPr lang="ko-KR" altLang="en-US" sz="2800" dirty="0"/>
+              <a:t>보정기술 관련 및 결론</a:t>
+            </a:r>
+          </a:p>
+        </p:txBody>
+      </p:sp>
+      <p:sp>
+        <p:nvSpPr>
+          <p:cNvPr id="5" name="TextBox 4">
+            <a:extLst>
+              <a:ext uri="{FF2B5EF4-FFF2-40B4-BE49-F238E27FC236}">
+                <a16:creationId xmlns:a16="http://schemas.microsoft.com/office/drawing/2014/main" id="{12392020-71DB-288A-0340-BF46D25428A2}"/>
+              </a:ext>
+            </a:extLst>
+          </p:cNvPr>
+          <p:cNvSpPr txBox="1"/>
+          <p:nvPr/>
+        </p:nvSpPr>
+        <p:spPr>
+          <a:xfrm>
+            <a:off x="467544" y="843558"/>
+            <a:ext cx="8352928" cy="677108"/>
+          </a:xfrm>
+          <a:prstGeom prst="rect">
+            <a:avLst/>
+          </a:prstGeom>
+          <a:noFill/>
+        </p:spPr>
+        <p:txBody>
+          <a:bodyPr wrap="square" rtlCol="0">
+            <a:spAutoFit/>
+          </a:bodyPr>
+          <a:lstStyle/>
+          <a:p>
+            <a:r>
+              <a:rPr lang="en-US" altLang="ko-KR" dirty="0"/>
+              <a:t>6</a:t>
+            </a:r>
+            <a:r>
+              <a:rPr lang="ko-KR" altLang="en-US" dirty="0"/>
+              <a:t>주차 </a:t>
+            </a:r>
+            <a:r>
+              <a:rPr lang="en-US" altLang="ko-KR" dirty="0"/>
+              <a:t>PPT</a:t>
+            </a:r>
+            <a:r>
+              <a:rPr lang="ko-KR" altLang="en-US" dirty="0"/>
+              <a:t>에서 말씀드렸던 </a:t>
+            </a:r>
+            <a:r>
+              <a:rPr lang="en-US" altLang="ko-KR" dirty="0"/>
+              <a:t>“</a:t>
+            </a:r>
+            <a:r>
+              <a:rPr lang="en-US" altLang="ko-KR" sz="2000" dirty="0" err="1"/>
+              <a:t>wifi</a:t>
+            </a:r>
+            <a:r>
+              <a:rPr lang="ko-KR" altLang="en-US" sz="2000" dirty="0"/>
+              <a:t>를 이용</a:t>
+            </a:r>
+            <a:r>
+              <a:rPr lang="ko-KR" altLang="en-US" dirty="0"/>
+              <a:t>한 위치 추적 방법</a:t>
+            </a:r>
+            <a:r>
+              <a:rPr lang="en-US" altLang="ko-KR" dirty="0"/>
+              <a:t>”</a:t>
+            </a:r>
+            <a:r>
+              <a:rPr lang="ko-KR" altLang="en-US" dirty="0"/>
+              <a:t>인</a:t>
+            </a:r>
+            <a:r>
+              <a:rPr lang="en-US" altLang="ko-KR" dirty="0"/>
+              <a:t>,</a:t>
+            </a:r>
+          </a:p>
+          <a:p>
+            <a:r>
+              <a:rPr lang="ko-KR" altLang="en-US" dirty="0" err="1"/>
+              <a:t>삼각측량법</a:t>
+            </a:r>
+            <a:r>
+              <a:rPr lang="ko-KR" altLang="en-US" dirty="0"/>
+              <a:t> 과 </a:t>
+            </a:r>
+            <a:r>
+              <a:rPr lang="ko-KR" altLang="en-US" dirty="0" err="1"/>
+              <a:t>핑거프린팅</a:t>
+            </a:r>
+            <a:r>
+              <a:rPr lang="ko-KR" altLang="en-US" dirty="0"/>
+              <a:t> 방법이 존재합니다</a:t>
+            </a:r>
+            <a:r>
+              <a:rPr lang="en-US" altLang="ko-KR" dirty="0"/>
+              <a:t>. </a:t>
+            </a:r>
+            <a:endParaRPr lang="ko-KR" altLang="en-US" dirty="0"/>
+          </a:p>
+        </p:txBody>
+      </p:sp>
+      <p:sp>
+        <p:nvSpPr>
+          <p:cNvPr id="2" name="화살표: 아래쪽 1">
+            <a:extLst>
+              <a:ext uri="{FF2B5EF4-FFF2-40B4-BE49-F238E27FC236}">
+                <a16:creationId xmlns:a16="http://schemas.microsoft.com/office/drawing/2014/main" id="{D8DD4773-597A-144D-D0C0-9F3C52A70469}"/>
+              </a:ext>
+            </a:extLst>
+          </p:cNvPr>
+          <p:cNvSpPr/>
+          <p:nvPr/>
+        </p:nvSpPr>
+        <p:spPr>
+          <a:xfrm>
+            <a:off x="3997176" y="1586864"/>
+            <a:ext cx="574824" cy="677108"/>
+          </a:xfrm>
+          <a:prstGeom prst="downArrow">
+            <a:avLst/>
+          </a:prstGeom>
+          <a:solidFill>
+            <a:srgbClr val="32AEB8"/>
+          </a:solidFill>
+          <a:ln>
+            <a:noFill/>
+          </a:ln>
+        </p:spPr>
+        <p:style>
+          <a:lnRef idx="2">
+            <a:schemeClr val="accent1">
+              <a:shade val="50000"/>
+            </a:schemeClr>
+          </a:lnRef>
+          <a:fillRef idx="1">
+            <a:schemeClr val="accent1"/>
+          </a:fillRef>
+          <a:effectRef idx="0">
+            <a:schemeClr val="accent1"/>
+          </a:effectRef>
+          <a:fontRef idx="minor">
+            <a:schemeClr val="lt1"/>
+          </a:fontRef>
+        </p:style>
+        <p:txBody>
+          <a:bodyPr rtlCol="0" anchor="ctr"/>
+          <a:lstStyle/>
+          <a:p>
+            <a:pPr algn="ctr"/>
+            <a:endParaRPr lang="ko-KR" altLang="en-US"/>
+          </a:p>
+        </p:txBody>
+      </p:sp>
+      <p:sp>
+        <p:nvSpPr>
+          <p:cNvPr id="4" name="TextBox 3">
+            <a:extLst>
+              <a:ext uri="{FF2B5EF4-FFF2-40B4-BE49-F238E27FC236}">
+                <a16:creationId xmlns:a16="http://schemas.microsoft.com/office/drawing/2014/main" id="{7E6911F8-255F-7076-C5D5-7EDB87C34118}"/>
+              </a:ext>
+            </a:extLst>
+          </p:cNvPr>
+          <p:cNvSpPr txBox="1"/>
+          <p:nvPr/>
+        </p:nvSpPr>
+        <p:spPr>
+          <a:xfrm>
+            <a:off x="467544" y="2330170"/>
+            <a:ext cx="8352928" cy="738664"/>
+          </a:xfrm>
+          <a:prstGeom prst="rect">
+            <a:avLst/>
+          </a:prstGeom>
+          <a:noFill/>
+        </p:spPr>
+        <p:txBody>
+          <a:bodyPr wrap="square" rtlCol="0">
+            <a:spAutoFit/>
+          </a:bodyPr>
+          <a:lstStyle/>
+          <a:p>
+            <a:r>
+              <a:rPr lang="ko-KR" altLang="en-US" dirty="0"/>
+              <a:t>하지만 </a:t>
+            </a:r>
+            <a:r>
+              <a:rPr lang="ko-KR" altLang="en-US" sz="2400" dirty="0"/>
+              <a:t>실내</a:t>
+            </a:r>
+            <a:r>
+              <a:rPr lang="ko-KR" altLang="en-US" dirty="0"/>
+              <a:t>에서의 위치 추적 방법입니다</a:t>
+            </a:r>
+            <a:r>
+              <a:rPr lang="en-US" altLang="ko-KR" dirty="0"/>
+              <a:t>.</a:t>
+            </a:r>
+          </a:p>
+          <a:p>
+            <a:r>
+              <a:rPr lang="ko-KR" altLang="en-US" dirty="0"/>
+              <a:t>저희 프로젝트에서는 실내에서 위치 추적이 필요하지 않습니다</a:t>
+            </a:r>
+            <a:r>
+              <a:rPr lang="en-US" altLang="ko-KR" dirty="0"/>
+              <a:t>.</a:t>
+            </a:r>
+            <a:endParaRPr lang="ko-KR" altLang="en-US" dirty="0"/>
+          </a:p>
+        </p:txBody>
+      </p:sp>
+      <p:sp>
+        <p:nvSpPr>
+          <p:cNvPr id="7" name="TextBox 6">
+            <a:extLst>
+              <a:ext uri="{FF2B5EF4-FFF2-40B4-BE49-F238E27FC236}">
+                <a16:creationId xmlns:a16="http://schemas.microsoft.com/office/drawing/2014/main" id="{672498CD-ACE8-E731-E061-DF1C32169B6A}"/>
+              </a:ext>
+            </a:extLst>
+          </p:cNvPr>
+          <p:cNvSpPr txBox="1"/>
+          <p:nvPr/>
+        </p:nvSpPr>
+        <p:spPr>
+          <a:xfrm>
+            <a:off x="526728" y="3126976"/>
+            <a:ext cx="8352928" cy="646331"/>
+          </a:xfrm>
+          <a:prstGeom prst="rect">
+            <a:avLst/>
+          </a:prstGeom>
+          <a:noFill/>
+        </p:spPr>
+        <p:txBody>
+          <a:bodyPr wrap="square" rtlCol="0">
+            <a:spAutoFit/>
+          </a:bodyPr>
+          <a:lstStyle/>
+          <a:p>
+            <a:r>
+              <a:rPr lang="ko-KR" altLang="en-US" dirty="0"/>
+              <a:t>다른 오차보정 알고리즘도 이용하기 위한 데이터가 부족하고</a:t>
+            </a:r>
+            <a:r>
+              <a:rPr lang="en-US" altLang="ko-KR" dirty="0"/>
+              <a:t>, </a:t>
+            </a:r>
+          </a:p>
+          <a:p>
+            <a:r>
+              <a:rPr lang="en-US" altLang="ko-KR" dirty="0"/>
+              <a:t>                                            </a:t>
+            </a:r>
+            <a:r>
+              <a:rPr lang="ko-KR" altLang="en-US" dirty="0"/>
+              <a:t>학부생 수준에서 많이 벗어남을 인지 했습니다</a:t>
+            </a:r>
+            <a:r>
+              <a:rPr lang="en-US" altLang="ko-KR" dirty="0"/>
+              <a:t>.</a:t>
+            </a:r>
+            <a:endParaRPr lang="ko-KR" altLang="en-US" dirty="0"/>
+          </a:p>
+        </p:txBody>
+      </p:sp>
+      <p:sp>
+        <p:nvSpPr>
+          <p:cNvPr id="8" name="TextBox 7">
+            <a:extLst>
+              <a:ext uri="{FF2B5EF4-FFF2-40B4-BE49-F238E27FC236}">
+                <a16:creationId xmlns:a16="http://schemas.microsoft.com/office/drawing/2014/main" id="{27FF6830-8BD4-E6C1-C157-A03D39A2C907}"/>
+              </a:ext>
+            </a:extLst>
+          </p:cNvPr>
+          <p:cNvSpPr txBox="1"/>
+          <p:nvPr/>
+        </p:nvSpPr>
+        <p:spPr>
+          <a:xfrm>
+            <a:off x="611560" y="3831449"/>
+            <a:ext cx="8352928" cy="923330"/>
+          </a:xfrm>
+          <a:prstGeom prst="rect">
+            <a:avLst/>
+          </a:prstGeom>
+          <a:noFill/>
+        </p:spPr>
+        <p:txBody>
+          <a:bodyPr wrap="square" rtlCol="0">
+            <a:spAutoFit/>
+          </a:bodyPr>
+          <a:lstStyle/>
+          <a:p>
+            <a:r>
+              <a:rPr lang="ko-KR" altLang="en-US" dirty="0"/>
+              <a:t>결론적으로</a:t>
+            </a:r>
+            <a:r>
+              <a:rPr lang="en-US" altLang="ko-KR" dirty="0"/>
+              <a:t>, </a:t>
+            </a:r>
+            <a:r>
+              <a:rPr lang="ko-KR" altLang="en-US" dirty="0"/>
+              <a:t>기존의 </a:t>
+            </a:r>
+            <a:r>
+              <a:rPr lang="en-US" altLang="ko-KR" dirty="0"/>
+              <a:t>GPS </a:t>
+            </a:r>
+            <a:r>
+              <a:rPr lang="ko-KR" altLang="en-US" dirty="0"/>
+              <a:t>기능을 탑재한 서비스들도 </a:t>
+            </a:r>
+            <a:endParaRPr lang="en-US" altLang="ko-KR" dirty="0"/>
+          </a:p>
+          <a:p>
+            <a:r>
+              <a:rPr lang="ko-KR" altLang="en-US" b="1" dirty="0"/>
+              <a:t>스마트폰 내부의 자체 설정</a:t>
+            </a:r>
+            <a:r>
+              <a:rPr lang="ko-KR" altLang="en-US" dirty="0"/>
+              <a:t>으로 </a:t>
+            </a:r>
+            <a:r>
+              <a:rPr lang="en-US" altLang="ko-KR" dirty="0" err="1"/>
+              <a:t>Wifi</a:t>
+            </a:r>
+            <a:r>
+              <a:rPr lang="en-US" altLang="ko-KR" dirty="0"/>
+              <a:t> , </a:t>
+            </a:r>
+            <a:r>
+              <a:rPr lang="ko-KR" altLang="en-US" dirty="0"/>
+              <a:t>모바일 네트워크 등을 통해서</a:t>
+            </a:r>
+            <a:endParaRPr lang="en-US" altLang="ko-KR" dirty="0"/>
+          </a:p>
+          <a:p>
+            <a:r>
+              <a:rPr lang="ko-KR" altLang="en-US" dirty="0"/>
+              <a:t>위치를 보정하도록 유도하고 있습니다</a:t>
+            </a:r>
+            <a:r>
+              <a:rPr lang="en-US" altLang="ko-KR" dirty="0"/>
+              <a:t>.</a:t>
+            </a:r>
+            <a:endParaRPr lang="ko-KR" altLang="en-US" dirty="0"/>
+          </a:p>
+        </p:txBody>
+      </p:sp>
+    </p:spTree>
+    <p:extLst>
+      <p:ext uri="{BB962C8B-B14F-4D97-AF65-F5344CB8AC3E}">
+        <p14:creationId xmlns:p14="http://schemas.microsoft.com/office/powerpoint/2010/main" val="328567768"/>
+      </p:ext>
+    </p:extLst>
+  </p:cSld>
+  <p:clrMapOvr>
+    <a:masterClrMapping/>
+  </p:clrMapOvr>
+</p:sld>
+</file>
+
+<file path=ppt/slides/slide17.xml><?xml version="1.0" encoding="utf-8"?>
+<p:sld xmlns:a="http://schemas.openxmlformats.org/drawingml/2006/main" xmlns:r="http://schemas.openxmlformats.org/officeDocument/2006/relationships" xmlns:p="http://schemas.openxmlformats.org/presentationml/2006/main">
+  <p:cSld>
+    <p:spTree>
+      <p:nvGrpSpPr>
+        <p:cNvPr id="1" name=""/>
+        <p:cNvGrpSpPr/>
+        <p:nvPr/>
+      </p:nvGrpSpPr>
+      <p:grpSpPr>
+        <a:xfrm>
+          <a:off x="0" y="0"/>
+          <a:ext cx="0" cy="0"/>
+          <a:chOff x="0" y="0"/>
+          <a:chExt cx="0" cy="0"/>
+        </a:xfrm>
+      </p:grpSpPr>
+      <p:sp>
+        <p:nvSpPr>
+          <p:cNvPr id="2" name="Text Placeholder 1"/>
+          <p:cNvSpPr>
+            <a:spLocks noGrp="1"/>
+          </p:cNvSpPr>
+          <p:nvPr>
+            <p:ph type="body" sz="quarter" idx="10"/>
+          </p:nvPr>
+        </p:nvSpPr>
+        <p:spPr/>
+        <p:txBody>
+          <a:bodyPr/>
+          <a:lstStyle/>
+          <a:p>
+            <a:r>
+              <a:rPr lang="ko-KR" altLang="en-US" dirty="0"/>
+              <a:t>향후 계획</a:t>
+            </a:r>
+          </a:p>
+        </p:txBody>
+      </p:sp>
+    </p:spTree>
+    <p:extLst>
+      <p:ext uri="{BB962C8B-B14F-4D97-AF65-F5344CB8AC3E}">
+        <p14:creationId xmlns:p14="http://schemas.microsoft.com/office/powerpoint/2010/main" val="3997913445"/>
+      </p:ext>
+    </p:extLst>
+  </p:cSld>
+  <p:clrMapOvr>
+    <a:masterClrMapping/>
+  </p:clrMapOvr>
+</p:sld>
+</file>
+
+<file path=ppt/slides/slide18.xml><?xml version="1.0" encoding="utf-8"?>
+<p:sld xmlns:a="http://schemas.openxmlformats.org/drawingml/2006/main" xmlns:r="http://schemas.openxmlformats.org/officeDocument/2006/relationships" xmlns:p="http://schemas.openxmlformats.org/presentationml/2006/main">
+  <p:cSld>
+    <p:spTree>
+      <p:nvGrpSpPr>
+        <p:cNvPr id="1" name=""/>
+        <p:cNvGrpSpPr/>
+        <p:nvPr/>
+      </p:nvGrpSpPr>
+      <p:grpSpPr>
+        <a:xfrm>
+          <a:off x="0" y="0"/>
+          <a:ext cx="0" cy="0"/>
+          <a:chOff x="0" y="0"/>
+          <a:chExt cx="0" cy="0"/>
+        </a:xfrm>
+      </p:grpSpPr>
+      <p:sp>
+        <p:nvSpPr>
           <p:cNvPr id="2" name="Text Placeholder 1"/>
           <p:cNvSpPr>
             <a:spLocks noGrp="1"/>
@@ -9467,7 +11218,7 @@
 </p:sld>
 </file>
 
-<file path=ppt/slides/slide16.xml><?xml version="1.0" encoding="utf-8"?>
+<file path=ppt/slides/slide19.xml><?xml version="1.0" encoding="utf-8"?>
 <p:sld xmlns:a="http://schemas.openxmlformats.org/drawingml/2006/main" xmlns:r="http://schemas.openxmlformats.org/officeDocument/2006/relationships" xmlns:p="http://schemas.openxmlformats.org/presentationml/2006/main">
   <p:cSld>
     <p:spTree>
@@ -13881,7 +15632,7 @@
         <p:spPr>
           <a:xfrm>
             <a:off x="4656329" y="3464708"/>
-            <a:ext cx="4227036" cy="611834"/>
+            <a:ext cx="4227036" cy="889154"/>
           </a:xfrm>
           <a:prstGeom prst="rect">
             <a:avLst/>
@@ -13996,6 +15747,25 @@
             <a:r>
               <a:rPr lang="ko-KR" altLang="en-US" sz="1200" dirty="0"/>
               <a:t>사각형을 이제 횡단 보도 영역으로 잡고 이 범위를 벗어난 곳에 있다면 무단 횡단으로 인식하도록 할 예정입니다</a:t>
+            </a:r>
+            <a:r>
+              <a:rPr lang="en-US" altLang="ko-KR" sz="1200" dirty="0"/>
+              <a:t>.</a:t>
+            </a:r>
+          </a:p>
+          <a:p>
+            <a:pPr>
+              <a:lnSpc>
+                <a:spcPct val="150000"/>
+              </a:lnSpc>
+            </a:pPr>
+            <a:r>
+              <a:rPr lang="ko-KR" altLang="en-US" sz="1200" dirty="0"/>
+              <a:t>이 사각형에서 선의 길이를 </a:t>
+            </a:r>
+            <a:r>
+              <a:rPr lang="ko-KR" altLang="en-US" sz="1200" dirty="0" err="1"/>
+              <a:t>계산해야합니다</a:t>
             </a:r>
             <a:r>
               <a:rPr lang="en-US" altLang="ko-KR" sz="1200" dirty="0"/>
@@ -14067,10 +15837,10 @@
       </p:grpSpPr>
       <p:sp>
         <p:nvSpPr>
-          <p:cNvPr id="7" name="Text Placeholder 1">
+          <p:cNvPr id="19" name="Text Placeholder 1">
             <a:extLst>
               <a:ext uri="{FF2B5EF4-FFF2-40B4-BE49-F238E27FC236}">
-                <a16:creationId xmlns:a16="http://schemas.microsoft.com/office/drawing/2014/main" id="{6C6E7023-D460-0F97-430A-19AD2F53371C}"/>
+                <a16:creationId xmlns:a16="http://schemas.microsoft.com/office/drawing/2014/main" id="{983B1A74-10AD-3F27-72BE-4BF0824E4F64}"/>
               </a:ext>
             </a:extLst>
           </p:cNvPr>
@@ -14244,10 +16014,10 @@
       </p:sp>
       <p:sp>
         <p:nvSpPr>
-          <p:cNvPr id="16" name="TextBox 15">
+          <p:cNvPr id="6" name="TextBox 15">
             <a:extLst>
               <a:ext uri="{FF2B5EF4-FFF2-40B4-BE49-F238E27FC236}">
-                <a16:creationId xmlns:a16="http://schemas.microsoft.com/office/drawing/2014/main" id="{68C3F217-1357-88AA-3607-CD0C0B6FC365}"/>
+                <a16:creationId xmlns:a16="http://schemas.microsoft.com/office/drawing/2014/main" id="{4D747938-5470-49A6-CB92-48EB25857CDF}"/>
               </a:ext>
             </a:extLst>
           </p:cNvPr>
@@ -14256,8 +16026,8 @@
         </p:nvSpPr>
         <p:spPr>
           <a:xfrm>
-            <a:off x="395536" y="771550"/>
-            <a:ext cx="7416824" cy="369332"/>
+            <a:off x="611560" y="656144"/>
+            <a:ext cx="4180173" cy="499150"/>
           </a:xfrm>
           <a:prstGeom prst="rect">
             <a:avLst/>
@@ -14268,49 +16038,349 @@
           <a:bodyPr wrap="square" rtlCol="0">
             <a:spAutoFit/>
           </a:bodyPr>
-          <a:lstStyle/>
-          <a:p>
-            <a:r>
-              <a:rPr lang="en-US" altLang="ko-KR" dirty="0"/>
+          <a:lstStyle>
+            <a:defPPr>
+              <a:defRPr lang="ko-KR"/>
+            </a:defPPr>
+            <a:lvl1pPr marL="0" algn="l" defTabSz="914400" rtl="0" eaLnBrk="1" latinLnBrk="1" hangingPunct="1">
+              <a:defRPr sz="1800" kern="1200">
+                <a:solidFill>
+                  <a:schemeClr val="tx1"/>
+                </a:solidFill>
+                <a:latin typeface="+mn-lt"/>
+                <a:ea typeface="+mn-ea"/>
+                <a:cs typeface="+mn-cs"/>
+              </a:defRPr>
+            </a:lvl1pPr>
+            <a:lvl2pPr marL="457200" algn="l" defTabSz="914400" rtl="0" eaLnBrk="1" latinLnBrk="1" hangingPunct="1">
+              <a:defRPr sz="1800" kern="1200">
+                <a:solidFill>
+                  <a:schemeClr val="tx1"/>
+                </a:solidFill>
+                <a:latin typeface="+mn-lt"/>
+                <a:ea typeface="+mn-ea"/>
+                <a:cs typeface="+mn-cs"/>
+              </a:defRPr>
+            </a:lvl2pPr>
+            <a:lvl3pPr marL="914400" algn="l" defTabSz="914400" rtl="0" eaLnBrk="1" latinLnBrk="1" hangingPunct="1">
+              <a:defRPr sz="1800" kern="1200">
+                <a:solidFill>
+                  <a:schemeClr val="tx1"/>
+                </a:solidFill>
+                <a:latin typeface="+mn-lt"/>
+                <a:ea typeface="+mn-ea"/>
+                <a:cs typeface="+mn-cs"/>
+              </a:defRPr>
+            </a:lvl3pPr>
+            <a:lvl4pPr marL="1371600" algn="l" defTabSz="914400" rtl="0" eaLnBrk="1" latinLnBrk="1" hangingPunct="1">
+              <a:defRPr sz="1800" kern="1200">
+                <a:solidFill>
+                  <a:schemeClr val="tx1"/>
+                </a:solidFill>
+                <a:latin typeface="+mn-lt"/>
+                <a:ea typeface="+mn-ea"/>
+                <a:cs typeface="+mn-cs"/>
+              </a:defRPr>
+            </a:lvl4pPr>
+            <a:lvl5pPr marL="1828800" algn="l" defTabSz="914400" rtl="0" eaLnBrk="1" latinLnBrk="1" hangingPunct="1">
+              <a:defRPr sz="1800" kern="1200">
+                <a:solidFill>
+                  <a:schemeClr val="tx1"/>
+                </a:solidFill>
+                <a:latin typeface="+mn-lt"/>
+                <a:ea typeface="+mn-ea"/>
+                <a:cs typeface="+mn-cs"/>
+              </a:defRPr>
+            </a:lvl5pPr>
+            <a:lvl6pPr marL="2286000" algn="l" defTabSz="914400" rtl="0" eaLnBrk="1" latinLnBrk="1" hangingPunct="1">
+              <a:defRPr sz="1800" kern="1200">
+                <a:solidFill>
+                  <a:schemeClr val="tx1"/>
+                </a:solidFill>
+                <a:latin typeface="+mn-lt"/>
+                <a:ea typeface="+mn-ea"/>
+                <a:cs typeface="+mn-cs"/>
+              </a:defRPr>
+            </a:lvl6pPr>
+            <a:lvl7pPr marL="2743200" algn="l" defTabSz="914400" rtl="0" eaLnBrk="1" latinLnBrk="1" hangingPunct="1">
+              <a:defRPr sz="1800" kern="1200">
+                <a:solidFill>
+                  <a:schemeClr val="tx1"/>
+                </a:solidFill>
+                <a:latin typeface="+mn-lt"/>
+                <a:ea typeface="+mn-ea"/>
+                <a:cs typeface="+mn-cs"/>
+              </a:defRPr>
+            </a:lvl7pPr>
+            <a:lvl8pPr marL="3200400" algn="l" defTabSz="914400" rtl="0" eaLnBrk="1" latinLnBrk="1" hangingPunct="1">
+              <a:defRPr sz="1800" kern="1200">
+                <a:solidFill>
+                  <a:schemeClr val="tx1"/>
+                </a:solidFill>
+                <a:latin typeface="+mn-lt"/>
+                <a:ea typeface="+mn-ea"/>
+                <a:cs typeface="+mn-cs"/>
+              </a:defRPr>
+            </a:lvl8pPr>
+            <a:lvl9pPr marL="3657600" algn="l" defTabSz="914400" rtl="0" eaLnBrk="1" latinLnBrk="1" hangingPunct="1">
+              <a:defRPr sz="1800" kern="1200">
+                <a:solidFill>
+                  <a:schemeClr val="tx1"/>
+                </a:solidFill>
+                <a:latin typeface="+mn-lt"/>
+                <a:ea typeface="+mn-ea"/>
+                <a:cs typeface="+mn-cs"/>
+              </a:defRPr>
+            </a:lvl9pPr>
+          </a:lstStyle>
+          <a:p>
+            <a:pPr>
+              <a:lnSpc>
+                <a:spcPct val="150000"/>
+              </a:lnSpc>
+            </a:pPr>
+            <a:r>
+              <a:rPr lang="en-US" altLang="ko-KR" sz="2000" dirty="0"/>
               <a:t>** </a:t>
             </a:r>
             <a:r>
-              <a:rPr lang="ko-KR" altLang="en-US" dirty="0"/>
-              <a:t>테이블 생성 </a:t>
-            </a:r>
-            <a:r>
-              <a:rPr lang="en-US" altLang="ko-KR" dirty="0"/>
-              <a:t>(with </a:t>
-            </a:r>
-            <a:r>
-              <a:rPr lang="ko-KR" altLang="en-US" dirty="0"/>
-              <a:t>오픈 데이터셋 파일 </a:t>
-            </a:r>
-            <a:r>
-              <a:rPr lang="en-US" altLang="ko-KR" dirty="0"/>
-              <a:t>, </a:t>
-            </a:r>
-            <a:r>
-              <a:rPr lang="en-US" altLang="ko-KR" dirty="0" err="1"/>
-              <a:t>Postgresql</a:t>
-            </a:r>
-            <a:r>
-              <a:rPr lang="en-US" altLang="ko-KR" dirty="0"/>
-              <a:t>)</a:t>
-            </a:r>
-            <a:r>
-              <a:rPr lang="ko-KR" altLang="en-US" dirty="0"/>
-              <a:t> </a:t>
+              <a:rPr lang="ko-KR" altLang="en-US" sz="2000" dirty="0"/>
+              <a:t>좌표계의 차이</a:t>
+            </a:r>
+            <a:endParaRPr lang="en-US" altLang="ko-KR" sz="2000" dirty="0"/>
+          </a:p>
+        </p:txBody>
+      </p:sp>
+      <p:sp>
+        <p:nvSpPr>
+          <p:cNvPr id="15" name="TextBox 30">
+            <a:extLst>
+              <a:ext uri="{FF2B5EF4-FFF2-40B4-BE49-F238E27FC236}">
+                <a16:creationId xmlns:a16="http://schemas.microsoft.com/office/drawing/2014/main" id="{30D59AF7-EE25-776F-E837-376AC135478D}"/>
+              </a:ext>
+            </a:extLst>
+          </p:cNvPr>
+          <p:cNvSpPr txBox="1"/>
+          <p:nvPr/>
+        </p:nvSpPr>
+        <p:spPr>
+          <a:xfrm>
+            <a:off x="3779912" y="2039918"/>
+            <a:ext cx="4968552" cy="2539285"/>
+          </a:xfrm>
+          <a:prstGeom prst="rect">
+            <a:avLst/>
+          </a:prstGeom>
+          <a:noFill/>
+        </p:spPr>
+        <p:txBody>
+          <a:bodyPr wrap="square" rtlCol="0">
+            <a:spAutoFit/>
+          </a:bodyPr>
+          <a:lstStyle>
+            <a:defPPr>
+              <a:defRPr lang="ko-KR"/>
+            </a:defPPr>
+            <a:lvl1pPr marL="0" algn="l" defTabSz="914400" rtl="0" eaLnBrk="1" latinLnBrk="1" hangingPunct="1">
+              <a:defRPr sz="1800" kern="1200">
+                <a:solidFill>
+                  <a:schemeClr val="tx1"/>
+                </a:solidFill>
+                <a:latin typeface="+mn-lt"/>
+                <a:ea typeface="+mn-ea"/>
+                <a:cs typeface="+mn-cs"/>
+              </a:defRPr>
+            </a:lvl1pPr>
+            <a:lvl2pPr marL="457200" algn="l" defTabSz="914400" rtl="0" eaLnBrk="1" latinLnBrk="1" hangingPunct="1">
+              <a:defRPr sz="1800" kern="1200">
+                <a:solidFill>
+                  <a:schemeClr val="tx1"/>
+                </a:solidFill>
+                <a:latin typeface="+mn-lt"/>
+                <a:ea typeface="+mn-ea"/>
+                <a:cs typeface="+mn-cs"/>
+              </a:defRPr>
+            </a:lvl2pPr>
+            <a:lvl3pPr marL="914400" algn="l" defTabSz="914400" rtl="0" eaLnBrk="1" latinLnBrk="1" hangingPunct="1">
+              <a:defRPr sz="1800" kern="1200">
+                <a:solidFill>
+                  <a:schemeClr val="tx1"/>
+                </a:solidFill>
+                <a:latin typeface="+mn-lt"/>
+                <a:ea typeface="+mn-ea"/>
+                <a:cs typeface="+mn-cs"/>
+              </a:defRPr>
+            </a:lvl3pPr>
+            <a:lvl4pPr marL="1371600" algn="l" defTabSz="914400" rtl="0" eaLnBrk="1" latinLnBrk="1" hangingPunct="1">
+              <a:defRPr sz="1800" kern="1200">
+                <a:solidFill>
+                  <a:schemeClr val="tx1"/>
+                </a:solidFill>
+                <a:latin typeface="+mn-lt"/>
+                <a:ea typeface="+mn-ea"/>
+                <a:cs typeface="+mn-cs"/>
+              </a:defRPr>
+            </a:lvl4pPr>
+            <a:lvl5pPr marL="1828800" algn="l" defTabSz="914400" rtl="0" eaLnBrk="1" latinLnBrk="1" hangingPunct="1">
+              <a:defRPr sz="1800" kern="1200">
+                <a:solidFill>
+                  <a:schemeClr val="tx1"/>
+                </a:solidFill>
+                <a:latin typeface="+mn-lt"/>
+                <a:ea typeface="+mn-ea"/>
+                <a:cs typeface="+mn-cs"/>
+              </a:defRPr>
+            </a:lvl5pPr>
+            <a:lvl6pPr marL="2286000" algn="l" defTabSz="914400" rtl="0" eaLnBrk="1" latinLnBrk="1" hangingPunct="1">
+              <a:defRPr sz="1800" kern="1200">
+                <a:solidFill>
+                  <a:schemeClr val="tx1"/>
+                </a:solidFill>
+                <a:latin typeface="+mn-lt"/>
+                <a:ea typeface="+mn-ea"/>
+                <a:cs typeface="+mn-cs"/>
+              </a:defRPr>
+            </a:lvl6pPr>
+            <a:lvl7pPr marL="2743200" algn="l" defTabSz="914400" rtl="0" eaLnBrk="1" latinLnBrk="1" hangingPunct="1">
+              <a:defRPr sz="1800" kern="1200">
+                <a:solidFill>
+                  <a:schemeClr val="tx1"/>
+                </a:solidFill>
+                <a:latin typeface="+mn-lt"/>
+                <a:ea typeface="+mn-ea"/>
+                <a:cs typeface="+mn-cs"/>
+              </a:defRPr>
+            </a:lvl7pPr>
+            <a:lvl8pPr marL="3200400" algn="l" defTabSz="914400" rtl="0" eaLnBrk="1" latinLnBrk="1" hangingPunct="1">
+              <a:defRPr sz="1800" kern="1200">
+                <a:solidFill>
+                  <a:schemeClr val="tx1"/>
+                </a:solidFill>
+                <a:latin typeface="+mn-lt"/>
+                <a:ea typeface="+mn-ea"/>
+                <a:cs typeface="+mn-cs"/>
+              </a:defRPr>
+            </a:lvl8pPr>
+            <a:lvl9pPr marL="3657600" algn="l" defTabSz="914400" rtl="0" eaLnBrk="1" latinLnBrk="1" hangingPunct="1">
+              <a:defRPr sz="1800" kern="1200">
+                <a:solidFill>
+                  <a:schemeClr val="tx1"/>
+                </a:solidFill>
+                <a:latin typeface="+mn-lt"/>
+                <a:ea typeface="+mn-ea"/>
+                <a:cs typeface="+mn-cs"/>
+              </a:defRPr>
+            </a:lvl9pPr>
+          </a:lstStyle>
+          <a:p>
+            <a:pPr>
+              <a:lnSpc>
+                <a:spcPct val="150000"/>
+              </a:lnSpc>
+            </a:pPr>
+            <a:r>
+              <a:rPr lang="ko-KR" altLang="en-US" sz="1600" dirty="0"/>
+              <a:t>현재 저희는 </a:t>
+            </a:r>
+            <a:r>
+              <a:rPr lang="en-US" altLang="ko-KR" sz="1600" dirty="0"/>
+              <a:t>LINESTRING</a:t>
+            </a:r>
+            <a:r>
+              <a:rPr lang="ko-KR" altLang="en-US" sz="1600" dirty="0"/>
+              <a:t>형태로 위도</a:t>
+            </a:r>
+            <a:r>
+              <a:rPr lang="en-US" altLang="ko-KR" sz="1600" dirty="0"/>
+              <a:t>,</a:t>
+            </a:r>
+            <a:r>
+              <a:rPr lang="ko-KR" altLang="en-US" sz="1600" dirty="0"/>
+              <a:t>경도 데이터를 가지고 있습니다</a:t>
+            </a:r>
+            <a:r>
+              <a:rPr lang="en-US" altLang="ko-KR" sz="1600" dirty="0"/>
+              <a:t>.</a:t>
+            </a:r>
+          </a:p>
+          <a:p>
+            <a:pPr>
+              <a:lnSpc>
+                <a:spcPct val="150000"/>
+              </a:lnSpc>
+            </a:pPr>
+            <a:r>
+              <a:rPr lang="ko-KR" altLang="en-US" sz="1600" dirty="0"/>
+              <a:t>하지만 위도</a:t>
+            </a:r>
+            <a:r>
+              <a:rPr lang="en-US" altLang="ko-KR" sz="1600" dirty="0"/>
+              <a:t>,</a:t>
+            </a:r>
+            <a:r>
+              <a:rPr lang="ko-KR" altLang="en-US" sz="1600" dirty="0"/>
+              <a:t>경도 데이터만으로는 저희가 필요로 하는 </a:t>
+            </a:r>
+            <a:r>
+              <a:rPr lang="en-US" altLang="ko-KR" sz="1600" dirty="0"/>
+              <a:t>“</a:t>
+            </a:r>
+            <a:r>
+              <a:rPr lang="ko-KR" altLang="en-US" sz="1600" dirty="0"/>
+              <a:t>선의 길이</a:t>
+            </a:r>
+            <a:r>
+              <a:rPr lang="en-US" altLang="ko-KR" sz="1600" dirty="0"/>
+              <a:t>＂</a:t>
+            </a:r>
+            <a:r>
+              <a:rPr lang="ko-KR" altLang="en-US" sz="1600" dirty="0"/>
+              <a:t>를  구할 수 없습니다</a:t>
+            </a:r>
+            <a:r>
+              <a:rPr lang="en-US" altLang="ko-KR" sz="1600" dirty="0"/>
+              <a:t>. </a:t>
+            </a:r>
+          </a:p>
+          <a:p>
+            <a:pPr>
+              <a:lnSpc>
+                <a:spcPct val="150000"/>
+              </a:lnSpc>
+            </a:pPr>
+            <a:endParaRPr lang="en-US" altLang="ko-KR" sz="1200" dirty="0"/>
+          </a:p>
+          <a:p>
+            <a:pPr>
+              <a:lnSpc>
+                <a:spcPct val="150000"/>
+              </a:lnSpc>
+            </a:pPr>
+            <a:r>
+              <a:rPr lang="ko-KR" altLang="en-US" sz="1600" dirty="0"/>
+              <a:t>그래서 좌표계 변환을 통해서 </a:t>
+            </a:r>
+            <a:r>
+              <a:rPr lang="en-US" altLang="ko-KR" sz="1600" dirty="0"/>
+              <a:t>‘m’</a:t>
+            </a:r>
+            <a:r>
+              <a:rPr lang="ko-KR" altLang="en-US" sz="1600" dirty="0"/>
+              <a:t>와 같은 단위로 변환후에 길이를 계산해야 합니다</a:t>
+            </a:r>
+            <a:r>
+              <a:rPr lang="en-US" altLang="ko-KR" sz="1600" dirty="0"/>
+              <a:t>.</a:t>
             </a:r>
           </a:p>
         </p:txBody>
       </p:sp>
       <p:pic>
         <p:nvPicPr>
-          <p:cNvPr id="18" name="그림 17">
+          <p:cNvPr id="9" name="그림 8">
             <a:extLst>
               <a:ext uri="{FF2B5EF4-FFF2-40B4-BE49-F238E27FC236}">
-                <a16:creationId xmlns:a16="http://schemas.microsoft.com/office/drawing/2014/main" id="{EC0627F2-4C12-DE06-0E43-2A6CE2A3C33D}"/>
+                <a16:creationId xmlns:a16="http://schemas.microsoft.com/office/drawing/2014/main" id="{30657D55-3F25-E289-0A76-366008B5721F}"/>
               </a:ext>
             </a:extLst>
           </p:cNvPr>
@@ -14327,100 +16397,20 @@
         </p:blipFill>
         <p:spPr>
           <a:xfrm>
-            <a:off x="611560" y="1331441"/>
-            <a:ext cx="4392488" cy="882997"/>
+            <a:off x="600317" y="2283718"/>
+            <a:ext cx="3117674" cy="1789369"/>
           </a:xfrm>
           <a:prstGeom prst="rect">
             <a:avLst/>
           </a:prstGeom>
         </p:spPr>
       </p:pic>
-      <p:sp>
-        <p:nvSpPr>
-          <p:cNvPr id="20" name="TextBox 19">
+      <p:pic>
+        <p:nvPicPr>
+          <p:cNvPr id="13" name="그림 12">
             <a:extLst>
               <a:ext uri="{FF2B5EF4-FFF2-40B4-BE49-F238E27FC236}">
-                <a16:creationId xmlns:a16="http://schemas.microsoft.com/office/drawing/2014/main" id="{F2A57230-D5CF-EACF-281F-B0FD7F3D0C24}"/>
-              </a:ext>
-            </a:extLst>
-          </p:cNvPr>
-          <p:cNvSpPr txBox="1"/>
-          <p:nvPr/>
-        </p:nvSpPr>
-        <p:spPr>
-          <a:xfrm>
-            <a:off x="611560" y="2715766"/>
-            <a:ext cx="4392488" cy="1477328"/>
-          </a:xfrm>
-          <a:prstGeom prst="rect">
-            <a:avLst/>
-          </a:prstGeom>
-          <a:noFill/>
-        </p:spPr>
-        <p:txBody>
-          <a:bodyPr wrap="square" rtlCol="0">
-            <a:spAutoFit/>
-          </a:bodyPr>
-          <a:lstStyle/>
-          <a:p>
-            <a:r>
-              <a:rPr lang="en-US" altLang="ko-KR" dirty="0" err="1"/>
-              <a:t>shp</a:t>
-            </a:r>
-            <a:r>
-              <a:rPr lang="ko-KR" altLang="en-US" dirty="0"/>
-              <a:t>파일 형식의 데이터셋을 다운받은 이후에</a:t>
-            </a:r>
-            <a:r>
-              <a:rPr lang="en-US" altLang="ko-KR" dirty="0"/>
-              <a:t>, </a:t>
-            </a:r>
-            <a:r>
-              <a:rPr lang="en-US" altLang="ko-KR" dirty="0" err="1"/>
-              <a:t>Postgresql</a:t>
-            </a:r>
-            <a:r>
-              <a:rPr lang="ko-KR" altLang="en-US" dirty="0"/>
-              <a:t>에서 </a:t>
-            </a:r>
-            <a:r>
-              <a:rPr lang="en-US" altLang="ko-KR" dirty="0"/>
-              <a:t>shapefile</a:t>
-            </a:r>
-            <a:r>
-              <a:rPr lang="ko-KR" altLang="en-US" dirty="0"/>
-              <a:t>을 </a:t>
-            </a:r>
-            <a:r>
-              <a:rPr lang="en-US" altLang="ko-KR" dirty="0"/>
-              <a:t>import</a:t>
-            </a:r>
-            <a:r>
-              <a:rPr lang="ko-KR" altLang="en-US" dirty="0"/>
-              <a:t>할 수 있도록 도와주는 </a:t>
-            </a:r>
-            <a:r>
-              <a:rPr lang="en-US" altLang="ko-KR" dirty="0"/>
-              <a:t>Manager </a:t>
-            </a:r>
-            <a:r>
-              <a:rPr lang="ko-KR" altLang="en-US" dirty="0"/>
-              <a:t>툴을 통해서 자동으로 데이터베이스 테이블을 생성할 수 있도록 도와줍니다</a:t>
-            </a:r>
-            <a:r>
-              <a:rPr lang="en-US" altLang="ko-KR" dirty="0"/>
-              <a:t>.</a:t>
-            </a:r>
-            <a:endParaRPr lang="ko-KR" altLang="en-US" dirty="0"/>
-          </a:p>
-        </p:txBody>
-      </p:sp>
-      <p:pic>
-        <p:nvPicPr>
-          <p:cNvPr id="22" name="그림 21">
-            <a:extLst>
-              <a:ext uri="{FF2B5EF4-FFF2-40B4-BE49-F238E27FC236}">
-                <a16:creationId xmlns:a16="http://schemas.microsoft.com/office/drawing/2014/main" id="{9D4E3E10-E5D5-A7E5-BDC5-B535E8FB998B}"/>
+                <a16:creationId xmlns:a16="http://schemas.microsoft.com/office/drawing/2014/main" id="{21DE1D6A-448D-9CE9-E6F4-24DB8DBEE7AA}"/>
               </a:ext>
             </a:extLst>
           </p:cNvPr>
@@ -14437,8 +16427,8 @@
         </p:blipFill>
         <p:spPr>
           <a:xfrm>
-            <a:off x="5364088" y="1268354"/>
-            <a:ext cx="3339845" cy="3518520"/>
+            <a:off x="600317" y="1277240"/>
+            <a:ext cx="4763772" cy="433070"/>
           </a:xfrm>
           <a:prstGeom prst="rect">
             <a:avLst/>
@@ -14448,7 +16438,7 @@
     </p:spTree>
     <p:extLst>
       <p:ext uri="{BB962C8B-B14F-4D97-AF65-F5344CB8AC3E}">
-        <p14:creationId xmlns:p14="http://schemas.microsoft.com/office/powerpoint/2010/main" val="1462414919"/>
+        <p14:creationId xmlns:p14="http://schemas.microsoft.com/office/powerpoint/2010/main" val="3549859617"/>
       </p:ext>
     </p:extLst>
   </p:cSld>

--- a/8주차 중간발표 PPT(6조, 노란돌고래).pptx
+++ b/8주차 중간발표 PPT(6조, 노란돌고래).pptx
@@ -7653,8 +7653,8 @@
         </p:nvSpPr>
         <p:spPr>
           <a:xfrm>
-            <a:off x="4744655" y="1388949"/>
-            <a:ext cx="4138684" cy="3105145"/>
+            <a:off x="4745779" y="1206051"/>
+            <a:ext cx="4138684" cy="3474477"/>
           </a:xfrm>
           <a:prstGeom prst="rect">
             <a:avLst/>
@@ -7855,7 +7855,7 @@
             </a:pPr>
             <a:r>
               <a:rPr lang="ko-KR" altLang="en-US" sz="1600" dirty="0"/>
-              <a:t>이렇게 위</a:t>
+              <a:t>옆의 예시는 위</a:t>
             </a:r>
             <a:r>
               <a:rPr lang="en-US" altLang="ko-KR" sz="1600" dirty="0"/>
@@ -7871,15 +7871,7 @@
             </a:r>
             <a:r>
               <a:rPr lang="ko-KR" altLang="en-US" sz="1600" dirty="0"/>
-              <a:t>단위로 변경할 수 있음을</a:t>
-            </a:r>
-            <a:r>
-              <a:rPr lang="en-US" altLang="ko-KR" sz="1600" dirty="0"/>
-              <a:t> </a:t>
-            </a:r>
-            <a:r>
-              <a:rPr lang="ko-KR" altLang="en-US" sz="1600" dirty="0"/>
-              <a:t>확인하였습니다</a:t>
+              <a:t>단위로 변경한 사례입니다</a:t>
             </a:r>
             <a:r>
               <a:rPr lang="en-US" altLang="ko-KR" sz="1600" dirty="0"/>
@@ -7887,7 +7879,7 @@
             </a:r>
             <a:r>
               <a:rPr lang="ko-KR" altLang="en-US" sz="1600" dirty="0"/>
-              <a:t>이를 통해서    거리를 계산 해보려고 합니다</a:t>
+              <a:t>이를 통해서 저희도 지리적 데이터를 계산 가능한 데이터로 변환 후 계산을 진행할 것 입니다</a:t>
             </a:r>
             <a:r>
               <a:rPr lang="en-US" altLang="ko-KR" sz="1200" dirty="0"/>
@@ -16166,7 +16158,7 @@
         <p:spPr>
           <a:xfrm>
             <a:off x="3779912" y="2039918"/>
-            <a:ext cx="4968552" cy="2539285"/>
+            <a:ext cx="4968552" cy="1892954"/>
           </a:xfrm>
           <a:prstGeom prst="rect">
             <a:avLst/>
@@ -16319,54 +16311,15 @@
             </a:r>
             <a:r>
               <a:rPr lang="ko-KR" altLang="en-US" sz="1600" dirty="0"/>
-              <a:t>경도 데이터만으로는 저희가 필요로 하는 </a:t>
-            </a:r>
-            <a:r>
-              <a:rPr lang="en-US" altLang="ko-KR" sz="1600" dirty="0"/>
-              <a:t>“</a:t>
-            </a:r>
-            <a:r>
-              <a:rPr lang="ko-KR" altLang="en-US" sz="1600" dirty="0"/>
-              <a:t>선의 길이</a:t>
-            </a:r>
-            <a:r>
-              <a:rPr lang="en-US" altLang="ko-KR" sz="1600" dirty="0"/>
-              <a:t>＂</a:t>
-            </a:r>
-            <a:r>
-              <a:rPr lang="ko-KR" altLang="en-US" sz="1600" dirty="0"/>
-              <a:t>를  구할 수 없습니다</a:t>
+              <a:t>경도 데이터만으로는 계산을 진행할 수 가 없습니다</a:t>
             </a:r>
             <a:r>
               <a:rPr lang="en-US" altLang="ko-KR" sz="1600" dirty="0"/>
               <a:t>. </a:t>
             </a:r>
-          </a:p>
-          <a:p>
-            <a:pPr>
-              <a:lnSpc>
-                <a:spcPct val="150000"/>
-              </a:lnSpc>
-            </a:pPr>
-            <a:endParaRPr lang="en-US" altLang="ko-KR" sz="1200" dirty="0"/>
-          </a:p>
-          <a:p>
-            <a:pPr>
-              <a:lnSpc>
-                <a:spcPct val="150000"/>
-              </a:lnSpc>
-            </a:pPr>
             <a:r>
               <a:rPr lang="ko-KR" altLang="en-US" sz="1600" dirty="0"/>
-              <a:t>그래서 좌표계 변환을 통해서 </a:t>
-            </a:r>
-            <a:r>
-              <a:rPr lang="en-US" altLang="ko-KR" sz="1600" dirty="0"/>
-              <a:t>‘m’</a:t>
-            </a:r>
-            <a:r>
-              <a:rPr lang="ko-KR" altLang="en-US" sz="1600" dirty="0"/>
-              <a:t>와 같은 단위로 변환후에 길이를 계산해야 합니다</a:t>
+              <a:t>그래서 좌표계 변환을 통해서 얻은 결과로 계산을 진행할 수가 있습니다</a:t>
             </a:r>
             <a:r>
               <a:rPr lang="en-US" altLang="ko-KR" sz="1600" dirty="0"/>

--- a/8주차 중간발표 PPT(6조, 노란돌고래).pptx
+++ b/8주차 중간발표 PPT(6조, 노란돌고래).pptx
@@ -18,14 +18,15 @@
     <p:sldId id="316" r:id="rId12"/>
     <p:sldId id="317" r:id="rId13"/>
     <p:sldId id="318" r:id="rId14"/>
-    <p:sldId id="314" r:id="rId15"/>
-    <p:sldId id="315" r:id="rId16"/>
-    <p:sldId id="311" r:id="rId17"/>
-    <p:sldId id="312" r:id="rId18"/>
-    <p:sldId id="313" r:id="rId19"/>
-    <p:sldId id="299" r:id="rId20"/>
-    <p:sldId id="270" r:id="rId21"/>
-    <p:sldId id="262" r:id="rId22"/>
+    <p:sldId id="319" r:id="rId15"/>
+    <p:sldId id="314" r:id="rId16"/>
+    <p:sldId id="315" r:id="rId17"/>
+    <p:sldId id="311" r:id="rId18"/>
+    <p:sldId id="312" r:id="rId19"/>
+    <p:sldId id="313" r:id="rId20"/>
+    <p:sldId id="299" r:id="rId21"/>
+    <p:sldId id="270" r:id="rId22"/>
+    <p:sldId id="262" r:id="rId23"/>
   </p:sldIdLst>
   <p:sldSz cx="9144000" cy="5143500" type="screen16x9"/>
   <p:notesSz cx="6858000" cy="9144000"/>
@@ -7478,7 +7479,7 @@
         </p:nvSpPr>
         <p:spPr>
           <a:xfrm>
-            <a:off x="323528" y="195486"/>
+            <a:off x="323528" y="174940"/>
             <a:ext cx="8208912" cy="576064"/>
           </a:xfrm>
           <a:prstGeom prst="rect">
@@ -7654,7 +7655,7 @@
         <p:spPr>
           <a:xfrm>
             <a:off x="4745779" y="1206051"/>
-            <a:ext cx="4138684" cy="3474477"/>
+            <a:ext cx="4138684" cy="3936142"/>
           </a:xfrm>
           <a:prstGeom prst="rect">
             <a:avLst/>
@@ -7768,61 +7769,48 @@
             </a:pPr>
             <a:r>
               <a:rPr lang="ko-KR" altLang="en-US" sz="1600" dirty="0"/>
-              <a:t>기존에 </a:t>
+              <a:t> 현재의 위경도 좌표는 </a:t>
+            </a:r>
+            <a:r>
+              <a:rPr lang="ko-KR" altLang="en-US" sz="1600" dirty="0" err="1">
+                <a:solidFill>
+                  <a:srgbClr val="FF0000"/>
+                </a:solidFill>
+              </a:rPr>
+              <a:t>지리좌표계</a:t>
             </a:r>
             <a:r>
               <a:rPr lang="ko-KR" altLang="en-US" sz="1600" dirty="0" err="1"/>
-              <a:t>지리좌표계</a:t>
+              <a:t>입니다</a:t>
+            </a:r>
+            <a:r>
+              <a:rPr lang="en-US" altLang="ko-KR" sz="1600" dirty="0"/>
+              <a:t>. </a:t>
             </a:r>
             <a:r>
               <a:rPr lang="ko-KR" altLang="en-US" sz="1600" dirty="0"/>
-              <a:t> </a:t>
+              <a:t>이를 미터 좌표의 </a:t>
+            </a:r>
+            <a:r>
+              <a:rPr lang="ko-KR" altLang="en-US" sz="1600" dirty="0" err="1">
+                <a:solidFill>
+                  <a:srgbClr val="FF0000"/>
+                </a:solidFill>
+              </a:rPr>
+              <a:t>투영좌표계</a:t>
+            </a:r>
+            <a:r>
+              <a:rPr lang="ko-KR" altLang="en-US" sz="1600" dirty="0" err="1"/>
+              <a:t>로</a:t>
+            </a:r>
+            <a:r>
+              <a:rPr lang="ko-KR" altLang="en-US" sz="1600" dirty="0"/>
+              <a:t> 변경해 계산해야 합니다</a:t>
             </a:r>
             <a:r>
               <a:rPr lang="en-US" altLang="ko-KR" sz="1600" dirty="0"/>
-              <a:t>( </a:t>
-            </a:r>
-            <a:r>
-              <a:rPr lang="ko-KR" altLang="en-US" sz="1600" dirty="0"/>
-              <a:t>위</a:t>
-            </a:r>
-            <a:r>
-              <a:rPr lang="en-US" altLang="ko-KR" sz="1600" dirty="0"/>
-              <a:t>/</a:t>
-            </a:r>
-            <a:r>
-              <a:rPr lang="ko-KR" altLang="en-US" sz="1600" dirty="0"/>
-              <a:t>경도 </a:t>
-            </a:r>
-            <a:r>
-              <a:rPr lang="en-US" altLang="ko-KR" sz="1600" dirty="0"/>
-              <a:t>) </a:t>
-            </a:r>
-            <a:r>
-              <a:rPr lang="ko-KR" altLang="en-US" sz="1600" dirty="0"/>
-              <a:t>데이터를 </a:t>
-            </a:r>
-            <a:r>
-              <a:rPr lang="en-US" altLang="ko-KR" sz="1600" dirty="0" err="1"/>
-              <a:t>Geopandas</a:t>
-            </a:r>
-            <a:r>
-              <a:rPr lang="ko-KR" altLang="en-US" sz="1600" dirty="0"/>
-              <a:t>의 </a:t>
-            </a:r>
-            <a:r>
-              <a:rPr lang="en-US" altLang="ko-KR" sz="1600" dirty="0" err="1"/>
-              <a:t>to_crs</a:t>
-            </a:r>
-            <a:r>
-              <a:rPr lang="en-US" altLang="ko-KR" sz="1600" dirty="0"/>
-              <a:t>() </a:t>
-            </a:r>
-            <a:r>
-              <a:rPr lang="ko-KR" altLang="en-US" sz="1600" dirty="0"/>
-              <a:t>함수를 통해서    </a:t>
-            </a:r>
-            <a:endParaRPr lang="en-US" altLang="ko-KR" sz="1600" dirty="0"/>
+              <a:t>.</a:t>
+            </a:r>
           </a:p>
           <a:p>
             <a:pPr>
@@ -7830,9 +7818,53 @@
                 <a:spcPct val="150000"/>
               </a:lnSpc>
             </a:pPr>
+            <a:endParaRPr lang="en-US" altLang="ko-KR" sz="1600" dirty="0"/>
+          </a:p>
+          <a:p>
+            <a:pPr>
+              <a:lnSpc>
+                <a:spcPct val="150000"/>
+              </a:lnSpc>
+            </a:pPr>
+            <a:r>
+              <a:rPr lang="en-US" altLang="ko-KR" sz="1600" dirty="0"/>
+              <a:t> </a:t>
+            </a:r>
             <a:r>
               <a:rPr lang="ko-KR" altLang="en-US" sz="1600" dirty="0"/>
-              <a:t>인자에 설정한 좌표계로 변경할 수 있습니다</a:t>
+              <a:t>이는 </a:t>
+            </a:r>
+            <a:r>
+              <a:rPr lang="en-US" altLang="ko-KR" sz="1600" dirty="0" err="1"/>
+              <a:t>Geopandas</a:t>
+            </a:r>
+            <a:r>
+              <a:rPr lang="ko-KR" altLang="en-US" sz="1600" dirty="0"/>
+              <a:t>의 </a:t>
+            </a:r>
+            <a:r>
+              <a:rPr lang="en-US" altLang="ko-KR" sz="1600" dirty="0" err="1"/>
+              <a:t>to_crs</a:t>
+            </a:r>
+            <a:r>
+              <a:rPr lang="en-US" altLang="ko-KR" sz="1600" dirty="0"/>
+              <a:t>() </a:t>
+            </a:r>
+            <a:r>
+              <a:rPr lang="ko-KR" altLang="en-US" sz="1600" dirty="0"/>
+              <a:t>함수를 통해    </a:t>
+            </a:r>
+            <a:endParaRPr lang="en-US" altLang="ko-KR" sz="1600" dirty="0"/>
+          </a:p>
+          <a:p>
+            <a:pPr>
+              <a:lnSpc>
+                <a:spcPct val="150000"/>
+              </a:lnSpc>
+            </a:pPr>
+            <a:r>
+              <a:rPr lang="ko-KR" altLang="en-US" sz="1600" dirty="0"/>
+              <a:t>변경 가능합니다</a:t>
             </a:r>
             <a:r>
               <a:rPr lang="en-US" altLang="ko-KR" sz="1600" dirty="0"/>
@@ -7855,7 +7887,7 @@
             </a:pPr>
             <a:r>
               <a:rPr lang="ko-KR" altLang="en-US" sz="1600" dirty="0"/>
-              <a:t>옆의 예시는 위</a:t>
+              <a:t> 옆의 예시는 위</a:t>
             </a:r>
             <a:r>
               <a:rPr lang="en-US" altLang="ko-KR" sz="1600" dirty="0"/>
@@ -7871,27 +7903,20 @@
             </a:r>
             <a:r>
               <a:rPr lang="ko-KR" altLang="en-US" sz="1600" dirty="0"/>
-              <a:t>단위로 변경한 사례입니다</a:t>
+              <a:t>단위로 변경한 것으로</a:t>
             </a:r>
             <a:r>
               <a:rPr lang="en-US" altLang="ko-KR" sz="1600" dirty="0"/>
-              <a:t>. </a:t>
+              <a:t>, </a:t>
             </a:r>
             <a:r>
               <a:rPr lang="ko-KR" altLang="en-US" sz="1600" dirty="0"/>
-              <a:t>이를 통해서 저희도 지리적 데이터를 계산 가능한 데이터로 변환 후 계산을 진행할 것 입니다</a:t>
-            </a:r>
-            <a:r>
-              <a:rPr lang="en-US" altLang="ko-KR" sz="1200" dirty="0"/>
+              <a:t>이와 같이 값을 변경해 계산하고자 합니다</a:t>
+            </a:r>
+            <a:r>
+              <a:rPr lang="en-US" altLang="ko-KR" sz="1600" dirty="0"/>
               <a:t>.</a:t>
             </a:r>
-          </a:p>
-          <a:p>
-            <a:pPr>
-              <a:lnSpc>
-                <a:spcPct val="150000"/>
-              </a:lnSpc>
-            </a:pPr>
             <a:endParaRPr lang="en-US" altLang="ko-KR" sz="1200" dirty="0"/>
           </a:p>
           <a:p>
@@ -8329,7 +8354,7 @@
         <p:spPr>
           <a:xfrm>
             <a:off x="4894479" y="627534"/>
-            <a:ext cx="3796310" cy="4443973"/>
+            <a:ext cx="3796310" cy="5367303"/>
           </a:xfrm>
           <a:prstGeom prst="rect">
             <a:avLst/>
@@ -8443,34 +8468,27 @@
             </a:pPr>
             <a:r>
               <a:rPr lang="ko-KR" altLang="en-US" sz="1400" dirty="0"/>
-              <a:t>횡단보도 라인을 </a:t>
+              <a:t> 미터</a:t>
             </a:r>
             <a:r>
               <a:rPr lang="en-US" altLang="ko-KR" sz="1400" dirty="0"/>
-              <a:t>2x+3 </a:t>
+              <a:t> </a:t>
             </a:r>
             <a:r>
               <a:rPr lang="ko-KR" altLang="en-US" sz="1400" dirty="0"/>
-              <a:t>이라고 가정하겠습니다</a:t>
+              <a:t>데이터를 구했다면</a:t>
+            </a:r>
+            <a:r>
+              <a:rPr lang="en-US" altLang="ko-KR" sz="1400" dirty="0"/>
+              <a:t>, </a:t>
+            </a:r>
+            <a:r>
+              <a:rPr lang="ko-KR" altLang="en-US" sz="1400" dirty="0"/>
+              <a:t>사각형 구역을 계산해야 합니다</a:t>
             </a:r>
             <a:r>
               <a:rPr lang="en-US" altLang="ko-KR" sz="1400" dirty="0"/>
               <a:t>.</a:t>
-            </a:r>
-          </a:p>
-          <a:p>
-            <a:pPr>
-              <a:lnSpc>
-                <a:spcPct val="150000"/>
-              </a:lnSpc>
-            </a:pPr>
-            <a:r>
-              <a:rPr lang="ko-KR" altLang="en-US" sz="1400" dirty="0"/>
-              <a:t>현재 이 라인에 대한 양 끝점 정보를 가지고 있습니다</a:t>
-            </a:r>
-            <a:r>
-              <a:rPr lang="en-US" altLang="ko-KR" sz="1400" dirty="0"/>
-              <a:t>. </a:t>
             </a:r>
           </a:p>
           <a:p>
@@ -8489,15 +8507,15 @@
             </a:pPr>
             <a:r>
               <a:rPr lang="ko-KR" altLang="en-US" sz="1400" dirty="0"/>
-              <a:t>임의의 점 </a:t>
+              <a:t> 횡단보도 라인을 </a:t>
             </a:r>
             <a:r>
               <a:rPr lang="en-US" altLang="ko-KR" sz="1400" dirty="0"/>
-              <a:t>(k,2k+c) </a:t>
+              <a:t>y=2x+3 </a:t>
             </a:r>
             <a:r>
               <a:rPr lang="ko-KR" altLang="en-US" sz="1400" dirty="0"/>
-              <a:t>와 점과 직선사이의 거리를 통해서 직선을 구할 수 있습니다</a:t>
+              <a:t>이라고 가정하겠습니다</a:t>
             </a:r>
             <a:r>
               <a:rPr lang="en-US" altLang="ko-KR" sz="1400" dirty="0"/>
@@ -8505,27 +8523,11 @@
             </a:r>
             <a:r>
               <a:rPr lang="ko-KR" altLang="en-US" sz="1400" dirty="0"/>
-              <a:t>이 직선은 기존 라인인 </a:t>
+              <a:t>현재 이 라인에 대한 양 끝점 정보를 가지고 있습니다</a:t>
             </a:r>
             <a:r>
               <a:rPr lang="en-US" altLang="ko-KR" sz="1400" dirty="0"/>
-              <a:t>2x+3</a:t>
-            </a:r>
-            <a:r>
-              <a:rPr lang="ko-KR" altLang="en-US" sz="1400" dirty="0"/>
-              <a:t>과 </a:t>
-            </a:r>
-            <a:r>
-              <a:rPr lang="en-US" altLang="ko-KR" sz="1400" dirty="0"/>
-              <a:t> </a:t>
-            </a:r>
-            <a:r>
-              <a:rPr lang="ko-KR" altLang="en-US" sz="1400" dirty="0"/>
-              <a:t>수직 관계입니다</a:t>
-            </a:r>
-            <a:r>
-              <a:rPr lang="en-US" altLang="ko-KR" sz="1400" dirty="0"/>
-              <a:t>.</a:t>
+              <a:t>. </a:t>
             </a:r>
           </a:p>
           <a:p>
@@ -8544,28 +8546,76 @@
             </a:pPr>
             <a:r>
               <a:rPr lang="ko-KR" altLang="en-US" sz="1400" dirty="0"/>
-              <a:t>이제 이 직선과</a:t>
+              <a:t> 기존 직선에 평행한 직선을 </a:t>
             </a:r>
             <a:r>
               <a:rPr lang="en-US" altLang="ko-KR" sz="1400" dirty="0"/>
-              <a:t>, y=2x+c </a:t>
+              <a:t>y=2x+c</a:t>
             </a:r>
             <a:r>
               <a:rPr lang="ko-KR" altLang="en-US" sz="1400" dirty="0"/>
-              <a:t>와 만나는 교점을 통해서</a:t>
+              <a:t>라고 하고</a:t>
             </a:r>
             <a:r>
               <a:rPr lang="en-US" altLang="ko-KR" sz="1400" dirty="0"/>
-              <a:t>, 4</a:t>
+              <a:t>, </a:t>
             </a:r>
             <a:r>
               <a:rPr lang="ko-KR" altLang="en-US" sz="1400" dirty="0"/>
-              <a:t>개의 지점을 구하는 방식으로 구상 했습니다</a:t>
-            </a:r>
-            <a:r>
-              <a:rPr lang="en-US" altLang="ko-KR" sz="1200" dirty="0"/>
+              <a:t>이 직선 위의 임의의 점을 </a:t>
+            </a:r>
+            <a:r>
+              <a:rPr lang="en-US" altLang="ko-KR" sz="1400" dirty="0"/>
+              <a:t>(k,2k+c)</a:t>
+            </a:r>
+            <a:r>
+              <a:rPr lang="ko-KR" altLang="en-US" sz="1400" dirty="0"/>
+              <a:t>라고 가정하겠습니다</a:t>
+            </a:r>
+            <a:r>
+              <a:rPr lang="en-US" altLang="ko-KR" sz="1400" dirty="0"/>
+              <a:t>. </a:t>
+            </a:r>
+            <a:r>
+              <a:rPr lang="ko-KR" altLang="en-US" sz="1400" dirty="0"/>
+              <a:t>이후 점과 직선사이의 거리 공식을 통해</a:t>
+            </a:r>
+            <a:r>
+              <a:rPr lang="en-US" altLang="ko-KR" sz="1400" dirty="0"/>
+              <a:t>, </a:t>
+            </a:r>
+            <a:r>
+              <a:rPr lang="ko-KR" altLang="en-US" sz="1400" dirty="0"/>
+              <a:t>좌우 폭이 </a:t>
+            </a:r>
+            <a:r>
+              <a:rPr lang="en-US" altLang="ko-KR" sz="1400" dirty="0"/>
+              <a:t>4</a:t>
+            </a:r>
+            <a:r>
+              <a:rPr lang="ko-KR" altLang="en-US" sz="1400" dirty="0"/>
+              <a:t>미터인 직선 두개를 구할 수 있습니다</a:t>
+            </a:r>
+            <a:r>
+              <a:rPr lang="en-US" altLang="ko-KR" sz="1400" dirty="0"/>
               <a:t>.</a:t>
             </a:r>
+          </a:p>
+          <a:p>
+            <a:pPr>
+              <a:lnSpc>
+                <a:spcPct val="150000"/>
+              </a:lnSpc>
+            </a:pPr>
+            <a:endParaRPr lang="en-US" altLang="ko-KR" sz="1400" dirty="0"/>
+          </a:p>
+          <a:p>
+            <a:pPr>
+              <a:lnSpc>
+                <a:spcPct val="150000"/>
+              </a:lnSpc>
+            </a:pPr>
+            <a:endParaRPr lang="en-US" altLang="ko-KR" sz="1200" dirty="0"/>
           </a:p>
           <a:p>
             <a:pPr>
@@ -8762,6 +8812,93 @@
           </a:prstGeom>
         </p:spPr>
       </p:pic>
+      <p:cxnSp>
+        <p:nvCxnSpPr>
+          <p:cNvPr id="4" name="직선 연결선 3">
+            <a:extLst>
+              <a:ext uri="{FF2B5EF4-FFF2-40B4-BE49-F238E27FC236}">
+                <a16:creationId xmlns:a16="http://schemas.microsoft.com/office/drawing/2014/main" id="{285D50AA-45C5-4B8D-9496-6C8949D5AB5E}"/>
+              </a:ext>
+            </a:extLst>
+          </p:cNvPr>
+          <p:cNvCxnSpPr>
+            <a:cxnSpLocks/>
+          </p:cNvCxnSpPr>
+          <p:nvPr/>
+        </p:nvCxnSpPr>
+        <p:spPr>
+          <a:xfrm>
+            <a:off x="2915816" y="2427734"/>
+            <a:ext cx="311299" cy="307777"/>
+          </a:xfrm>
+          <a:prstGeom prst="line">
+            <a:avLst/>
+          </a:prstGeom>
+          <a:ln>
+            <a:solidFill>
+              <a:srgbClr val="FF0000"/>
+            </a:solidFill>
+          </a:ln>
+        </p:spPr>
+        <p:style>
+          <a:lnRef idx="1">
+            <a:schemeClr val="accent1"/>
+          </a:lnRef>
+          <a:fillRef idx="0">
+            <a:schemeClr val="accent1"/>
+          </a:fillRef>
+          <a:effectRef idx="0">
+            <a:schemeClr val="accent1"/>
+          </a:effectRef>
+          <a:fontRef idx="minor">
+            <a:schemeClr val="tx1"/>
+          </a:fontRef>
+        </p:style>
+      </p:cxnSp>
+      <p:sp>
+        <p:nvSpPr>
+          <p:cNvPr id="5" name="TextBox 4">
+            <a:extLst>
+              <a:ext uri="{FF2B5EF4-FFF2-40B4-BE49-F238E27FC236}">
+                <a16:creationId xmlns:a16="http://schemas.microsoft.com/office/drawing/2014/main" id="{A2D40031-CECE-4644-9498-FF56DCE45CD9}"/>
+              </a:ext>
+            </a:extLst>
+          </p:cNvPr>
+          <p:cNvSpPr txBox="1"/>
+          <p:nvPr/>
+        </p:nvSpPr>
+        <p:spPr>
+          <a:xfrm>
+            <a:off x="2740199" y="2571750"/>
+            <a:ext cx="463649" cy="307777"/>
+          </a:xfrm>
+          <a:prstGeom prst="rect">
+            <a:avLst/>
+          </a:prstGeom>
+          <a:noFill/>
+        </p:spPr>
+        <p:txBody>
+          <a:bodyPr wrap="square" rtlCol="0">
+            <a:spAutoFit/>
+          </a:bodyPr>
+          <a:lstStyle/>
+          <a:p>
+            <a:r>
+              <a:rPr lang="en-US" altLang="ko-KR" sz="1400" dirty="0">
+                <a:solidFill>
+                  <a:srgbClr val="FF0000"/>
+                </a:solidFill>
+              </a:rPr>
+              <a:t>2m</a:t>
+            </a:r>
+            <a:endParaRPr lang="ko-KR" altLang="en-US" sz="1400" dirty="0">
+              <a:solidFill>
+                <a:srgbClr val="FF0000"/>
+              </a:solidFill>
+            </a:endParaRPr>
+          </a:p>
+        </p:txBody>
+      </p:sp>
     </p:spTree>
     <p:extLst>
       <p:ext uri="{BB962C8B-B14F-4D97-AF65-F5344CB8AC3E}">
@@ -8794,10 +8931,10 @@
       </p:grpSpPr>
       <p:sp>
         <p:nvSpPr>
-          <p:cNvPr id="7" name="Text Placeholder 1">
+          <p:cNvPr id="19" name="Text Placeholder 1">
             <a:extLst>
               <a:ext uri="{FF2B5EF4-FFF2-40B4-BE49-F238E27FC236}">
-                <a16:creationId xmlns:a16="http://schemas.microsoft.com/office/drawing/2014/main" id="{6C6E7023-D460-0F97-430A-19AD2F53371C}"/>
+                <a16:creationId xmlns:a16="http://schemas.microsoft.com/office/drawing/2014/main" id="{983B1A74-10AD-3F27-72BE-4BF0824E4F64}"/>
               </a:ext>
             </a:extLst>
           </p:cNvPr>
@@ -8971,10 +9108,10 @@
       </p:sp>
       <p:sp>
         <p:nvSpPr>
-          <p:cNvPr id="16" name="TextBox 15">
+          <p:cNvPr id="15" name="TextBox 30">
             <a:extLst>
               <a:ext uri="{FF2B5EF4-FFF2-40B4-BE49-F238E27FC236}">
-                <a16:creationId xmlns:a16="http://schemas.microsoft.com/office/drawing/2014/main" id="{68C3F217-1357-88AA-3607-CD0C0B6FC365}"/>
+                <a16:creationId xmlns:a16="http://schemas.microsoft.com/office/drawing/2014/main" id="{30D59AF7-EE25-776F-E837-376AC135478D}"/>
               </a:ext>
             </a:extLst>
           </p:cNvPr>
@@ -8983,8 +9120,8 @@
         </p:nvSpPr>
         <p:spPr>
           <a:xfrm>
-            <a:off x="395536" y="771550"/>
-            <a:ext cx="7416824" cy="369332"/>
+            <a:off x="4959336" y="1050089"/>
+            <a:ext cx="3796310" cy="3284041"/>
           </a:xfrm>
           <a:prstGeom prst="rect">
             <a:avLst/>
@@ -8995,49 +9132,374 @@
           <a:bodyPr wrap="square" rtlCol="0">
             <a:spAutoFit/>
           </a:bodyPr>
-          <a:lstStyle/>
-          <a:p>
-            <a:r>
-              <a:rPr lang="en-US" altLang="ko-KR" dirty="0"/>
+          <a:lstStyle>
+            <a:defPPr>
+              <a:defRPr lang="ko-KR"/>
+            </a:defPPr>
+            <a:lvl1pPr marL="0" algn="l" defTabSz="914400" rtl="0" eaLnBrk="1" latinLnBrk="1" hangingPunct="1">
+              <a:defRPr sz="1800" kern="1200">
+                <a:solidFill>
+                  <a:schemeClr val="tx1"/>
+                </a:solidFill>
+                <a:latin typeface="+mn-lt"/>
+                <a:ea typeface="+mn-ea"/>
+                <a:cs typeface="+mn-cs"/>
+              </a:defRPr>
+            </a:lvl1pPr>
+            <a:lvl2pPr marL="457200" algn="l" defTabSz="914400" rtl="0" eaLnBrk="1" latinLnBrk="1" hangingPunct="1">
+              <a:defRPr sz="1800" kern="1200">
+                <a:solidFill>
+                  <a:schemeClr val="tx1"/>
+                </a:solidFill>
+                <a:latin typeface="+mn-lt"/>
+                <a:ea typeface="+mn-ea"/>
+                <a:cs typeface="+mn-cs"/>
+              </a:defRPr>
+            </a:lvl2pPr>
+            <a:lvl3pPr marL="914400" algn="l" defTabSz="914400" rtl="0" eaLnBrk="1" latinLnBrk="1" hangingPunct="1">
+              <a:defRPr sz="1800" kern="1200">
+                <a:solidFill>
+                  <a:schemeClr val="tx1"/>
+                </a:solidFill>
+                <a:latin typeface="+mn-lt"/>
+                <a:ea typeface="+mn-ea"/>
+                <a:cs typeface="+mn-cs"/>
+              </a:defRPr>
+            </a:lvl3pPr>
+            <a:lvl4pPr marL="1371600" algn="l" defTabSz="914400" rtl="0" eaLnBrk="1" latinLnBrk="1" hangingPunct="1">
+              <a:defRPr sz="1800" kern="1200">
+                <a:solidFill>
+                  <a:schemeClr val="tx1"/>
+                </a:solidFill>
+                <a:latin typeface="+mn-lt"/>
+                <a:ea typeface="+mn-ea"/>
+                <a:cs typeface="+mn-cs"/>
+              </a:defRPr>
+            </a:lvl4pPr>
+            <a:lvl5pPr marL="1828800" algn="l" defTabSz="914400" rtl="0" eaLnBrk="1" latinLnBrk="1" hangingPunct="1">
+              <a:defRPr sz="1800" kern="1200">
+                <a:solidFill>
+                  <a:schemeClr val="tx1"/>
+                </a:solidFill>
+                <a:latin typeface="+mn-lt"/>
+                <a:ea typeface="+mn-ea"/>
+                <a:cs typeface="+mn-cs"/>
+              </a:defRPr>
+            </a:lvl5pPr>
+            <a:lvl6pPr marL="2286000" algn="l" defTabSz="914400" rtl="0" eaLnBrk="1" latinLnBrk="1" hangingPunct="1">
+              <a:defRPr sz="1800" kern="1200">
+                <a:solidFill>
+                  <a:schemeClr val="tx1"/>
+                </a:solidFill>
+                <a:latin typeface="+mn-lt"/>
+                <a:ea typeface="+mn-ea"/>
+                <a:cs typeface="+mn-cs"/>
+              </a:defRPr>
+            </a:lvl6pPr>
+            <a:lvl7pPr marL="2743200" algn="l" defTabSz="914400" rtl="0" eaLnBrk="1" latinLnBrk="1" hangingPunct="1">
+              <a:defRPr sz="1800" kern="1200">
+                <a:solidFill>
+                  <a:schemeClr val="tx1"/>
+                </a:solidFill>
+                <a:latin typeface="+mn-lt"/>
+                <a:ea typeface="+mn-ea"/>
+                <a:cs typeface="+mn-cs"/>
+              </a:defRPr>
+            </a:lvl7pPr>
+            <a:lvl8pPr marL="3200400" algn="l" defTabSz="914400" rtl="0" eaLnBrk="1" latinLnBrk="1" hangingPunct="1">
+              <a:defRPr sz="1800" kern="1200">
+                <a:solidFill>
+                  <a:schemeClr val="tx1"/>
+                </a:solidFill>
+                <a:latin typeface="+mn-lt"/>
+                <a:ea typeface="+mn-ea"/>
+                <a:cs typeface="+mn-cs"/>
+              </a:defRPr>
+            </a:lvl8pPr>
+            <a:lvl9pPr marL="3657600" algn="l" defTabSz="914400" rtl="0" eaLnBrk="1" latinLnBrk="1" hangingPunct="1">
+              <a:defRPr sz="1800" kern="1200">
+                <a:solidFill>
+                  <a:schemeClr val="tx1"/>
+                </a:solidFill>
+                <a:latin typeface="+mn-lt"/>
+                <a:ea typeface="+mn-ea"/>
+                <a:cs typeface="+mn-cs"/>
+              </a:defRPr>
+            </a:lvl9pPr>
+          </a:lstStyle>
+          <a:p>
+            <a:pPr>
+              <a:lnSpc>
+                <a:spcPct val="150000"/>
+              </a:lnSpc>
+            </a:pPr>
+            <a:r>
+              <a:rPr lang="ko-KR" altLang="en-US" sz="1400" dirty="0"/>
+              <a:t> 이후 </a:t>
+            </a:r>
+            <a:r>
+              <a:rPr lang="en-US" altLang="ko-KR" sz="1400" dirty="0"/>
+              <a:t>y=2x+3</a:t>
+            </a:r>
+            <a:r>
+              <a:rPr lang="ko-KR" altLang="en-US" sz="1400" dirty="0"/>
+              <a:t>과 수직이며</a:t>
+            </a:r>
+            <a:r>
+              <a:rPr lang="en-US" altLang="ko-KR" sz="1400" dirty="0"/>
+              <a:t> </a:t>
+            </a:r>
+            <a:r>
+              <a:rPr lang="ko-KR" altLang="en-US" sz="1400" dirty="0"/>
+              <a:t>양끝 값을 지나는 직선과</a:t>
+            </a:r>
+            <a:r>
+              <a:rPr lang="en-US" altLang="ko-KR" sz="1400" dirty="0"/>
+              <a:t>, y=2x+c</a:t>
+            </a:r>
+            <a:r>
+              <a:rPr lang="ko-KR" altLang="en-US" sz="1400" dirty="0"/>
+              <a:t>와의 교점 </a:t>
+            </a:r>
+            <a:r>
+              <a:rPr lang="en-US" altLang="ko-KR" sz="1400" dirty="0"/>
+              <a:t>4</a:t>
+            </a:r>
+            <a:r>
+              <a:rPr lang="ko-KR" altLang="en-US" sz="1400" dirty="0"/>
+              <a:t>개를 구할 수 있습니다</a:t>
+            </a:r>
+            <a:r>
+              <a:rPr lang="en-US" altLang="ko-KR" sz="1400" dirty="0"/>
+              <a:t>.</a:t>
+            </a:r>
+          </a:p>
+          <a:p>
+            <a:pPr>
+              <a:lnSpc>
+                <a:spcPct val="150000"/>
+              </a:lnSpc>
+            </a:pPr>
+            <a:endParaRPr lang="en-US" altLang="ko-KR" sz="1400" dirty="0"/>
+          </a:p>
+          <a:p>
+            <a:pPr>
+              <a:lnSpc>
+                <a:spcPct val="150000"/>
+              </a:lnSpc>
+            </a:pPr>
+            <a:r>
+              <a:rPr lang="en-US" altLang="ko-KR" sz="1400" dirty="0"/>
+              <a:t> </a:t>
+            </a:r>
+            <a:r>
+              <a:rPr lang="ko-KR" altLang="en-US" sz="1400" dirty="0"/>
+              <a:t>아래의 </a:t>
+            </a:r>
+            <a:r>
+              <a:rPr lang="en-US" altLang="ko-KR" sz="1400" dirty="0" err="1"/>
+              <a:t>MakePolygon</a:t>
+            </a:r>
+            <a:r>
+              <a:rPr lang="en-US" altLang="ko-KR" sz="1400" dirty="0"/>
+              <a:t> </a:t>
+            </a:r>
+            <a:r>
+              <a:rPr lang="ko-KR" altLang="en-US" sz="1400" dirty="0"/>
+              <a:t>함수는 점을 통해 </a:t>
+            </a:r>
+            <a:r>
+              <a:rPr lang="en-US" altLang="ko-KR" sz="1400" dirty="0"/>
+              <a:t>POLYGON </a:t>
+            </a:r>
+            <a:r>
+              <a:rPr lang="ko-KR" altLang="en-US" sz="1400" dirty="0"/>
+              <a:t>데이터를 만들 수 있는 함수로</a:t>
+            </a:r>
+            <a:r>
+              <a:rPr lang="en-US" altLang="ko-KR" sz="1400" dirty="0"/>
+              <a:t>, </a:t>
+            </a:r>
+            <a:r>
+              <a:rPr lang="ko-KR" altLang="en-US" sz="1400" dirty="0"/>
+              <a:t>저희는 이 </a:t>
+            </a:r>
+            <a:r>
+              <a:rPr lang="en-US" altLang="ko-KR" sz="1400" dirty="0"/>
+              <a:t>4</a:t>
+            </a:r>
+            <a:r>
+              <a:rPr lang="ko-KR" altLang="en-US" sz="1400" dirty="0"/>
+              <a:t>개의 점을 사각형 정보로 저장해 사용하고자 합니다</a:t>
+            </a:r>
+            <a:r>
+              <a:rPr lang="en-US" altLang="ko-KR" sz="1400" dirty="0"/>
+              <a:t>.</a:t>
+            </a:r>
+          </a:p>
+          <a:p>
+            <a:pPr>
+              <a:lnSpc>
+                <a:spcPct val="150000"/>
+              </a:lnSpc>
+            </a:pPr>
+            <a:endParaRPr lang="en-US" altLang="ko-KR" sz="1400" dirty="0"/>
+          </a:p>
+          <a:p>
+            <a:pPr>
+              <a:lnSpc>
+                <a:spcPct val="150000"/>
+              </a:lnSpc>
+            </a:pPr>
+            <a:endParaRPr lang="ko-KR" altLang="en-US" sz="1400" dirty="0"/>
+          </a:p>
+        </p:txBody>
+      </p:sp>
+      <p:sp>
+        <p:nvSpPr>
+          <p:cNvPr id="2" name="TextBox 15">
+            <a:extLst>
+              <a:ext uri="{FF2B5EF4-FFF2-40B4-BE49-F238E27FC236}">
+                <a16:creationId xmlns:a16="http://schemas.microsoft.com/office/drawing/2014/main" id="{247E0092-7306-199B-394D-BBF4F3E81B10}"/>
+              </a:ext>
+            </a:extLst>
+          </p:cNvPr>
+          <p:cNvSpPr txBox="1"/>
+          <p:nvPr/>
+        </p:nvSpPr>
+        <p:spPr>
+          <a:xfrm>
+            <a:off x="611560" y="706901"/>
+            <a:ext cx="4180173" cy="499150"/>
+          </a:xfrm>
+          <a:prstGeom prst="rect">
+            <a:avLst/>
+          </a:prstGeom>
+          <a:noFill/>
+        </p:spPr>
+        <p:txBody>
+          <a:bodyPr wrap="square" rtlCol="0">
+            <a:spAutoFit/>
+          </a:bodyPr>
+          <a:lstStyle>
+            <a:defPPr>
+              <a:defRPr lang="ko-KR"/>
+            </a:defPPr>
+            <a:lvl1pPr marL="0" algn="l" defTabSz="914400" rtl="0" eaLnBrk="1" latinLnBrk="1" hangingPunct="1">
+              <a:defRPr sz="1800" kern="1200">
+                <a:solidFill>
+                  <a:schemeClr val="tx1"/>
+                </a:solidFill>
+                <a:latin typeface="+mn-lt"/>
+                <a:ea typeface="+mn-ea"/>
+                <a:cs typeface="+mn-cs"/>
+              </a:defRPr>
+            </a:lvl1pPr>
+            <a:lvl2pPr marL="457200" algn="l" defTabSz="914400" rtl="0" eaLnBrk="1" latinLnBrk="1" hangingPunct="1">
+              <a:defRPr sz="1800" kern="1200">
+                <a:solidFill>
+                  <a:schemeClr val="tx1"/>
+                </a:solidFill>
+                <a:latin typeface="+mn-lt"/>
+                <a:ea typeface="+mn-ea"/>
+                <a:cs typeface="+mn-cs"/>
+              </a:defRPr>
+            </a:lvl2pPr>
+            <a:lvl3pPr marL="914400" algn="l" defTabSz="914400" rtl="0" eaLnBrk="1" latinLnBrk="1" hangingPunct="1">
+              <a:defRPr sz="1800" kern="1200">
+                <a:solidFill>
+                  <a:schemeClr val="tx1"/>
+                </a:solidFill>
+                <a:latin typeface="+mn-lt"/>
+                <a:ea typeface="+mn-ea"/>
+                <a:cs typeface="+mn-cs"/>
+              </a:defRPr>
+            </a:lvl3pPr>
+            <a:lvl4pPr marL="1371600" algn="l" defTabSz="914400" rtl="0" eaLnBrk="1" latinLnBrk="1" hangingPunct="1">
+              <a:defRPr sz="1800" kern="1200">
+                <a:solidFill>
+                  <a:schemeClr val="tx1"/>
+                </a:solidFill>
+                <a:latin typeface="+mn-lt"/>
+                <a:ea typeface="+mn-ea"/>
+                <a:cs typeface="+mn-cs"/>
+              </a:defRPr>
+            </a:lvl4pPr>
+            <a:lvl5pPr marL="1828800" algn="l" defTabSz="914400" rtl="0" eaLnBrk="1" latinLnBrk="1" hangingPunct="1">
+              <a:defRPr sz="1800" kern="1200">
+                <a:solidFill>
+                  <a:schemeClr val="tx1"/>
+                </a:solidFill>
+                <a:latin typeface="+mn-lt"/>
+                <a:ea typeface="+mn-ea"/>
+                <a:cs typeface="+mn-cs"/>
+              </a:defRPr>
+            </a:lvl5pPr>
+            <a:lvl6pPr marL="2286000" algn="l" defTabSz="914400" rtl="0" eaLnBrk="1" latinLnBrk="1" hangingPunct="1">
+              <a:defRPr sz="1800" kern="1200">
+                <a:solidFill>
+                  <a:schemeClr val="tx1"/>
+                </a:solidFill>
+                <a:latin typeface="+mn-lt"/>
+                <a:ea typeface="+mn-ea"/>
+                <a:cs typeface="+mn-cs"/>
+              </a:defRPr>
+            </a:lvl6pPr>
+            <a:lvl7pPr marL="2743200" algn="l" defTabSz="914400" rtl="0" eaLnBrk="1" latinLnBrk="1" hangingPunct="1">
+              <a:defRPr sz="1800" kern="1200">
+                <a:solidFill>
+                  <a:schemeClr val="tx1"/>
+                </a:solidFill>
+                <a:latin typeface="+mn-lt"/>
+                <a:ea typeface="+mn-ea"/>
+                <a:cs typeface="+mn-cs"/>
+              </a:defRPr>
+            </a:lvl7pPr>
+            <a:lvl8pPr marL="3200400" algn="l" defTabSz="914400" rtl="0" eaLnBrk="1" latinLnBrk="1" hangingPunct="1">
+              <a:defRPr sz="1800" kern="1200">
+                <a:solidFill>
+                  <a:schemeClr val="tx1"/>
+                </a:solidFill>
+                <a:latin typeface="+mn-lt"/>
+                <a:ea typeface="+mn-ea"/>
+                <a:cs typeface="+mn-cs"/>
+              </a:defRPr>
+            </a:lvl8pPr>
+            <a:lvl9pPr marL="3657600" algn="l" defTabSz="914400" rtl="0" eaLnBrk="1" latinLnBrk="1" hangingPunct="1">
+              <a:defRPr sz="1800" kern="1200">
+                <a:solidFill>
+                  <a:schemeClr val="tx1"/>
+                </a:solidFill>
+                <a:latin typeface="+mn-lt"/>
+                <a:ea typeface="+mn-ea"/>
+                <a:cs typeface="+mn-cs"/>
+              </a:defRPr>
+            </a:lvl9pPr>
+          </a:lstStyle>
+          <a:p>
+            <a:pPr>
+              <a:lnSpc>
+                <a:spcPct val="150000"/>
+              </a:lnSpc>
+            </a:pPr>
+            <a:r>
+              <a:rPr lang="en-US" altLang="ko-KR" sz="2000" dirty="0"/>
               <a:t>** </a:t>
             </a:r>
             <a:r>
-              <a:rPr lang="ko-KR" altLang="en-US" dirty="0"/>
-              <a:t>테이블 생성 </a:t>
-            </a:r>
-            <a:r>
-              <a:rPr lang="en-US" altLang="ko-KR" dirty="0"/>
-              <a:t>(with </a:t>
-            </a:r>
-            <a:r>
-              <a:rPr lang="ko-KR" altLang="en-US" dirty="0"/>
-              <a:t>오픈 데이터셋 파일 </a:t>
-            </a:r>
-            <a:r>
-              <a:rPr lang="en-US" altLang="ko-KR" dirty="0"/>
-              <a:t>, </a:t>
-            </a:r>
-            <a:r>
-              <a:rPr lang="en-US" altLang="ko-KR" dirty="0" err="1"/>
-              <a:t>Postgresql</a:t>
-            </a:r>
-            <a:r>
-              <a:rPr lang="en-US" altLang="ko-KR" dirty="0"/>
-              <a:t>)</a:t>
-            </a:r>
-            <a:r>
-              <a:rPr lang="ko-KR" altLang="en-US" dirty="0"/>
-              <a:t> </a:t>
-            </a:r>
+              <a:rPr lang="ko-KR" altLang="en-US" sz="2000" dirty="0"/>
+              <a:t>네 점 구하기</a:t>
+            </a:r>
+            <a:endParaRPr lang="en-US" altLang="ko-KR" sz="2000" dirty="0"/>
           </a:p>
         </p:txBody>
       </p:sp>
       <p:pic>
         <p:nvPicPr>
-          <p:cNvPr id="18" name="그림 17">
+          <p:cNvPr id="7" name="그림 6">
             <a:extLst>
               <a:ext uri="{FF2B5EF4-FFF2-40B4-BE49-F238E27FC236}">
-                <a16:creationId xmlns:a16="http://schemas.microsoft.com/office/drawing/2014/main" id="{EC0627F2-4C12-DE06-0E43-2A6CE2A3C33D}"/>
+                <a16:creationId xmlns:a16="http://schemas.microsoft.com/office/drawing/2014/main" id="{32BFA28A-A193-29E3-94DD-4BEE1B879353}"/>
               </a:ext>
             </a:extLst>
           </p:cNvPr>
@@ -9054,100 +9516,314 @@
         </p:blipFill>
         <p:spPr>
           <a:xfrm>
-            <a:off x="611560" y="1331441"/>
-            <a:ext cx="4392488" cy="882997"/>
+            <a:off x="611560" y="1282965"/>
+            <a:ext cx="4259652" cy="2686447"/>
           </a:xfrm>
           <a:prstGeom prst="rect">
             <a:avLst/>
           </a:prstGeom>
         </p:spPr>
       </p:pic>
-      <p:sp>
-        <p:nvSpPr>
-          <p:cNvPr id="20" name="TextBox 19">
+      <p:cxnSp>
+        <p:nvCxnSpPr>
+          <p:cNvPr id="4" name="직선 연결선 3">
             <a:extLst>
               <a:ext uri="{FF2B5EF4-FFF2-40B4-BE49-F238E27FC236}">
-                <a16:creationId xmlns:a16="http://schemas.microsoft.com/office/drawing/2014/main" id="{F2A57230-D5CF-EACF-281F-B0FD7F3D0C24}"/>
+                <a16:creationId xmlns:a16="http://schemas.microsoft.com/office/drawing/2014/main" id="{285D50AA-45C5-4B8D-9496-6C8949D5AB5E}"/>
               </a:ext>
             </a:extLst>
           </p:cNvPr>
-          <p:cNvSpPr txBox="1"/>
+          <p:cNvCxnSpPr>
+            <a:cxnSpLocks/>
+          </p:cNvCxnSpPr>
+          <p:nvPr/>
+        </p:nvCxnSpPr>
+        <p:spPr>
+          <a:xfrm>
+            <a:off x="2677318" y="1773469"/>
+            <a:ext cx="1102594" cy="1106058"/>
+          </a:xfrm>
+          <a:prstGeom prst="line">
+            <a:avLst/>
+          </a:prstGeom>
+          <a:ln>
+            <a:solidFill>
+              <a:srgbClr val="FF0000"/>
+            </a:solidFill>
+          </a:ln>
+        </p:spPr>
+        <p:style>
+          <a:lnRef idx="1">
+            <a:schemeClr val="accent1"/>
+          </a:lnRef>
+          <a:fillRef idx="0">
+            <a:schemeClr val="accent1"/>
+          </a:fillRef>
+          <a:effectRef idx="0">
+            <a:schemeClr val="accent1"/>
+          </a:effectRef>
+          <a:fontRef idx="minor">
+            <a:schemeClr val="tx1"/>
+          </a:fontRef>
+        </p:style>
+      </p:cxnSp>
+      <p:cxnSp>
+        <p:nvCxnSpPr>
+          <p:cNvPr id="9" name="직선 연결선 8">
+            <a:extLst>
+              <a:ext uri="{FF2B5EF4-FFF2-40B4-BE49-F238E27FC236}">
+                <a16:creationId xmlns:a16="http://schemas.microsoft.com/office/drawing/2014/main" id="{71BB017B-8978-4326-BC24-4F3330B01507}"/>
+              </a:ext>
+            </a:extLst>
+          </p:cNvPr>
+          <p:cNvCxnSpPr>
+            <a:cxnSpLocks/>
+          </p:cNvCxnSpPr>
+          <p:nvPr/>
+        </p:nvCxnSpPr>
+        <p:spPr>
+          <a:xfrm>
+            <a:off x="1601731" y="2702758"/>
+            <a:ext cx="1102594" cy="1106058"/>
+          </a:xfrm>
+          <a:prstGeom prst="line">
+            <a:avLst/>
+          </a:prstGeom>
+          <a:ln>
+            <a:solidFill>
+              <a:srgbClr val="FF0000"/>
+            </a:solidFill>
+          </a:ln>
+        </p:spPr>
+        <p:style>
+          <a:lnRef idx="1">
+            <a:schemeClr val="accent1"/>
+          </a:lnRef>
+          <a:fillRef idx="0">
+            <a:schemeClr val="accent1"/>
+          </a:fillRef>
+          <a:effectRef idx="0">
+            <a:schemeClr val="accent1"/>
+          </a:effectRef>
+          <a:fontRef idx="minor">
+            <a:schemeClr val="tx1"/>
+          </a:fontRef>
+        </p:style>
+      </p:cxnSp>
+      <p:sp>
+        <p:nvSpPr>
+          <p:cNvPr id="6" name="타원 5">
+            <a:extLst>
+              <a:ext uri="{FF2B5EF4-FFF2-40B4-BE49-F238E27FC236}">
+                <a16:creationId xmlns:a16="http://schemas.microsoft.com/office/drawing/2014/main" id="{1C87FF00-80F5-43B3-B116-B0D9606F9A29}"/>
+              </a:ext>
+            </a:extLst>
+          </p:cNvPr>
+          <p:cNvSpPr/>
           <p:nvPr/>
         </p:nvSpPr>
         <p:spPr>
           <a:xfrm>
-            <a:off x="611560" y="2715766"/>
-            <a:ext cx="4392488" cy="1477328"/>
-          </a:xfrm>
-          <a:prstGeom prst="rect">
-            <a:avLst/>
-          </a:prstGeom>
-          <a:noFill/>
-        </p:spPr>
+            <a:off x="2727123" y="1784052"/>
+            <a:ext cx="102422" cy="144016"/>
+          </a:xfrm>
+          <a:prstGeom prst="ellipse">
+            <a:avLst/>
+          </a:prstGeom>
+          <a:solidFill>
+            <a:srgbClr val="FF0000"/>
+          </a:solidFill>
+          <a:ln>
+            <a:noFill/>
+          </a:ln>
+        </p:spPr>
+        <p:style>
+          <a:lnRef idx="2">
+            <a:schemeClr val="accent1">
+              <a:shade val="50000"/>
+            </a:schemeClr>
+          </a:lnRef>
+          <a:fillRef idx="1">
+            <a:schemeClr val="accent1"/>
+          </a:fillRef>
+          <a:effectRef idx="0">
+            <a:schemeClr val="accent1"/>
+          </a:effectRef>
+          <a:fontRef idx="minor">
+            <a:schemeClr val="lt1"/>
+          </a:fontRef>
+        </p:style>
         <p:txBody>
-          <a:bodyPr wrap="square" rtlCol="0">
-            <a:spAutoFit/>
-          </a:bodyPr>
+          <a:bodyPr rtlCol="0" anchor="ctr"/>
           <a:lstStyle/>
           <a:p>
-            <a:r>
-              <a:rPr lang="en-US" altLang="ko-KR" dirty="0" err="1"/>
-              <a:t>shp</a:t>
-            </a:r>
-            <a:r>
-              <a:rPr lang="ko-KR" altLang="en-US" dirty="0"/>
-              <a:t>파일 형식의 데이터셋을 다운받은 이후에</a:t>
-            </a:r>
-            <a:r>
-              <a:rPr lang="en-US" altLang="ko-KR" dirty="0"/>
-              <a:t>, </a:t>
-            </a:r>
-            <a:r>
-              <a:rPr lang="en-US" altLang="ko-KR" dirty="0" err="1"/>
-              <a:t>Postgresql</a:t>
-            </a:r>
-            <a:r>
-              <a:rPr lang="ko-KR" altLang="en-US" dirty="0"/>
-              <a:t>에서 </a:t>
-            </a:r>
-            <a:r>
-              <a:rPr lang="en-US" altLang="ko-KR" dirty="0"/>
-              <a:t>shapefile</a:t>
-            </a:r>
-            <a:r>
-              <a:rPr lang="ko-KR" altLang="en-US" dirty="0"/>
-              <a:t>을 </a:t>
-            </a:r>
-            <a:r>
-              <a:rPr lang="en-US" altLang="ko-KR" dirty="0"/>
-              <a:t>import</a:t>
-            </a:r>
-            <a:r>
-              <a:rPr lang="ko-KR" altLang="en-US" dirty="0"/>
-              <a:t>할 수 있도록 도와주는 </a:t>
-            </a:r>
-            <a:r>
-              <a:rPr lang="en-US" altLang="ko-KR" dirty="0"/>
-              <a:t>Manager </a:t>
-            </a:r>
-            <a:r>
-              <a:rPr lang="ko-KR" altLang="en-US" dirty="0"/>
-              <a:t>툴을 통해서 자동으로 데이터베이스 테이블을 생성할 수 있도록 도와줍니다</a:t>
-            </a:r>
-            <a:r>
-              <a:rPr lang="en-US" altLang="ko-KR" dirty="0"/>
-              <a:t>.</a:t>
-            </a:r>
-            <a:endParaRPr lang="ko-KR" altLang="en-US" dirty="0"/>
+            <a:pPr algn="ctr"/>
+            <a:endParaRPr lang="ko-KR" altLang="en-US"/>
+          </a:p>
+        </p:txBody>
+      </p:sp>
+      <p:sp>
+        <p:nvSpPr>
+          <p:cNvPr id="11" name="타원 10">
+            <a:extLst>
+              <a:ext uri="{FF2B5EF4-FFF2-40B4-BE49-F238E27FC236}">
+                <a16:creationId xmlns:a16="http://schemas.microsoft.com/office/drawing/2014/main" id="{17B51077-283A-4F4E-B3F9-44426501032C}"/>
+              </a:ext>
+            </a:extLst>
+          </p:cNvPr>
+          <p:cNvSpPr/>
+          <p:nvPr/>
+        </p:nvSpPr>
+        <p:spPr>
+          <a:xfrm>
+            <a:off x="3405350" y="2441079"/>
+            <a:ext cx="102422" cy="144016"/>
+          </a:xfrm>
+          <a:prstGeom prst="ellipse">
+            <a:avLst/>
+          </a:prstGeom>
+          <a:solidFill>
+            <a:srgbClr val="FF0000"/>
+          </a:solidFill>
+          <a:ln>
+            <a:noFill/>
+          </a:ln>
+        </p:spPr>
+        <p:style>
+          <a:lnRef idx="2">
+            <a:schemeClr val="accent1">
+              <a:shade val="50000"/>
+            </a:schemeClr>
+          </a:lnRef>
+          <a:fillRef idx="1">
+            <a:schemeClr val="accent1"/>
+          </a:fillRef>
+          <a:effectRef idx="0">
+            <a:schemeClr val="accent1"/>
+          </a:effectRef>
+          <a:fontRef idx="minor">
+            <a:schemeClr val="lt1"/>
+          </a:fontRef>
+        </p:style>
+        <p:txBody>
+          <a:bodyPr rtlCol="0" anchor="ctr"/>
+          <a:lstStyle/>
+          <a:p>
+            <a:pPr algn="ctr"/>
+            <a:endParaRPr lang="ko-KR" altLang="en-US"/>
+          </a:p>
+        </p:txBody>
+      </p:sp>
+      <p:sp>
+        <p:nvSpPr>
+          <p:cNvPr id="12" name="타원 11">
+            <a:extLst>
+              <a:ext uri="{FF2B5EF4-FFF2-40B4-BE49-F238E27FC236}">
+                <a16:creationId xmlns:a16="http://schemas.microsoft.com/office/drawing/2014/main" id="{EB23801E-F35D-4C38-99E7-9C173146B30E}"/>
+              </a:ext>
+            </a:extLst>
+          </p:cNvPr>
+          <p:cNvSpPr/>
+          <p:nvPr/>
+        </p:nvSpPr>
+        <p:spPr>
+          <a:xfrm>
+            <a:off x="1691680" y="2807519"/>
+            <a:ext cx="102422" cy="144016"/>
+          </a:xfrm>
+          <a:prstGeom prst="ellipse">
+            <a:avLst/>
+          </a:prstGeom>
+          <a:solidFill>
+            <a:srgbClr val="FF0000"/>
+          </a:solidFill>
+          <a:ln>
+            <a:noFill/>
+          </a:ln>
+        </p:spPr>
+        <p:style>
+          <a:lnRef idx="2">
+            <a:schemeClr val="accent1">
+              <a:shade val="50000"/>
+            </a:schemeClr>
+          </a:lnRef>
+          <a:fillRef idx="1">
+            <a:schemeClr val="accent1"/>
+          </a:fillRef>
+          <a:effectRef idx="0">
+            <a:schemeClr val="accent1"/>
+          </a:effectRef>
+          <a:fontRef idx="minor">
+            <a:schemeClr val="lt1"/>
+          </a:fontRef>
+        </p:style>
+        <p:txBody>
+          <a:bodyPr rtlCol="0" anchor="ctr"/>
+          <a:lstStyle/>
+          <a:p>
+            <a:pPr algn="ctr"/>
+            <a:endParaRPr lang="ko-KR" altLang="en-US"/>
+          </a:p>
+        </p:txBody>
+      </p:sp>
+      <p:sp>
+        <p:nvSpPr>
+          <p:cNvPr id="13" name="타원 12">
+            <a:extLst>
+              <a:ext uri="{FF2B5EF4-FFF2-40B4-BE49-F238E27FC236}">
+                <a16:creationId xmlns:a16="http://schemas.microsoft.com/office/drawing/2014/main" id="{983C9EE4-15B2-42F5-8466-9D73BAC47D63}"/>
+              </a:ext>
+            </a:extLst>
+          </p:cNvPr>
+          <p:cNvSpPr/>
+          <p:nvPr/>
+        </p:nvSpPr>
+        <p:spPr>
+          <a:xfrm>
+            <a:off x="2411760" y="3507854"/>
+            <a:ext cx="102422" cy="144016"/>
+          </a:xfrm>
+          <a:prstGeom prst="ellipse">
+            <a:avLst/>
+          </a:prstGeom>
+          <a:solidFill>
+            <a:srgbClr val="FF0000"/>
+          </a:solidFill>
+          <a:ln>
+            <a:noFill/>
+          </a:ln>
+        </p:spPr>
+        <p:style>
+          <a:lnRef idx="2">
+            <a:schemeClr val="accent1">
+              <a:shade val="50000"/>
+            </a:schemeClr>
+          </a:lnRef>
+          <a:fillRef idx="1">
+            <a:schemeClr val="accent1"/>
+          </a:fillRef>
+          <a:effectRef idx="0">
+            <a:schemeClr val="accent1"/>
+          </a:effectRef>
+          <a:fontRef idx="minor">
+            <a:schemeClr val="lt1"/>
+          </a:fontRef>
+        </p:style>
+        <p:txBody>
+          <a:bodyPr rtlCol="0" anchor="ctr"/>
+          <a:lstStyle/>
+          <a:p>
+            <a:pPr algn="ctr"/>
+            <a:endParaRPr lang="ko-KR" altLang="en-US"/>
           </a:p>
         </p:txBody>
       </p:sp>
       <p:pic>
         <p:nvPicPr>
-          <p:cNvPr id="22" name="그림 21">
+          <p:cNvPr id="10" name="그림 9">
             <a:extLst>
               <a:ext uri="{FF2B5EF4-FFF2-40B4-BE49-F238E27FC236}">
-                <a16:creationId xmlns:a16="http://schemas.microsoft.com/office/drawing/2014/main" id="{9D4E3E10-E5D5-A7E5-BDC5-B535E8FB998B}"/>
+                <a16:creationId xmlns:a16="http://schemas.microsoft.com/office/drawing/2014/main" id="{97B24AC9-6C46-4713-AA8D-FC41C7E52585}"/>
               </a:ext>
             </a:extLst>
           </p:cNvPr>
@@ -9157,15 +9833,21 @@
           <p:nvPr/>
         </p:nvPicPr>
         <p:blipFill>
-          <a:blip r:embed="rId3"/>
+          <a:blip r:embed="rId3">
+            <a:extLst>
+              <a:ext uri="{28A0092B-C50C-407E-A947-70E740481C1C}">
+                <a14:useLocalDpi xmlns:a14="http://schemas.microsoft.com/office/drawing/2010/main" val="0"/>
+              </a:ext>
+            </a:extLst>
+          </a:blip>
           <a:stretch>
             <a:fillRect/>
           </a:stretch>
         </p:blipFill>
         <p:spPr>
           <a:xfrm>
-            <a:off x="5364088" y="1268354"/>
-            <a:ext cx="3339845" cy="3518520"/>
+            <a:off x="4427984" y="4188914"/>
+            <a:ext cx="4432828" cy="495369"/>
           </a:xfrm>
           <a:prstGeom prst="rect">
             <a:avLst/>
@@ -9175,7 +9857,7 @@
     </p:spTree>
     <p:extLst>
       <p:ext uri="{BB962C8B-B14F-4D97-AF65-F5344CB8AC3E}">
-        <p14:creationId xmlns:p14="http://schemas.microsoft.com/office/powerpoint/2010/main" val="1462414919"/>
+        <p14:creationId xmlns:p14="http://schemas.microsoft.com/office/powerpoint/2010/main" val="3829797759"/>
       </p:ext>
     </p:extLst>
   </p:cSld>
@@ -9444,10 +10126,10 @@
       </p:sp>
       <p:pic>
         <p:nvPicPr>
-          <p:cNvPr id="3" name="그림 2">
+          <p:cNvPr id="18" name="그림 17">
             <a:extLst>
               <a:ext uri="{FF2B5EF4-FFF2-40B4-BE49-F238E27FC236}">
-                <a16:creationId xmlns:a16="http://schemas.microsoft.com/office/drawing/2014/main" id="{036C4508-16DA-910D-0CD9-E4007CF84753}"/>
+                <a16:creationId xmlns:a16="http://schemas.microsoft.com/office/drawing/2014/main" id="{EC0627F2-4C12-DE06-0E43-2A6CE2A3C33D}"/>
               </a:ext>
             </a:extLst>
           </p:cNvPr>
@@ -9464,8 +10146,8 @@
         </p:blipFill>
         <p:spPr>
           <a:xfrm>
-            <a:off x="539552" y="1373648"/>
-            <a:ext cx="4608512" cy="2396203"/>
+            <a:off x="611560" y="1331441"/>
+            <a:ext cx="4392488" cy="882997"/>
           </a:xfrm>
           <a:prstGeom prst="rect">
             <a:avLst/>
@@ -9474,10 +10156,10 @@
       </p:pic>
       <p:sp>
         <p:nvSpPr>
-          <p:cNvPr id="4" name="TextBox 3">
+          <p:cNvPr id="20" name="TextBox 19">
             <a:extLst>
               <a:ext uri="{FF2B5EF4-FFF2-40B4-BE49-F238E27FC236}">
-                <a16:creationId xmlns:a16="http://schemas.microsoft.com/office/drawing/2014/main" id="{74FE8C9E-5FB9-D6CD-BDB1-E001101A3F13}"/>
+                <a16:creationId xmlns:a16="http://schemas.microsoft.com/office/drawing/2014/main" id="{F2A57230-D5CF-EACF-281F-B0FD7F3D0C24}"/>
               </a:ext>
             </a:extLst>
           </p:cNvPr>
@@ -9486,8 +10168,8 @@
         </p:nvSpPr>
         <p:spPr>
           <a:xfrm>
-            <a:off x="5364088" y="1347614"/>
-            <a:ext cx="3526067" cy="2862322"/>
+            <a:off x="611560" y="2859782"/>
+            <a:ext cx="4392488" cy="1569660"/>
           </a:xfrm>
           <a:prstGeom prst="rect">
             <a:avLst/>
@@ -9501,54 +10183,120 @@
           <a:lstStyle/>
           <a:p>
             <a:r>
-              <a:rPr lang="en-US" altLang="ko-KR" dirty="0"/>
-              <a:t>Import </a:t>
-            </a:r>
-            <a:r>
-              <a:rPr lang="ko-KR" altLang="en-US" dirty="0"/>
-              <a:t>과정을 거치게 되면</a:t>
-            </a:r>
-            <a:r>
-              <a:rPr lang="en-US" altLang="ko-KR" dirty="0"/>
-              <a:t>, </a:t>
-            </a:r>
-            <a:r>
-              <a:rPr lang="ko-KR" altLang="en-US" dirty="0"/>
-              <a:t>테이블 배너에서 자동으로 테이블이 생성 되어있는 것을 확인할 수 있었습니다</a:t>
-            </a:r>
-            <a:r>
-              <a:rPr lang="en-US" altLang="ko-KR" dirty="0"/>
-              <a:t>. </a:t>
-            </a:r>
-          </a:p>
-          <a:p>
-            <a:endParaRPr lang="en-US" altLang="ko-KR" dirty="0"/>
-          </a:p>
-          <a:p>
-            <a:r>
-              <a:rPr lang="ko-KR" altLang="en-US" dirty="0"/>
-              <a:t>공공 데이터셋들을 바로바로 테이블로 관리하고</a:t>
-            </a:r>
-            <a:r>
-              <a:rPr lang="en-US" altLang="ko-KR" dirty="0"/>
-              <a:t>, </a:t>
-            </a:r>
-            <a:r>
-              <a:rPr lang="ko-KR" altLang="en-US" dirty="0"/>
-              <a:t>필요하다면 데이터를 가공과정을 거쳐서 클라이언트 단에 넘겨줄 수 있는 환경을 만들었습니다</a:t>
-            </a:r>
-            <a:r>
-              <a:rPr lang="en-US" altLang="ko-KR" dirty="0"/>
+              <a:rPr lang="en-US" altLang="ko-KR" sz="1600" dirty="0"/>
+              <a:t> </a:t>
+            </a:r>
+            <a:r>
+              <a:rPr lang="en-US" altLang="ko-KR" sz="1600" dirty="0" err="1"/>
+              <a:t>Postgresql</a:t>
+            </a:r>
+            <a:r>
+              <a:rPr lang="ko-KR" altLang="en-US" sz="1600" dirty="0"/>
+              <a:t>에서는 </a:t>
+            </a:r>
+            <a:r>
+              <a:rPr lang="en-US" altLang="ko-KR" sz="1600" dirty="0"/>
+              <a:t>shapefile</a:t>
+            </a:r>
+            <a:r>
+              <a:rPr lang="ko-KR" altLang="en-US" sz="1600" dirty="0"/>
+              <a:t>을 </a:t>
+            </a:r>
+            <a:r>
+              <a:rPr lang="en-US" altLang="ko-KR" sz="1600" dirty="0" err="1"/>
+              <a:t>impor</a:t>
+            </a:r>
+            <a:r>
+              <a:rPr lang="ko-KR" altLang="en-US" sz="1600" dirty="0"/>
+              <a:t>할 수 있도록 도와주는 </a:t>
+            </a:r>
+            <a:r>
+              <a:rPr lang="en-US" altLang="ko-KR" sz="1600" dirty="0"/>
+              <a:t>Manager </a:t>
+            </a:r>
+            <a:r>
+              <a:rPr lang="ko-KR" altLang="en-US" sz="1600" dirty="0"/>
+              <a:t>툴을 제공하고 있습니다</a:t>
+            </a:r>
+            <a:r>
+              <a:rPr lang="en-US" altLang="ko-KR" sz="1600" dirty="0"/>
               <a:t>.</a:t>
             </a:r>
-            <a:endParaRPr lang="ko-KR" altLang="en-US" dirty="0"/>
+          </a:p>
+          <a:p>
+            <a:endParaRPr lang="en-US" altLang="ko-KR" sz="1600" dirty="0"/>
+          </a:p>
+          <a:p>
+            <a:r>
+              <a:rPr lang="en-US" altLang="ko-KR" sz="1600" dirty="0"/>
+              <a:t> </a:t>
+            </a:r>
+            <a:r>
+              <a:rPr lang="ko-KR" altLang="en-US" sz="1600" dirty="0"/>
+              <a:t>따라서 </a:t>
+            </a:r>
+            <a:r>
+              <a:rPr lang="en-US" altLang="ko-KR" sz="1600" dirty="0" err="1"/>
+              <a:t>shp</a:t>
+            </a:r>
+            <a:r>
+              <a:rPr lang="en-US" altLang="ko-KR" sz="1600" dirty="0"/>
+              <a:t> </a:t>
+            </a:r>
+            <a:r>
+              <a:rPr lang="ko-KR" altLang="en-US" sz="1600" dirty="0"/>
+              <a:t>파일 형식의 데이터셋을 다운 받고</a:t>
+            </a:r>
+            <a:r>
+              <a:rPr lang="en-US" altLang="ko-KR" sz="1600" dirty="0"/>
+              <a:t>,</a:t>
+            </a:r>
+            <a:r>
+              <a:rPr lang="ko-KR" altLang="en-US" sz="1600" dirty="0"/>
+              <a:t> 자동으로 데이터베이스 테이블을 생성할 수 있습니다</a:t>
+            </a:r>
+            <a:r>
+              <a:rPr lang="en-US" altLang="ko-KR" sz="1600" dirty="0"/>
+              <a:t>.</a:t>
+            </a:r>
+            <a:endParaRPr lang="ko-KR" altLang="en-US" sz="1600" dirty="0"/>
           </a:p>
         </p:txBody>
       </p:sp>
+      <p:pic>
+        <p:nvPicPr>
+          <p:cNvPr id="22" name="그림 21">
+            <a:extLst>
+              <a:ext uri="{FF2B5EF4-FFF2-40B4-BE49-F238E27FC236}">
+                <a16:creationId xmlns:a16="http://schemas.microsoft.com/office/drawing/2014/main" id="{9D4E3E10-E5D5-A7E5-BDC5-B535E8FB998B}"/>
+              </a:ext>
+            </a:extLst>
+          </p:cNvPr>
+          <p:cNvPicPr>
+            <a:picLocks noChangeAspect="1"/>
+          </p:cNvPicPr>
+          <p:nvPr/>
+        </p:nvPicPr>
+        <p:blipFill>
+          <a:blip r:embed="rId3"/>
+          <a:stretch>
+            <a:fillRect/>
+          </a:stretch>
+        </p:blipFill>
+        <p:spPr>
+          <a:xfrm>
+            <a:off x="5364088" y="1268354"/>
+            <a:ext cx="3339845" cy="3518520"/>
+          </a:xfrm>
+          <a:prstGeom prst="rect">
+            <a:avLst/>
+          </a:prstGeom>
+        </p:spPr>
+      </p:pic>
     </p:spTree>
     <p:extLst>
       <p:ext uri="{BB962C8B-B14F-4D97-AF65-F5344CB8AC3E}">
-        <p14:creationId xmlns:p14="http://schemas.microsoft.com/office/powerpoint/2010/main" val="3771500669"/>
+        <p14:creationId xmlns:p14="http://schemas.microsoft.com/office/powerpoint/2010/main" val="1462414919"/>
       </p:ext>
     </p:extLst>
   </p:cSld>
@@ -9577,38 +10325,335 @@
       </p:grpSpPr>
       <p:sp>
         <p:nvSpPr>
-          <p:cNvPr id="2" name="Text Placeholder 1"/>
-          <p:cNvSpPr>
-            <a:spLocks noGrp="1"/>
+          <p:cNvPr id="7" name="Text Placeholder 1">
+            <a:extLst>
+              <a:ext uri="{FF2B5EF4-FFF2-40B4-BE49-F238E27FC236}">
+                <a16:creationId xmlns:a16="http://schemas.microsoft.com/office/drawing/2014/main" id="{6C6E7023-D460-0F97-430A-19AD2F53371C}"/>
+              </a:ext>
+            </a:extLst>
+          </p:cNvPr>
+          <p:cNvSpPr txBox="1">
+            <a:spLocks/>
           </p:cNvSpPr>
-          <p:nvPr>
-            <p:ph type="body" sz="quarter" idx="10"/>
-          </p:nvPr>
+          <p:nvPr/>
         </p:nvSpPr>
         <p:spPr>
           <a:xfrm>
-            <a:off x="2123728" y="3219822"/>
-            <a:ext cx="4896544" cy="576064"/>
-          </a:xfrm>
+            <a:off x="323528" y="195486"/>
+            <a:ext cx="8208912" cy="576064"/>
+          </a:xfrm>
+          <a:prstGeom prst="rect">
+            <a:avLst/>
+          </a:prstGeom>
         </p:spPr>
         <p:txBody>
-          <a:bodyPr/>
+          <a:bodyPr anchor="ctr"/>
+          <a:lstStyle>
+            <a:lvl1pPr marL="0" indent="0" algn="l" defTabSz="914400" rtl="0" eaLnBrk="1" latinLnBrk="1" hangingPunct="1">
+              <a:spcBef>
+                <a:spcPct val="20000"/>
+              </a:spcBef>
+              <a:buFont typeface="Arial" pitchFamily="34" charset="0"/>
+              <a:buNone/>
+              <a:defRPr sz="3600" b="0" kern="1200" baseline="0">
+                <a:solidFill>
+                  <a:schemeClr val="tx1">
+                    <a:lumMod val="75000"/>
+                    <a:lumOff val="25000"/>
+                  </a:schemeClr>
+                </a:solidFill>
+                <a:latin typeface="+mj-lt"/>
+                <a:ea typeface="+mn-ea"/>
+                <a:cs typeface="Arial" pitchFamily="34" charset="0"/>
+              </a:defRPr>
+            </a:lvl1pPr>
+            <a:lvl2pPr marL="742950" indent="-285750" algn="l" defTabSz="914400" rtl="0" eaLnBrk="1" latinLnBrk="1" hangingPunct="1">
+              <a:spcBef>
+                <a:spcPct val="20000"/>
+              </a:spcBef>
+              <a:buFont typeface="Arial" pitchFamily="34" charset="0"/>
+              <a:buChar char="–"/>
+              <a:defRPr sz="2800" kern="1200">
+                <a:solidFill>
+                  <a:schemeClr val="tx1"/>
+                </a:solidFill>
+                <a:latin typeface="+mn-lt"/>
+                <a:ea typeface="+mn-ea"/>
+                <a:cs typeface="+mn-cs"/>
+              </a:defRPr>
+            </a:lvl2pPr>
+            <a:lvl3pPr marL="1143000" indent="-228600" algn="l" defTabSz="914400" rtl="0" eaLnBrk="1" latinLnBrk="1" hangingPunct="1">
+              <a:spcBef>
+                <a:spcPct val="20000"/>
+              </a:spcBef>
+              <a:buFont typeface="Arial" pitchFamily="34" charset="0"/>
+              <a:buChar char="•"/>
+              <a:defRPr sz="2400" kern="1200">
+                <a:solidFill>
+                  <a:schemeClr val="tx1"/>
+                </a:solidFill>
+                <a:latin typeface="+mn-lt"/>
+                <a:ea typeface="+mn-ea"/>
+                <a:cs typeface="+mn-cs"/>
+              </a:defRPr>
+            </a:lvl3pPr>
+            <a:lvl4pPr marL="1600200" indent="-228600" algn="l" defTabSz="914400" rtl="0" eaLnBrk="1" latinLnBrk="1" hangingPunct="1">
+              <a:spcBef>
+                <a:spcPct val="20000"/>
+              </a:spcBef>
+              <a:buFont typeface="Arial" pitchFamily="34" charset="0"/>
+              <a:buChar char="–"/>
+              <a:defRPr sz="2000" kern="1200">
+                <a:solidFill>
+                  <a:schemeClr val="tx1"/>
+                </a:solidFill>
+                <a:latin typeface="+mn-lt"/>
+                <a:ea typeface="+mn-ea"/>
+                <a:cs typeface="+mn-cs"/>
+              </a:defRPr>
+            </a:lvl4pPr>
+            <a:lvl5pPr marL="2057400" indent="-228600" algn="l" defTabSz="914400" rtl="0" eaLnBrk="1" latinLnBrk="1" hangingPunct="1">
+              <a:spcBef>
+                <a:spcPct val="20000"/>
+              </a:spcBef>
+              <a:buFont typeface="Arial" pitchFamily="34" charset="0"/>
+              <a:buChar char="»"/>
+              <a:defRPr sz="2000" kern="1200">
+                <a:solidFill>
+                  <a:schemeClr val="tx1"/>
+                </a:solidFill>
+                <a:latin typeface="+mn-lt"/>
+                <a:ea typeface="+mn-ea"/>
+                <a:cs typeface="+mn-cs"/>
+              </a:defRPr>
+            </a:lvl5pPr>
+            <a:lvl6pPr marL="2514600" indent="-228600" algn="l" defTabSz="914400" rtl="0" eaLnBrk="1" latinLnBrk="1" hangingPunct="1">
+              <a:spcBef>
+                <a:spcPct val="20000"/>
+              </a:spcBef>
+              <a:buFont typeface="Arial" pitchFamily="34" charset="0"/>
+              <a:buChar char="•"/>
+              <a:defRPr sz="2000" kern="1200">
+                <a:solidFill>
+                  <a:schemeClr val="tx1"/>
+                </a:solidFill>
+                <a:latin typeface="+mn-lt"/>
+                <a:ea typeface="+mn-ea"/>
+                <a:cs typeface="+mn-cs"/>
+              </a:defRPr>
+            </a:lvl6pPr>
+            <a:lvl7pPr marL="2971800" indent="-228600" algn="l" defTabSz="914400" rtl="0" eaLnBrk="1" latinLnBrk="1" hangingPunct="1">
+              <a:spcBef>
+                <a:spcPct val="20000"/>
+              </a:spcBef>
+              <a:buFont typeface="Arial" pitchFamily="34" charset="0"/>
+              <a:buChar char="•"/>
+              <a:defRPr sz="2000" kern="1200">
+                <a:solidFill>
+                  <a:schemeClr val="tx1"/>
+                </a:solidFill>
+                <a:latin typeface="+mn-lt"/>
+                <a:ea typeface="+mn-ea"/>
+                <a:cs typeface="+mn-cs"/>
+              </a:defRPr>
+            </a:lvl7pPr>
+            <a:lvl8pPr marL="3429000" indent="-228600" algn="l" defTabSz="914400" rtl="0" eaLnBrk="1" latinLnBrk="1" hangingPunct="1">
+              <a:spcBef>
+                <a:spcPct val="20000"/>
+              </a:spcBef>
+              <a:buFont typeface="Arial" pitchFamily="34" charset="0"/>
+              <a:buChar char="•"/>
+              <a:defRPr sz="2000" kern="1200">
+                <a:solidFill>
+                  <a:schemeClr val="tx1"/>
+                </a:solidFill>
+                <a:latin typeface="+mn-lt"/>
+                <a:ea typeface="+mn-ea"/>
+                <a:cs typeface="+mn-cs"/>
+              </a:defRPr>
+            </a:lvl8pPr>
+            <a:lvl9pPr marL="3886200" indent="-228600" algn="l" defTabSz="914400" rtl="0" eaLnBrk="1" latinLnBrk="1" hangingPunct="1">
+              <a:spcBef>
+                <a:spcPct val="20000"/>
+              </a:spcBef>
+              <a:buFont typeface="Arial" pitchFamily="34" charset="0"/>
+              <a:buChar char="•"/>
+              <a:defRPr sz="2000" kern="1200">
+                <a:solidFill>
+                  <a:schemeClr val="tx1"/>
+                </a:solidFill>
+                <a:latin typeface="+mn-lt"/>
+                <a:ea typeface="+mn-ea"/>
+                <a:cs typeface="+mn-cs"/>
+              </a:defRPr>
+            </a:lvl9pPr>
+          </a:lstStyle>
+          <a:p>
+            <a:r>
+              <a:rPr lang="en-US" altLang="ko-KR" sz="2800" dirty="0"/>
+              <a:t>2. </a:t>
+            </a:r>
+            <a:r>
+              <a:rPr lang="ko-KR" altLang="en-US" sz="2800" dirty="0"/>
+              <a:t>진행 상황</a:t>
+            </a:r>
+          </a:p>
+        </p:txBody>
+      </p:sp>
+      <p:sp>
+        <p:nvSpPr>
+          <p:cNvPr id="16" name="TextBox 15">
+            <a:extLst>
+              <a:ext uri="{FF2B5EF4-FFF2-40B4-BE49-F238E27FC236}">
+                <a16:creationId xmlns:a16="http://schemas.microsoft.com/office/drawing/2014/main" id="{68C3F217-1357-88AA-3607-CD0C0B6FC365}"/>
+              </a:ext>
+            </a:extLst>
+          </p:cNvPr>
+          <p:cNvSpPr txBox="1"/>
+          <p:nvPr/>
+        </p:nvSpPr>
+        <p:spPr>
+          <a:xfrm>
+            <a:off x="395536" y="771550"/>
+            <a:ext cx="7416824" cy="369332"/>
+          </a:xfrm>
+          <a:prstGeom prst="rect">
+            <a:avLst/>
+          </a:prstGeom>
+          <a:noFill/>
+        </p:spPr>
+        <p:txBody>
+          <a:bodyPr wrap="square" rtlCol="0">
+            <a:spAutoFit/>
+          </a:bodyPr>
           <a:lstStyle/>
           <a:p>
             <a:r>
-              <a:rPr lang="ko-KR" altLang="en-US" sz="3600" dirty="0">
-                <a:ea typeface="맑은 고딕" pitchFamily="50" charset="-127"/>
-              </a:rPr>
-              <a:t>주 연구사항</a:t>
-            </a:r>
-            <a:endParaRPr lang="en-US" altLang="ko-KR" sz="3600" dirty="0"/>
+              <a:rPr lang="en-US" altLang="ko-KR" dirty="0"/>
+              <a:t>** </a:t>
+            </a:r>
+            <a:r>
+              <a:rPr lang="ko-KR" altLang="en-US" dirty="0"/>
+              <a:t>테이블 생성 </a:t>
+            </a:r>
+            <a:r>
+              <a:rPr lang="en-US" altLang="ko-KR" dirty="0"/>
+              <a:t>(with </a:t>
+            </a:r>
+            <a:r>
+              <a:rPr lang="ko-KR" altLang="en-US" dirty="0"/>
+              <a:t>오픈 데이터셋 파일 </a:t>
+            </a:r>
+            <a:r>
+              <a:rPr lang="en-US" altLang="ko-KR" dirty="0"/>
+              <a:t>, </a:t>
+            </a:r>
+            <a:r>
+              <a:rPr lang="en-US" altLang="ko-KR" dirty="0" err="1"/>
+              <a:t>Postgresql</a:t>
+            </a:r>
+            <a:r>
+              <a:rPr lang="en-US" altLang="ko-KR" dirty="0"/>
+              <a:t>)</a:t>
+            </a:r>
+            <a:r>
+              <a:rPr lang="ko-KR" altLang="en-US" dirty="0"/>
+              <a:t> </a:t>
+            </a:r>
+          </a:p>
+        </p:txBody>
+      </p:sp>
+      <p:pic>
+        <p:nvPicPr>
+          <p:cNvPr id="3" name="그림 2">
+            <a:extLst>
+              <a:ext uri="{FF2B5EF4-FFF2-40B4-BE49-F238E27FC236}">
+                <a16:creationId xmlns:a16="http://schemas.microsoft.com/office/drawing/2014/main" id="{036C4508-16DA-910D-0CD9-E4007CF84753}"/>
+              </a:ext>
+            </a:extLst>
+          </p:cNvPr>
+          <p:cNvPicPr>
+            <a:picLocks noChangeAspect="1"/>
+          </p:cNvPicPr>
+          <p:nvPr/>
+        </p:nvPicPr>
+        <p:blipFill>
+          <a:blip r:embed="rId2"/>
+          <a:stretch>
+            <a:fillRect/>
+          </a:stretch>
+        </p:blipFill>
+        <p:spPr>
+          <a:xfrm>
+            <a:off x="539552" y="1373648"/>
+            <a:ext cx="4608512" cy="2396203"/>
+          </a:xfrm>
+          <a:prstGeom prst="rect">
+            <a:avLst/>
+          </a:prstGeom>
+        </p:spPr>
+      </p:pic>
+      <p:sp>
+        <p:nvSpPr>
+          <p:cNvPr id="4" name="TextBox 3">
+            <a:extLst>
+              <a:ext uri="{FF2B5EF4-FFF2-40B4-BE49-F238E27FC236}">
+                <a16:creationId xmlns:a16="http://schemas.microsoft.com/office/drawing/2014/main" id="{74FE8C9E-5FB9-D6CD-BDB1-E001101A3F13}"/>
+              </a:ext>
+            </a:extLst>
+          </p:cNvPr>
+          <p:cNvSpPr txBox="1"/>
+          <p:nvPr/>
+        </p:nvSpPr>
+        <p:spPr>
+          <a:xfrm>
+            <a:off x="5652120" y="2139702"/>
+            <a:ext cx="3024336" cy="1815882"/>
+          </a:xfrm>
+          <a:prstGeom prst="rect">
+            <a:avLst/>
+          </a:prstGeom>
+          <a:noFill/>
+        </p:spPr>
+        <p:txBody>
+          <a:bodyPr wrap="square" rtlCol="0">
+            <a:spAutoFit/>
+          </a:bodyPr>
+          <a:lstStyle/>
+          <a:p>
+            <a:r>
+              <a:rPr lang="ko-KR" altLang="en-US" sz="1600" dirty="0"/>
+              <a:t> 이로써 공공 데이터셋들을 바로바로 테이블로 관리하고</a:t>
+            </a:r>
+            <a:r>
+              <a:rPr lang="en-US" altLang="ko-KR" sz="1600" dirty="0"/>
+              <a:t>,</a:t>
+            </a:r>
+          </a:p>
+          <a:p>
+            <a:endParaRPr lang="en-US" altLang="ko-KR" sz="1600" dirty="0"/>
+          </a:p>
+          <a:p>
+            <a:r>
+              <a:rPr lang="en-US" altLang="ko-KR" sz="1600" dirty="0"/>
+              <a:t> </a:t>
+            </a:r>
+            <a:r>
+              <a:rPr lang="ko-KR" altLang="en-US" sz="1600" dirty="0"/>
+              <a:t>필요에 따라 데이터 가공과정을 거쳐 클라이언트 단에 넘겨줄 수 있는 환경을 만들었습니다</a:t>
+            </a:r>
+            <a:r>
+              <a:rPr lang="en-US" altLang="ko-KR" sz="1600" dirty="0"/>
+              <a:t>.</a:t>
+            </a:r>
+            <a:endParaRPr lang="ko-KR" altLang="en-US" sz="1600" dirty="0"/>
           </a:p>
         </p:txBody>
       </p:sp>
     </p:spTree>
     <p:extLst>
       <p:ext uri="{BB962C8B-B14F-4D97-AF65-F5344CB8AC3E}">
-        <p14:creationId xmlns:p14="http://schemas.microsoft.com/office/powerpoint/2010/main" val="4191296738"/>
+        <p14:creationId xmlns:p14="http://schemas.microsoft.com/office/powerpoint/2010/main" val="3771500669"/>
       </p:ext>
     </p:extLst>
   </p:cSld>
@@ -9637,432 +10682,38 @@
       </p:grpSpPr>
       <p:sp>
         <p:nvSpPr>
-          <p:cNvPr id="6" name="Text Placeholder 1">
-            <a:extLst>
-              <a:ext uri="{FF2B5EF4-FFF2-40B4-BE49-F238E27FC236}">
-                <a16:creationId xmlns:a16="http://schemas.microsoft.com/office/drawing/2014/main" id="{64F3C528-607C-E988-CB1F-3FCF671E3D35}"/>
-              </a:ext>
-            </a:extLst>
-          </p:cNvPr>
-          <p:cNvSpPr txBox="1">
-            <a:spLocks/>
+          <p:cNvPr id="2" name="Text Placeholder 1"/>
+          <p:cNvSpPr>
+            <a:spLocks noGrp="1"/>
           </p:cNvSpPr>
-          <p:nvPr/>
+          <p:nvPr>
+            <p:ph type="body" sz="quarter" idx="10"/>
+          </p:nvPr>
         </p:nvSpPr>
         <p:spPr>
           <a:xfrm>
-            <a:off x="323528" y="195486"/>
-            <a:ext cx="8208912" cy="576064"/>
-          </a:xfrm>
-          <a:prstGeom prst="rect">
-            <a:avLst/>
-          </a:prstGeom>
+            <a:off x="2123728" y="3219822"/>
+            <a:ext cx="4896544" cy="576064"/>
+          </a:xfrm>
         </p:spPr>
         <p:txBody>
-          <a:bodyPr anchor="ctr"/>
-          <a:lstStyle>
-            <a:lvl1pPr marL="0" indent="0" algn="l" defTabSz="914400" rtl="0" eaLnBrk="1" latinLnBrk="1" hangingPunct="1">
-              <a:spcBef>
-                <a:spcPct val="20000"/>
-              </a:spcBef>
-              <a:buFont typeface="Arial" pitchFamily="34" charset="0"/>
-              <a:buNone/>
-              <a:defRPr sz="3600" b="0" kern="1200" baseline="0">
-                <a:solidFill>
-                  <a:schemeClr val="tx1">
-                    <a:lumMod val="75000"/>
-                    <a:lumOff val="25000"/>
-                  </a:schemeClr>
-                </a:solidFill>
-                <a:latin typeface="+mj-lt"/>
-                <a:ea typeface="+mn-ea"/>
-                <a:cs typeface="Arial" pitchFamily="34" charset="0"/>
-              </a:defRPr>
-            </a:lvl1pPr>
-            <a:lvl2pPr marL="742950" indent="-285750" algn="l" defTabSz="914400" rtl="0" eaLnBrk="1" latinLnBrk="1" hangingPunct="1">
-              <a:spcBef>
-                <a:spcPct val="20000"/>
-              </a:spcBef>
-              <a:buFont typeface="Arial" pitchFamily="34" charset="0"/>
-              <a:buChar char="–"/>
-              <a:defRPr sz="2800" kern="1200">
-                <a:solidFill>
-                  <a:schemeClr val="tx1"/>
-                </a:solidFill>
-                <a:latin typeface="+mn-lt"/>
-                <a:ea typeface="+mn-ea"/>
-                <a:cs typeface="+mn-cs"/>
-              </a:defRPr>
-            </a:lvl2pPr>
-            <a:lvl3pPr marL="1143000" indent="-228600" algn="l" defTabSz="914400" rtl="0" eaLnBrk="1" latinLnBrk="1" hangingPunct="1">
-              <a:spcBef>
-                <a:spcPct val="20000"/>
-              </a:spcBef>
-              <a:buFont typeface="Arial" pitchFamily="34" charset="0"/>
-              <a:buChar char="•"/>
-              <a:defRPr sz="2400" kern="1200">
-                <a:solidFill>
-                  <a:schemeClr val="tx1"/>
-                </a:solidFill>
-                <a:latin typeface="+mn-lt"/>
-                <a:ea typeface="+mn-ea"/>
-                <a:cs typeface="+mn-cs"/>
-              </a:defRPr>
-            </a:lvl3pPr>
-            <a:lvl4pPr marL="1600200" indent="-228600" algn="l" defTabSz="914400" rtl="0" eaLnBrk="1" latinLnBrk="1" hangingPunct="1">
-              <a:spcBef>
-                <a:spcPct val="20000"/>
-              </a:spcBef>
-              <a:buFont typeface="Arial" pitchFamily="34" charset="0"/>
-              <a:buChar char="–"/>
-              <a:defRPr sz="2000" kern="1200">
-                <a:solidFill>
-                  <a:schemeClr val="tx1"/>
-                </a:solidFill>
-                <a:latin typeface="+mn-lt"/>
-                <a:ea typeface="+mn-ea"/>
-                <a:cs typeface="+mn-cs"/>
-              </a:defRPr>
-            </a:lvl4pPr>
-            <a:lvl5pPr marL="2057400" indent="-228600" algn="l" defTabSz="914400" rtl="0" eaLnBrk="1" latinLnBrk="1" hangingPunct="1">
-              <a:spcBef>
-                <a:spcPct val="20000"/>
-              </a:spcBef>
-              <a:buFont typeface="Arial" pitchFamily="34" charset="0"/>
-              <a:buChar char="»"/>
-              <a:defRPr sz="2000" kern="1200">
-                <a:solidFill>
-                  <a:schemeClr val="tx1"/>
-                </a:solidFill>
-                <a:latin typeface="+mn-lt"/>
-                <a:ea typeface="+mn-ea"/>
-                <a:cs typeface="+mn-cs"/>
-              </a:defRPr>
-            </a:lvl5pPr>
-            <a:lvl6pPr marL="2514600" indent="-228600" algn="l" defTabSz="914400" rtl="0" eaLnBrk="1" latinLnBrk="1" hangingPunct="1">
-              <a:spcBef>
-                <a:spcPct val="20000"/>
-              </a:spcBef>
-              <a:buFont typeface="Arial" pitchFamily="34" charset="0"/>
-              <a:buChar char="•"/>
-              <a:defRPr sz="2000" kern="1200">
-                <a:solidFill>
-                  <a:schemeClr val="tx1"/>
-                </a:solidFill>
-                <a:latin typeface="+mn-lt"/>
-                <a:ea typeface="+mn-ea"/>
-                <a:cs typeface="+mn-cs"/>
-              </a:defRPr>
-            </a:lvl6pPr>
-            <a:lvl7pPr marL="2971800" indent="-228600" algn="l" defTabSz="914400" rtl="0" eaLnBrk="1" latinLnBrk="1" hangingPunct="1">
-              <a:spcBef>
-                <a:spcPct val="20000"/>
-              </a:spcBef>
-              <a:buFont typeface="Arial" pitchFamily="34" charset="0"/>
-              <a:buChar char="•"/>
-              <a:defRPr sz="2000" kern="1200">
-                <a:solidFill>
-                  <a:schemeClr val="tx1"/>
-                </a:solidFill>
-                <a:latin typeface="+mn-lt"/>
-                <a:ea typeface="+mn-ea"/>
-                <a:cs typeface="+mn-cs"/>
-              </a:defRPr>
-            </a:lvl7pPr>
-            <a:lvl8pPr marL="3429000" indent="-228600" algn="l" defTabSz="914400" rtl="0" eaLnBrk="1" latinLnBrk="1" hangingPunct="1">
-              <a:spcBef>
-                <a:spcPct val="20000"/>
-              </a:spcBef>
-              <a:buFont typeface="Arial" pitchFamily="34" charset="0"/>
-              <a:buChar char="•"/>
-              <a:defRPr sz="2000" kern="1200">
-                <a:solidFill>
-                  <a:schemeClr val="tx1"/>
-                </a:solidFill>
-                <a:latin typeface="+mn-lt"/>
-                <a:ea typeface="+mn-ea"/>
-                <a:cs typeface="+mn-cs"/>
-              </a:defRPr>
-            </a:lvl8pPr>
-            <a:lvl9pPr marL="3886200" indent="-228600" algn="l" defTabSz="914400" rtl="0" eaLnBrk="1" latinLnBrk="1" hangingPunct="1">
-              <a:spcBef>
-                <a:spcPct val="20000"/>
-              </a:spcBef>
-              <a:buFont typeface="Arial" pitchFamily="34" charset="0"/>
-              <a:buChar char="•"/>
-              <a:defRPr sz="2000" kern="1200">
-                <a:solidFill>
-                  <a:schemeClr val="tx1"/>
-                </a:solidFill>
-                <a:latin typeface="+mn-lt"/>
-                <a:ea typeface="+mn-ea"/>
-                <a:cs typeface="+mn-cs"/>
-              </a:defRPr>
-            </a:lvl9pPr>
-          </a:lstStyle>
-          <a:p>
-            <a:r>
-              <a:rPr lang="en-US" altLang="ko-KR" sz="2800" dirty="0"/>
-              <a:t>* GPS </a:t>
-            </a:r>
-            <a:r>
-              <a:rPr lang="ko-KR" altLang="en-US" sz="2800" dirty="0"/>
-              <a:t>오차범위</a:t>
-            </a:r>
-          </a:p>
-        </p:txBody>
-      </p:sp>
-      <p:sp>
-        <p:nvSpPr>
-          <p:cNvPr id="5" name="TextBox 4">
-            <a:extLst>
-              <a:ext uri="{FF2B5EF4-FFF2-40B4-BE49-F238E27FC236}">
-                <a16:creationId xmlns:a16="http://schemas.microsoft.com/office/drawing/2014/main" id="{12392020-71DB-288A-0340-BF46D25428A2}"/>
-              </a:ext>
-            </a:extLst>
-          </p:cNvPr>
-          <p:cNvSpPr txBox="1"/>
-          <p:nvPr/>
-        </p:nvSpPr>
-        <p:spPr>
-          <a:xfrm>
-            <a:off x="492448" y="627534"/>
-            <a:ext cx="8352928" cy="461665"/>
-          </a:xfrm>
-          <a:prstGeom prst="rect">
-            <a:avLst/>
-          </a:prstGeom>
-          <a:noFill/>
-        </p:spPr>
-        <p:txBody>
-          <a:bodyPr wrap="square" rtlCol="0">
-            <a:spAutoFit/>
-          </a:bodyPr>
+          <a:bodyPr/>
           <a:lstStyle/>
           <a:p>
             <a:r>
-              <a:rPr lang="en-US" altLang="ko-KR" dirty="0"/>
-              <a:t>GPS </a:t>
-            </a:r>
-            <a:r>
-              <a:rPr lang="ko-KR" altLang="en-US" dirty="0"/>
-              <a:t>오차범위 발생의 주요원인인  </a:t>
-            </a:r>
-            <a:r>
-              <a:rPr lang="en-US" altLang="ko-KR" dirty="0"/>
-              <a:t>“</a:t>
-            </a:r>
-            <a:r>
-              <a:rPr lang="ko-KR" altLang="en-US" sz="2400" dirty="0"/>
-              <a:t>다중경로 효과</a:t>
-            </a:r>
-            <a:r>
-              <a:rPr lang="en-US" altLang="ko-KR" dirty="0"/>
-              <a:t>”</a:t>
-            </a:r>
-            <a:endParaRPr lang="ko-KR" altLang="en-US" dirty="0"/>
-          </a:p>
-        </p:txBody>
-      </p:sp>
-      <p:pic>
-        <p:nvPicPr>
-          <p:cNvPr id="8" name="그림 7" descr="텍스트, 컴퓨터, 아코디언이(가) 표시된 사진&#10;&#10;자동 생성된 설명">
-            <a:extLst>
-              <a:ext uri="{FF2B5EF4-FFF2-40B4-BE49-F238E27FC236}">
-                <a16:creationId xmlns:a16="http://schemas.microsoft.com/office/drawing/2014/main" id="{52E62505-942B-4A50-BFAD-956AFC126FC3}"/>
-              </a:ext>
-            </a:extLst>
-          </p:cNvPr>
-          <p:cNvPicPr>
-            <a:picLocks noChangeAspect="1"/>
-          </p:cNvPicPr>
-          <p:nvPr/>
-        </p:nvPicPr>
-        <p:blipFill>
-          <a:blip r:embed="rId2" cstate="print">
-            <a:extLst>
-              <a:ext uri="{28A0092B-C50C-407E-A947-70E740481C1C}">
-                <a14:useLocalDpi xmlns:a14="http://schemas.microsoft.com/office/drawing/2010/main" val="0"/>
-              </a:ext>
-            </a:extLst>
-          </a:blip>
-          <a:stretch>
-            <a:fillRect/>
-          </a:stretch>
-        </p:blipFill>
-        <p:spPr>
-          <a:xfrm>
-            <a:off x="462236" y="1203598"/>
-            <a:ext cx="3910939" cy="3251589"/>
-          </a:xfrm>
-          <a:prstGeom prst="rect">
-            <a:avLst/>
-          </a:prstGeom>
-        </p:spPr>
-      </p:pic>
-      <p:sp>
-        <p:nvSpPr>
-          <p:cNvPr id="9" name="TextBox 8">
-            <a:extLst>
-              <a:ext uri="{FF2B5EF4-FFF2-40B4-BE49-F238E27FC236}">
-                <a16:creationId xmlns:a16="http://schemas.microsoft.com/office/drawing/2014/main" id="{C5E00CEE-13AC-8996-2214-2EAAC706328C}"/>
-              </a:ext>
-            </a:extLst>
-          </p:cNvPr>
-          <p:cNvSpPr txBox="1"/>
-          <p:nvPr/>
-        </p:nvSpPr>
-        <p:spPr>
-          <a:xfrm>
-            <a:off x="4668912" y="1347614"/>
-            <a:ext cx="4176464" cy="923330"/>
-          </a:xfrm>
-          <a:prstGeom prst="rect">
-            <a:avLst/>
-          </a:prstGeom>
-          <a:noFill/>
-        </p:spPr>
-        <p:txBody>
-          <a:bodyPr wrap="square" rtlCol="0">
-            <a:spAutoFit/>
-          </a:bodyPr>
-          <a:lstStyle/>
-          <a:p>
-            <a:r>
-              <a:rPr lang="ko-KR" altLang="en-US" dirty="0"/>
-              <a:t>도심의 빌딩들로 인하여</a:t>
-            </a:r>
-            <a:r>
-              <a:rPr lang="en-US" altLang="ko-KR" dirty="0"/>
-              <a:t>, </a:t>
-            </a:r>
-            <a:r>
-              <a:rPr lang="ko-KR" altLang="en-US" dirty="0"/>
-              <a:t>위성 신호가 빌딩 등에 반사되면서 제대로 판단하지 못하는 현상입니다</a:t>
-            </a:r>
-            <a:r>
-              <a:rPr lang="en-US" altLang="ko-KR" dirty="0"/>
-              <a:t>.</a:t>
-            </a:r>
-            <a:endParaRPr lang="ko-KR" altLang="en-US" dirty="0"/>
-          </a:p>
-        </p:txBody>
-      </p:sp>
-      <p:sp>
-        <p:nvSpPr>
-          <p:cNvPr id="10" name="화살표: 아래쪽 9">
-            <a:extLst>
-              <a:ext uri="{FF2B5EF4-FFF2-40B4-BE49-F238E27FC236}">
-                <a16:creationId xmlns:a16="http://schemas.microsoft.com/office/drawing/2014/main" id="{AB57BCBF-AD51-8D0B-8068-E95BEC2DE522}"/>
-              </a:ext>
-            </a:extLst>
-          </p:cNvPr>
-          <p:cNvSpPr/>
-          <p:nvPr/>
-        </p:nvSpPr>
-        <p:spPr>
-          <a:xfrm>
-            <a:off x="6372200" y="2270944"/>
-            <a:ext cx="648072" cy="923330"/>
-          </a:xfrm>
-          <a:prstGeom prst="downArrow">
-            <a:avLst/>
-          </a:prstGeom>
-          <a:solidFill>
-            <a:srgbClr val="32AEB8"/>
-          </a:solidFill>
-          <a:ln>
-            <a:noFill/>
-          </a:ln>
-        </p:spPr>
-        <p:style>
-          <a:lnRef idx="2">
-            <a:schemeClr val="accent1">
-              <a:shade val="50000"/>
-            </a:schemeClr>
-          </a:lnRef>
-          <a:fillRef idx="1">
-            <a:schemeClr val="accent1"/>
-          </a:fillRef>
-          <a:effectRef idx="0">
-            <a:schemeClr val="accent1"/>
-          </a:effectRef>
-          <a:fontRef idx="minor">
-            <a:schemeClr val="lt1"/>
-          </a:fontRef>
-        </p:style>
-        <p:txBody>
-          <a:bodyPr rtlCol="0" anchor="ctr"/>
-          <a:lstStyle/>
-          <a:p>
-            <a:pPr algn="ctr"/>
-            <a:endParaRPr lang="ko-KR" altLang="en-US"/>
-          </a:p>
-        </p:txBody>
-      </p:sp>
-      <p:sp>
-        <p:nvSpPr>
-          <p:cNvPr id="11" name="TextBox 10">
-            <a:extLst>
-              <a:ext uri="{FF2B5EF4-FFF2-40B4-BE49-F238E27FC236}">
-                <a16:creationId xmlns:a16="http://schemas.microsoft.com/office/drawing/2014/main" id="{C8892A02-4B52-F4A2-79E9-A960EC0CDC40}"/>
-              </a:ext>
-            </a:extLst>
-          </p:cNvPr>
-          <p:cNvSpPr txBox="1"/>
-          <p:nvPr/>
-        </p:nvSpPr>
-        <p:spPr>
-          <a:xfrm>
-            <a:off x="5220072" y="3363838"/>
-            <a:ext cx="3600400" cy="646331"/>
-          </a:xfrm>
-          <a:prstGeom prst="rect">
-            <a:avLst/>
-          </a:prstGeom>
-          <a:noFill/>
-        </p:spPr>
-        <p:txBody>
-          <a:bodyPr wrap="square" rtlCol="0">
-            <a:spAutoFit/>
-          </a:bodyPr>
-          <a:lstStyle/>
-          <a:p>
-            <a:r>
-              <a:rPr lang="ko-KR" altLang="en-US" dirty="0"/>
-              <a:t>결론적으로</a:t>
-            </a:r>
-            <a:r>
-              <a:rPr lang="en-US" altLang="ko-KR" dirty="0"/>
-              <a:t>, GPS </a:t>
-            </a:r>
-            <a:r>
-              <a:rPr lang="ko-KR" altLang="en-US" dirty="0"/>
-              <a:t>보정 기술이 </a:t>
-            </a:r>
-            <a:endParaRPr lang="en-US" altLang="ko-KR" dirty="0"/>
-          </a:p>
-          <a:p>
-            <a:r>
-              <a:rPr lang="en-US" altLang="ko-KR" dirty="0"/>
-              <a:t>                 </a:t>
-            </a:r>
-            <a:r>
-              <a:rPr lang="ko-KR" altLang="en-US" dirty="0"/>
-              <a:t>필요합니다</a:t>
-            </a:r>
-            <a:r>
-              <a:rPr lang="en-US" altLang="ko-KR" dirty="0"/>
-              <a:t>. </a:t>
-            </a:r>
-            <a:endParaRPr lang="ko-KR" altLang="en-US" dirty="0"/>
+              <a:rPr lang="ko-KR" altLang="en-US" sz="3600" dirty="0">
+                <a:ea typeface="맑은 고딕" pitchFamily="50" charset="-127"/>
+              </a:rPr>
+              <a:t>주 연구사항</a:t>
+            </a:r>
+            <a:endParaRPr lang="en-US" altLang="ko-KR" sz="3600" dirty="0"/>
           </a:p>
         </p:txBody>
       </p:sp>
     </p:spTree>
     <p:extLst>
       <p:ext uri="{BB962C8B-B14F-4D97-AF65-F5344CB8AC3E}">
-        <p14:creationId xmlns:p14="http://schemas.microsoft.com/office/powerpoint/2010/main" val="2789312848"/>
+        <p14:creationId xmlns:p14="http://schemas.microsoft.com/office/powerpoint/2010/main" val="4191296738"/>
       </p:ext>
     </p:extLst>
   </p:cSld>
@@ -10261,7 +10912,7 @@
             </a:r>
             <a:r>
               <a:rPr lang="ko-KR" altLang="en-US" sz="2800" dirty="0"/>
-              <a:t>보정기술 관련 및 결론</a:t>
+              <a:t>오차범위</a:t>
             </a:r>
           </a:p>
         </p:txBody>
@@ -10280,8 +10931,8 @@
         </p:nvSpPr>
         <p:spPr>
           <a:xfrm>
-            <a:off x="467544" y="843558"/>
-            <a:ext cx="8352928" cy="677108"/>
+            <a:off x="492448" y="627534"/>
+            <a:ext cx="8352928" cy="461665"/>
           </a:xfrm>
           <a:prstGeom prst="rect">
             <a:avLst/>
@@ -10296,69 +10947,107 @@
           <a:p>
             <a:r>
               <a:rPr lang="en-US" altLang="ko-KR" dirty="0"/>
-              <a:t>6</a:t>
+              <a:t>GPS </a:t>
             </a:r>
             <a:r>
               <a:rPr lang="ko-KR" altLang="en-US" dirty="0"/>
-              <a:t>주차 </a:t>
-            </a:r>
-            <a:r>
-              <a:rPr lang="en-US" altLang="ko-KR" dirty="0"/>
-              <a:t>PPT</a:t>
-            </a:r>
-            <a:r>
-              <a:rPr lang="ko-KR" altLang="en-US" dirty="0"/>
-              <a:t>에서 말씀드렸던 </a:t>
+              <a:t>오차범위 발생의 주요원인인  </a:t>
             </a:r>
             <a:r>
               <a:rPr lang="en-US" altLang="ko-KR" dirty="0"/>
               <a:t>“</a:t>
             </a:r>
             <a:r>
-              <a:rPr lang="en-US" altLang="ko-KR" sz="2000" dirty="0" err="1"/>
-              <a:t>wifi</a:t>
-            </a:r>
-            <a:r>
-              <a:rPr lang="ko-KR" altLang="en-US" sz="2000" dirty="0"/>
-              <a:t>를 이용</a:t>
-            </a:r>
-            <a:r>
-              <a:rPr lang="ko-KR" altLang="en-US" dirty="0"/>
-              <a:t>한 위치 추적 방법</a:t>
+              <a:rPr lang="ko-KR" altLang="en-US" sz="2400" dirty="0"/>
+              <a:t>다중경로 효과</a:t>
             </a:r>
             <a:r>
               <a:rPr lang="en-US" altLang="ko-KR" dirty="0"/>
               <a:t>”</a:t>
             </a:r>
+            <a:endParaRPr lang="ko-KR" altLang="en-US" dirty="0"/>
+          </a:p>
+        </p:txBody>
+      </p:sp>
+      <p:pic>
+        <p:nvPicPr>
+          <p:cNvPr id="8" name="그림 7" descr="텍스트, 컴퓨터, 아코디언이(가) 표시된 사진&#10;&#10;자동 생성된 설명">
+            <a:extLst>
+              <a:ext uri="{FF2B5EF4-FFF2-40B4-BE49-F238E27FC236}">
+                <a16:creationId xmlns:a16="http://schemas.microsoft.com/office/drawing/2014/main" id="{52E62505-942B-4A50-BFAD-956AFC126FC3}"/>
+              </a:ext>
+            </a:extLst>
+          </p:cNvPr>
+          <p:cNvPicPr>
+            <a:picLocks noChangeAspect="1"/>
+          </p:cNvPicPr>
+          <p:nvPr/>
+        </p:nvPicPr>
+        <p:blipFill>
+          <a:blip r:embed="rId2" cstate="print">
+            <a:extLst>
+              <a:ext uri="{28A0092B-C50C-407E-A947-70E740481C1C}">
+                <a14:useLocalDpi xmlns:a14="http://schemas.microsoft.com/office/drawing/2010/main" val="0"/>
+              </a:ext>
+            </a:extLst>
+          </a:blip>
+          <a:stretch>
+            <a:fillRect/>
+          </a:stretch>
+        </p:blipFill>
+        <p:spPr>
+          <a:xfrm>
+            <a:off x="462236" y="1203598"/>
+            <a:ext cx="3910939" cy="3251589"/>
+          </a:xfrm>
+          <a:prstGeom prst="rect">
+            <a:avLst/>
+          </a:prstGeom>
+        </p:spPr>
+      </p:pic>
+      <p:sp>
+        <p:nvSpPr>
+          <p:cNvPr id="9" name="TextBox 8">
+            <a:extLst>
+              <a:ext uri="{FF2B5EF4-FFF2-40B4-BE49-F238E27FC236}">
+                <a16:creationId xmlns:a16="http://schemas.microsoft.com/office/drawing/2014/main" id="{C5E00CEE-13AC-8996-2214-2EAAC706328C}"/>
+              </a:ext>
+            </a:extLst>
+          </p:cNvPr>
+          <p:cNvSpPr txBox="1"/>
+          <p:nvPr/>
+        </p:nvSpPr>
+        <p:spPr>
+          <a:xfrm>
+            <a:off x="4668912" y="1347614"/>
+            <a:ext cx="4176464" cy="923330"/>
+          </a:xfrm>
+          <a:prstGeom prst="rect">
+            <a:avLst/>
+          </a:prstGeom>
+          <a:noFill/>
+        </p:spPr>
+        <p:txBody>
+          <a:bodyPr wrap="square" rtlCol="0">
+            <a:spAutoFit/>
+          </a:bodyPr>
+          <a:lstStyle/>
+          <a:p>
             <a:r>
               <a:rPr lang="ko-KR" altLang="en-US" dirty="0"/>
-              <a:t>인</a:t>
+              <a:t> 도심의 빌딩들로 인하여</a:t>
             </a:r>
             <a:r>
               <a:rPr lang="en-US" altLang="ko-KR" dirty="0"/>
-              <a:t>,</a:t>
-            </a:r>
-          </a:p>
-          <a:p>
-            <a:r>
-              <a:rPr lang="ko-KR" altLang="en-US" dirty="0" err="1"/>
-              <a:t>삼각측량법</a:t>
+              <a:t>, </a:t>
             </a:r>
             <a:r>
               <a:rPr lang="ko-KR" altLang="en-US" dirty="0"/>
-              <a:t> 과 </a:t>
-            </a:r>
-            <a:r>
-              <a:rPr lang="ko-KR" altLang="en-US" dirty="0" err="1"/>
-              <a:t>핑거프린팅</a:t>
-            </a:r>
-            <a:r>
-              <a:rPr lang="ko-KR" altLang="en-US" dirty="0"/>
-              <a:t> 방법이 존재합니다</a:t>
+              <a:t>위성 신호가 빌딩 등에 반사되면서 제대로 판단하지 못하는 현상입니다</a:t>
             </a:r>
             <a:r>
               <a:rPr lang="en-US" altLang="ko-KR" dirty="0"/>
-              <a:t>. </a:t>
+              <a:t>.</a:t>
             </a:r>
             <a:endParaRPr lang="ko-KR" altLang="en-US" dirty="0"/>
           </a:p>
@@ -10366,10 +11055,10 @@
       </p:sp>
       <p:sp>
         <p:nvSpPr>
-          <p:cNvPr id="2" name="화살표: 아래쪽 1">
+          <p:cNvPr id="10" name="화살표: 아래쪽 9">
             <a:extLst>
               <a:ext uri="{FF2B5EF4-FFF2-40B4-BE49-F238E27FC236}">
-                <a16:creationId xmlns:a16="http://schemas.microsoft.com/office/drawing/2014/main" id="{D8DD4773-597A-144D-D0C0-9F3C52A70469}"/>
+                <a16:creationId xmlns:a16="http://schemas.microsoft.com/office/drawing/2014/main" id="{AB57BCBF-AD51-8D0B-8068-E95BEC2DE522}"/>
               </a:ext>
             </a:extLst>
           </p:cNvPr>
@@ -10378,8 +11067,8 @@
         </p:nvSpPr>
         <p:spPr>
           <a:xfrm>
-            <a:off x="3997176" y="1586864"/>
-            <a:ext cx="574824" cy="677108"/>
+            <a:off x="6372200" y="2270944"/>
+            <a:ext cx="648072" cy="923330"/>
           </a:xfrm>
           <a:prstGeom prst="downArrow">
             <a:avLst/>
@@ -10418,10 +11107,10 @@
       </p:sp>
       <p:sp>
         <p:nvSpPr>
-          <p:cNvPr id="4" name="TextBox 3">
+          <p:cNvPr id="11" name="TextBox 10">
             <a:extLst>
               <a:ext uri="{FF2B5EF4-FFF2-40B4-BE49-F238E27FC236}">
-                <a16:creationId xmlns:a16="http://schemas.microsoft.com/office/drawing/2014/main" id="{7E6911F8-255F-7076-C5D5-7EDB87C34118}"/>
+                <a16:creationId xmlns:a16="http://schemas.microsoft.com/office/drawing/2014/main" id="{C8892A02-4B52-F4A2-79E9-A960EC0CDC40}"/>
               </a:ext>
             </a:extLst>
           </p:cNvPr>
@@ -10430,8 +11119,8 @@
         </p:nvSpPr>
         <p:spPr>
           <a:xfrm>
-            <a:off x="467544" y="2330170"/>
-            <a:ext cx="8352928" cy="738664"/>
+            <a:off x="5220072" y="3363838"/>
+            <a:ext cx="3600400" cy="646331"/>
           </a:xfrm>
           <a:prstGeom prst="rect">
             <a:avLst/>
@@ -10446,169 +11135,30 @@
           <a:p>
             <a:r>
               <a:rPr lang="ko-KR" altLang="en-US" dirty="0"/>
-              <a:t>하지만 </a:t>
-            </a:r>
-            <a:r>
-              <a:rPr lang="ko-KR" altLang="en-US" sz="2400" dirty="0"/>
-              <a:t>실내</a:t>
+              <a:t>결론적으로</a:t>
+            </a:r>
+            <a:r>
+              <a:rPr lang="en-US" altLang="ko-KR" dirty="0"/>
+              <a:t>, GPS </a:t>
             </a:r>
             <a:r>
               <a:rPr lang="ko-KR" altLang="en-US" dirty="0"/>
-              <a:t>에서의 위치 추적 방법입니다</a:t>
-            </a:r>
+              <a:t>보정 기술이 </a:t>
+            </a:r>
+            <a:endParaRPr lang="en-US" altLang="ko-KR" dirty="0"/>
+          </a:p>
+          <a:p>
             <a:r>
               <a:rPr lang="en-US" altLang="ko-KR" dirty="0"/>
-              <a:t>.</a:t>
-            </a:r>
-          </a:p>
-          <a:p>
+              <a:t>                 </a:t>
+            </a:r>
             <a:r>
               <a:rPr lang="ko-KR" altLang="en-US" dirty="0"/>
-              <a:t>저희 프로젝트에서는 실내에서 위치 추적이 필요하지 않습니다</a:t>
+              <a:t>필요합니다</a:t>
             </a:r>
             <a:r>
               <a:rPr lang="en-US" altLang="ko-KR" dirty="0"/>
-              <a:t>.</a:t>
-            </a:r>
-            <a:endParaRPr lang="ko-KR" altLang="en-US" dirty="0"/>
-          </a:p>
-        </p:txBody>
-      </p:sp>
-      <p:sp>
-        <p:nvSpPr>
-          <p:cNvPr id="7" name="TextBox 6">
-            <a:extLst>
-              <a:ext uri="{FF2B5EF4-FFF2-40B4-BE49-F238E27FC236}">
-                <a16:creationId xmlns:a16="http://schemas.microsoft.com/office/drawing/2014/main" id="{672498CD-ACE8-E731-E061-DF1C32169B6A}"/>
-              </a:ext>
-            </a:extLst>
-          </p:cNvPr>
-          <p:cNvSpPr txBox="1"/>
-          <p:nvPr/>
-        </p:nvSpPr>
-        <p:spPr>
-          <a:xfrm>
-            <a:off x="526728" y="3126976"/>
-            <a:ext cx="8352928" cy="646331"/>
-          </a:xfrm>
-          <a:prstGeom prst="rect">
-            <a:avLst/>
-          </a:prstGeom>
-          <a:noFill/>
-        </p:spPr>
-        <p:txBody>
-          <a:bodyPr wrap="square" rtlCol="0">
-            <a:spAutoFit/>
-          </a:bodyPr>
-          <a:lstStyle/>
-          <a:p>
-            <a:r>
-              <a:rPr lang="ko-KR" altLang="en-US" dirty="0"/>
-              <a:t>다른 오차보정 알고리즘도 이용하기 위한 데이터가 부족하고</a:t>
-            </a:r>
-            <a:r>
-              <a:rPr lang="en-US" altLang="ko-KR" dirty="0"/>
-              <a:t>, </a:t>
-            </a:r>
-          </a:p>
-          <a:p>
-            <a:r>
-              <a:rPr lang="en-US" altLang="ko-KR" dirty="0"/>
-              <a:t>                                            </a:t>
-            </a:r>
-            <a:r>
-              <a:rPr lang="ko-KR" altLang="en-US" dirty="0"/>
-              <a:t>학부생 수준에서 많이 벗어남을 인지 했습니다</a:t>
-            </a:r>
-            <a:r>
-              <a:rPr lang="en-US" altLang="ko-KR" dirty="0"/>
-              <a:t>.</a:t>
-            </a:r>
-            <a:endParaRPr lang="ko-KR" altLang="en-US" dirty="0"/>
-          </a:p>
-        </p:txBody>
-      </p:sp>
-      <p:sp>
-        <p:nvSpPr>
-          <p:cNvPr id="8" name="TextBox 7">
-            <a:extLst>
-              <a:ext uri="{FF2B5EF4-FFF2-40B4-BE49-F238E27FC236}">
-                <a16:creationId xmlns:a16="http://schemas.microsoft.com/office/drawing/2014/main" id="{27FF6830-8BD4-E6C1-C157-A03D39A2C907}"/>
-              </a:ext>
-            </a:extLst>
-          </p:cNvPr>
-          <p:cNvSpPr txBox="1"/>
-          <p:nvPr/>
-        </p:nvSpPr>
-        <p:spPr>
-          <a:xfrm>
-            <a:off x="611560" y="3831449"/>
-            <a:ext cx="8352928" cy="923330"/>
-          </a:xfrm>
-          <a:prstGeom prst="rect">
-            <a:avLst/>
-          </a:prstGeom>
-          <a:noFill/>
-        </p:spPr>
-        <p:txBody>
-          <a:bodyPr wrap="square" rtlCol="0">
-            <a:spAutoFit/>
-          </a:bodyPr>
-          <a:lstStyle/>
-          <a:p>
-            <a:r>
-              <a:rPr lang="ko-KR" altLang="en-US" dirty="0"/>
-              <a:t>결론적으로</a:t>
-            </a:r>
-            <a:r>
-              <a:rPr lang="en-US" altLang="ko-KR" dirty="0"/>
-              <a:t>, </a:t>
-            </a:r>
-            <a:r>
-              <a:rPr lang="ko-KR" altLang="en-US" dirty="0"/>
-              <a:t>기존의 </a:t>
-            </a:r>
-            <a:r>
-              <a:rPr lang="en-US" altLang="ko-KR" dirty="0"/>
-              <a:t>GPS </a:t>
-            </a:r>
-            <a:r>
-              <a:rPr lang="ko-KR" altLang="en-US" dirty="0"/>
-              <a:t>기능을 탑재한 서비스들도 </a:t>
-            </a:r>
-            <a:endParaRPr lang="en-US" altLang="ko-KR" dirty="0"/>
-          </a:p>
-          <a:p>
-            <a:r>
-              <a:rPr lang="ko-KR" altLang="en-US" b="1" dirty="0"/>
-              <a:t>스마트폰 내부의 자체 설정</a:t>
-            </a:r>
-            <a:r>
-              <a:rPr lang="ko-KR" altLang="en-US" dirty="0"/>
-              <a:t>으로 </a:t>
-            </a:r>
-            <a:r>
-              <a:rPr lang="en-US" altLang="ko-KR" dirty="0" err="1"/>
-              <a:t>Wifi</a:t>
-            </a:r>
-            <a:r>
-              <a:rPr lang="en-US" altLang="ko-KR" dirty="0"/>
-              <a:t> , </a:t>
-            </a:r>
-            <a:r>
-              <a:rPr lang="ko-KR" altLang="en-US" dirty="0"/>
-              <a:t>모바일 네트워크 등을 통해서</a:t>
-            </a:r>
-            <a:endParaRPr lang="en-US" altLang="ko-KR" dirty="0"/>
-          </a:p>
-          <a:p>
-            <a:r>
-              <a:rPr lang="ko-KR" altLang="en-US" dirty="0"/>
-              <a:t>위치를 보정하도록 유도하고 있습니다</a:t>
-            </a:r>
-            <a:r>
-              <a:rPr lang="en-US" altLang="ko-KR" dirty="0"/>
-              <a:t>.</a:t>
+              <a:t>. </a:t>
             </a:r>
             <a:endParaRPr lang="ko-KR" altLang="en-US" dirty="0"/>
           </a:p>
@@ -10617,7 +11167,7 @@
     </p:spTree>
     <p:extLst>
       <p:ext uri="{BB962C8B-B14F-4D97-AF65-F5344CB8AC3E}">
-        <p14:creationId xmlns:p14="http://schemas.microsoft.com/office/powerpoint/2010/main" val="328567768"/>
+        <p14:creationId xmlns:p14="http://schemas.microsoft.com/office/powerpoint/2010/main" val="2789312848"/>
       </p:ext>
     </p:extLst>
   </p:cSld>
@@ -10646,30 +11196,515 @@
       </p:grpSpPr>
       <p:sp>
         <p:nvSpPr>
-          <p:cNvPr id="2" name="Text Placeholder 1"/>
-          <p:cNvSpPr>
-            <a:spLocks noGrp="1"/>
+          <p:cNvPr id="6" name="Text Placeholder 1">
+            <a:extLst>
+              <a:ext uri="{FF2B5EF4-FFF2-40B4-BE49-F238E27FC236}">
+                <a16:creationId xmlns:a16="http://schemas.microsoft.com/office/drawing/2014/main" id="{64F3C528-607C-E988-CB1F-3FCF671E3D35}"/>
+              </a:ext>
+            </a:extLst>
+          </p:cNvPr>
+          <p:cNvSpPr txBox="1">
+            <a:spLocks/>
           </p:cNvSpPr>
-          <p:nvPr>
-            <p:ph type="body" sz="quarter" idx="10"/>
-          </p:nvPr>
+          <p:nvPr/>
         </p:nvSpPr>
-        <p:spPr/>
+        <p:spPr>
+          <a:xfrm>
+            <a:off x="323528" y="195486"/>
+            <a:ext cx="8208912" cy="576064"/>
+          </a:xfrm>
+          <a:prstGeom prst="rect">
+            <a:avLst/>
+          </a:prstGeom>
+        </p:spPr>
         <p:txBody>
-          <a:bodyPr/>
+          <a:bodyPr anchor="ctr"/>
+          <a:lstStyle>
+            <a:lvl1pPr marL="0" indent="0" algn="l" defTabSz="914400" rtl="0" eaLnBrk="1" latinLnBrk="1" hangingPunct="1">
+              <a:spcBef>
+                <a:spcPct val="20000"/>
+              </a:spcBef>
+              <a:buFont typeface="Arial" pitchFamily="34" charset="0"/>
+              <a:buNone/>
+              <a:defRPr sz="3600" b="0" kern="1200" baseline="0">
+                <a:solidFill>
+                  <a:schemeClr val="tx1">
+                    <a:lumMod val="75000"/>
+                    <a:lumOff val="25000"/>
+                  </a:schemeClr>
+                </a:solidFill>
+                <a:latin typeface="+mj-lt"/>
+                <a:ea typeface="+mn-ea"/>
+                <a:cs typeface="Arial" pitchFamily="34" charset="0"/>
+              </a:defRPr>
+            </a:lvl1pPr>
+            <a:lvl2pPr marL="742950" indent="-285750" algn="l" defTabSz="914400" rtl="0" eaLnBrk="1" latinLnBrk="1" hangingPunct="1">
+              <a:spcBef>
+                <a:spcPct val="20000"/>
+              </a:spcBef>
+              <a:buFont typeface="Arial" pitchFamily="34" charset="0"/>
+              <a:buChar char="–"/>
+              <a:defRPr sz="2800" kern="1200">
+                <a:solidFill>
+                  <a:schemeClr val="tx1"/>
+                </a:solidFill>
+                <a:latin typeface="+mn-lt"/>
+                <a:ea typeface="+mn-ea"/>
+                <a:cs typeface="+mn-cs"/>
+              </a:defRPr>
+            </a:lvl2pPr>
+            <a:lvl3pPr marL="1143000" indent="-228600" algn="l" defTabSz="914400" rtl="0" eaLnBrk="1" latinLnBrk="1" hangingPunct="1">
+              <a:spcBef>
+                <a:spcPct val="20000"/>
+              </a:spcBef>
+              <a:buFont typeface="Arial" pitchFamily="34" charset="0"/>
+              <a:buChar char="•"/>
+              <a:defRPr sz="2400" kern="1200">
+                <a:solidFill>
+                  <a:schemeClr val="tx1"/>
+                </a:solidFill>
+                <a:latin typeface="+mn-lt"/>
+                <a:ea typeface="+mn-ea"/>
+                <a:cs typeface="+mn-cs"/>
+              </a:defRPr>
+            </a:lvl3pPr>
+            <a:lvl4pPr marL="1600200" indent="-228600" algn="l" defTabSz="914400" rtl="0" eaLnBrk="1" latinLnBrk="1" hangingPunct="1">
+              <a:spcBef>
+                <a:spcPct val="20000"/>
+              </a:spcBef>
+              <a:buFont typeface="Arial" pitchFamily="34" charset="0"/>
+              <a:buChar char="–"/>
+              <a:defRPr sz="2000" kern="1200">
+                <a:solidFill>
+                  <a:schemeClr val="tx1"/>
+                </a:solidFill>
+                <a:latin typeface="+mn-lt"/>
+                <a:ea typeface="+mn-ea"/>
+                <a:cs typeface="+mn-cs"/>
+              </a:defRPr>
+            </a:lvl4pPr>
+            <a:lvl5pPr marL="2057400" indent="-228600" algn="l" defTabSz="914400" rtl="0" eaLnBrk="1" latinLnBrk="1" hangingPunct="1">
+              <a:spcBef>
+                <a:spcPct val="20000"/>
+              </a:spcBef>
+              <a:buFont typeface="Arial" pitchFamily="34" charset="0"/>
+              <a:buChar char="»"/>
+              <a:defRPr sz="2000" kern="1200">
+                <a:solidFill>
+                  <a:schemeClr val="tx1"/>
+                </a:solidFill>
+                <a:latin typeface="+mn-lt"/>
+                <a:ea typeface="+mn-ea"/>
+                <a:cs typeface="+mn-cs"/>
+              </a:defRPr>
+            </a:lvl5pPr>
+            <a:lvl6pPr marL="2514600" indent="-228600" algn="l" defTabSz="914400" rtl="0" eaLnBrk="1" latinLnBrk="1" hangingPunct="1">
+              <a:spcBef>
+                <a:spcPct val="20000"/>
+              </a:spcBef>
+              <a:buFont typeface="Arial" pitchFamily="34" charset="0"/>
+              <a:buChar char="•"/>
+              <a:defRPr sz="2000" kern="1200">
+                <a:solidFill>
+                  <a:schemeClr val="tx1"/>
+                </a:solidFill>
+                <a:latin typeface="+mn-lt"/>
+                <a:ea typeface="+mn-ea"/>
+                <a:cs typeface="+mn-cs"/>
+              </a:defRPr>
+            </a:lvl6pPr>
+            <a:lvl7pPr marL="2971800" indent="-228600" algn="l" defTabSz="914400" rtl="0" eaLnBrk="1" latinLnBrk="1" hangingPunct="1">
+              <a:spcBef>
+                <a:spcPct val="20000"/>
+              </a:spcBef>
+              <a:buFont typeface="Arial" pitchFamily="34" charset="0"/>
+              <a:buChar char="•"/>
+              <a:defRPr sz="2000" kern="1200">
+                <a:solidFill>
+                  <a:schemeClr val="tx1"/>
+                </a:solidFill>
+                <a:latin typeface="+mn-lt"/>
+                <a:ea typeface="+mn-ea"/>
+                <a:cs typeface="+mn-cs"/>
+              </a:defRPr>
+            </a:lvl7pPr>
+            <a:lvl8pPr marL="3429000" indent="-228600" algn="l" defTabSz="914400" rtl="0" eaLnBrk="1" latinLnBrk="1" hangingPunct="1">
+              <a:spcBef>
+                <a:spcPct val="20000"/>
+              </a:spcBef>
+              <a:buFont typeface="Arial" pitchFamily="34" charset="0"/>
+              <a:buChar char="•"/>
+              <a:defRPr sz="2000" kern="1200">
+                <a:solidFill>
+                  <a:schemeClr val="tx1"/>
+                </a:solidFill>
+                <a:latin typeface="+mn-lt"/>
+                <a:ea typeface="+mn-ea"/>
+                <a:cs typeface="+mn-cs"/>
+              </a:defRPr>
+            </a:lvl8pPr>
+            <a:lvl9pPr marL="3886200" indent="-228600" algn="l" defTabSz="914400" rtl="0" eaLnBrk="1" latinLnBrk="1" hangingPunct="1">
+              <a:spcBef>
+                <a:spcPct val="20000"/>
+              </a:spcBef>
+              <a:buFont typeface="Arial" pitchFamily="34" charset="0"/>
+              <a:buChar char="•"/>
+              <a:defRPr sz="2000" kern="1200">
+                <a:solidFill>
+                  <a:schemeClr val="tx1"/>
+                </a:solidFill>
+                <a:latin typeface="+mn-lt"/>
+                <a:ea typeface="+mn-ea"/>
+                <a:cs typeface="+mn-cs"/>
+              </a:defRPr>
+            </a:lvl9pPr>
+          </a:lstStyle>
+          <a:p>
+            <a:r>
+              <a:rPr lang="en-US" altLang="ko-KR" sz="2800" dirty="0"/>
+              <a:t>* GPS </a:t>
+            </a:r>
+            <a:r>
+              <a:rPr lang="ko-KR" altLang="en-US" sz="2800" dirty="0"/>
+              <a:t>보정기술 관련 및 결론</a:t>
+            </a:r>
+          </a:p>
+        </p:txBody>
+      </p:sp>
+      <p:sp>
+        <p:nvSpPr>
+          <p:cNvPr id="5" name="TextBox 4">
+            <a:extLst>
+              <a:ext uri="{FF2B5EF4-FFF2-40B4-BE49-F238E27FC236}">
+                <a16:creationId xmlns:a16="http://schemas.microsoft.com/office/drawing/2014/main" id="{12392020-71DB-288A-0340-BF46D25428A2}"/>
+              </a:ext>
+            </a:extLst>
+          </p:cNvPr>
+          <p:cNvSpPr txBox="1"/>
+          <p:nvPr/>
+        </p:nvSpPr>
+        <p:spPr>
+          <a:xfrm>
+            <a:off x="467544" y="843558"/>
+            <a:ext cx="8352928" cy="400110"/>
+          </a:xfrm>
+          <a:prstGeom prst="rect">
+            <a:avLst/>
+          </a:prstGeom>
+          <a:noFill/>
+        </p:spPr>
+        <p:txBody>
+          <a:bodyPr wrap="square" rtlCol="0">
+            <a:spAutoFit/>
+          </a:bodyPr>
           <a:lstStyle/>
           <a:p>
             <a:r>
+              <a:rPr lang="en-US" altLang="ko-KR" dirty="0"/>
+              <a:t>“</a:t>
+            </a:r>
+            <a:r>
+              <a:rPr lang="en-US" altLang="ko-KR" sz="2000" dirty="0" err="1"/>
+              <a:t>wifi</a:t>
+            </a:r>
+            <a:r>
+              <a:rPr lang="ko-KR" altLang="en-US" sz="2000" dirty="0"/>
+              <a:t>를 이용</a:t>
+            </a:r>
+            <a:r>
               <a:rPr lang="ko-KR" altLang="en-US" dirty="0"/>
-              <a:t>향후 계획</a:t>
-            </a:r>
+              <a:t>한 위치 추적 방법</a:t>
+            </a:r>
+            <a:r>
+              <a:rPr lang="en-US" altLang="ko-KR" dirty="0"/>
+              <a:t>”</a:t>
+            </a:r>
+            <a:r>
+              <a:rPr lang="ko-KR" altLang="en-US" dirty="0"/>
+              <a:t>에는 </a:t>
+            </a:r>
+            <a:r>
+              <a:rPr lang="ko-KR" altLang="en-US" dirty="0" err="1"/>
+              <a:t>삼각측량법과</a:t>
+            </a:r>
+            <a:r>
+              <a:rPr lang="ko-KR" altLang="en-US" dirty="0"/>
+              <a:t> </a:t>
+            </a:r>
+            <a:r>
+              <a:rPr lang="ko-KR" altLang="en-US" dirty="0" err="1"/>
+              <a:t>핑거프린팅방법이</a:t>
+            </a:r>
+            <a:r>
+              <a:rPr lang="ko-KR" altLang="en-US" dirty="0"/>
+              <a:t> 존재합니다</a:t>
+            </a:r>
+            <a:r>
+              <a:rPr lang="en-US" altLang="ko-KR" dirty="0"/>
+              <a:t>. </a:t>
+            </a:r>
+            <a:endParaRPr lang="ko-KR" altLang="en-US" dirty="0"/>
+          </a:p>
+        </p:txBody>
+      </p:sp>
+      <p:sp>
+        <p:nvSpPr>
+          <p:cNvPr id="2" name="화살표: 아래쪽 1">
+            <a:extLst>
+              <a:ext uri="{FF2B5EF4-FFF2-40B4-BE49-F238E27FC236}">
+                <a16:creationId xmlns:a16="http://schemas.microsoft.com/office/drawing/2014/main" id="{D8DD4773-597A-144D-D0C0-9F3C52A70469}"/>
+              </a:ext>
+            </a:extLst>
+          </p:cNvPr>
+          <p:cNvSpPr/>
+          <p:nvPr/>
+        </p:nvSpPr>
+        <p:spPr>
+          <a:xfrm>
+            <a:off x="3997176" y="1586864"/>
+            <a:ext cx="574824" cy="677108"/>
+          </a:xfrm>
+          <a:prstGeom prst="downArrow">
+            <a:avLst/>
+          </a:prstGeom>
+          <a:solidFill>
+            <a:srgbClr val="32AEB8"/>
+          </a:solidFill>
+          <a:ln>
+            <a:noFill/>
+          </a:ln>
+        </p:spPr>
+        <p:style>
+          <a:lnRef idx="2">
+            <a:schemeClr val="accent1">
+              <a:shade val="50000"/>
+            </a:schemeClr>
+          </a:lnRef>
+          <a:fillRef idx="1">
+            <a:schemeClr val="accent1"/>
+          </a:fillRef>
+          <a:effectRef idx="0">
+            <a:schemeClr val="accent1"/>
+          </a:effectRef>
+          <a:fontRef idx="minor">
+            <a:schemeClr val="lt1"/>
+          </a:fontRef>
+        </p:style>
+        <p:txBody>
+          <a:bodyPr rtlCol="0" anchor="ctr"/>
+          <a:lstStyle/>
+          <a:p>
+            <a:pPr algn="ctr"/>
+            <a:endParaRPr lang="ko-KR" altLang="en-US"/>
+          </a:p>
+        </p:txBody>
+      </p:sp>
+      <p:sp>
+        <p:nvSpPr>
+          <p:cNvPr id="4" name="TextBox 3">
+            <a:extLst>
+              <a:ext uri="{FF2B5EF4-FFF2-40B4-BE49-F238E27FC236}">
+                <a16:creationId xmlns:a16="http://schemas.microsoft.com/office/drawing/2014/main" id="{7E6911F8-255F-7076-C5D5-7EDB87C34118}"/>
+              </a:ext>
+            </a:extLst>
+          </p:cNvPr>
+          <p:cNvSpPr txBox="1"/>
+          <p:nvPr/>
+        </p:nvSpPr>
+        <p:spPr>
+          <a:xfrm>
+            <a:off x="467544" y="2330170"/>
+            <a:ext cx="8352928" cy="738664"/>
+          </a:xfrm>
+          <a:prstGeom prst="rect">
+            <a:avLst/>
+          </a:prstGeom>
+          <a:noFill/>
+        </p:spPr>
+        <p:txBody>
+          <a:bodyPr wrap="square" rtlCol="0">
+            <a:spAutoFit/>
+          </a:bodyPr>
+          <a:lstStyle/>
+          <a:p>
+            <a:r>
+              <a:rPr lang="ko-KR" altLang="en-US" dirty="0"/>
+              <a:t> 하지만 </a:t>
+            </a:r>
+            <a:r>
+              <a:rPr lang="ko-KR" altLang="en-US" sz="2400" dirty="0">
+                <a:solidFill>
+                  <a:srgbClr val="FF0000"/>
+                </a:solidFill>
+              </a:rPr>
+              <a:t>실내</a:t>
+            </a:r>
+            <a:r>
+              <a:rPr lang="ko-KR" altLang="en-US" dirty="0"/>
+              <a:t>에서의 위치 추적 방법입니다</a:t>
+            </a:r>
+            <a:r>
+              <a:rPr lang="en-US" altLang="ko-KR" dirty="0"/>
+              <a:t>.</a:t>
+            </a:r>
+          </a:p>
+          <a:p>
+            <a:r>
+              <a:rPr lang="ko-KR" altLang="en-US" dirty="0"/>
+              <a:t>저희 프로젝트에서는 실내에서 위치 추적이 필요하지 않습니다</a:t>
+            </a:r>
+            <a:r>
+              <a:rPr lang="en-US" altLang="ko-KR" dirty="0"/>
+              <a:t>.</a:t>
+            </a:r>
+            <a:endParaRPr lang="ko-KR" altLang="en-US" dirty="0"/>
+          </a:p>
+        </p:txBody>
+      </p:sp>
+      <p:sp>
+        <p:nvSpPr>
+          <p:cNvPr id="7" name="TextBox 6">
+            <a:extLst>
+              <a:ext uri="{FF2B5EF4-FFF2-40B4-BE49-F238E27FC236}">
+                <a16:creationId xmlns:a16="http://schemas.microsoft.com/office/drawing/2014/main" id="{672498CD-ACE8-E731-E061-DF1C32169B6A}"/>
+              </a:ext>
+            </a:extLst>
+          </p:cNvPr>
+          <p:cNvSpPr txBox="1"/>
+          <p:nvPr/>
+        </p:nvSpPr>
+        <p:spPr>
+          <a:xfrm>
+            <a:off x="526728" y="3126976"/>
+            <a:ext cx="8352928" cy="646331"/>
+          </a:xfrm>
+          <a:prstGeom prst="rect">
+            <a:avLst/>
+          </a:prstGeom>
+          <a:noFill/>
+        </p:spPr>
+        <p:txBody>
+          <a:bodyPr wrap="square" rtlCol="0">
+            <a:spAutoFit/>
+          </a:bodyPr>
+          <a:lstStyle/>
+          <a:p>
+            <a:r>
+              <a:rPr lang="ko-KR" altLang="en-US" dirty="0"/>
+              <a:t>다른 오차보정 알고리즘도 이용하기 위한 데이터가 부족하고</a:t>
+            </a:r>
+            <a:r>
+              <a:rPr lang="en-US" altLang="ko-KR" dirty="0"/>
+              <a:t>, </a:t>
+            </a:r>
+          </a:p>
+          <a:p>
+            <a:r>
+              <a:rPr lang="en-US" altLang="ko-KR" dirty="0"/>
+              <a:t>                                            </a:t>
+            </a:r>
+            <a:r>
+              <a:rPr lang="ko-KR" altLang="en-US" dirty="0"/>
+              <a:t>학부생 수준에서 많이 벗어남을 인지 했습니다</a:t>
+            </a:r>
+            <a:r>
+              <a:rPr lang="en-US" altLang="ko-KR" dirty="0"/>
+              <a:t>.</a:t>
+            </a:r>
+            <a:endParaRPr lang="ko-KR" altLang="en-US" dirty="0"/>
+          </a:p>
+        </p:txBody>
+      </p:sp>
+      <p:sp>
+        <p:nvSpPr>
+          <p:cNvPr id="8" name="TextBox 7">
+            <a:extLst>
+              <a:ext uri="{FF2B5EF4-FFF2-40B4-BE49-F238E27FC236}">
+                <a16:creationId xmlns:a16="http://schemas.microsoft.com/office/drawing/2014/main" id="{27FF6830-8BD4-E6C1-C157-A03D39A2C907}"/>
+              </a:ext>
+            </a:extLst>
+          </p:cNvPr>
+          <p:cNvSpPr txBox="1"/>
+          <p:nvPr/>
+        </p:nvSpPr>
+        <p:spPr>
+          <a:xfrm>
+            <a:off x="611560" y="3831449"/>
+            <a:ext cx="8352928" cy="923330"/>
+          </a:xfrm>
+          <a:prstGeom prst="rect">
+            <a:avLst/>
+          </a:prstGeom>
+          <a:noFill/>
+        </p:spPr>
+        <p:txBody>
+          <a:bodyPr wrap="square" rtlCol="0">
+            <a:spAutoFit/>
+          </a:bodyPr>
+          <a:lstStyle/>
+          <a:p>
+            <a:r>
+              <a:rPr lang="ko-KR" altLang="en-US" dirty="0"/>
+              <a:t> 결론적으로</a:t>
+            </a:r>
+            <a:r>
+              <a:rPr lang="en-US" altLang="ko-KR" dirty="0"/>
+              <a:t>, </a:t>
+            </a:r>
+            <a:r>
+              <a:rPr lang="ko-KR" altLang="en-US" dirty="0"/>
+              <a:t>기존의 </a:t>
+            </a:r>
+            <a:r>
+              <a:rPr lang="en-US" altLang="ko-KR" dirty="0"/>
+              <a:t>GPS </a:t>
+            </a:r>
+            <a:r>
+              <a:rPr lang="ko-KR" altLang="en-US" dirty="0"/>
+              <a:t>기능을 탑재한 서비스들도 </a:t>
+            </a:r>
+            <a:endParaRPr lang="en-US" altLang="ko-KR" dirty="0"/>
+          </a:p>
+          <a:p>
+            <a:r>
+              <a:rPr lang="ko-KR" altLang="en-US" b="1" dirty="0"/>
+              <a:t>스마트폰 내부의 자체 설정</a:t>
+            </a:r>
+            <a:r>
+              <a:rPr lang="ko-KR" altLang="en-US" dirty="0"/>
+              <a:t>으로 </a:t>
+            </a:r>
+            <a:r>
+              <a:rPr lang="en-US" altLang="ko-KR" dirty="0" err="1"/>
+              <a:t>Wifi</a:t>
+            </a:r>
+            <a:r>
+              <a:rPr lang="en-US" altLang="ko-KR" dirty="0"/>
+              <a:t> , </a:t>
+            </a:r>
+            <a:r>
+              <a:rPr lang="ko-KR" altLang="en-US" dirty="0"/>
+              <a:t>모바일 네트워크 등을 통해서</a:t>
+            </a:r>
+            <a:endParaRPr lang="en-US" altLang="ko-KR" dirty="0"/>
+          </a:p>
+          <a:p>
+            <a:r>
+              <a:rPr lang="ko-KR" altLang="en-US" dirty="0"/>
+              <a:t>위치를 보정하도록 유도하고 있습니다</a:t>
+            </a:r>
+            <a:r>
+              <a:rPr lang="en-US" altLang="ko-KR" dirty="0"/>
+              <a:t>.</a:t>
+            </a:r>
+            <a:endParaRPr lang="ko-KR" altLang="en-US" dirty="0"/>
           </a:p>
         </p:txBody>
       </p:sp>
     </p:spTree>
     <p:extLst>
       <p:ext uri="{BB962C8B-B14F-4D97-AF65-F5344CB8AC3E}">
-        <p14:creationId xmlns:p14="http://schemas.microsoft.com/office/powerpoint/2010/main" val="3997913445"/>
+        <p14:creationId xmlns:p14="http://schemas.microsoft.com/office/powerpoint/2010/main" val="328567768"/>
       </p:ext>
     </p:extLst>
   </p:cSld>
@@ -10706,493 +11741,14 @@
             <p:ph type="body" sz="quarter" idx="10"/>
           </p:nvPr>
         </p:nvSpPr>
-        <p:spPr>
-          <a:xfrm>
-            <a:off x="0" y="97506"/>
-            <a:ext cx="8676456" cy="591637"/>
-          </a:xfrm>
-        </p:spPr>
+        <p:spPr/>
         <p:txBody>
           <a:bodyPr/>
           <a:lstStyle/>
           <a:p>
             <a:r>
               <a:rPr lang="ko-KR" altLang="en-US" dirty="0"/>
-              <a:t>향후 구현 계획</a:t>
-            </a:r>
-          </a:p>
-        </p:txBody>
-      </p:sp>
-      <p:sp>
-        <p:nvSpPr>
-          <p:cNvPr id="12" name="Rectangle 11"/>
-          <p:cNvSpPr/>
-          <p:nvPr/>
-        </p:nvSpPr>
-        <p:spPr>
-          <a:xfrm>
-            <a:off x="2155482" y="1355155"/>
-            <a:ext cx="517215" cy="70837"/>
-          </a:xfrm>
-          <a:prstGeom prst="rect">
-            <a:avLst/>
-          </a:prstGeom>
-          <a:solidFill>
-            <a:schemeClr val="accent1"/>
-          </a:solidFill>
-          <a:ln>
-            <a:noFill/>
-          </a:ln>
-        </p:spPr>
-        <p:style>
-          <a:lnRef idx="2">
-            <a:schemeClr val="accent1">
-              <a:shade val="50000"/>
-            </a:schemeClr>
-          </a:lnRef>
-          <a:fillRef idx="1">
-            <a:schemeClr val="accent1"/>
-          </a:fillRef>
-          <a:effectRef idx="0">
-            <a:schemeClr val="accent1"/>
-          </a:effectRef>
-          <a:fontRef idx="minor">
-            <a:schemeClr val="lt1"/>
-          </a:fontRef>
-        </p:style>
-        <p:txBody>
-          <a:bodyPr rot="0" spcFirstLastPara="0" vertOverflow="overflow" horzOverflow="overflow" vert="horz" wrap="square" lIns="91440" tIns="45720" rIns="91440" bIns="45720" numCol="1" spcCol="0" rtlCol="0" fromWordArt="0" anchor="ctr" anchorCtr="0" forceAA="0" compatLnSpc="1">
-            <a:prstTxWarp prst="textNoShape">
-              <a:avLst/>
-            </a:prstTxWarp>
-            <a:noAutofit/>
-          </a:bodyPr>
-          <a:lstStyle/>
-          <a:p>
-            <a:pPr algn="ctr"/>
-            <a:endParaRPr lang="ko-KR" altLang="en-US"/>
-          </a:p>
-        </p:txBody>
-      </p:sp>
-      <p:sp>
-        <p:nvSpPr>
-          <p:cNvPr id="32" name="TextBox 31">
-            <a:extLst>
-              <a:ext uri="{FF2B5EF4-FFF2-40B4-BE49-F238E27FC236}">
-                <a16:creationId xmlns:a16="http://schemas.microsoft.com/office/drawing/2014/main" id="{D805552A-1C19-46A0-A455-E31C7C0B80D6}"/>
-              </a:ext>
-            </a:extLst>
-          </p:cNvPr>
-          <p:cNvSpPr txBox="1"/>
-          <p:nvPr/>
-        </p:nvSpPr>
-        <p:spPr>
-          <a:xfrm>
-            <a:off x="656473" y="1191100"/>
-            <a:ext cx="1499009" cy="400110"/>
-          </a:xfrm>
-          <a:prstGeom prst="rect">
-            <a:avLst/>
-          </a:prstGeom>
-          <a:noFill/>
-        </p:spPr>
-        <p:txBody>
-          <a:bodyPr wrap="square" rtlCol="0">
-            <a:spAutoFit/>
-          </a:bodyPr>
-          <a:lstStyle/>
-          <a:p>
-            <a:pPr algn="ctr"/>
-            <a:r>
-              <a:rPr lang="en-US" altLang="ko-KR" sz="2000" b="1" dirty="0">
-                <a:solidFill>
-                  <a:schemeClr val="accent1"/>
-                </a:solidFill>
-                <a:cs typeface="Arial" pitchFamily="34" charset="0"/>
-              </a:rPr>
-              <a:t>8</a:t>
-            </a:r>
-            <a:r>
-              <a:rPr lang="ko-KR" altLang="en-US" sz="2000" b="1" dirty="0">
-                <a:solidFill>
-                  <a:schemeClr val="accent1"/>
-                </a:solidFill>
-                <a:cs typeface="Arial" pitchFamily="34" charset="0"/>
-              </a:rPr>
-              <a:t>주차</a:t>
-            </a:r>
-          </a:p>
-        </p:txBody>
-      </p:sp>
-      <p:sp>
-        <p:nvSpPr>
-          <p:cNvPr id="33" name="TextBox 32">
-            <a:extLst>
-              <a:ext uri="{FF2B5EF4-FFF2-40B4-BE49-F238E27FC236}">
-                <a16:creationId xmlns:a16="http://schemas.microsoft.com/office/drawing/2014/main" id="{EE758838-B38B-4390-A2E3-D65208B92A37}"/>
-              </a:ext>
-            </a:extLst>
-          </p:cNvPr>
-          <p:cNvSpPr txBox="1"/>
-          <p:nvPr/>
-        </p:nvSpPr>
-        <p:spPr>
-          <a:xfrm>
-            <a:off x="664396" y="2339148"/>
-            <a:ext cx="1499009" cy="400110"/>
-          </a:xfrm>
-          <a:prstGeom prst="rect">
-            <a:avLst/>
-          </a:prstGeom>
-          <a:noFill/>
-        </p:spPr>
-        <p:txBody>
-          <a:bodyPr wrap="square" rtlCol="0">
-            <a:spAutoFit/>
-          </a:bodyPr>
-          <a:lstStyle/>
-          <a:p>
-            <a:pPr algn="ctr"/>
-            <a:r>
-              <a:rPr lang="en-US" altLang="ko-KR" sz="2000" b="1" dirty="0">
-                <a:solidFill>
-                  <a:schemeClr val="accent1"/>
-                </a:solidFill>
-                <a:cs typeface="Arial" pitchFamily="34" charset="0"/>
-              </a:rPr>
-              <a:t>9~10</a:t>
-            </a:r>
-            <a:r>
-              <a:rPr lang="ko-KR" altLang="en-US" sz="2000" b="1" dirty="0">
-                <a:solidFill>
-                  <a:schemeClr val="accent1"/>
-                </a:solidFill>
-                <a:cs typeface="Arial" pitchFamily="34" charset="0"/>
-              </a:rPr>
-              <a:t>주차</a:t>
-            </a:r>
-          </a:p>
-        </p:txBody>
-      </p:sp>
-      <p:sp>
-        <p:nvSpPr>
-          <p:cNvPr id="34" name="TextBox 33">
-            <a:extLst>
-              <a:ext uri="{FF2B5EF4-FFF2-40B4-BE49-F238E27FC236}">
-                <a16:creationId xmlns:a16="http://schemas.microsoft.com/office/drawing/2014/main" id="{D01C8AB4-25DA-4D9E-9118-6ED6FF4263B5}"/>
-              </a:ext>
-            </a:extLst>
-          </p:cNvPr>
-          <p:cNvSpPr txBox="1"/>
-          <p:nvPr/>
-        </p:nvSpPr>
-        <p:spPr>
-          <a:xfrm>
-            <a:off x="672408" y="3601177"/>
-            <a:ext cx="1499009" cy="400110"/>
-          </a:xfrm>
-          <a:prstGeom prst="rect">
-            <a:avLst/>
-          </a:prstGeom>
-          <a:noFill/>
-        </p:spPr>
-        <p:txBody>
-          <a:bodyPr wrap="square" rtlCol="0">
-            <a:spAutoFit/>
-          </a:bodyPr>
-          <a:lstStyle/>
-          <a:p>
-            <a:pPr algn="ctr"/>
-            <a:r>
-              <a:rPr lang="en-US" altLang="ko-KR" sz="2000" b="1" dirty="0">
-                <a:solidFill>
-                  <a:schemeClr val="accent1"/>
-                </a:solidFill>
-                <a:cs typeface="Arial" pitchFamily="34" charset="0"/>
-              </a:rPr>
-              <a:t>11~14</a:t>
-            </a:r>
-            <a:r>
-              <a:rPr lang="ko-KR" altLang="en-US" sz="2000" b="1" dirty="0">
-                <a:solidFill>
-                  <a:schemeClr val="accent1"/>
-                </a:solidFill>
-                <a:cs typeface="Arial" pitchFamily="34" charset="0"/>
-              </a:rPr>
-              <a:t>주차</a:t>
-            </a:r>
-          </a:p>
-        </p:txBody>
-      </p:sp>
-      <p:sp>
-        <p:nvSpPr>
-          <p:cNvPr id="5" name="Rectangle 11">
-            <a:extLst>
-              <a:ext uri="{FF2B5EF4-FFF2-40B4-BE49-F238E27FC236}">
-                <a16:creationId xmlns:a16="http://schemas.microsoft.com/office/drawing/2014/main" id="{15407F5D-77F9-F537-CDAC-7FED3E595F26}"/>
-              </a:ext>
-            </a:extLst>
-          </p:cNvPr>
-          <p:cNvSpPr/>
-          <p:nvPr/>
-        </p:nvSpPr>
-        <p:spPr>
-          <a:xfrm>
-            <a:off x="2170549" y="2478166"/>
-            <a:ext cx="517215" cy="70837"/>
-          </a:xfrm>
-          <a:prstGeom prst="rect">
-            <a:avLst/>
-          </a:prstGeom>
-          <a:solidFill>
-            <a:schemeClr val="accent1"/>
-          </a:solidFill>
-          <a:ln>
-            <a:noFill/>
-          </a:ln>
-        </p:spPr>
-        <p:style>
-          <a:lnRef idx="2">
-            <a:schemeClr val="accent1">
-              <a:shade val="50000"/>
-            </a:schemeClr>
-          </a:lnRef>
-          <a:fillRef idx="1">
-            <a:schemeClr val="accent1"/>
-          </a:fillRef>
-          <a:effectRef idx="0">
-            <a:schemeClr val="accent1"/>
-          </a:effectRef>
-          <a:fontRef idx="minor">
-            <a:schemeClr val="lt1"/>
-          </a:fontRef>
-        </p:style>
-        <p:txBody>
-          <a:bodyPr rot="0" spcFirstLastPara="0" vertOverflow="overflow" horzOverflow="overflow" vert="horz" wrap="square" lIns="91440" tIns="45720" rIns="91440" bIns="45720" numCol="1" spcCol="0" rtlCol="0" fromWordArt="0" anchor="ctr" anchorCtr="0" forceAA="0" compatLnSpc="1">
-            <a:prstTxWarp prst="textNoShape">
-              <a:avLst/>
-            </a:prstTxWarp>
-            <a:noAutofit/>
-          </a:bodyPr>
-          <a:lstStyle/>
-          <a:p>
-            <a:pPr algn="ctr"/>
-            <a:endParaRPr lang="ko-KR" altLang="en-US"/>
-          </a:p>
-        </p:txBody>
-      </p:sp>
-      <p:sp>
-        <p:nvSpPr>
-          <p:cNvPr id="7" name="Rectangle 11">
-            <a:extLst>
-              <a:ext uri="{FF2B5EF4-FFF2-40B4-BE49-F238E27FC236}">
-                <a16:creationId xmlns:a16="http://schemas.microsoft.com/office/drawing/2014/main" id="{B7A631AD-8063-941D-8336-A35131E7EDA5}"/>
-              </a:ext>
-            </a:extLst>
-          </p:cNvPr>
-          <p:cNvSpPr/>
-          <p:nvPr/>
-        </p:nvSpPr>
-        <p:spPr>
-          <a:xfrm>
-            <a:off x="2170549" y="3765813"/>
-            <a:ext cx="517215" cy="70837"/>
-          </a:xfrm>
-          <a:prstGeom prst="rect">
-            <a:avLst/>
-          </a:prstGeom>
-          <a:solidFill>
-            <a:schemeClr val="accent1"/>
-          </a:solidFill>
-          <a:ln>
-            <a:noFill/>
-          </a:ln>
-        </p:spPr>
-        <p:style>
-          <a:lnRef idx="2">
-            <a:schemeClr val="accent1">
-              <a:shade val="50000"/>
-            </a:schemeClr>
-          </a:lnRef>
-          <a:fillRef idx="1">
-            <a:schemeClr val="accent1"/>
-          </a:fillRef>
-          <a:effectRef idx="0">
-            <a:schemeClr val="accent1"/>
-          </a:effectRef>
-          <a:fontRef idx="minor">
-            <a:schemeClr val="lt1"/>
-          </a:fontRef>
-        </p:style>
-        <p:txBody>
-          <a:bodyPr rot="0" spcFirstLastPara="0" vertOverflow="overflow" horzOverflow="overflow" vert="horz" wrap="square" lIns="91440" tIns="45720" rIns="91440" bIns="45720" numCol="1" spcCol="0" rtlCol="0" fromWordArt="0" anchor="ctr" anchorCtr="0" forceAA="0" compatLnSpc="1">
-            <a:prstTxWarp prst="textNoShape">
-              <a:avLst/>
-            </a:prstTxWarp>
-            <a:noAutofit/>
-          </a:bodyPr>
-          <a:lstStyle/>
-          <a:p>
-            <a:pPr algn="ctr"/>
-            <a:endParaRPr lang="ko-KR" altLang="en-US"/>
-          </a:p>
-        </p:txBody>
-      </p:sp>
-      <p:sp>
-        <p:nvSpPr>
-          <p:cNvPr id="8" name="TextBox 7">
-            <a:extLst>
-              <a:ext uri="{FF2B5EF4-FFF2-40B4-BE49-F238E27FC236}">
-                <a16:creationId xmlns:a16="http://schemas.microsoft.com/office/drawing/2014/main" id="{6EEAB15F-AA1C-E3EA-795B-7F37F966811D}"/>
-              </a:ext>
-            </a:extLst>
-          </p:cNvPr>
-          <p:cNvSpPr txBox="1"/>
-          <p:nvPr/>
-        </p:nvSpPr>
-        <p:spPr>
-          <a:xfrm>
-            <a:off x="3091682" y="993944"/>
-            <a:ext cx="4648670" cy="923330"/>
-          </a:xfrm>
-          <a:prstGeom prst="rect">
-            <a:avLst/>
-          </a:prstGeom>
-          <a:noFill/>
-        </p:spPr>
-        <p:txBody>
-          <a:bodyPr wrap="square" rtlCol="0">
-            <a:spAutoFit/>
-          </a:bodyPr>
-          <a:lstStyle/>
-          <a:p>
-            <a:r>
-              <a:rPr lang="ko-KR" altLang="en-US" dirty="0"/>
-              <a:t>클라우드 서비스 이용방안 모색</a:t>
-            </a:r>
-            <a:endParaRPr lang="en-US" altLang="ko-KR" dirty="0"/>
-          </a:p>
-          <a:p>
-            <a:r>
-              <a:rPr lang="en-US" altLang="ko-KR" dirty="0"/>
-              <a:t>React</a:t>
-            </a:r>
-            <a:r>
-              <a:rPr lang="ko-KR" altLang="en-US" dirty="0"/>
-              <a:t>에서 </a:t>
-            </a:r>
-            <a:r>
-              <a:rPr lang="en-US" altLang="ko-KR" dirty="0"/>
-              <a:t>tracking </a:t>
-            </a:r>
-            <a:r>
-              <a:rPr lang="ko-KR" altLang="en-US" dirty="0"/>
-              <a:t>관련 구현 및 관련학습</a:t>
-            </a:r>
-            <a:endParaRPr lang="en-US" altLang="ko-KR" dirty="0"/>
-          </a:p>
-          <a:p>
-            <a:r>
-              <a:rPr lang="ko-KR" altLang="en-US" dirty="0"/>
-              <a:t>필요한 화면들 추가적으로 구현</a:t>
-            </a:r>
-          </a:p>
-        </p:txBody>
-      </p:sp>
-      <p:sp>
-        <p:nvSpPr>
-          <p:cNvPr id="9" name="TextBox 8">
-            <a:extLst>
-              <a:ext uri="{FF2B5EF4-FFF2-40B4-BE49-F238E27FC236}">
-                <a16:creationId xmlns:a16="http://schemas.microsoft.com/office/drawing/2014/main" id="{403E919D-153B-BEE0-97F8-9A8958AE9627}"/>
-              </a:ext>
-            </a:extLst>
-          </p:cNvPr>
-          <p:cNvSpPr txBox="1"/>
-          <p:nvPr/>
-        </p:nvSpPr>
-        <p:spPr>
-          <a:xfrm>
-            <a:off x="3084777" y="2222074"/>
-            <a:ext cx="4655575" cy="923330"/>
-          </a:xfrm>
-          <a:prstGeom prst="rect">
-            <a:avLst/>
-          </a:prstGeom>
-          <a:noFill/>
-        </p:spPr>
-        <p:txBody>
-          <a:bodyPr wrap="square" rtlCol="0">
-            <a:spAutoFit/>
-          </a:bodyPr>
-          <a:lstStyle/>
-          <a:p>
-            <a:r>
-              <a:rPr lang="ko-KR" altLang="en-US" dirty="0"/>
-              <a:t>계정 연동에 따른 동적 컨텐츠 제공</a:t>
-            </a:r>
-            <a:endParaRPr lang="en-US" altLang="ko-KR" dirty="0"/>
-          </a:p>
-          <a:p>
-            <a:r>
-              <a:rPr lang="ko-KR" altLang="en-US" dirty="0"/>
-              <a:t>위험지역 </a:t>
-            </a:r>
-            <a:r>
-              <a:rPr lang="ko-KR" altLang="en-US" dirty="0" err="1"/>
-              <a:t>그라데이션</a:t>
-            </a:r>
-            <a:r>
-              <a:rPr lang="ko-KR" altLang="en-US" dirty="0"/>
-              <a:t> 표시 구현 예정</a:t>
-            </a:r>
-            <a:endParaRPr lang="en-US" altLang="ko-KR" dirty="0"/>
-          </a:p>
-          <a:p>
-            <a:r>
-              <a:rPr lang="ko-KR" altLang="en-US" dirty="0"/>
-              <a:t>알림 기능 레퍼런스 탐색 및 기초 구현</a:t>
-            </a:r>
-          </a:p>
-        </p:txBody>
-      </p:sp>
-      <p:sp>
-        <p:nvSpPr>
-          <p:cNvPr id="23" name="TextBox 22">
-            <a:extLst>
-              <a:ext uri="{FF2B5EF4-FFF2-40B4-BE49-F238E27FC236}">
-                <a16:creationId xmlns:a16="http://schemas.microsoft.com/office/drawing/2014/main" id="{1EE4429D-1AB0-990A-1E83-B54D65B59543}"/>
-              </a:ext>
-            </a:extLst>
-          </p:cNvPr>
-          <p:cNvSpPr txBox="1"/>
-          <p:nvPr/>
-        </p:nvSpPr>
-        <p:spPr>
-          <a:xfrm>
-            <a:off x="2843808" y="3636595"/>
-            <a:ext cx="4752528" cy="400110"/>
-          </a:xfrm>
-          <a:prstGeom prst="rect">
-            <a:avLst/>
-          </a:prstGeom>
-          <a:noFill/>
-        </p:spPr>
-        <p:txBody>
-          <a:bodyPr wrap="square" rtlCol="0">
-            <a:spAutoFit/>
-          </a:bodyPr>
-          <a:lstStyle/>
-          <a:p>
-            <a:pPr algn="ctr"/>
-            <a:r>
-              <a:rPr lang="ko-KR" altLang="en-US" sz="2000" b="1" dirty="0">
-                <a:solidFill>
-                  <a:schemeClr val="accent1"/>
-                </a:solidFill>
-                <a:cs typeface="Arial" pitchFamily="34" charset="0"/>
-              </a:rPr>
-              <a:t>이후 진행사항에 따라 주간발표 예정</a:t>
+              <a:t>향후 계획</a:t>
             </a:r>
           </a:p>
         </p:txBody>
@@ -11200,7 +11756,7 @@
     </p:spTree>
     <p:extLst>
       <p:ext uri="{BB962C8B-B14F-4D97-AF65-F5344CB8AC3E}">
-        <p14:creationId xmlns:p14="http://schemas.microsoft.com/office/powerpoint/2010/main" val="1090366767"/>
+        <p14:creationId xmlns:p14="http://schemas.microsoft.com/office/powerpoint/2010/main" val="3997913445"/>
       </p:ext>
     </p:extLst>
   </p:cSld>
@@ -11239,8 +11795,8 @@
         </p:nvSpPr>
         <p:spPr>
           <a:xfrm>
-            <a:off x="0" y="3561194"/>
-            <a:ext cx="9144000" cy="576063"/>
+            <a:off x="0" y="97506"/>
+            <a:ext cx="8676456" cy="591637"/>
           </a:xfrm>
         </p:spPr>
         <p:txBody>
@@ -11249,16 +11805,489 @@
           <a:p>
             <a:r>
               <a:rPr lang="ko-KR" altLang="en-US" dirty="0"/>
-              <a:t>감사합니다</a:t>
-            </a:r>
-            <a:endParaRPr lang="ko-KR" altLang="en-US" sz="3600" dirty="0"/>
+              <a:t>향후 구현 계획</a:t>
+            </a:r>
+          </a:p>
+        </p:txBody>
+      </p:sp>
+      <p:sp>
+        <p:nvSpPr>
+          <p:cNvPr id="12" name="Rectangle 11"/>
+          <p:cNvSpPr/>
+          <p:nvPr/>
+        </p:nvSpPr>
+        <p:spPr>
+          <a:xfrm>
+            <a:off x="2155482" y="1355155"/>
+            <a:ext cx="517215" cy="70837"/>
+          </a:xfrm>
+          <a:prstGeom prst="rect">
+            <a:avLst/>
+          </a:prstGeom>
+          <a:solidFill>
+            <a:schemeClr val="accent1"/>
+          </a:solidFill>
+          <a:ln>
+            <a:noFill/>
+          </a:ln>
+        </p:spPr>
+        <p:style>
+          <a:lnRef idx="2">
+            <a:schemeClr val="accent1">
+              <a:shade val="50000"/>
+            </a:schemeClr>
+          </a:lnRef>
+          <a:fillRef idx="1">
+            <a:schemeClr val="accent1"/>
+          </a:fillRef>
+          <a:effectRef idx="0">
+            <a:schemeClr val="accent1"/>
+          </a:effectRef>
+          <a:fontRef idx="minor">
+            <a:schemeClr val="lt1"/>
+          </a:fontRef>
+        </p:style>
+        <p:txBody>
+          <a:bodyPr rot="0" spcFirstLastPara="0" vertOverflow="overflow" horzOverflow="overflow" vert="horz" wrap="square" lIns="91440" tIns="45720" rIns="91440" bIns="45720" numCol="1" spcCol="0" rtlCol="0" fromWordArt="0" anchor="ctr" anchorCtr="0" forceAA="0" compatLnSpc="1">
+            <a:prstTxWarp prst="textNoShape">
+              <a:avLst/>
+            </a:prstTxWarp>
+            <a:noAutofit/>
+          </a:bodyPr>
+          <a:lstStyle/>
+          <a:p>
+            <a:pPr algn="ctr"/>
+            <a:endParaRPr lang="ko-KR" altLang="en-US"/>
+          </a:p>
+        </p:txBody>
+      </p:sp>
+      <p:sp>
+        <p:nvSpPr>
+          <p:cNvPr id="32" name="TextBox 31">
+            <a:extLst>
+              <a:ext uri="{FF2B5EF4-FFF2-40B4-BE49-F238E27FC236}">
+                <a16:creationId xmlns:a16="http://schemas.microsoft.com/office/drawing/2014/main" id="{D805552A-1C19-46A0-A455-E31C7C0B80D6}"/>
+              </a:ext>
+            </a:extLst>
+          </p:cNvPr>
+          <p:cNvSpPr txBox="1"/>
+          <p:nvPr/>
+        </p:nvSpPr>
+        <p:spPr>
+          <a:xfrm>
+            <a:off x="656473" y="1191100"/>
+            <a:ext cx="1499009" cy="400110"/>
+          </a:xfrm>
+          <a:prstGeom prst="rect">
+            <a:avLst/>
+          </a:prstGeom>
+          <a:noFill/>
+        </p:spPr>
+        <p:txBody>
+          <a:bodyPr wrap="square" rtlCol="0">
+            <a:spAutoFit/>
+          </a:bodyPr>
+          <a:lstStyle/>
+          <a:p>
+            <a:pPr algn="ctr"/>
+            <a:r>
+              <a:rPr lang="en-US" altLang="ko-KR" sz="2000" b="1" dirty="0">
+                <a:solidFill>
+                  <a:schemeClr val="accent1"/>
+                </a:solidFill>
+                <a:cs typeface="Arial" pitchFamily="34" charset="0"/>
+              </a:rPr>
+              <a:t>8</a:t>
+            </a:r>
+            <a:r>
+              <a:rPr lang="ko-KR" altLang="en-US" sz="2000" b="1" dirty="0">
+                <a:solidFill>
+                  <a:schemeClr val="accent1"/>
+                </a:solidFill>
+                <a:cs typeface="Arial" pitchFamily="34" charset="0"/>
+              </a:rPr>
+              <a:t>주차</a:t>
+            </a:r>
+          </a:p>
+        </p:txBody>
+      </p:sp>
+      <p:sp>
+        <p:nvSpPr>
+          <p:cNvPr id="33" name="TextBox 32">
+            <a:extLst>
+              <a:ext uri="{FF2B5EF4-FFF2-40B4-BE49-F238E27FC236}">
+                <a16:creationId xmlns:a16="http://schemas.microsoft.com/office/drawing/2014/main" id="{EE758838-B38B-4390-A2E3-D65208B92A37}"/>
+              </a:ext>
+            </a:extLst>
+          </p:cNvPr>
+          <p:cNvSpPr txBox="1"/>
+          <p:nvPr/>
+        </p:nvSpPr>
+        <p:spPr>
+          <a:xfrm>
+            <a:off x="664396" y="2339148"/>
+            <a:ext cx="1499009" cy="400110"/>
+          </a:xfrm>
+          <a:prstGeom prst="rect">
+            <a:avLst/>
+          </a:prstGeom>
+          <a:noFill/>
+        </p:spPr>
+        <p:txBody>
+          <a:bodyPr wrap="square" rtlCol="0">
+            <a:spAutoFit/>
+          </a:bodyPr>
+          <a:lstStyle/>
+          <a:p>
+            <a:pPr algn="ctr"/>
+            <a:r>
+              <a:rPr lang="en-US" altLang="ko-KR" sz="2000" b="1" dirty="0">
+                <a:solidFill>
+                  <a:schemeClr val="accent1"/>
+                </a:solidFill>
+                <a:cs typeface="Arial" pitchFamily="34" charset="0"/>
+              </a:rPr>
+              <a:t>9~10</a:t>
+            </a:r>
+            <a:r>
+              <a:rPr lang="ko-KR" altLang="en-US" sz="2000" b="1" dirty="0">
+                <a:solidFill>
+                  <a:schemeClr val="accent1"/>
+                </a:solidFill>
+                <a:cs typeface="Arial" pitchFamily="34" charset="0"/>
+              </a:rPr>
+              <a:t>주차</a:t>
+            </a:r>
+          </a:p>
+        </p:txBody>
+      </p:sp>
+      <p:sp>
+        <p:nvSpPr>
+          <p:cNvPr id="34" name="TextBox 33">
+            <a:extLst>
+              <a:ext uri="{FF2B5EF4-FFF2-40B4-BE49-F238E27FC236}">
+                <a16:creationId xmlns:a16="http://schemas.microsoft.com/office/drawing/2014/main" id="{D01C8AB4-25DA-4D9E-9118-6ED6FF4263B5}"/>
+              </a:ext>
+            </a:extLst>
+          </p:cNvPr>
+          <p:cNvSpPr txBox="1"/>
+          <p:nvPr/>
+        </p:nvSpPr>
+        <p:spPr>
+          <a:xfrm>
+            <a:off x="672408" y="3601177"/>
+            <a:ext cx="1499009" cy="400110"/>
+          </a:xfrm>
+          <a:prstGeom prst="rect">
+            <a:avLst/>
+          </a:prstGeom>
+          <a:noFill/>
+        </p:spPr>
+        <p:txBody>
+          <a:bodyPr wrap="square" rtlCol="0">
+            <a:spAutoFit/>
+          </a:bodyPr>
+          <a:lstStyle/>
+          <a:p>
+            <a:pPr algn="ctr"/>
+            <a:r>
+              <a:rPr lang="en-US" altLang="ko-KR" sz="2000" b="1" dirty="0">
+                <a:solidFill>
+                  <a:schemeClr val="accent1"/>
+                </a:solidFill>
+                <a:cs typeface="Arial" pitchFamily="34" charset="0"/>
+              </a:rPr>
+              <a:t>11~14</a:t>
+            </a:r>
+            <a:r>
+              <a:rPr lang="ko-KR" altLang="en-US" sz="2000" b="1" dirty="0">
+                <a:solidFill>
+                  <a:schemeClr val="accent1"/>
+                </a:solidFill>
+                <a:cs typeface="Arial" pitchFamily="34" charset="0"/>
+              </a:rPr>
+              <a:t>주차</a:t>
+            </a:r>
+          </a:p>
+        </p:txBody>
+      </p:sp>
+      <p:sp>
+        <p:nvSpPr>
+          <p:cNvPr id="5" name="Rectangle 11">
+            <a:extLst>
+              <a:ext uri="{FF2B5EF4-FFF2-40B4-BE49-F238E27FC236}">
+                <a16:creationId xmlns:a16="http://schemas.microsoft.com/office/drawing/2014/main" id="{15407F5D-77F9-F537-CDAC-7FED3E595F26}"/>
+              </a:ext>
+            </a:extLst>
+          </p:cNvPr>
+          <p:cNvSpPr/>
+          <p:nvPr/>
+        </p:nvSpPr>
+        <p:spPr>
+          <a:xfrm>
+            <a:off x="2170549" y="2478166"/>
+            <a:ext cx="517215" cy="70837"/>
+          </a:xfrm>
+          <a:prstGeom prst="rect">
+            <a:avLst/>
+          </a:prstGeom>
+          <a:solidFill>
+            <a:schemeClr val="accent1"/>
+          </a:solidFill>
+          <a:ln>
+            <a:noFill/>
+          </a:ln>
+        </p:spPr>
+        <p:style>
+          <a:lnRef idx="2">
+            <a:schemeClr val="accent1">
+              <a:shade val="50000"/>
+            </a:schemeClr>
+          </a:lnRef>
+          <a:fillRef idx="1">
+            <a:schemeClr val="accent1"/>
+          </a:fillRef>
+          <a:effectRef idx="0">
+            <a:schemeClr val="accent1"/>
+          </a:effectRef>
+          <a:fontRef idx="minor">
+            <a:schemeClr val="lt1"/>
+          </a:fontRef>
+        </p:style>
+        <p:txBody>
+          <a:bodyPr rot="0" spcFirstLastPara="0" vertOverflow="overflow" horzOverflow="overflow" vert="horz" wrap="square" lIns="91440" tIns="45720" rIns="91440" bIns="45720" numCol="1" spcCol="0" rtlCol="0" fromWordArt="0" anchor="ctr" anchorCtr="0" forceAA="0" compatLnSpc="1">
+            <a:prstTxWarp prst="textNoShape">
+              <a:avLst/>
+            </a:prstTxWarp>
+            <a:noAutofit/>
+          </a:bodyPr>
+          <a:lstStyle/>
+          <a:p>
+            <a:pPr algn="ctr"/>
+            <a:endParaRPr lang="ko-KR" altLang="en-US"/>
+          </a:p>
+        </p:txBody>
+      </p:sp>
+      <p:sp>
+        <p:nvSpPr>
+          <p:cNvPr id="7" name="Rectangle 11">
+            <a:extLst>
+              <a:ext uri="{FF2B5EF4-FFF2-40B4-BE49-F238E27FC236}">
+                <a16:creationId xmlns:a16="http://schemas.microsoft.com/office/drawing/2014/main" id="{B7A631AD-8063-941D-8336-A35131E7EDA5}"/>
+              </a:ext>
+            </a:extLst>
+          </p:cNvPr>
+          <p:cNvSpPr/>
+          <p:nvPr/>
+        </p:nvSpPr>
+        <p:spPr>
+          <a:xfrm>
+            <a:off x="2170549" y="3765813"/>
+            <a:ext cx="517215" cy="70837"/>
+          </a:xfrm>
+          <a:prstGeom prst="rect">
+            <a:avLst/>
+          </a:prstGeom>
+          <a:solidFill>
+            <a:schemeClr val="accent1"/>
+          </a:solidFill>
+          <a:ln>
+            <a:noFill/>
+          </a:ln>
+        </p:spPr>
+        <p:style>
+          <a:lnRef idx="2">
+            <a:schemeClr val="accent1">
+              <a:shade val="50000"/>
+            </a:schemeClr>
+          </a:lnRef>
+          <a:fillRef idx="1">
+            <a:schemeClr val="accent1"/>
+          </a:fillRef>
+          <a:effectRef idx="0">
+            <a:schemeClr val="accent1"/>
+          </a:effectRef>
+          <a:fontRef idx="minor">
+            <a:schemeClr val="lt1"/>
+          </a:fontRef>
+        </p:style>
+        <p:txBody>
+          <a:bodyPr rot="0" spcFirstLastPara="0" vertOverflow="overflow" horzOverflow="overflow" vert="horz" wrap="square" lIns="91440" tIns="45720" rIns="91440" bIns="45720" numCol="1" spcCol="0" rtlCol="0" fromWordArt="0" anchor="ctr" anchorCtr="0" forceAA="0" compatLnSpc="1">
+            <a:prstTxWarp prst="textNoShape">
+              <a:avLst/>
+            </a:prstTxWarp>
+            <a:noAutofit/>
+          </a:bodyPr>
+          <a:lstStyle/>
+          <a:p>
+            <a:pPr algn="ctr"/>
+            <a:endParaRPr lang="ko-KR" altLang="en-US"/>
+          </a:p>
+        </p:txBody>
+      </p:sp>
+      <p:sp>
+        <p:nvSpPr>
+          <p:cNvPr id="8" name="TextBox 7">
+            <a:extLst>
+              <a:ext uri="{FF2B5EF4-FFF2-40B4-BE49-F238E27FC236}">
+                <a16:creationId xmlns:a16="http://schemas.microsoft.com/office/drawing/2014/main" id="{6EEAB15F-AA1C-E3EA-795B-7F37F966811D}"/>
+              </a:ext>
+            </a:extLst>
+          </p:cNvPr>
+          <p:cNvSpPr txBox="1"/>
+          <p:nvPr/>
+        </p:nvSpPr>
+        <p:spPr>
+          <a:xfrm>
+            <a:off x="3091682" y="993944"/>
+            <a:ext cx="4648670" cy="923330"/>
+          </a:xfrm>
+          <a:prstGeom prst="rect">
+            <a:avLst/>
+          </a:prstGeom>
+          <a:noFill/>
+        </p:spPr>
+        <p:txBody>
+          <a:bodyPr wrap="square" rtlCol="0">
+            <a:spAutoFit/>
+          </a:bodyPr>
+          <a:lstStyle/>
+          <a:p>
+            <a:r>
+              <a:rPr lang="ko-KR" altLang="en-US" dirty="0"/>
+              <a:t>클라우드 서비스 이용방안 모색</a:t>
+            </a:r>
+            <a:endParaRPr lang="en-US" altLang="ko-KR" dirty="0"/>
+          </a:p>
+          <a:p>
+            <a:r>
+              <a:rPr lang="en-US" altLang="ko-KR" dirty="0"/>
+              <a:t>React</a:t>
+            </a:r>
+            <a:r>
+              <a:rPr lang="ko-KR" altLang="en-US" dirty="0"/>
+              <a:t>에서 </a:t>
+            </a:r>
+            <a:r>
+              <a:rPr lang="en-US" altLang="ko-KR" dirty="0"/>
+              <a:t>tracking </a:t>
+            </a:r>
+            <a:r>
+              <a:rPr lang="ko-KR" altLang="en-US" dirty="0"/>
+              <a:t>관련 구현 및 관련학습</a:t>
+            </a:r>
+            <a:endParaRPr lang="en-US" altLang="ko-KR" dirty="0"/>
+          </a:p>
+          <a:p>
+            <a:r>
+              <a:rPr lang="ko-KR" altLang="en-US" dirty="0"/>
+              <a:t>필요한 화면들 추가적으로 구현</a:t>
+            </a:r>
+          </a:p>
+        </p:txBody>
+      </p:sp>
+      <p:sp>
+        <p:nvSpPr>
+          <p:cNvPr id="9" name="TextBox 8">
+            <a:extLst>
+              <a:ext uri="{FF2B5EF4-FFF2-40B4-BE49-F238E27FC236}">
+                <a16:creationId xmlns:a16="http://schemas.microsoft.com/office/drawing/2014/main" id="{403E919D-153B-BEE0-97F8-9A8958AE9627}"/>
+              </a:ext>
+            </a:extLst>
+          </p:cNvPr>
+          <p:cNvSpPr txBox="1"/>
+          <p:nvPr/>
+        </p:nvSpPr>
+        <p:spPr>
+          <a:xfrm>
+            <a:off x="3084777" y="2222074"/>
+            <a:ext cx="4655575" cy="923330"/>
+          </a:xfrm>
+          <a:prstGeom prst="rect">
+            <a:avLst/>
+          </a:prstGeom>
+          <a:noFill/>
+        </p:spPr>
+        <p:txBody>
+          <a:bodyPr wrap="square" rtlCol="0">
+            <a:spAutoFit/>
+          </a:bodyPr>
+          <a:lstStyle/>
+          <a:p>
+            <a:r>
+              <a:rPr lang="ko-KR" altLang="en-US" dirty="0"/>
+              <a:t>계정 연동에 따른 동적 컨텐츠 제공</a:t>
+            </a:r>
+            <a:endParaRPr lang="en-US" altLang="ko-KR" dirty="0"/>
+          </a:p>
+          <a:p>
+            <a:r>
+              <a:rPr lang="ko-KR" altLang="en-US" dirty="0"/>
+              <a:t>위험지역 </a:t>
+            </a:r>
+            <a:r>
+              <a:rPr lang="ko-KR" altLang="en-US" dirty="0" err="1"/>
+              <a:t>그라데이션</a:t>
+            </a:r>
+            <a:r>
+              <a:rPr lang="ko-KR" altLang="en-US" dirty="0"/>
+              <a:t> 표시 구현 예정</a:t>
+            </a:r>
+            <a:endParaRPr lang="en-US" altLang="ko-KR" dirty="0"/>
+          </a:p>
+          <a:p>
+            <a:r>
+              <a:rPr lang="ko-KR" altLang="en-US" dirty="0"/>
+              <a:t>알림 기능 레퍼런스 탐색 및 기초 구현</a:t>
+            </a:r>
+          </a:p>
+        </p:txBody>
+      </p:sp>
+      <p:sp>
+        <p:nvSpPr>
+          <p:cNvPr id="23" name="TextBox 22">
+            <a:extLst>
+              <a:ext uri="{FF2B5EF4-FFF2-40B4-BE49-F238E27FC236}">
+                <a16:creationId xmlns:a16="http://schemas.microsoft.com/office/drawing/2014/main" id="{1EE4429D-1AB0-990A-1E83-B54D65B59543}"/>
+              </a:ext>
+            </a:extLst>
+          </p:cNvPr>
+          <p:cNvSpPr txBox="1"/>
+          <p:nvPr/>
+        </p:nvSpPr>
+        <p:spPr>
+          <a:xfrm>
+            <a:off x="2843808" y="3636595"/>
+            <a:ext cx="4752528" cy="400110"/>
+          </a:xfrm>
+          <a:prstGeom prst="rect">
+            <a:avLst/>
+          </a:prstGeom>
+          <a:noFill/>
+        </p:spPr>
+        <p:txBody>
+          <a:bodyPr wrap="square" rtlCol="0">
+            <a:spAutoFit/>
+          </a:bodyPr>
+          <a:lstStyle/>
+          <a:p>
+            <a:pPr algn="ctr"/>
+            <a:r>
+              <a:rPr lang="ko-KR" altLang="en-US" sz="2000" b="1" dirty="0">
+                <a:solidFill>
+                  <a:schemeClr val="accent1"/>
+                </a:solidFill>
+                <a:cs typeface="Arial" pitchFamily="34" charset="0"/>
+              </a:rPr>
+              <a:t>이후 진행사항에 따라 주간발표 예정</a:t>
+            </a:r>
           </a:p>
         </p:txBody>
       </p:sp>
     </p:spTree>
     <p:extLst>
       <p:ext uri="{BB962C8B-B14F-4D97-AF65-F5344CB8AC3E}">
-        <p14:creationId xmlns:p14="http://schemas.microsoft.com/office/powerpoint/2010/main" val="61455909"/>
+        <p14:creationId xmlns:p14="http://schemas.microsoft.com/office/powerpoint/2010/main" val="1090366767"/>
       </p:ext>
     </p:extLst>
   </p:cSld>
@@ -11996,6 +13025,64 @@
 </p:sld>
 </file>
 
+<file path=ppt/slides/slide20.xml><?xml version="1.0" encoding="utf-8"?>
+<p:sld xmlns:a="http://schemas.openxmlformats.org/drawingml/2006/main" xmlns:r="http://schemas.openxmlformats.org/officeDocument/2006/relationships" xmlns:p="http://schemas.openxmlformats.org/presentationml/2006/main">
+  <p:cSld>
+    <p:spTree>
+      <p:nvGrpSpPr>
+        <p:cNvPr id="1" name=""/>
+        <p:cNvGrpSpPr/>
+        <p:nvPr/>
+      </p:nvGrpSpPr>
+      <p:grpSpPr>
+        <a:xfrm>
+          <a:off x="0" y="0"/>
+          <a:ext cx="0" cy="0"/>
+          <a:chOff x="0" y="0"/>
+          <a:chExt cx="0" cy="0"/>
+        </a:xfrm>
+      </p:grpSpPr>
+      <p:sp>
+        <p:nvSpPr>
+          <p:cNvPr id="2" name="Text Placeholder 1"/>
+          <p:cNvSpPr>
+            <a:spLocks noGrp="1"/>
+          </p:cNvSpPr>
+          <p:nvPr>
+            <p:ph type="body" sz="quarter" idx="10"/>
+          </p:nvPr>
+        </p:nvSpPr>
+        <p:spPr>
+          <a:xfrm>
+            <a:off x="0" y="3561194"/>
+            <a:ext cx="9144000" cy="576063"/>
+          </a:xfrm>
+        </p:spPr>
+        <p:txBody>
+          <a:bodyPr/>
+          <a:lstStyle/>
+          <a:p>
+            <a:r>
+              <a:rPr lang="ko-KR" altLang="en-US" dirty="0"/>
+              <a:t>감사합니다</a:t>
+            </a:r>
+            <a:endParaRPr lang="ko-KR" altLang="en-US" sz="3600" dirty="0"/>
+          </a:p>
+        </p:txBody>
+      </p:sp>
+    </p:spTree>
+    <p:extLst>
+      <p:ext uri="{BB962C8B-B14F-4D97-AF65-F5344CB8AC3E}">
+        <p14:creationId xmlns:p14="http://schemas.microsoft.com/office/powerpoint/2010/main" val="61455909"/>
+      </p:ext>
+    </p:extLst>
+  </p:cSld>
+  <p:clrMapOvr>
+    <a:masterClrMapping/>
+  </p:clrMapOvr>
+</p:sld>
+</file>
+
 <file path=ppt/slides/slide3.xml><?xml version="1.0" encoding="utf-8"?>
 <p:sld xmlns:a="http://schemas.openxmlformats.org/drawingml/2006/main" xmlns:r="http://schemas.openxmlformats.org/officeDocument/2006/relationships" xmlns:p="http://schemas.openxmlformats.org/presentationml/2006/main">
   <p:cSld>
@@ -12480,8 +13567,8 @@
         </p:nvSpPr>
         <p:spPr>
           <a:xfrm>
-            <a:off x="4427984" y="1131590"/>
-            <a:ext cx="4392488" cy="3416320"/>
+            <a:off x="4644008" y="1059582"/>
+            <a:ext cx="3960440" cy="3293209"/>
           </a:xfrm>
           <a:prstGeom prst="rect">
             <a:avLst/>
@@ -12495,179 +13582,171 @@
           <a:lstStyle/>
           <a:p>
             <a:r>
-              <a:rPr lang="ko-KR" altLang="en-US" dirty="0"/>
-              <a:t>공공데이터 이용과 </a:t>
-            </a:r>
-            <a:r>
-              <a:rPr lang="en-US" altLang="ko-KR" dirty="0" err="1"/>
+              <a:rPr lang="ko-KR" altLang="en-US" sz="1600" dirty="0"/>
+              <a:t> 공공데이터 이용과 </a:t>
+            </a:r>
+            <a:r>
+              <a:rPr lang="en-US" altLang="ko-KR" sz="1600" dirty="0" err="1"/>
               <a:t>Postgresql</a:t>
             </a:r>
             <a:r>
-              <a:rPr lang="ko-KR" altLang="en-US" dirty="0"/>
+              <a:rPr lang="ko-KR" altLang="en-US" sz="1600" dirty="0"/>
               <a:t>의 외부 파일을 통한 테이블 설계 기능으로</a:t>
             </a:r>
             <a:r>
-              <a:rPr lang="en-US" altLang="ko-KR" dirty="0"/>
+              <a:rPr lang="en-US" altLang="ko-KR" sz="1600" dirty="0"/>
               <a:t>,</a:t>
             </a:r>
             <a:r>
-              <a:rPr lang="ko-KR" altLang="en-US" dirty="0"/>
+              <a:rPr lang="ko-KR" altLang="en-US" sz="1600" dirty="0"/>
               <a:t> </a:t>
             </a:r>
-            <a:endParaRPr lang="en-US" altLang="ko-KR" dirty="0"/>
-          </a:p>
-          <a:p>
-            <a:r>
-              <a:rPr lang="ko-KR" altLang="en-US" dirty="0" err="1"/>
+            <a:r>
+              <a:rPr lang="ko-KR" altLang="en-US" sz="1600" dirty="0" err="1"/>
               <a:t>백엔드에서의</a:t>
             </a:r>
             <a:r>
-              <a:rPr lang="ko-KR" altLang="en-US" dirty="0"/>
+              <a:rPr lang="ko-KR" altLang="en-US" sz="1600" dirty="0"/>
               <a:t> 비중이 많이 줄어들었음을 확인하였습니다</a:t>
             </a:r>
             <a:r>
-              <a:rPr lang="en-US" altLang="ko-KR" dirty="0"/>
+              <a:rPr lang="en-US" altLang="ko-KR" sz="1600" dirty="0"/>
               <a:t>.</a:t>
             </a:r>
           </a:p>
           <a:p>
-            <a:endParaRPr lang="en-US" altLang="ko-KR" dirty="0"/>
-          </a:p>
-          <a:p>
-            <a:r>
-              <a:rPr lang="ko-KR" altLang="en-US" dirty="0"/>
-              <a:t>반대로</a:t>
-            </a:r>
-            <a:r>
-              <a:rPr lang="en-US" altLang="ko-KR" dirty="0"/>
+            <a:endParaRPr lang="en-US" altLang="ko-KR" sz="1600" dirty="0"/>
+          </a:p>
+          <a:p>
+            <a:r>
+              <a:rPr lang="ko-KR" altLang="en-US" sz="1600" dirty="0"/>
+              <a:t> 반면에</a:t>
+            </a:r>
+            <a:r>
+              <a:rPr lang="en-US" altLang="ko-KR" sz="1600" dirty="0"/>
+              <a:t>, </a:t>
+            </a:r>
+            <a:r>
+              <a:rPr lang="ko-KR" altLang="en-US" sz="1600" dirty="0"/>
+              <a:t>맵 </a:t>
+            </a:r>
+            <a:r>
+              <a:rPr lang="en-US" altLang="ko-KR" sz="1600" dirty="0"/>
+              <a:t>API </a:t>
+            </a:r>
+            <a:r>
+              <a:rPr lang="ko-KR" altLang="en-US" sz="1600" dirty="0"/>
+              <a:t>구현과 </a:t>
+            </a:r>
+            <a:r>
+              <a:rPr lang="en-US" altLang="ko-KR" sz="1600" dirty="0"/>
+              <a:t>GPS </a:t>
+            </a:r>
+            <a:r>
+              <a:rPr lang="ko-KR" altLang="en-US" sz="1600" dirty="0"/>
+              <a:t>추적 등 프론트에서 수행해야할 부분이 많음을 확인하였습니다</a:t>
+            </a:r>
+            <a:r>
+              <a:rPr lang="en-US" altLang="ko-KR" sz="1600" dirty="0"/>
+              <a:t>.</a:t>
+            </a:r>
+          </a:p>
+          <a:p>
+            <a:endParaRPr lang="en-US" altLang="ko-KR" sz="1600" dirty="0"/>
+          </a:p>
+          <a:p>
+            <a:endParaRPr lang="en-US" altLang="ko-KR" sz="1600" dirty="0"/>
+          </a:p>
+          <a:p>
+            <a:r>
+              <a:rPr lang="ko-KR" altLang="en-US" sz="1600" dirty="0"/>
+              <a:t> 따라서 현재는 기존의 </a:t>
+            </a:r>
+            <a:r>
+              <a:rPr lang="ko-KR" altLang="en-US" sz="1600" dirty="0" err="1"/>
+              <a:t>프론트엔드</a:t>
+            </a:r>
+            <a:r>
+              <a:rPr lang="ko-KR" altLang="en-US" sz="1600" dirty="0"/>
+              <a:t> </a:t>
+            </a:r>
+            <a:r>
+              <a:rPr lang="en-US" altLang="ko-KR" sz="1600" dirty="0"/>
+              <a:t>1</a:t>
+            </a:r>
+            <a:r>
+              <a:rPr lang="ko-KR" altLang="en-US" sz="1600" dirty="0"/>
+              <a:t>명 </a:t>
+            </a:r>
+            <a:r>
+              <a:rPr lang="ko-KR" altLang="en-US" sz="1600" dirty="0" err="1"/>
+              <a:t>백엔드</a:t>
+            </a:r>
+            <a:r>
+              <a:rPr lang="ko-KR" altLang="en-US" sz="1600" dirty="0"/>
+              <a:t> </a:t>
+            </a:r>
+            <a:r>
+              <a:rPr lang="en-US" altLang="ko-KR" sz="1600" dirty="0"/>
+              <a:t>2</a:t>
+            </a:r>
+            <a:r>
+              <a:rPr lang="ko-KR" altLang="en-US" sz="1600" dirty="0"/>
+              <a:t>명 구성에서</a:t>
+            </a:r>
+            <a:r>
+              <a:rPr lang="en-US" altLang="ko-KR" sz="1600" dirty="0"/>
               <a:t>,</a:t>
             </a:r>
             <a:r>
-              <a:rPr lang="ko-KR" altLang="en-US" dirty="0"/>
-              <a:t>진행하면서</a:t>
-            </a:r>
-            <a:r>
-              <a:rPr lang="en-US" altLang="ko-KR" dirty="0"/>
-              <a:t>  </a:t>
-            </a:r>
-            <a:r>
-              <a:rPr lang="ko-KR" altLang="en-US" dirty="0"/>
-              <a:t>맵 </a:t>
-            </a:r>
-            <a:r>
-              <a:rPr lang="en-US" altLang="ko-KR" dirty="0"/>
-              <a:t>API </a:t>
-            </a:r>
-            <a:r>
-              <a:rPr lang="ko-KR" altLang="en-US" dirty="0"/>
-              <a:t>그리고 </a:t>
-            </a:r>
-            <a:r>
-              <a:rPr lang="en-US" altLang="ko-KR" dirty="0"/>
-              <a:t>GPS </a:t>
-            </a:r>
-            <a:r>
-              <a:rPr lang="ko-KR" altLang="en-US" dirty="0"/>
-              <a:t>기능 등 프론트 단에서 수행해야할 부분이 많음을 확인하였습니다</a:t>
-            </a:r>
-            <a:r>
-              <a:rPr lang="en-US" altLang="ko-KR" dirty="0"/>
+              <a:rPr lang="ko-KR" altLang="en-US" sz="1600" dirty="0"/>
+              <a:t> </a:t>
+            </a:r>
+            <a:r>
+              <a:rPr lang="ko-KR" altLang="en-US" sz="1600" dirty="0" err="1"/>
+              <a:t>프론트엔드</a:t>
+            </a:r>
+            <a:r>
+              <a:rPr lang="ko-KR" altLang="en-US" sz="1600" dirty="0"/>
+              <a:t> </a:t>
+            </a:r>
+            <a:r>
+              <a:rPr lang="en-US" altLang="ko-KR" sz="1600" dirty="0"/>
+              <a:t>2</a:t>
+            </a:r>
+            <a:r>
+              <a:rPr lang="ko-KR" altLang="en-US" sz="1600" dirty="0"/>
+              <a:t>명 </a:t>
+            </a:r>
+            <a:r>
+              <a:rPr lang="ko-KR" altLang="en-US" sz="1600" dirty="0" err="1"/>
+              <a:t>백엔드</a:t>
+            </a:r>
+            <a:r>
+              <a:rPr lang="ko-KR" altLang="en-US" sz="1600" dirty="0"/>
+              <a:t> </a:t>
+            </a:r>
+            <a:r>
+              <a:rPr lang="en-US" altLang="ko-KR" sz="1600" dirty="0"/>
+              <a:t>1</a:t>
+            </a:r>
+            <a:r>
+              <a:rPr lang="ko-KR" altLang="en-US" sz="1600" dirty="0"/>
+              <a:t>명으로</a:t>
+            </a:r>
+            <a:r>
+              <a:rPr lang="en-US" altLang="ko-KR" sz="1600" dirty="0"/>
+              <a:t> </a:t>
+            </a:r>
+            <a:r>
+              <a:rPr lang="ko-KR" altLang="en-US" sz="1600" dirty="0"/>
+              <a:t>진행 중에 있습니다</a:t>
+            </a:r>
+            <a:r>
+              <a:rPr lang="en-US" altLang="ko-KR" sz="1600" dirty="0"/>
               <a:t>.</a:t>
             </a:r>
-          </a:p>
-          <a:p>
-            <a:endParaRPr lang="en-US" altLang="ko-KR" dirty="0"/>
-          </a:p>
-          <a:p>
-            <a:r>
-              <a:rPr lang="ko-KR" altLang="en-US" dirty="0"/>
-              <a:t>따라서 현재는 기존의 </a:t>
-            </a:r>
-            <a:r>
-              <a:rPr lang="ko-KR" altLang="en-US" dirty="0" err="1"/>
-              <a:t>프론트엔드</a:t>
-            </a:r>
-            <a:r>
-              <a:rPr lang="ko-KR" altLang="en-US" dirty="0"/>
-              <a:t> </a:t>
-            </a:r>
-            <a:r>
-              <a:rPr lang="en-US" altLang="ko-KR" dirty="0"/>
-              <a:t>1</a:t>
-            </a:r>
-            <a:r>
-              <a:rPr lang="ko-KR" altLang="en-US" dirty="0"/>
-              <a:t>명 </a:t>
-            </a:r>
-            <a:r>
-              <a:rPr lang="ko-KR" altLang="en-US" dirty="0" err="1"/>
-              <a:t>백엔드</a:t>
-            </a:r>
-            <a:r>
-              <a:rPr lang="ko-KR" altLang="en-US" dirty="0"/>
-              <a:t> </a:t>
-            </a:r>
-            <a:r>
-              <a:rPr lang="en-US" altLang="ko-KR" dirty="0"/>
-              <a:t>2</a:t>
-            </a:r>
-            <a:r>
-              <a:rPr lang="ko-KR" altLang="en-US" dirty="0"/>
-              <a:t>명 구성에서</a:t>
-            </a:r>
-            <a:r>
-              <a:rPr lang="en-US" altLang="ko-KR" dirty="0"/>
-              <a:t>,</a:t>
-            </a:r>
-            <a:r>
-              <a:rPr lang="ko-KR" altLang="en-US" dirty="0"/>
-              <a:t> </a:t>
-            </a:r>
-            <a:r>
-              <a:rPr lang="ko-KR" altLang="en-US" dirty="0" err="1"/>
-              <a:t>프론트엔드</a:t>
-            </a:r>
-            <a:r>
-              <a:rPr lang="ko-KR" altLang="en-US" dirty="0"/>
-              <a:t> </a:t>
-            </a:r>
-            <a:r>
-              <a:rPr lang="en-US" altLang="ko-KR" dirty="0"/>
-              <a:t>2</a:t>
-            </a:r>
-            <a:r>
-              <a:rPr lang="ko-KR" altLang="en-US" dirty="0"/>
-              <a:t>명 </a:t>
-            </a:r>
-            <a:r>
-              <a:rPr lang="ko-KR" altLang="en-US" dirty="0" err="1"/>
-              <a:t>백엔드</a:t>
-            </a:r>
-            <a:r>
-              <a:rPr lang="ko-KR" altLang="en-US" dirty="0"/>
-              <a:t> </a:t>
-            </a:r>
-            <a:r>
-              <a:rPr lang="en-US" altLang="ko-KR" dirty="0"/>
-              <a:t>1</a:t>
-            </a:r>
-            <a:r>
-              <a:rPr lang="ko-KR" altLang="en-US" dirty="0"/>
-              <a:t>명으로</a:t>
-            </a:r>
-            <a:r>
-              <a:rPr lang="en-US" altLang="ko-KR" dirty="0"/>
-              <a:t> </a:t>
-            </a:r>
-            <a:r>
-              <a:rPr lang="ko-KR" altLang="en-US" dirty="0"/>
-              <a:t>진행중에 있습니다</a:t>
-            </a:r>
-            <a:r>
-              <a:rPr lang="en-US" altLang="ko-KR" dirty="0"/>
-              <a:t>.</a:t>
-            </a:r>
-            <a:endParaRPr lang="ko-KR" altLang="en-US" dirty="0"/>
+            <a:endParaRPr lang="ko-KR" altLang="en-US" sz="1600" dirty="0"/>
           </a:p>
         </p:txBody>
       </p:sp>
@@ -14499,7 +15578,7 @@
         <p:spPr>
           <a:xfrm>
             <a:off x="4564035" y="1347614"/>
-            <a:ext cx="3744416" cy="2862322"/>
+            <a:ext cx="3744416" cy="2585323"/>
           </a:xfrm>
           <a:prstGeom prst="rect">
             <a:avLst/>
@@ -14547,7 +15626,7 @@
           <a:p>
             <a:r>
               <a:rPr lang="en-US" altLang="ko-KR" dirty="0"/>
-              <a:t>self-mapping</a:t>
+              <a:t> self-mapping</a:t>
             </a:r>
             <a:r>
               <a:rPr lang="ko-KR" altLang="en-US" dirty="0"/>
@@ -14559,7 +15638,7 @@
             </a:r>
             <a:r>
               <a:rPr lang="ko-KR" altLang="en-US" dirty="0"/>
-              <a:t>부모입장에서는 자식 </a:t>
+              <a:t>부모 </a:t>
             </a:r>
             <a:r>
               <a:rPr lang="en-US" altLang="ko-KR" dirty="0"/>
@@ -14567,7 +15646,15 @@
             </a:r>
             <a:r>
               <a:rPr lang="ko-KR" altLang="en-US" dirty="0"/>
-              <a:t>를 참조할 수 있고</a:t>
+              <a:t>는 자식 </a:t>
+            </a:r>
+            <a:r>
+              <a:rPr lang="en-US" altLang="ko-KR" dirty="0"/>
+              <a:t>user</a:t>
+            </a:r>
+            <a:r>
+              <a:rPr lang="ko-KR" altLang="en-US" dirty="0"/>
+              <a:t>를</a:t>
             </a:r>
             <a:r>
               <a:rPr lang="en-US" altLang="ko-KR" dirty="0"/>
@@ -14575,7 +15662,7 @@
             </a:r>
             <a:r>
               <a:rPr lang="ko-KR" altLang="en-US" dirty="0"/>
-              <a:t>자식입장에서는 부모 </a:t>
+              <a:t>자식 </a:t>
             </a:r>
             <a:r>
               <a:rPr lang="en-US" altLang="ko-KR" dirty="0"/>
@@ -14583,7 +15670,15 @@
             </a:r>
             <a:r>
               <a:rPr lang="ko-KR" altLang="en-US" dirty="0"/>
-              <a:t>를 참조하는 구조 입니다</a:t>
+              <a:t>는 부모 </a:t>
+            </a:r>
+            <a:r>
+              <a:rPr lang="en-US" altLang="ko-KR" dirty="0"/>
+              <a:t>user</a:t>
+            </a:r>
+            <a:r>
+              <a:rPr lang="ko-KR" altLang="en-US" dirty="0"/>
+              <a:t>를 참조하는 구조입니다</a:t>
             </a:r>
             <a:r>
               <a:rPr lang="en-US" altLang="ko-KR" dirty="0"/>
@@ -14596,7 +15691,7 @@
           <a:p>
             <a:r>
               <a:rPr lang="ko-KR" altLang="en-US" dirty="0"/>
-              <a:t>사용자에 대한 데이터를 가지고</a:t>
+              <a:t> 사용자에 대한 데이터를 가지고</a:t>
             </a:r>
             <a:r>
               <a:rPr lang="en-US" altLang="ko-KR" dirty="0"/>
@@ -14940,7 +16035,7 @@
           <a:p>
             <a:r>
               <a:rPr lang="ko-KR" altLang="en-US" dirty="0"/>
-              <a:t>화면에서 빨간색 마커를 띄웠고</a:t>
+              <a:t> 화면에서 빨간색 마커를 띄웠고</a:t>
             </a:r>
             <a:r>
               <a:rPr lang="en-US" altLang="ko-KR" dirty="0"/>
@@ -14961,15 +16056,19 @@
           <a:p>
             <a:r>
               <a:rPr lang="ko-KR" altLang="en-US" dirty="0"/>
-              <a:t>마커의 움직임에 약간 </a:t>
+              <a:t> 마커의 움직임이 다소 </a:t>
             </a:r>
             <a:r>
               <a:rPr lang="ko-KR" altLang="en-US" dirty="0" err="1"/>
-              <a:t>버벅임이</a:t>
+              <a:t>버벅이나</a:t>
+            </a:r>
+            <a:r>
+              <a:rPr lang="en-US" altLang="ko-KR" dirty="0"/>
+              <a:t>, </a:t>
             </a:r>
             <a:r>
               <a:rPr lang="ko-KR" altLang="en-US" dirty="0"/>
-              <a:t> 존재했지만 위치 추적이 잘 나타나고 있음을 확인했습니다</a:t>
+              <a:t>위치 파악이 잘 이루어짐을 확인했습니다</a:t>
             </a:r>
             <a:r>
               <a:rPr lang="en-US" altLang="ko-KR" dirty="0"/>
@@ -14981,12 +16080,24 @@
           </a:p>
           <a:p>
             <a:r>
+              <a:rPr lang="ko-KR" altLang="en-US" dirty="0"/>
+              <a:t> </a:t>
+            </a:r>
+            <a:r>
+              <a:rPr lang="ko-KR" altLang="en-US" dirty="0" err="1"/>
+              <a:t>버벅임은</a:t>
+            </a:r>
+            <a:r>
+              <a:rPr lang="ko-KR" altLang="en-US" dirty="0"/>
+              <a:t> </a:t>
+            </a:r>
+            <a:r>
               <a:rPr lang="ko-KR" altLang="en-US" dirty="0" err="1"/>
               <a:t>트래킹을</a:t>
             </a:r>
             <a:r>
               <a:rPr lang="ko-KR" altLang="en-US" dirty="0"/>
-              <a:t> 통해 이를 보완하려고 합니다</a:t>
+              <a:t> 통해 보완하려고 합니다</a:t>
             </a:r>
             <a:r>
               <a:rPr lang="en-US" altLang="ko-KR" dirty="0"/>
@@ -15450,7 +16561,7 @@
             </a:pPr>
             <a:r>
               <a:rPr lang="ko-KR" altLang="en-US" sz="1200" dirty="0"/>
-              <a:t>서울 대로변 횡단보도 데이터 중 링크 </a:t>
+              <a:t> 서울 대로변 횡단보도 데이터 중 링크 </a:t>
             </a:r>
             <a:r>
               <a:rPr lang="en-US" altLang="ko-KR" sz="1200" dirty="0"/>
@@ -15738,32 +16849,28 @@
             </a:pPr>
             <a:r>
               <a:rPr lang="ko-KR" altLang="en-US" sz="1200" dirty="0"/>
-              <a:t>사각형을 이제 횡단 보도 영역으로 잡고 이 범위를 벗어난 곳에 있다면 무단 횡단으로 인식하도록 할 예정입니다</a:t>
+              <a:t> 사각형을 횡단보도 영역으로 잡고 이 범위를 벗어난 곳에 있다면 무단 횡단으로 인식합니다</a:t>
             </a:r>
             <a:r>
               <a:rPr lang="en-US" altLang="ko-KR" sz="1200" dirty="0"/>
               <a:t>.</a:t>
             </a:r>
-          </a:p>
-          <a:p>
-            <a:pPr>
-              <a:lnSpc>
-                <a:spcPct val="150000"/>
-              </a:lnSpc>
-            </a:pPr>
             <a:r>
               <a:rPr lang="ko-KR" altLang="en-US" sz="1200" dirty="0"/>
-              <a:t>이 사각형에서 선의 길이를 </a:t>
-            </a:r>
-            <a:r>
-              <a:rPr lang="ko-KR" altLang="en-US" sz="1200" dirty="0" err="1"/>
-              <a:t>계산해야합니다</a:t>
+              <a:t> 따라서 이 </a:t>
+            </a:r>
+            <a:r>
+              <a:rPr lang="en-US" altLang="ko-KR" sz="1200" dirty="0"/>
+              <a:t>LINESTRING</a:t>
+            </a:r>
+            <a:r>
+              <a:rPr lang="ko-KR" altLang="en-US" sz="1200" dirty="0"/>
+              <a:t>값을 토대로 사각형 구역을 계산하는 방법을 구상했습니다</a:t>
             </a:r>
             <a:r>
               <a:rPr lang="en-US" altLang="ko-KR" sz="1200" dirty="0"/>
               <a:t>.</a:t>
             </a:r>
-            <a:endParaRPr lang="ko-KR" altLang="en-US" sz="1200" dirty="0"/>
           </a:p>
         </p:txBody>
       </p:sp>
@@ -16157,8 +17264,8 @@
         </p:nvSpPr>
         <p:spPr>
           <a:xfrm>
-            <a:off x="3779912" y="2039918"/>
-            <a:ext cx="4968552" cy="1892954"/>
+            <a:off x="5580112" y="1347614"/>
+            <a:ext cx="3024336" cy="3000950"/>
           </a:xfrm>
           <a:prstGeom prst="rect">
             <a:avLst/>
@@ -16272,23 +17379,7 @@
             </a:pPr>
             <a:r>
               <a:rPr lang="ko-KR" altLang="en-US" sz="1600" dirty="0"/>
-              <a:t>현재 저희는 </a:t>
-            </a:r>
-            <a:r>
-              <a:rPr lang="en-US" altLang="ko-KR" sz="1600" dirty="0"/>
-              <a:t>LINESTRING</a:t>
-            </a:r>
-            <a:r>
-              <a:rPr lang="ko-KR" altLang="en-US" sz="1600" dirty="0"/>
-              <a:t>형태로 위도</a:t>
-            </a:r>
-            <a:r>
-              <a:rPr lang="en-US" altLang="ko-KR" sz="1600" dirty="0"/>
-              <a:t>,</a:t>
-            </a:r>
-            <a:r>
-              <a:rPr lang="ko-KR" altLang="en-US" sz="1600" dirty="0"/>
-              <a:t>경도 데이터를 가지고 있습니다</a:t>
+              <a:t> 현재의 데이터는 위경도로 표현되어 있습니다</a:t>
             </a:r>
             <a:r>
               <a:rPr lang="en-US" altLang="ko-KR" sz="1600" dirty="0"/>
@@ -16301,25 +17392,41 @@
                 <a:spcPct val="150000"/>
               </a:lnSpc>
             </a:pPr>
+            <a:endParaRPr lang="en-US" altLang="ko-KR" sz="1600" dirty="0"/>
+          </a:p>
+          <a:p>
+            <a:pPr>
+              <a:lnSpc>
+                <a:spcPct val="150000"/>
+              </a:lnSpc>
+            </a:pPr>
             <a:r>
               <a:rPr lang="ko-KR" altLang="en-US" sz="1600" dirty="0"/>
-              <a:t>하지만 위도</a:t>
+              <a:t> 그러나 위경도 데이터만으로는 </a:t>
+            </a:r>
+            <a:r>
+              <a:rPr lang="ko-KR" altLang="en-US" sz="1600" dirty="0" err="1"/>
+              <a:t>좌우폭</a:t>
+            </a:r>
+            <a:r>
+              <a:rPr lang="ko-KR" altLang="en-US" sz="1600" dirty="0"/>
+              <a:t> </a:t>
             </a:r>
             <a:r>
               <a:rPr lang="en-US" altLang="ko-KR" sz="1600" dirty="0"/>
-              <a:t>,</a:t>
+              <a:t>4m </a:t>
             </a:r>
             <a:r>
               <a:rPr lang="ko-KR" altLang="en-US" sz="1600" dirty="0"/>
-              <a:t>경도 데이터만으로는 계산을 진행할 수 가 없습니다</a:t>
+              <a:t>계산을 진행하는 것에 어려움이 있으므로 </a:t>
             </a:r>
             <a:r>
               <a:rPr lang="en-US" altLang="ko-KR" sz="1600" dirty="0"/>
-              <a:t>. </a:t>
+              <a:t>DB </a:t>
             </a:r>
             <a:r>
               <a:rPr lang="ko-KR" altLang="en-US" sz="1600" dirty="0"/>
-              <a:t>그래서 좌표계 변환을 통해서 얻은 결과로 계산을 진행할 수가 있습니다</a:t>
+              <a:t>내부에서 좌표계 변환을 수행해야 합니다</a:t>
             </a:r>
             <a:r>
               <a:rPr lang="en-US" altLang="ko-KR" sz="1600" dirty="0"/>
